--- a/Blossomov algoritem.pptx
+++ b/Blossomov algoritem.pptx
@@ -5,31 +5,35 @@
     <p:sldMasterId id="2147483648" r:id="rId1"/>
   </p:sldMasterIdLst>
   <p:notesMasterIdLst>
-    <p:notesMasterId r:id="rId24"/>
+    <p:notesMasterId r:id="rId28"/>
   </p:notesMasterIdLst>
   <p:sldIdLst>
     <p:sldId id="256" r:id="rId2"/>
-    <p:sldId id="257" r:id="rId3"/>
-    <p:sldId id="261" r:id="rId4"/>
-    <p:sldId id="264" r:id="rId5"/>
-    <p:sldId id="259" r:id="rId6"/>
-    <p:sldId id="272" r:id="rId7"/>
-    <p:sldId id="268" r:id="rId8"/>
-    <p:sldId id="279" r:id="rId9"/>
-    <p:sldId id="270" r:id="rId10"/>
-    <p:sldId id="267" r:id="rId11"/>
-    <p:sldId id="275" r:id="rId12"/>
-    <p:sldId id="281" r:id="rId13"/>
-    <p:sldId id="273" r:id="rId14"/>
-    <p:sldId id="274" r:id="rId15"/>
-    <p:sldId id="276" r:id="rId16"/>
-    <p:sldId id="277" r:id="rId17"/>
-    <p:sldId id="278" r:id="rId18"/>
-    <p:sldId id="266" r:id="rId19"/>
-    <p:sldId id="269" r:id="rId20"/>
-    <p:sldId id="265" r:id="rId21"/>
-    <p:sldId id="258" r:id="rId22"/>
-    <p:sldId id="262" r:id="rId23"/>
+    <p:sldId id="284" r:id="rId3"/>
+    <p:sldId id="257" r:id="rId4"/>
+    <p:sldId id="261" r:id="rId5"/>
+    <p:sldId id="264" r:id="rId6"/>
+    <p:sldId id="282" r:id="rId7"/>
+    <p:sldId id="259" r:id="rId8"/>
+    <p:sldId id="272" r:id="rId9"/>
+    <p:sldId id="268" r:id="rId10"/>
+    <p:sldId id="279" r:id="rId11"/>
+    <p:sldId id="270" r:id="rId12"/>
+    <p:sldId id="267" r:id="rId13"/>
+    <p:sldId id="275" r:id="rId14"/>
+    <p:sldId id="281" r:id="rId15"/>
+    <p:sldId id="285" r:id="rId16"/>
+    <p:sldId id="273" r:id="rId17"/>
+    <p:sldId id="274" r:id="rId18"/>
+    <p:sldId id="276" r:id="rId19"/>
+    <p:sldId id="277" r:id="rId20"/>
+    <p:sldId id="278" r:id="rId21"/>
+    <p:sldId id="266" r:id="rId22"/>
+    <p:sldId id="269" r:id="rId23"/>
+    <p:sldId id="265" r:id="rId24"/>
+    <p:sldId id="283" r:id="rId25"/>
+    <p:sldId id="258" r:id="rId26"/>
+    <p:sldId id="262" r:id="rId27"/>
   </p:sldIdLst>
   <p:sldSz cx="9144000" cy="6858000" type="screen4x3"/>
   <p:notesSz cx="6858000" cy="9144000"/>
@@ -738,7 +742,7 @@
           <a:p>
             <a:fld id="{2068A809-5CE4-4CE2-B32B-B9BC7DD73B81}" type="slidenum">
               <a:rPr lang="en-US" smtClean="0"/>
-              <a:t>5</a:t>
+              <a:t>7</a:t>
             </a:fld>
             <a:endParaRPr lang="en-US"/>
           </a:p>
@@ -850,7 +854,7 @@
           <a:p>
             <a:fld id="{2068A809-5CE4-4CE2-B32B-B9BC7DD73B81}" type="slidenum">
               <a:rPr lang="en-US" smtClean="0"/>
-              <a:t>18</a:t>
+              <a:t>21</a:t>
             </a:fld>
             <a:endParaRPr lang="en-US"/>
           </a:p>
@@ -938,7 +942,7 @@
           <a:p>
             <a:fld id="{2068A809-5CE4-4CE2-B32B-B9BC7DD73B81}" type="slidenum">
               <a:rPr lang="en-US" smtClean="0"/>
-              <a:t>21</a:t>
+              <a:t>25</a:t>
             </a:fld>
             <a:endParaRPr lang="en-US"/>
           </a:p>
@@ -4047,53 +4051,74 @@
           <a:bodyPr/>
           <a:lstStyle/>
           <a:p>
-            <a:r>
-              <a:rPr lang="sl-SI" dirty="0" smtClean="0"/>
-              <a:t>Algoritem</a:t>
-            </a:r>
+            <a:endParaRPr lang="en-US"/>
+          </a:p>
+        </p:txBody>
+      </p:sp>
+      <p:sp>
+        <p:nvSpPr>
+          <p:cNvPr id="3" name="Ograda vsebine 2"/>
+          <p:cNvSpPr>
+            <a:spLocks noGrp="1"/>
+          </p:cNvSpPr>
+          <p:nvPr>
+            <p:ph idx="1"/>
+          </p:nvPr>
+        </p:nvSpPr>
+        <p:spPr/>
+        <p:txBody>
+          <a:bodyPr/>
+          <a:lstStyle/>
+          <a:p>
             <a:endParaRPr lang="en-US" dirty="0"/>
           </a:p>
         </p:txBody>
       </p:sp>
-      <p:sp>
-        <p:nvSpPr>
-          <p:cNvPr id="3" name="Ograda vsebine 2"/>
-          <p:cNvSpPr>
-            <a:spLocks noGrp="1"/>
-          </p:cNvSpPr>
-          <p:nvPr>
-            <p:ph idx="1"/>
-          </p:nvPr>
-        </p:nvSpPr>
-        <p:spPr/>
-        <p:txBody>
-          <a:bodyPr/>
-          <a:lstStyle/>
-          <a:p>
-            <a:r>
-              <a:rPr lang="sl-SI" dirty="0" smtClean="0"/>
-              <a:t>Vhod: Graf G, Prirejanje M</a:t>
-            </a:r>
-          </a:p>
-          <a:p>
-            <a:r>
-              <a:rPr lang="sl-SI" dirty="0" smtClean="0"/>
-              <a:t>Izhod: Povečujoča pot, če obstaja, sicer prazna pot.</a:t>
-            </a:r>
-          </a:p>
-          <a:p>
-            <a:r>
-              <a:rPr lang="sl-SI" dirty="0" smtClean="0"/>
-              <a:t>Iskanje poti za povečanje uporablja pomožno podatkovno strukturo gozd F, katerega posamezna drevesa ustrezajo določenim delom grafa G.</a:t>
-            </a:r>
-            <a:endParaRPr lang="en-US" dirty="0"/>
-          </a:p>
-        </p:txBody>
-      </p:sp>
+      <p:pic>
+        <p:nvPicPr>
+          <p:cNvPr id="2050" name="Picture 2" descr="C:\Documents and Settings\xxx\Desktop\BlossomAlgoritem\slike\Edmonds_augmenting_path.svg.png"/>
+          <p:cNvPicPr>
+            <a:picLocks noChangeAspect="1" noChangeArrowheads="1"/>
+          </p:cNvPicPr>
+          <p:nvPr/>
+        </p:nvPicPr>
+        <p:blipFill>
+          <a:blip r:embed="rId2">
+            <a:extLst>
+              <a:ext uri="{28A0092B-C50C-407E-A947-70E740481C1C}">
+                <a14:useLocalDpi xmlns:a14="http://schemas.microsoft.com/office/drawing/2010/main" val="0"/>
+              </a:ext>
+            </a:extLst>
+          </a:blip>
+          <a:srcRect/>
+          <a:stretch>
+            <a:fillRect/>
+          </a:stretch>
+        </p:blipFill>
+        <p:spPr bwMode="auto">
+          <a:xfrm>
+            <a:off x="2325621" y="2194722"/>
+            <a:ext cx="4762500" cy="3276600"/>
+          </a:xfrm>
+          <a:prstGeom prst="rect">
+            <a:avLst/>
+          </a:prstGeom>
+          <a:noFill/>
+          <a:extLst>
+            <a:ext uri="{909E8E84-426E-40DD-AFC4-6F175D3DCCD1}">
+              <a14:hiddenFill xmlns:a14="http://schemas.microsoft.com/office/drawing/2010/main">
+                <a:solidFill>
+                  <a:srgbClr val="FFFFFF"/>
+                </a:solidFill>
+              </a14:hiddenFill>
+            </a:ext>
+          </a:extLst>
+        </p:spPr>
+      </p:pic>
     </p:spTree>
     <p:extLst>
       <p:ext uri="{BB962C8B-B14F-4D97-AF65-F5344CB8AC3E}">
-        <p14:creationId xmlns:p14="http://schemas.microsoft.com/office/powerpoint/2010/main" val="3768219319"/>
+        <p14:creationId xmlns:p14="http://schemas.microsoft.com/office/powerpoint/2010/main" val="2519826504"/>
       </p:ext>
     </p:extLst>
   </p:cSld>
@@ -4142,6 +4167,292 @@
           <a:bodyPr/>
           <a:lstStyle/>
           <a:p>
+            <a:r>
+              <a:rPr lang="sl-SI" dirty="0" smtClean="0"/>
+              <a:t>Trditev</a:t>
+            </a:r>
+            <a:endParaRPr lang="en-US" dirty="0"/>
+          </a:p>
+        </p:txBody>
+      </p:sp>
+      <p:sp>
+        <p:nvSpPr>
+          <p:cNvPr id="3" name="Ograda vsebine 2"/>
+          <p:cNvSpPr>
+            <a:spLocks noGrp="1"/>
+          </p:cNvSpPr>
+          <p:nvPr>
+            <p:ph idx="1"/>
+          </p:nvPr>
+        </p:nvSpPr>
+        <p:spPr/>
+        <p:txBody>
+          <a:bodyPr/>
+          <a:lstStyle/>
+          <a:p>
+            <a:r>
+              <a:rPr lang="sl-SI" dirty="0" smtClean="0"/>
+              <a:t>S</a:t>
+            </a:r>
+            <a:r>
+              <a:rPr lang="en-US" dirty="0" smtClean="0"/>
+              <a:t> </a:t>
+            </a:r>
+            <a:r>
+              <a:rPr lang="en-US" dirty="0" err="1" smtClean="0"/>
+              <a:t>povečujočo</a:t>
+            </a:r>
+            <a:r>
+              <a:rPr lang="en-US" dirty="0" smtClean="0"/>
+              <a:t> </a:t>
+            </a:r>
+            <a:r>
+              <a:rPr lang="en-US" dirty="0" err="1" smtClean="0"/>
+              <a:t>potjo</a:t>
+            </a:r>
+            <a:r>
+              <a:rPr lang="en-US" dirty="0" smtClean="0"/>
+              <a:t> in </a:t>
+            </a:r>
+            <a:r>
+              <a:rPr lang="en-US" dirty="0" err="1" smtClean="0"/>
+              <a:t>prirejanjem</a:t>
+            </a:r>
+            <a:r>
+              <a:rPr lang="en-US" dirty="0" smtClean="0"/>
+              <a:t> M, z </a:t>
+            </a:r>
+            <a:r>
+              <a:rPr lang="en-US" dirty="0" err="1" smtClean="0"/>
+              <a:t>odstranitvijo</a:t>
+            </a:r>
+            <a:r>
+              <a:rPr lang="en-US" dirty="0" smtClean="0"/>
+              <a:t> </a:t>
+            </a:r>
+            <a:r>
+              <a:rPr lang="en-US" dirty="0" err="1" smtClean="0"/>
+              <a:t>povezav</a:t>
+            </a:r>
+            <a:r>
+              <a:rPr lang="en-US" dirty="0" smtClean="0"/>
+              <a:t> v </a:t>
+            </a:r>
+            <a:r>
+              <a:rPr lang="en-US" dirty="0" err="1" smtClean="0"/>
+              <a:t>prirejanju</a:t>
+            </a:r>
+            <a:r>
+              <a:rPr lang="en-US" dirty="0" smtClean="0"/>
+              <a:t> in z </a:t>
+            </a:r>
+            <a:r>
+              <a:rPr lang="en-US" dirty="0" err="1" smtClean="0"/>
+              <a:t>dodajanjem</a:t>
+            </a:r>
+            <a:r>
+              <a:rPr lang="en-US" dirty="0" smtClean="0"/>
+              <a:t>, </a:t>
+            </a:r>
+            <a:r>
+              <a:rPr lang="en-US" dirty="0" err="1" smtClean="0"/>
+              <a:t>ki</a:t>
+            </a:r>
+            <a:r>
+              <a:rPr lang="en-US" dirty="0" smtClean="0"/>
+              <a:t> </a:t>
+            </a:r>
+            <a:r>
+              <a:rPr lang="en-US" dirty="0" err="1" smtClean="0"/>
+              <a:t>niso</a:t>
+            </a:r>
+            <a:r>
+              <a:rPr lang="en-US" dirty="0" smtClean="0"/>
+              <a:t> v </a:t>
+            </a:r>
+            <a:r>
+              <a:rPr lang="en-US" dirty="0" err="1" smtClean="0"/>
+              <a:t>prirejanju</a:t>
+            </a:r>
+            <a:r>
+              <a:rPr lang="en-US" dirty="0" smtClean="0"/>
+              <a:t> </a:t>
+            </a:r>
+            <a:r>
+              <a:rPr lang="en-US" dirty="0" err="1" smtClean="0"/>
+              <a:t>povečamo</a:t>
+            </a:r>
+            <a:r>
+              <a:rPr lang="en-US" dirty="0" smtClean="0"/>
+              <a:t> </a:t>
+            </a:r>
+            <a:r>
+              <a:rPr lang="en-US" dirty="0" err="1" smtClean="0"/>
+              <a:t>velikost</a:t>
+            </a:r>
+            <a:r>
+              <a:rPr lang="en-US" dirty="0" smtClean="0"/>
+              <a:t> </a:t>
+            </a:r>
+            <a:r>
+              <a:rPr lang="en-US" dirty="0" err="1" smtClean="0"/>
+              <a:t>za</a:t>
+            </a:r>
+            <a:r>
+              <a:rPr lang="en-US" dirty="0" smtClean="0"/>
+              <a:t> 1.</a:t>
+            </a:r>
+            <a:endParaRPr lang="en-US" dirty="0"/>
+          </a:p>
+        </p:txBody>
+      </p:sp>
+    </p:spTree>
+    <p:extLst>
+      <p:ext uri="{BB962C8B-B14F-4D97-AF65-F5344CB8AC3E}">
+        <p14:creationId xmlns:p14="http://schemas.microsoft.com/office/powerpoint/2010/main" val="871783126"/>
+      </p:ext>
+    </p:extLst>
+  </p:cSld>
+  <p:clrMapOvr>
+    <a:masterClrMapping/>
+  </p:clrMapOvr>
+  <p:timing>
+    <p:tnLst>
+      <p:par>
+        <p:cTn id="1" dur="indefinite" restart="never" nodeType="tmRoot"/>
+      </p:par>
+    </p:tnLst>
+  </p:timing>
+</p:sld>
+</file>
+
+<file path=ppt/slides/slide12.xml><?xml version="1.0" encoding="utf-8"?>
+<p:sld xmlns:a="http://schemas.openxmlformats.org/drawingml/2006/main" xmlns:r="http://schemas.openxmlformats.org/officeDocument/2006/relationships" xmlns:p="http://schemas.openxmlformats.org/presentationml/2006/main">
+  <p:cSld>
+    <p:spTree>
+      <p:nvGrpSpPr>
+        <p:cNvPr id="1" name=""/>
+        <p:cNvGrpSpPr/>
+        <p:nvPr/>
+      </p:nvGrpSpPr>
+      <p:grpSpPr>
+        <a:xfrm>
+          <a:off x="0" y="0"/>
+          <a:ext cx="0" cy="0"/>
+          <a:chOff x="0" y="0"/>
+          <a:chExt cx="0" cy="0"/>
+        </a:xfrm>
+      </p:grpSpPr>
+      <p:sp>
+        <p:nvSpPr>
+          <p:cNvPr id="2" name="Naslov 1"/>
+          <p:cNvSpPr>
+            <a:spLocks noGrp="1"/>
+          </p:cNvSpPr>
+          <p:nvPr>
+            <p:ph type="title"/>
+          </p:nvPr>
+        </p:nvSpPr>
+        <p:spPr/>
+        <p:txBody>
+          <a:bodyPr/>
+          <a:lstStyle/>
+          <a:p>
+            <a:r>
+              <a:rPr lang="sl-SI" dirty="0" smtClean="0"/>
+              <a:t>Algoritem</a:t>
+            </a:r>
+            <a:endParaRPr lang="en-US" dirty="0"/>
+          </a:p>
+        </p:txBody>
+      </p:sp>
+      <p:sp>
+        <p:nvSpPr>
+          <p:cNvPr id="3" name="Ograda vsebine 2"/>
+          <p:cNvSpPr>
+            <a:spLocks noGrp="1"/>
+          </p:cNvSpPr>
+          <p:nvPr>
+            <p:ph idx="1"/>
+          </p:nvPr>
+        </p:nvSpPr>
+        <p:spPr/>
+        <p:txBody>
+          <a:bodyPr/>
+          <a:lstStyle/>
+          <a:p>
+            <a:r>
+              <a:rPr lang="sl-SI" dirty="0" smtClean="0"/>
+              <a:t>Vhod: Graf G, Prirejanje M</a:t>
+            </a:r>
+          </a:p>
+          <a:p>
+            <a:r>
+              <a:rPr lang="sl-SI" dirty="0" smtClean="0"/>
+              <a:t>Izhod: Povečujoča pot, če obstaja, sicer prazna pot.</a:t>
+            </a:r>
+          </a:p>
+          <a:p>
+            <a:r>
+              <a:rPr lang="sl-SI" dirty="0" smtClean="0"/>
+              <a:t>Iskanje poti za povečanje uporablja pomožno podatkovno strukturo gozd F, katerega posamezna drevesa ustrezajo določenim delom grafa G.</a:t>
+            </a:r>
+            <a:endParaRPr lang="en-US" dirty="0"/>
+          </a:p>
+        </p:txBody>
+      </p:sp>
+    </p:spTree>
+    <p:extLst>
+      <p:ext uri="{BB962C8B-B14F-4D97-AF65-F5344CB8AC3E}">
+        <p14:creationId xmlns:p14="http://schemas.microsoft.com/office/powerpoint/2010/main" val="3768219319"/>
+      </p:ext>
+    </p:extLst>
+  </p:cSld>
+  <p:clrMapOvr>
+    <a:masterClrMapping/>
+  </p:clrMapOvr>
+  <p:timing>
+    <p:tnLst>
+      <p:par>
+        <p:cTn id="1" dur="indefinite" restart="never" nodeType="tmRoot"/>
+      </p:par>
+    </p:tnLst>
+  </p:timing>
+</p:sld>
+</file>
+
+<file path=ppt/slides/slide13.xml><?xml version="1.0" encoding="utf-8"?>
+<p:sld xmlns:a="http://schemas.openxmlformats.org/drawingml/2006/main" xmlns:r="http://schemas.openxmlformats.org/officeDocument/2006/relationships" xmlns:p="http://schemas.openxmlformats.org/presentationml/2006/main">
+  <p:cSld>
+    <p:spTree>
+      <p:nvGrpSpPr>
+        <p:cNvPr id="1" name=""/>
+        <p:cNvGrpSpPr/>
+        <p:nvPr/>
+      </p:nvGrpSpPr>
+      <p:grpSpPr>
+        <a:xfrm>
+          <a:off x="0" y="0"/>
+          <a:ext cx="0" cy="0"/>
+          <a:chOff x="0" y="0"/>
+          <a:chExt cx="0" cy="0"/>
+        </a:xfrm>
+      </p:grpSpPr>
+      <p:sp>
+        <p:nvSpPr>
+          <p:cNvPr id="2" name="Naslov 1"/>
+          <p:cNvSpPr>
+            <a:spLocks noGrp="1"/>
+          </p:cNvSpPr>
+          <p:nvPr>
+            <p:ph type="title"/>
+          </p:nvPr>
+        </p:nvSpPr>
+        <p:spPr/>
+        <p:txBody>
+          <a:bodyPr/>
+          <a:lstStyle/>
+          <a:p>
             <a:endParaRPr lang="en-US"/>
           </a:p>
         </p:txBody>
@@ -4220,7 +4531,7 @@
 </p:sld>
 </file>
 
-<file path=ppt/slides/slide12.xml><?xml version="1.0" encoding="utf-8"?>
+<file path=ppt/slides/slide14.xml><?xml version="1.0" encoding="utf-8"?>
 <p:sld xmlns:a="http://schemas.openxmlformats.org/drawingml/2006/main" xmlns:r="http://schemas.openxmlformats.org/officeDocument/2006/relationships" xmlns:p="http://schemas.openxmlformats.org/presentationml/2006/main">
   <p:cSld>
     <p:spTree>
@@ -4336,7 +4647,152 @@
 </p:sld>
 </file>
 
-<file path=ppt/slides/slide13.xml><?xml version="1.0" encoding="utf-8"?>
+<file path=ppt/slides/slide15.xml><?xml version="1.0" encoding="utf-8"?>
+<p:sld xmlns:a="http://schemas.openxmlformats.org/drawingml/2006/main" xmlns:r="http://schemas.openxmlformats.org/officeDocument/2006/relationships" xmlns:p="http://schemas.openxmlformats.org/presentationml/2006/main">
+  <p:cSld>
+    <p:spTree>
+      <p:nvGrpSpPr>
+        <p:cNvPr id="1" name=""/>
+        <p:cNvGrpSpPr/>
+        <p:nvPr/>
+      </p:nvGrpSpPr>
+      <p:grpSpPr>
+        <a:xfrm>
+          <a:off x="0" y="0"/>
+          <a:ext cx="0" cy="0"/>
+          <a:chOff x="0" y="0"/>
+          <a:chExt cx="0" cy="0"/>
+        </a:xfrm>
+      </p:grpSpPr>
+      <p:sp>
+        <p:nvSpPr>
+          <p:cNvPr id="2" name="Naslov 1"/>
+          <p:cNvSpPr>
+            <a:spLocks noGrp="1"/>
+          </p:cNvSpPr>
+          <p:nvPr>
+            <p:ph type="title"/>
+          </p:nvPr>
+        </p:nvSpPr>
+        <p:spPr/>
+        <p:txBody>
+          <a:bodyPr>
+            <a:normAutofit fontScale="90000"/>
+          </a:bodyPr>
+          <a:lstStyle/>
+          <a:p>
+            <a:r>
+              <a:rPr lang="sl-SI" dirty="0" smtClean="0"/>
+              <a:t>Povečujoča pot v stisnjenem grafu </a:t>
+            </a:r>
+            <a:r>
+              <a:rPr lang="sl-SI" dirty="0" smtClean="0">
+                <a:sym typeface="Wingdings" panose="05000000000000000000" pitchFamily="2" charset="2"/>
+              </a:rPr>
+              <a:t></a:t>
+            </a:r>
+            <a:r>
+              <a:rPr lang="sl-SI" dirty="0" smtClean="0"/>
+              <a:t> Povečujoča pot v prvotnem grafu</a:t>
+            </a:r>
+            <a:endParaRPr lang="en-US" dirty="0"/>
+          </a:p>
+        </p:txBody>
+      </p:sp>
+      <p:sp>
+        <p:nvSpPr>
+          <p:cNvPr id="3" name="Ograda vsebine 2"/>
+          <p:cNvSpPr>
+            <a:spLocks noGrp="1"/>
+          </p:cNvSpPr>
+          <p:nvPr>
+            <p:ph idx="1"/>
+          </p:nvPr>
+        </p:nvSpPr>
+        <p:spPr/>
+        <p:txBody>
+          <a:bodyPr/>
+          <a:lstStyle/>
+          <a:p>
+            <a:endParaRPr lang="en-US" dirty="0"/>
+          </a:p>
+        </p:txBody>
+      </p:sp>
+      <p:pic>
+        <p:nvPicPr>
+          <p:cNvPr id="3074" name="Picture 2"/>
+          <p:cNvPicPr>
+            <a:picLocks noChangeAspect="1" noChangeArrowheads="1"/>
+          </p:cNvPicPr>
+          <p:nvPr/>
+        </p:nvPicPr>
+        <p:blipFill>
+          <a:blip r:embed="rId2">
+            <a:extLst>
+              <a:ext uri="{28A0092B-C50C-407E-A947-70E740481C1C}">
+                <a14:useLocalDpi xmlns:a14="http://schemas.microsoft.com/office/drawing/2010/main" val="0"/>
+              </a:ext>
+            </a:extLst>
+          </a:blip>
+          <a:srcRect/>
+          <a:stretch>
+            <a:fillRect/>
+          </a:stretch>
+        </p:blipFill>
+        <p:spPr bwMode="auto">
+          <a:xfrm>
+            <a:off x="818558" y="2780928"/>
+            <a:ext cx="7543800" cy="3762375"/>
+          </a:xfrm>
+          <a:prstGeom prst="rect">
+            <a:avLst/>
+          </a:prstGeom>
+          <a:noFill/>
+          <a:ln>
+            <a:noFill/>
+          </a:ln>
+          <a:extLst>
+            <a:ext uri="{909E8E84-426E-40DD-AFC4-6F175D3DCCD1}">
+              <a14:hiddenFill xmlns:a14="http://schemas.microsoft.com/office/drawing/2010/main">
+                <a:solidFill>
+                  <a:schemeClr val="accent1"/>
+                </a:solidFill>
+              </a14:hiddenFill>
+            </a:ext>
+            <a:ext uri="{91240B29-F687-4F45-9708-019B960494DF}">
+              <a14:hiddenLine xmlns:a14="http://schemas.microsoft.com/office/drawing/2010/main" w="9525">
+                <a:solidFill>
+                  <a:schemeClr val="tx1"/>
+                </a:solidFill>
+                <a:miter lim="800000"/>
+                <a:headEnd/>
+                <a:tailEnd/>
+              </a14:hiddenLine>
+            </a:ext>
+          </a:extLst>
+        </p:spPr>
+      </p:pic>
+    </p:spTree>
+    <p:extLst>
+      <p:ext uri="{BB962C8B-B14F-4D97-AF65-F5344CB8AC3E}">
+        <p14:creationId xmlns:p14="http://schemas.microsoft.com/office/powerpoint/2010/main" val="2481776555"/>
+      </p:ext>
+    </p:extLst>
+  </p:cSld>
+  <p:clrMapOvr>
+    <a:masterClrMapping/>
+  </p:clrMapOvr>
+  <p:timing>
+    <p:tnLst>
+      <p:par>
+        <p:cTn id="1" dur="indefinite" restart="never" nodeType="tmRoot"/>
+      </p:par>
+    </p:tnLst>
+  </p:timing>
+</p:sld>
+</file>
+
+<file path=ppt/slides/slide16.xml><?xml version="1.0" encoding="utf-8"?>
 <p:sld xmlns:a="http://schemas.openxmlformats.org/drawingml/2006/main" xmlns:r="http://schemas.openxmlformats.org/officeDocument/2006/relationships" xmlns:p="http://schemas.openxmlformats.org/presentationml/2006/main">
   <p:cSld>
     <p:spTree>
@@ -4452,7 +4908,7 @@
 </p:sld>
 </file>
 
-<file path=ppt/slides/slide14.xml><?xml version="1.0" encoding="utf-8"?>
+<file path=ppt/slides/slide17.xml><?xml version="1.0" encoding="utf-8"?>
 <p:sld xmlns:a="http://schemas.openxmlformats.org/drawingml/2006/main" xmlns:r="http://schemas.openxmlformats.org/officeDocument/2006/relationships" xmlns:p="http://schemas.openxmlformats.org/presentationml/2006/main">
   <p:cSld>
     <p:spTree>
@@ -4590,7 +5046,7 @@
 </p:sld>
 </file>
 
-<file path=ppt/slides/slide15.xml><?xml version="1.0" encoding="utf-8"?>
+<file path=ppt/slides/slide18.xml><?xml version="1.0" encoding="utf-8"?>
 <p:sld xmlns:a="http://schemas.openxmlformats.org/drawingml/2006/main" xmlns:r="http://schemas.openxmlformats.org/officeDocument/2006/relationships" xmlns:p="http://schemas.openxmlformats.org/presentationml/2006/main">
   <p:cSld>
     <p:spTree>
@@ -4747,7 +5203,7 @@
 </p:sld>
 </file>
 
-<file path=ppt/slides/slide16.xml><?xml version="1.0" encoding="utf-8"?>
+<file path=ppt/slides/slide19.xml><?xml version="1.0" encoding="utf-8"?>
 <p:sld xmlns:a="http://schemas.openxmlformats.org/drawingml/2006/main" xmlns:r="http://schemas.openxmlformats.org/officeDocument/2006/relationships" xmlns:p="http://schemas.openxmlformats.org/presentationml/2006/main">
   <p:cSld>
     <p:spTree>
@@ -4904,7 +5360,90 @@
 </p:sld>
 </file>
 
-<file path=ppt/slides/slide17.xml><?xml version="1.0" encoding="utf-8"?>
+<file path=ppt/slides/slide2.xml><?xml version="1.0" encoding="utf-8"?>
+<p:sld xmlns:a="http://schemas.openxmlformats.org/drawingml/2006/main" xmlns:r="http://schemas.openxmlformats.org/officeDocument/2006/relationships" xmlns:p="http://schemas.openxmlformats.org/presentationml/2006/main">
+  <p:cSld>
+    <p:spTree>
+      <p:nvGrpSpPr>
+        <p:cNvPr id="1" name=""/>
+        <p:cNvGrpSpPr/>
+        <p:nvPr/>
+      </p:nvGrpSpPr>
+      <p:grpSpPr>
+        <a:xfrm>
+          <a:off x="0" y="0"/>
+          <a:ext cx="0" cy="0"/>
+          <a:chOff x="0" y="0"/>
+          <a:chExt cx="0" cy="0"/>
+        </a:xfrm>
+      </p:grpSpPr>
+      <p:sp>
+        <p:nvSpPr>
+          <p:cNvPr id="2" name="Naslov 1"/>
+          <p:cNvSpPr>
+            <a:spLocks noGrp="1"/>
+          </p:cNvSpPr>
+          <p:nvPr>
+            <p:ph type="title"/>
+          </p:nvPr>
+        </p:nvSpPr>
+        <p:spPr/>
+        <p:txBody>
+          <a:bodyPr/>
+          <a:lstStyle/>
+          <a:p>
+            <a:r>
+              <a:rPr lang="sl-SI" dirty="0" smtClean="0"/>
+              <a:t>Problem</a:t>
+            </a:r>
+            <a:endParaRPr lang="en-US" dirty="0"/>
+          </a:p>
+        </p:txBody>
+      </p:sp>
+      <p:sp>
+        <p:nvSpPr>
+          <p:cNvPr id="3" name="Ograda vsebine 2"/>
+          <p:cNvSpPr>
+            <a:spLocks noGrp="1"/>
+          </p:cNvSpPr>
+          <p:nvPr>
+            <p:ph idx="1"/>
+          </p:nvPr>
+        </p:nvSpPr>
+        <p:spPr/>
+        <p:txBody>
+          <a:bodyPr/>
+          <a:lstStyle/>
+          <a:p>
+            <a:r>
+              <a:rPr lang="sl-SI" dirty="0" smtClean="0"/>
+              <a:t>Določi največjo podmnožico povezav v grafu, tako da nobeno vozlišče ne bo dotaknjeno več kot 1x.</a:t>
+            </a:r>
+            <a:endParaRPr lang="en-US" dirty="0"/>
+          </a:p>
+        </p:txBody>
+      </p:sp>
+    </p:spTree>
+    <p:extLst>
+      <p:ext uri="{BB962C8B-B14F-4D97-AF65-F5344CB8AC3E}">
+        <p14:creationId xmlns:p14="http://schemas.microsoft.com/office/powerpoint/2010/main" val="4290144554"/>
+      </p:ext>
+    </p:extLst>
+  </p:cSld>
+  <p:clrMapOvr>
+    <a:masterClrMapping/>
+  </p:clrMapOvr>
+  <p:timing>
+    <p:tnLst>
+      <p:par>
+        <p:cTn id="1" dur="indefinite" restart="never" nodeType="tmRoot"/>
+      </p:par>
+    </p:tnLst>
+  </p:timing>
+</p:sld>
+</file>
+
+<file path=ppt/slides/slide20.xml><?xml version="1.0" encoding="utf-8"?>
 <p:sld xmlns:a="http://schemas.openxmlformats.org/drawingml/2006/main" xmlns:r="http://schemas.openxmlformats.org/officeDocument/2006/relationships" xmlns:p="http://schemas.openxmlformats.org/presentationml/2006/main">
   <p:cSld>
     <p:spTree>
@@ -4994,7 +5533,7 @@
 </p:sld>
 </file>
 
-<file path=ppt/slides/slide18.xml><?xml version="1.0" encoding="utf-8"?>
+<file path=ppt/slides/slide21.xml><?xml version="1.0" encoding="utf-8"?>
 <p:sld xmlns:a="http://schemas.openxmlformats.org/drawingml/2006/main" xmlns:r="http://schemas.openxmlformats.org/officeDocument/2006/relationships" xmlns:p="http://schemas.openxmlformats.org/presentationml/2006/main">
   <p:cSld>
     <p:spTree>
@@ -5151,7 +5690,7 @@
 </p:sld>
 </file>
 
-<file path=ppt/slides/slide19.xml><?xml version="1.0" encoding="utf-8"?>
+<file path=ppt/slides/slide22.xml><?xml version="1.0" encoding="utf-8"?>
 <p:sld xmlns:a="http://schemas.openxmlformats.org/drawingml/2006/main" xmlns:r="http://schemas.openxmlformats.org/officeDocument/2006/relationships" xmlns:p="http://schemas.openxmlformats.org/presentationml/2006/main">
   <p:cSld>
     <p:spTree>
@@ -5280,124 +5819,7 @@
 </p:sld>
 </file>
 
-<file path=ppt/slides/slide2.xml><?xml version="1.0" encoding="utf-8"?>
-<p:sld xmlns:a="http://schemas.openxmlformats.org/drawingml/2006/main" xmlns:r="http://schemas.openxmlformats.org/officeDocument/2006/relationships" xmlns:p="http://schemas.openxmlformats.org/presentationml/2006/main">
-  <p:cSld>
-    <p:spTree>
-      <p:nvGrpSpPr>
-        <p:cNvPr id="1" name=""/>
-        <p:cNvGrpSpPr/>
-        <p:nvPr/>
-      </p:nvGrpSpPr>
-      <p:grpSpPr>
-        <a:xfrm>
-          <a:off x="0" y="0"/>
-          <a:ext cx="0" cy="0"/>
-          <a:chOff x="0" y="0"/>
-          <a:chExt cx="0" cy="0"/>
-        </a:xfrm>
-      </p:grpSpPr>
-      <p:sp>
-        <p:nvSpPr>
-          <p:cNvPr id="2" name="Naslov 1"/>
-          <p:cNvSpPr>
-            <a:spLocks noGrp="1"/>
-          </p:cNvSpPr>
-          <p:nvPr>
-            <p:ph type="title"/>
-          </p:nvPr>
-        </p:nvSpPr>
-        <p:spPr/>
-        <p:txBody>
-          <a:bodyPr/>
-          <a:lstStyle/>
-          <a:p>
-            <a:endParaRPr lang="en-US" dirty="0"/>
-          </a:p>
-        </p:txBody>
-      </p:sp>
-      <p:sp>
-        <p:nvSpPr>
-          <p:cNvPr id="3" name="Ograda vsebine 2"/>
-          <p:cNvSpPr>
-            <a:spLocks noGrp="1"/>
-          </p:cNvSpPr>
-          <p:nvPr>
-            <p:ph idx="1"/>
-          </p:nvPr>
-        </p:nvSpPr>
-        <p:spPr/>
-        <p:txBody>
-          <a:bodyPr/>
-          <a:lstStyle/>
-          <a:p>
-            <a:r>
-              <a:rPr lang="en-US" dirty="0" err="1" smtClean="0"/>
-              <a:t>Algoritem</a:t>
-            </a:r>
-            <a:r>
-              <a:rPr lang="en-US" dirty="0" smtClean="0"/>
-              <a:t> je </a:t>
-            </a:r>
-            <a:r>
-              <a:rPr lang="en-US" dirty="0" err="1" smtClean="0"/>
-              <a:t>razvil</a:t>
-            </a:r>
-            <a:r>
-              <a:rPr lang="en-US" dirty="0" smtClean="0"/>
-              <a:t> Jack Edmonds </a:t>
-            </a:r>
-            <a:r>
-              <a:rPr lang="en-US" dirty="0" err="1" smtClean="0"/>
-              <a:t>leta</a:t>
-            </a:r>
-            <a:r>
-              <a:rPr lang="en-US" dirty="0" smtClean="0"/>
-              <a:t> 1961</a:t>
-            </a:r>
-            <a:r>
-              <a:rPr lang="sl-SI" dirty="0" smtClean="0"/>
-              <a:t>, objavljen je bil 1965.</a:t>
-            </a:r>
-          </a:p>
-          <a:p>
-            <a:r>
-              <a:rPr lang="sl-SI" dirty="0" smtClean="0"/>
-              <a:t>Prvi algoritem, ki išče maksimalno prirejanje v polinomskem času.</a:t>
-            </a:r>
-          </a:p>
-          <a:p>
-            <a:r>
-              <a:rPr lang="sl-SI" dirty="0" smtClean="0"/>
-              <a:t>Algoritem, ki dela na vseh grafih.</a:t>
-            </a:r>
-          </a:p>
-          <a:p>
-            <a:endParaRPr lang="en-US" dirty="0"/>
-          </a:p>
-        </p:txBody>
-      </p:sp>
-    </p:spTree>
-    <p:extLst>
-      <p:ext uri="{BB962C8B-B14F-4D97-AF65-F5344CB8AC3E}">
-        <p14:creationId xmlns:p14="http://schemas.microsoft.com/office/powerpoint/2010/main" val="3706668536"/>
-      </p:ext>
-    </p:extLst>
-  </p:cSld>
-  <p:clrMapOvr>
-    <a:masterClrMapping/>
-  </p:clrMapOvr>
-  <p:timing>
-    <p:tnLst>
-      <p:par>
-        <p:cTn id="1" dur="indefinite" restart="never" nodeType="tmRoot"/>
-      </p:par>
-    </p:tnLst>
-  </p:timing>
-</p:sld>
-</file>
-
-<file path=ppt/slides/slide20.xml><?xml version="1.0" encoding="utf-8"?>
+<file path=ppt/slides/slide23.xml><?xml version="1.0" encoding="utf-8"?>
 <p:sld xmlns:a="http://schemas.openxmlformats.org/drawingml/2006/main" xmlns:r="http://schemas.openxmlformats.org/officeDocument/2006/relationships" xmlns:p="http://schemas.openxmlformats.org/presentationml/2006/main">
   <p:cSld>
     <p:spTree>
@@ -5579,7 +6001,94 @@
 </p:sld>
 </file>
 
-<file path=ppt/slides/slide21.xml><?xml version="1.0" encoding="utf-8"?>
+<file path=ppt/slides/slide24.xml><?xml version="1.0" encoding="utf-8"?>
+<p:sld xmlns:a="http://schemas.openxmlformats.org/drawingml/2006/main" xmlns:r="http://schemas.openxmlformats.org/officeDocument/2006/relationships" xmlns:p="http://schemas.openxmlformats.org/presentationml/2006/main">
+  <p:cSld>
+    <p:spTree>
+      <p:nvGrpSpPr>
+        <p:cNvPr id="1" name=""/>
+        <p:cNvGrpSpPr/>
+        <p:nvPr/>
+      </p:nvGrpSpPr>
+      <p:grpSpPr>
+        <a:xfrm>
+          <a:off x="0" y="0"/>
+          <a:ext cx="0" cy="0"/>
+          <a:chOff x="0" y="0"/>
+          <a:chExt cx="0" cy="0"/>
+        </a:xfrm>
+      </p:grpSpPr>
+      <p:sp>
+        <p:nvSpPr>
+          <p:cNvPr id="2" name="Naslov 1"/>
+          <p:cNvSpPr>
+            <a:spLocks noGrp="1"/>
+          </p:cNvSpPr>
+          <p:nvPr>
+            <p:ph type="title"/>
+          </p:nvPr>
+        </p:nvSpPr>
+        <p:spPr/>
+        <p:txBody>
+          <a:bodyPr/>
+          <a:lstStyle/>
+          <a:p>
+            <a:r>
+              <a:rPr lang="sl-SI" dirty="0" err="1" smtClean="0"/>
+              <a:t>Pararelni</a:t>
+            </a:r>
+            <a:r>
+              <a:rPr lang="sl-SI" dirty="0" smtClean="0"/>
+              <a:t> algoritem</a:t>
+            </a:r>
+            <a:endParaRPr lang="en-US" dirty="0"/>
+          </a:p>
+        </p:txBody>
+      </p:sp>
+      <p:sp>
+        <p:nvSpPr>
+          <p:cNvPr id="3" name="Ograda vsebine 2"/>
+          <p:cNvSpPr>
+            <a:spLocks noGrp="1"/>
+          </p:cNvSpPr>
+          <p:nvPr>
+            <p:ph idx="1"/>
+          </p:nvPr>
+        </p:nvSpPr>
+        <p:spPr/>
+        <p:txBody>
+          <a:bodyPr/>
+          <a:lstStyle/>
+          <a:p>
+            <a:r>
+              <a:rPr lang="sl-SI" dirty="0" smtClean="0"/>
+              <a:t>Časovna zahtevnost O(|V|^3)</a:t>
+            </a:r>
+            <a:endParaRPr lang="en-US" dirty="0"/>
+          </a:p>
+        </p:txBody>
+      </p:sp>
+    </p:spTree>
+    <p:extLst>
+      <p:ext uri="{BB962C8B-B14F-4D97-AF65-F5344CB8AC3E}">
+        <p14:creationId xmlns:p14="http://schemas.microsoft.com/office/powerpoint/2010/main" val="2235571341"/>
+      </p:ext>
+    </p:extLst>
+  </p:cSld>
+  <p:clrMapOvr>
+    <a:masterClrMapping/>
+  </p:clrMapOvr>
+  <p:timing>
+    <p:tnLst>
+      <p:par>
+        <p:cTn id="1" dur="indefinite" restart="never" nodeType="tmRoot"/>
+      </p:par>
+    </p:tnLst>
+  </p:timing>
+</p:sld>
+</file>
+
+<file path=ppt/slides/slide25.xml><?xml version="1.0" encoding="utf-8"?>
 <p:sld xmlns:a="http://schemas.openxmlformats.org/drawingml/2006/main" xmlns:r="http://schemas.openxmlformats.org/officeDocument/2006/relationships" xmlns:p="http://schemas.openxmlformats.org/presentationml/2006/main">
   <p:cSld>
     <p:spTree>
@@ -5695,7 +6204,7 @@
 </p:sld>
 </file>
 
-<file path=ppt/slides/slide22.xml><?xml version="1.0" encoding="utf-8"?>
+<file path=ppt/slides/slide26.xml><?xml version="1.0" encoding="utf-8"?>
 <p:sld xmlns:a="http://schemas.openxmlformats.org/drawingml/2006/main" xmlns:r="http://schemas.openxmlformats.org/officeDocument/2006/relationships" xmlns:p="http://schemas.openxmlformats.org/presentationml/2006/main">
   <p:cSld>
     <p:spTree>
@@ -5748,7 +6257,7 @@
         <p:spPr/>
         <p:txBody>
           <a:bodyPr>
-            <a:normAutofit fontScale="70000" lnSpcReduction="20000"/>
+            <a:normAutofit fontScale="55000" lnSpcReduction="20000"/>
           </a:bodyPr>
           <a:lstStyle/>
           <a:p>
@@ -5801,8 +6310,50 @@
               <a:rPr lang="sl-SI" dirty="0" smtClean="0">
                 <a:hlinkClick r:id="rId7"/>
               </a:rPr>
-              <a:t>https://web.archive.org/web/20081230183603/http://www.cs.berkeley.edu/~karp/greatalgo/lecture05.pdf</a:t>
-            </a:r>
+              <a:t>https://web.archive.org/web/20081230183603/http://www.cs.berkeley.edu/~</a:t>
+            </a:r>
+            <a:r>
+              <a:rPr lang="sl-SI" dirty="0" smtClean="0">
+                <a:hlinkClick r:id="rId7"/>
+              </a:rPr>
+              <a:t>karp/greatalgo/lecture05.pdf</a:t>
+            </a:r>
+            <a:endParaRPr lang="sl-SI" dirty="0" smtClean="0"/>
+          </a:p>
+          <a:p>
+            <a:r>
+              <a:rPr lang="sl-SI" dirty="0">
+                <a:hlinkClick r:id="rId8"/>
+              </a:rPr>
+              <a:t>http://player.slideplayer.com/26/8289531</a:t>
+            </a:r>
+            <a:r>
+              <a:rPr lang="sl-SI" dirty="0" smtClean="0">
+                <a:hlinkClick r:id="rId8"/>
+              </a:rPr>
+              <a:t>/#</a:t>
+            </a:r>
+            <a:endParaRPr lang="sl-SI" dirty="0" smtClean="0"/>
+          </a:p>
+          <a:p>
+            <a:r>
+              <a:rPr lang="sl-SI" dirty="0">
+                <a:hlinkClick r:id="rId9"/>
+              </a:rPr>
+              <a:t>http://</a:t>
+            </a:r>
+            <a:r>
+              <a:rPr lang="sl-SI" dirty="0" smtClean="0">
+                <a:hlinkClick r:id="rId9"/>
+              </a:rPr>
+              <a:t>images.slideplayer.com/24/6976462/slides/slide_38.jpg</a:t>
+            </a:r>
+            <a:endParaRPr lang="sl-SI" dirty="0" smtClean="0"/>
+          </a:p>
+          <a:p>
+            <a:endParaRPr lang="sl-SI" dirty="0" smtClean="0"/>
+          </a:p>
+          <a:p>
             <a:r>
               <a:rPr lang="sl-SI" dirty="0" smtClean="0"/>
               <a:t/>
@@ -5815,18 +6366,44 @@
           <a:p>
             <a:r>
               <a:rPr lang="en-US" dirty="0" smtClean="0">
-                <a:hlinkClick r:id="rId8"/>
+                <a:hlinkClick r:id="rId10"/>
               </a:rPr>
-              <a:t>http://demonstrations.wolfram.com/TheBlossomAlgorithmForWeightedGraphs/</a:t>
-            </a:r>
-            <a:endParaRPr lang="en-US" dirty="0" smtClean="0"/>
-          </a:p>
-          <a:p>
+              <a:t>http</a:t>
+            </a:r>
             <a:r>
               <a:rPr lang="en-US" dirty="0" smtClean="0">
-                <a:hlinkClick r:id="rId9"/>
+                <a:hlinkClick r:id="rId10"/>
               </a:rPr>
-              <a:t>http://demonstrations.wolfram.com/TheBlossomAlgorithmForMaximumMatching/</a:t>
+              <a:t>://demonstrations.wolfram.com/TheBlossomAlgorithmForMaximumMatching</a:t>
+            </a:r>
+            <a:r>
+              <a:rPr lang="en-US" dirty="0" smtClean="0">
+                <a:hlinkClick r:id="rId10"/>
+              </a:rPr>
+              <a:t>/</a:t>
+            </a:r>
+            <a:endParaRPr lang="sl-SI" dirty="0" smtClean="0"/>
+          </a:p>
+          <a:p>
+            <a:r>
+              <a:rPr lang="en-US" dirty="0">
+                <a:hlinkClick r:id="rId11"/>
+              </a:rPr>
+              <a:t>https://</a:t>
+            </a:r>
+            <a:r>
+              <a:rPr lang="en-US" dirty="0" smtClean="0">
+                <a:hlinkClick r:id="rId11"/>
+              </a:rPr>
+              <a:t>github.com/amyshoe/CME323-Project</a:t>
+            </a:r>
+            <a:r>
+              <a:rPr lang="sl-SI" dirty="0" smtClean="0"/>
+              <a:t> </a:t>
+            </a:r>
+            <a:r>
+              <a:rPr lang="sl-SI" smtClean="0"/>
+              <a:t>(Implementacija)</a:t>
             </a:r>
             <a:endParaRPr lang="en-US" dirty="0" smtClean="0"/>
           </a:p>
@@ -5887,231 +6464,67 @@
           <a:bodyPr/>
           <a:lstStyle/>
           <a:p>
+            <a:endParaRPr lang="en-US" dirty="0"/>
+          </a:p>
+        </p:txBody>
+      </p:sp>
+      <p:sp>
+        <p:nvSpPr>
+          <p:cNvPr id="3" name="Ograda vsebine 2"/>
+          <p:cNvSpPr>
+            <a:spLocks noGrp="1"/>
+          </p:cNvSpPr>
+          <p:nvPr>
+            <p:ph idx="1"/>
+          </p:nvPr>
+        </p:nvSpPr>
+        <p:spPr/>
+        <p:txBody>
+          <a:bodyPr/>
+          <a:lstStyle/>
+          <a:p>
+            <a:r>
+              <a:rPr lang="en-US" dirty="0" err="1" smtClean="0"/>
+              <a:t>Algoritem</a:t>
+            </a:r>
+            <a:r>
+              <a:rPr lang="en-US" dirty="0" smtClean="0"/>
+              <a:t> je </a:t>
+            </a:r>
+            <a:r>
+              <a:rPr lang="en-US" dirty="0" err="1" smtClean="0"/>
+              <a:t>razvil</a:t>
+            </a:r>
+            <a:r>
+              <a:rPr lang="en-US" dirty="0" smtClean="0"/>
+              <a:t> Jack Edmonds </a:t>
+            </a:r>
+            <a:r>
+              <a:rPr lang="en-US" dirty="0" err="1" smtClean="0"/>
+              <a:t>leta</a:t>
+            </a:r>
+            <a:r>
+              <a:rPr lang="en-US" dirty="0" smtClean="0"/>
+              <a:t> 1961</a:t>
+            </a:r>
             <a:r>
               <a:rPr lang="sl-SI" dirty="0" smtClean="0"/>
-              <a:t>Prirejanje</a:t>
-            </a:r>
-            <a:endParaRPr lang="en-US" dirty="0"/>
-          </a:p>
-        </p:txBody>
-      </p:sp>
-      <p:sp>
-        <p:nvSpPr>
-          <p:cNvPr id="3" name="Ograda vsebine 2"/>
-          <p:cNvSpPr>
-            <a:spLocks noGrp="1"/>
-          </p:cNvSpPr>
-          <p:nvPr>
-            <p:ph idx="1"/>
-          </p:nvPr>
-        </p:nvSpPr>
-        <p:spPr/>
-        <p:txBody>
-          <a:bodyPr/>
-          <a:lstStyle/>
-          <a:p>
-            <a:r>
-              <a:rPr lang="en-US" dirty="0" err="1" smtClean="0"/>
-              <a:t>Prirej</a:t>
-            </a:r>
-            <a:r>
-              <a:rPr lang="sl-SI" dirty="0" err="1" smtClean="0"/>
-              <a:t>anj</a:t>
-            </a:r>
-            <a:r>
-              <a:rPr lang="en-US" dirty="0" smtClean="0"/>
-              <a:t>e M v </a:t>
-            </a:r>
-            <a:r>
-              <a:rPr lang="en-US" dirty="0" err="1" smtClean="0"/>
-              <a:t>grafu</a:t>
-            </a:r>
-            <a:r>
-              <a:rPr lang="en-US" dirty="0" smtClean="0"/>
-              <a:t> G je </a:t>
-            </a:r>
-            <a:r>
-              <a:rPr lang="en-US" dirty="0" err="1" smtClean="0"/>
-              <a:t>podmnožica</a:t>
-            </a:r>
-            <a:r>
-              <a:rPr lang="en-US" dirty="0" smtClean="0"/>
-              <a:t> </a:t>
-            </a:r>
-            <a:r>
-              <a:rPr lang="en-US" dirty="0" err="1" smtClean="0"/>
-              <a:t>povezav</a:t>
-            </a:r>
-            <a:r>
-              <a:rPr lang="en-US" dirty="0" smtClean="0"/>
-              <a:t> v G, </a:t>
-            </a:r>
-            <a:r>
-              <a:rPr lang="en-US" dirty="0" err="1" smtClean="0"/>
-              <a:t>tako</a:t>
-            </a:r>
-            <a:r>
-              <a:rPr lang="en-US" dirty="0" smtClean="0"/>
-              <a:t> da </a:t>
-            </a:r>
-            <a:r>
-              <a:rPr lang="en-US" dirty="0" err="1" smtClean="0"/>
-              <a:t>nobeno</a:t>
-            </a:r>
-            <a:r>
-              <a:rPr lang="en-US" dirty="0" smtClean="0"/>
-              <a:t> </a:t>
-            </a:r>
-            <a:r>
-              <a:rPr lang="en-US" dirty="0" err="1" smtClean="0"/>
-              <a:t>vozlišče</a:t>
-            </a:r>
-            <a:r>
-              <a:rPr lang="en-US" dirty="0" smtClean="0"/>
-              <a:t> </a:t>
-            </a:r>
-            <a:r>
-              <a:rPr lang="en-US" dirty="0" err="1" smtClean="0"/>
-              <a:t>ni</a:t>
-            </a:r>
-            <a:r>
-              <a:rPr lang="en-US" dirty="0" smtClean="0"/>
-              <a:t> </a:t>
-            </a:r>
-            <a:r>
-              <a:rPr lang="en-US" dirty="0" err="1" smtClean="0"/>
-              <a:t>vključeno</a:t>
-            </a:r>
-            <a:r>
-              <a:rPr lang="en-US" dirty="0" smtClean="0"/>
-              <a:t> </a:t>
-            </a:r>
-            <a:r>
-              <a:rPr lang="en-US" dirty="0" err="1" smtClean="0"/>
-              <a:t>več</a:t>
-            </a:r>
-            <a:r>
-              <a:rPr lang="en-US" dirty="0" smtClean="0"/>
-              <a:t> </a:t>
-            </a:r>
-            <a:r>
-              <a:rPr lang="en-US" dirty="0" err="1" smtClean="0"/>
-              <a:t>kot</a:t>
-            </a:r>
-            <a:r>
-              <a:rPr lang="en-US" dirty="0" smtClean="0"/>
-              <a:t> 1x.</a:t>
-            </a:r>
-            <a:endParaRPr lang="sl-SI" dirty="0" smtClean="0"/>
-          </a:p>
-          <a:p>
-            <a:endParaRPr lang="sl-SI" dirty="0"/>
-          </a:p>
-          <a:p>
-            <a:r>
-              <a:rPr lang="en-US" dirty="0" err="1" smtClean="0"/>
-              <a:t>Maksimalno</a:t>
-            </a:r>
-            <a:r>
-              <a:rPr lang="en-US" dirty="0" smtClean="0"/>
-              <a:t> </a:t>
-            </a:r>
-            <a:r>
-              <a:rPr lang="en-US" dirty="0" err="1" smtClean="0"/>
-              <a:t>prirejanje</a:t>
-            </a:r>
-            <a:r>
-              <a:rPr lang="en-US" dirty="0" smtClean="0"/>
-              <a:t> M v </a:t>
-            </a:r>
-            <a:r>
-              <a:rPr lang="en-US" dirty="0" err="1" smtClean="0"/>
-              <a:t>grafu</a:t>
-            </a:r>
-            <a:r>
-              <a:rPr lang="en-US" dirty="0" smtClean="0"/>
-              <a:t> G je </a:t>
-            </a:r>
-            <a:r>
-              <a:rPr lang="en-US" dirty="0" err="1" smtClean="0"/>
-              <a:t>prirejanje</a:t>
-            </a:r>
-            <a:r>
-              <a:rPr lang="en-US" dirty="0" smtClean="0"/>
-              <a:t>, </a:t>
-            </a:r>
-            <a:r>
-              <a:rPr lang="en-US" dirty="0" err="1" smtClean="0"/>
-              <a:t>ki</a:t>
-            </a:r>
-            <a:r>
-              <a:rPr lang="en-US" dirty="0" smtClean="0"/>
-              <a:t> </a:t>
-            </a:r>
-            <a:r>
-              <a:rPr lang="en-US" dirty="0" err="1" smtClean="0"/>
-              <a:t>vsebuje</a:t>
-            </a:r>
-            <a:r>
-              <a:rPr lang="en-US" dirty="0" smtClean="0"/>
-              <a:t> </a:t>
-            </a:r>
-            <a:r>
-              <a:rPr lang="en-US" dirty="0" err="1" smtClean="0"/>
-              <a:t>maksimalno</a:t>
-            </a:r>
-            <a:r>
-              <a:rPr lang="en-US" dirty="0" smtClean="0"/>
-              <a:t> </a:t>
-            </a:r>
-            <a:r>
-              <a:rPr lang="en-US" dirty="0" err="1" smtClean="0"/>
-              <a:t>št</a:t>
-            </a:r>
-            <a:r>
-              <a:rPr lang="en-US" dirty="0" smtClean="0"/>
-              <a:t> </a:t>
-            </a:r>
-            <a:r>
-              <a:rPr lang="en-US" dirty="0" err="1" smtClean="0"/>
-              <a:t>povezav</a:t>
-            </a:r>
-            <a:r>
-              <a:rPr lang="en-US" dirty="0" smtClean="0"/>
-              <a:t> v G. </a:t>
-            </a:r>
-            <a:r>
-              <a:rPr lang="en-US" dirty="0" err="1" smtClean="0"/>
-              <a:t>Za</a:t>
-            </a:r>
-            <a:r>
-              <a:rPr lang="en-US" dirty="0" smtClean="0"/>
-              <a:t> </a:t>
-            </a:r>
-            <a:r>
-              <a:rPr lang="en-US" dirty="0" err="1" smtClean="0"/>
-              <a:t>vsako</a:t>
-            </a:r>
-            <a:r>
-              <a:rPr lang="en-US" dirty="0" smtClean="0"/>
-              <a:t> </a:t>
-            </a:r>
-            <a:r>
-              <a:rPr lang="en-US" dirty="0" err="1" smtClean="0"/>
-              <a:t>prirejanje</a:t>
-            </a:r>
-            <a:r>
-              <a:rPr lang="en-US" dirty="0" smtClean="0"/>
-              <a:t> M' </a:t>
-            </a:r>
-            <a:r>
-              <a:rPr lang="en-US" dirty="0" err="1" smtClean="0"/>
-              <a:t>velja</a:t>
-            </a:r>
-            <a:r>
-              <a:rPr lang="en-US" dirty="0" smtClean="0"/>
-              <a:t> |M| &gt;= |M'|.</a:t>
-            </a:r>
+              <a:t>, objavljen je bil 1965.</a:t>
+            </a:r>
+          </a:p>
+          <a:p>
+            <a:r>
+              <a:rPr lang="sl-SI" dirty="0" smtClean="0"/>
+              <a:t>Prvi algoritem, ki išče maksimalno prirejanje v polinomskem času.</a:t>
+            </a:r>
+          </a:p>
+          <a:p>
+            <a:r>
+              <a:rPr lang="sl-SI" dirty="0" smtClean="0"/>
+              <a:t>Algoritem, ki dela na vseh grafih.</a:t>
+            </a:r>
+          </a:p>
+          <a:p>
             <a:endParaRPr lang="en-US" dirty="0"/>
           </a:p>
         </p:txBody>
@@ -6119,7 +6532,7 @@
     </p:spTree>
     <p:extLst>
       <p:ext uri="{BB962C8B-B14F-4D97-AF65-F5344CB8AC3E}">
-        <p14:creationId xmlns:p14="http://schemas.microsoft.com/office/powerpoint/2010/main" val="3275812013"/>
+        <p14:creationId xmlns:p14="http://schemas.microsoft.com/office/powerpoint/2010/main" val="3706668536"/>
       </p:ext>
     </p:extLst>
   </p:cSld>
@@ -6170,7 +6583,7 @@
           <a:p>
             <a:r>
               <a:rPr lang="sl-SI" dirty="0" smtClean="0"/>
-              <a:t>Izpostavljeno vozlišče</a:t>
+              <a:t>Prirejanje</a:t>
             </a:r>
             <a:endParaRPr lang="en-US" dirty="0"/>
           </a:p>
@@ -6191,6 +6604,176 @@
           <a:bodyPr/>
           <a:lstStyle/>
           <a:p>
+            <a:r>
+              <a:rPr lang="en-US" dirty="0" err="1" smtClean="0"/>
+              <a:t>Prirej</a:t>
+            </a:r>
+            <a:r>
+              <a:rPr lang="sl-SI" dirty="0" err="1" smtClean="0"/>
+              <a:t>anj</a:t>
+            </a:r>
+            <a:r>
+              <a:rPr lang="en-US" dirty="0" smtClean="0"/>
+              <a:t>e M v </a:t>
+            </a:r>
+            <a:r>
+              <a:rPr lang="en-US" dirty="0" err="1" smtClean="0"/>
+              <a:t>grafu</a:t>
+            </a:r>
+            <a:r>
+              <a:rPr lang="en-US" dirty="0" smtClean="0"/>
+              <a:t> G je </a:t>
+            </a:r>
+            <a:r>
+              <a:rPr lang="en-US" dirty="0" err="1" smtClean="0"/>
+              <a:t>podmnožica</a:t>
+            </a:r>
+            <a:r>
+              <a:rPr lang="en-US" dirty="0" smtClean="0"/>
+              <a:t> </a:t>
+            </a:r>
+            <a:r>
+              <a:rPr lang="en-US" dirty="0" err="1" smtClean="0"/>
+              <a:t>povezav</a:t>
+            </a:r>
+            <a:r>
+              <a:rPr lang="en-US" dirty="0" smtClean="0"/>
+              <a:t> v G, </a:t>
+            </a:r>
+            <a:r>
+              <a:rPr lang="en-US" dirty="0" err="1" smtClean="0"/>
+              <a:t>tako</a:t>
+            </a:r>
+            <a:r>
+              <a:rPr lang="en-US" dirty="0" smtClean="0"/>
+              <a:t> da </a:t>
+            </a:r>
+            <a:r>
+              <a:rPr lang="en-US" dirty="0" err="1" smtClean="0"/>
+              <a:t>nobeno</a:t>
+            </a:r>
+            <a:r>
+              <a:rPr lang="en-US" dirty="0" smtClean="0"/>
+              <a:t> </a:t>
+            </a:r>
+            <a:r>
+              <a:rPr lang="en-US" dirty="0" err="1" smtClean="0"/>
+              <a:t>vozlišče</a:t>
+            </a:r>
+            <a:r>
+              <a:rPr lang="en-US" dirty="0" smtClean="0"/>
+              <a:t> </a:t>
+            </a:r>
+            <a:r>
+              <a:rPr lang="en-US" dirty="0" err="1" smtClean="0"/>
+              <a:t>ni</a:t>
+            </a:r>
+            <a:r>
+              <a:rPr lang="en-US" dirty="0" smtClean="0"/>
+              <a:t> </a:t>
+            </a:r>
+            <a:r>
+              <a:rPr lang="en-US" dirty="0" err="1" smtClean="0"/>
+              <a:t>vključeno</a:t>
+            </a:r>
+            <a:r>
+              <a:rPr lang="en-US" dirty="0" smtClean="0"/>
+              <a:t> </a:t>
+            </a:r>
+            <a:r>
+              <a:rPr lang="en-US" dirty="0" err="1" smtClean="0"/>
+              <a:t>več</a:t>
+            </a:r>
+            <a:r>
+              <a:rPr lang="en-US" dirty="0" smtClean="0"/>
+              <a:t> </a:t>
+            </a:r>
+            <a:r>
+              <a:rPr lang="en-US" dirty="0" err="1" smtClean="0"/>
+              <a:t>kot</a:t>
+            </a:r>
+            <a:r>
+              <a:rPr lang="en-US" dirty="0" smtClean="0"/>
+              <a:t> 1x.</a:t>
+            </a:r>
+            <a:endParaRPr lang="sl-SI" dirty="0" smtClean="0"/>
+          </a:p>
+          <a:p>
+            <a:endParaRPr lang="sl-SI" dirty="0"/>
+          </a:p>
+          <a:p>
+            <a:r>
+              <a:rPr lang="en-US" dirty="0" err="1" smtClean="0"/>
+              <a:t>Maksimalno</a:t>
+            </a:r>
+            <a:r>
+              <a:rPr lang="en-US" dirty="0" smtClean="0"/>
+              <a:t> </a:t>
+            </a:r>
+            <a:r>
+              <a:rPr lang="en-US" dirty="0" err="1" smtClean="0"/>
+              <a:t>prirejanje</a:t>
+            </a:r>
+            <a:r>
+              <a:rPr lang="en-US" dirty="0" smtClean="0"/>
+              <a:t> M v </a:t>
+            </a:r>
+            <a:r>
+              <a:rPr lang="en-US" dirty="0" err="1" smtClean="0"/>
+              <a:t>grafu</a:t>
+            </a:r>
+            <a:r>
+              <a:rPr lang="en-US" dirty="0" smtClean="0"/>
+              <a:t> G je </a:t>
+            </a:r>
+            <a:r>
+              <a:rPr lang="en-US" dirty="0" err="1" smtClean="0"/>
+              <a:t>prirejanje</a:t>
+            </a:r>
+            <a:r>
+              <a:rPr lang="en-US" dirty="0" smtClean="0"/>
+              <a:t>, </a:t>
+            </a:r>
+            <a:r>
+              <a:rPr lang="en-US" dirty="0" err="1" smtClean="0"/>
+              <a:t>ki</a:t>
+            </a:r>
+            <a:r>
+              <a:rPr lang="en-US" dirty="0" smtClean="0"/>
+              <a:t> </a:t>
+            </a:r>
+            <a:r>
+              <a:rPr lang="en-US" dirty="0" err="1" smtClean="0"/>
+              <a:t>vsebuje</a:t>
+            </a:r>
+            <a:r>
+              <a:rPr lang="en-US" dirty="0" smtClean="0"/>
+              <a:t> </a:t>
+            </a:r>
+            <a:r>
+              <a:rPr lang="en-US" dirty="0" err="1" smtClean="0"/>
+              <a:t>maksimalno</a:t>
+            </a:r>
+            <a:r>
+              <a:rPr lang="en-US" dirty="0" smtClean="0"/>
+              <a:t> </a:t>
+            </a:r>
+            <a:r>
+              <a:rPr lang="en-US" dirty="0" err="1" smtClean="0"/>
+              <a:t>št</a:t>
+            </a:r>
+            <a:r>
+              <a:rPr lang="en-US" dirty="0" smtClean="0"/>
+              <a:t> </a:t>
+            </a:r>
+            <a:r>
+              <a:rPr lang="en-US" dirty="0" err="1" smtClean="0"/>
+              <a:t>povezav</a:t>
+            </a:r>
+            <a:r>
+              <a:rPr lang="en-US" dirty="0" smtClean="0"/>
+              <a:t> v G. </a:t>
+            </a:r>
             <a:r>
               <a:rPr lang="en-US" dirty="0" err="1" smtClean="0"/>
               <a:t>Za</a:t>
@@ -6201,6 +6784,117 @@
             </a:r>
             <a:r>
               <a:rPr lang="en-US" dirty="0" err="1" smtClean="0"/>
+              <a:t>vsako</a:t>
+            </a:r>
+            <a:r>
+              <a:rPr lang="en-US" dirty="0" smtClean="0"/>
+              <a:t> </a:t>
+            </a:r>
+            <a:r>
+              <a:rPr lang="en-US" dirty="0" err="1" smtClean="0"/>
+              <a:t>prirejanje</a:t>
+            </a:r>
+            <a:r>
+              <a:rPr lang="en-US" dirty="0" smtClean="0"/>
+              <a:t> M' </a:t>
+            </a:r>
+            <a:r>
+              <a:rPr lang="en-US" dirty="0" err="1" smtClean="0"/>
+              <a:t>velja</a:t>
+            </a:r>
+            <a:r>
+              <a:rPr lang="en-US" dirty="0" smtClean="0"/>
+              <a:t> |M| &gt;= |M'|.</a:t>
+            </a:r>
+            <a:endParaRPr lang="en-US" dirty="0"/>
+          </a:p>
+        </p:txBody>
+      </p:sp>
+    </p:spTree>
+    <p:extLst>
+      <p:ext uri="{BB962C8B-B14F-4D97-AF65-F5344CB8AC3E}">
+        <p14:creationId xmlns:p14="http://schemas.microsoft.com/office/powerpoint/2010/main" val="3275812013"/>
+      </p:ext>
+    </p:extLst>
+  </p:cSld>
+  <p:clrMapOvr>
+    <a:masterClrMapping/>
+  </p:clrMapOvr>
+  <p:timing>
+    <p:tnLst>
+      <p:par>
+        <p:cTn id="1" dur="indefinite" restart="never" nodeType="tmRoot"/>
+      </p:par>
+    </p:tnLst>
+  </p:timing>
+</p:sld>
+</file>
+
+<file path=ppt/slides/slide5.xml><?xml version="1.0" encoding="utf-8"?>
+<p:sld xmlns:a="http://schemas.openxmlformats.org/drawingml/2006/main" xmlns:r="http://schemas.openxmlformats.org/officeDocument/2006/relationships" xmlns:p="http://schemas.openxmlformats.org/presentationml/2006/main">
+  <p:cSld>
+    <p:spTree>
+      <p:nvGrpSpPr>
+        <p:cNvPr id="1" name=""/>
+        <p:cNvGrpSpPr/>
+        <p:nvPr/>
+      </p:nvGrpSpPr>
+      <p:grpSpPr>
+        <a:xfrm>
+          <a:off x="0" y="0"/>
+          <a:ext cx="0" cy="0"/>
+          <a:chOff x="0" y="0"/>
+          <a:chExt cx="0" cy="0"/>
+        </a:xfrm>
+      </p:grpSpPr>
+      <p:sp>
+        <p:nvSpPr>
+          <p:cNvPr id="2" name="Naslov 1"/>
+          <p:cNvSpPr>
+            <a:spLocks noGrp="1"/>
+          </p:cNvSpPr>
+          <p:nvPr>
+            <p:ph type="title"/>
+          </p:nvPr>
+        </p:nvSpPr>
+        <p:spPr/>
+        <p:txBody>
+          <a:bodyPr/>
+          <a:lstStyle/>
+          <a:p>
+            <a:r>
+              <a:rPr lang="sl-SI" dirty="0" smtClean="0"/>
+              <a:t>Izpostavljeno vozlišče</a:t>
+            </a:r>
+            <a:endParaRPr lang="en-US" dirty="0"/>
+          </a:p>
+        </p:txBody>
+      </p:sp>
+      <p:sp>
+        <p:nvSpPr>
+          <p:cNvPr id="3" name="Ograda vsebine 2"/>
+          <p:cNvSpPr>
+            <a:spLocks noGrp="1"/>
+          </p:cNvSpPr>
+          <p:nvPr>
+            <p:ph idx="1"/>
+          </p:nvPr>
+        </p:nvSpPr>
+        <p:spPr/>
+        <p:txBody>
+          <a:bodyPr/>
+          <a:lstStyle/>
+          <a:p>
+            <a:r>
+              <a:rPr lang="en-US" dirty="0" err="1" smtClean="0"/>
+              <a:t>Za</a:t>
+            </a:r>
+            <a:r>
+              <a:rPr lang="en-US" dirty="0" smtClean="0"/>
+              <a:t> </a:t>
+            </a:r>
+            <a:r>
+              <a:rPr lang="en-US" dirty="0" err="1" smtClean="0"/>
               <a:t>graf</a:t>
             </a:r>
             <a:r>
@@ -6253,7 +6947,18 @@
             </a:r>
             <a:r>
               <a:rPr lang="en-US" dirty="0" smtClean="0"/>
-              <a:t> je v G. V(G\M) so </a:t>
+              <a:t> je v G. </a:t>
+            </a:r>
+            <a:endParaRPr lang="sl-SI" dirty="0" smtClean="0"/>
+          </a:p>
+          <a:p>
+            <a:r>
+              <a:rPr lang="en-US" dirty="0" smtClean="0"/>
+              <a:t>V(G\M</a:t>
+            </a:r>
+            <a:r>
+              <a:rPr lang="en-US" dirty="0" smtClean="0"/>
+              <a:t>) so </a:t>
             </a:r>
             <a:r>
               <a:rPr lang="en-US" dirty="0" err="1" smtClean="0"/>
@@ -6295,7 +7000,136 @@
 </p:sld>
 </file>
 
-<file path=ppt/slides/slide5.xml><?xml version="1.0" encoding="utf-8"?>
+<file path=ppt/slides/slide6.xml><?xml version="1.0" encoding="utf-8"?>
+<p:sld xmlns:a="http://schemas.openxmlformats.org/drawingml/2006/main" xmlns:r="http://schemas.openxmlformats.org/officeDocument/2006/relationships" xmlns:p="http://schemas.openxmlformats.org/presentationml/2006/main">
+  <p:cSld>
+    <p:spTree>
+      <p:nvGrpSpPr>
+        <p:cNvPr id="1" name=""/>
+        <p:cNvGrpSpPr/>
+        <p:nvPr/>
+      </p:nvGrpSpPr>
+      <p:grpSpPr>
+        <a:xfrm>
+          <a:off x="0" y="0"/>
+          <a:ext cx="0" cy="0"/>
+          <a:chOff x="0" y="0"/>
+          <a:chExt cx="0" cy="0"/>
+        </a:xfrm>
+      </p:grpSpPr>
+      <p:sp>
+        <p:nvSpPr>
+          <p:cNvPr id="2" name="Naslov 1"/>
+          <p:cNvSpPr>
+            <a:spLocks noGrp="1"/>
+          </p:cNvSpPr>
+          <p:nvPr>
+            <p:ph type="title"/>
+          </p:nvPr>
+        </p:nvSpPr>
+        <p:spPr/>
+        <p:txBody>
+          <a:bodyPr/>
+          <a:lstStyle/>
+          <a:p>
+            <a:endParaRPr lang="en-US"/>
+          </a:p>
+        </p:txBody>
+      </p:sp>
+      <p:sp>
+        <p:nvSpPr>
+          <p:cNvPr id="3" name="Ograda vsebine 2"/>
+          <p:cNvSpPr>
+            <a:spLocks noGrp="1"/>
+          </p:cNvSpPr>
+          <p:nvPr>
+            <p:ph idx="1"/>
+          </p:nvPr>
+        </p:nvSpPr>
+        <p:spPr/>
+        <p:txBody>
+          <a:bodyPr/>
+          <a:lstStyle/>
+          <a:p>
+            <a:endParaRPr lang="en-US"/>
+          </a:p>
+        </p:txBody>
+      </p:sp>
+      <p:pic>
+        <p:nvPicPr>
+          <p:cNvPr id="2050" name="Picture 2"/>
+          <p:cNvPicPr>
+            <a:picLocks noChangeAspect="1" noChangeArrowheads="1"/>
+          </p:cNvPicPr>
+          <p:nvPr/>
+        </p:nvPicPr>
+        <p:blipFill>
+          <a:blip r:embed="rId2">
+            <a:extLst>
+              <a:ext uri="{28A0092B-C50C-407E-A947-70E740481C1C}">
+                <a14:useLocalDpi xmlns:a14="http://schemas.microsoft.com/office/drawing/2010/main" val="0"/>
+              </a:ext>
+            </a:extLst>
+          </a:blip>
+          <a:srcRect/>
+          <a:stretch>
+            <a:fillRect/>
+          </a:stretch>
+        </p:blipFill>
+        <p:spPr bwMode="auto">
+          <a:xfrm>
+            <a:off x="793679" y="1574304"/>
+            <a:ext cx="7629525" cy="4010025"/>
+          </a:xfrm>
+          <a:prstGeom prst="rect">
+            <a:avLst/>
+          </a:prstGeom>
+          <a:noFill/>
+          <a:ln>
+            <a:noFill/>
+          </a:ln>
+          <a:extLst>
+            <a:ext uri="{909E8E84-426E-40DD-AFC4-6F175D3DCCD1}">
+              <a14:hiddenFill xmlns:a14="http://schemas.microsoft.com/office/drawing/2010/main">
+                <a:solidFill>
+                  <a:schemeClr val="accent1"/>
+                </a:solidFill>
+              </a14:hiddenFill>
+            </a:ext>
+            <a:ext uri="{91240B29-F687-4F45-9708-019B960494DF}">
+              <a14:hiddenLine xmlns:a14="http://schemas.microsoft.com/office/drawing/2010/main" w="9525">
+                <a:solidFill>
+                  <a:schemeClr val="tx1"/>
+                </a:solidFill>
+                <a:miter lim="800000"/>
+                <a:headEnd/>
+                <a:tailEnd/>
+              </a14:hiddenLine>
+            </a:ext>
+          </a:extLst>
+        </p:spPr>
+      </p:pic>
+    </p:spTree>
+    <p:extLst>
+      <p:ext uri="{BB962C8B-B14F-4D97-AF65-F5344CB8AC3E}">
+        <p14:creationId xmlns:p14="http://schemas.microsoft.com/office/powerpoint/2010/main" val="3815652838"/>
+      </p:ext>
+    </p:extLst>
+  </p:cSld>
+  <p:clrMapOvr>
+    <a:masterClrMapping/>
+  </p:clrMapOvr>
+  <p:timing>
+    <p:tnLst>
+      <p:par>
+        <p:cTn id="1" dur="indefinite" restart="never" nodeType="tmRoot"/>
+      </p:par>
+    </p:tnLst>
+  </p:timing>
+</p:sld>
+</file>
+
+<file path=ppt/slides/slide7.xml><?xml version="1.0" encoding="utf-8"?>
 <p:sld xmlns:a="http://schemas.openxmlformats.org/drawingml/2006/main" xmlns:r="http://schemas.openxmlformats.org/officeDocument/2006/relationships" xmlns:p="http://schemas.openxmlformats.org/presentationml/2006/main">
   <p:cSld>
     <p:spTree>
@@ -6447,7 +7281,7 @@
 </p:sld>
 </file>
 
-<file path=ppt/slides/slide6.xml><?xml version="1.0" encoding="utf-8"?>
+<file path=ppt/slides/slide8.xml><?xml version="1.0" encoding="utf-8"?>
 <p:sld xmlns:a="http://schemas.openxmlformats.org/drawingml/2006/main" xmlns:r="http://schemas.openxmlformats.org/officeDocument/2006/relationships" xmlns:p="http://schemas.openxmlformats.org/presentationml/2006/main">
   <p:cSld>
     <p:spTree>
@@ -6584,7 +7418,7 @@
 </p:sld>
 </file>
 
-<file path=ppt/slides/slide7.xml><?xml version="1.0" encoding="utf-8"?>
+<file path=ppt/slides/slide9.xml><?xml version="1.0" encoding="utf-8"?>
 <p:sld xmlns:a="http://schemas.openxmlformats.org/drawingml/2006/main" xmlns:r="http://schemas.openxmlformats.org/officeDocument/2006/relationships" xmlns:p="http://schemas.openxmlformats.org/presentationml/2006/main">
   <p:cSld>
     <p:spTree>
@@ -6700,313 +7534,6 @@
     <p:extLst>
       <p:ext uri="{BB962C8B-B14F-4D97-AF65-F5344CB8AC3E}">
         <p14:creationId xmlns:p14="http://schemas.microsoft.com/office/powerpoint/2010/main" val="3276005795"/>
-      </p:ext>
-    </p:extLst>
-  </p:cSld>
-  <p:clrMapOvr>
-    <a:masterClrMapping/>
-  </p:clrMapOvr>
-  <p:timing>
-    <p:tnLst>
-      <p:par>
-        <p:cTn id="1" dur="indefinite" restart="never" nodeType="tmRoot"/>
-      </p:par>
-    </p:tnLst>
-  </p:timing>
-</p:sld>
-</file>
-
-<file path=ppt/slides/slide8.xml><?xml version="1.0" encoding="utf-8"?>
-<p:sld xmlns:a="http://schemas.openxmlformats.org/drawingml/2006/main" xmlns:r="http://schemas.openxmlformats.org/officeDocument/2006/relationships" xmlns:p="http://schemas.openxmlformats.org/presentationml/2006/main">
-  <p:cSld>
-    <p:spTree>
-      <p:nvGrpSpPr>
-        <p:cNvPr id="1" name=""/>
-        <p:cNvGrpSpPr/>
-        <p:nvPr/>
-      </p:nvGrpSpPr>
-      <p:grpSpPr>
-        <a:xfrm>
-          <a:off x="0" y="0"/>
-          <a:ext cx="0" cy="0"/>
-          <a:chOff x="0" y="0"/>
-          <a:chExt cx="0" cy="0"/>
-        </a:xfrm>
-      </p:grpSpPr>
-      <p:sp>
-        <p:nvSpPr>
-          <p:cNvPr id="2" name="Naslov 1"/>
-          <p:cNvSpPr>
-            <a:spLocks noGrp="1"/>
-          </p:cNvSpPr>
-          <p:nvPr>
-            <p:ph type="title"/>
-          </p:nvPr>
-        </p:nvSpPr>
-        <p:spPr/>
-        <p:txBody>
-          <a:bodyPr/>
-          <a:lstStyle/>
-          <a:p>
-            <a:endParaRPr lang="en-US"/>
-          </a:p>
-        </p:txBody>
-      </p:sp>
-      <p:sp>
-        <p:nvSpPr>
-          <p:cNvPr id="3" name="Ograda vsebine 2"/>
-          <p:cNvSpPr>
-            <a:spLocks noGrp="1"/>
-          </p:cNvSpPr>
-          <p:nvPr>
-            <p:ph idx="1"/>
-          </p:nvPr>
-        </p:nvSpPr>
-        <p:spPr/>
-        <p:txBody>
-          <a:bodyPr/>
-          <a:lstStyle/>
-          <a:p>
-            <a:endParaRPr lang="en-US" dirty="0"/>
-          </a:p>
-        </p:txBody>
-      </p:sp>
-      <p:pic>
-        <p:nvPicPr>
-          <p:cNvPr id="2050" name="Picture 2" descr="C:\Documents and Settings\xxx\Desktop\BlossomAlgoritem\slike\Edmonds_augmenting_path.svg.png"/>
-          <p:cNvPicPr>
-            <a:picLocks noChangeAspect="1" noChangeArrowheads="1"/>
-          </p:cNvPicPr>
-          <p:nvPr/>
-        </p:nvPicPr>
-        <p:blipFill>
-          <a:blip r:embed="rId2">
-            <a:extLst>
-              <a:ext uri="{28A0092B-C50C-407E-A947-70E740481C1C}">
-                <a14:useLocalDpi xmlns:a14="http://schemas.microsoft.com/office/drawing/2010/main" val="0"/>
-              </a:ext>
-            </a:extLst>
-          </a:blip>
-          <a:srcRect/>
-          <a:stretch>
-            <a:fillRect/>
-          </a:stretch>
-        </p:blipFill>
-        <p:spPr bwMode="auto">
-          <a:xfrm>
-            <a:off x="2325621" y="2194722"/>
-            <a:ext cx="4762500" cy="3276600"/>
-          </a:xfrm>
-          <a:prstGeom prst="rect">
-            <a:avLst/>
-          </a:prstGeom>
-          <a:noFill/>
-          <a:extLst>
-            <a:ext uri="{909E8E84-426E-40DD-AFC4-6F175D3DCCD1}">
-              <a14:hiddenFill xmlns:a14="http://schemas.microsoft.com/office/drawing/2010/main">
-                <a:solidFill>
-                  <a:srgbClr val="FFFFFF"/>
-                </a:solidFill>
-              </a14:hiddenFill>
-            </a:ext>
-          </a:extLst>
-        </p:spPr>
-      </p:pic>
-    </p:spTree>
-    <p:extLst>
-      <p:ext uri="{BB962C8B-B14F-4D97-AF65-F5344CB8AC3E}">
-        <p14:creationId xmlns:p14="http://schemas.microsoft.com/office/powerpoint/2010/main" val="2519826504"/>
-      </p:ext>
-    </p:extLst>
-  </p:cSld>
-  <p:clrMapOvr>
-    <a:masterClrMapping/>
-  </p:clrMapOvr>
-  <p:timing>
-    <p:tnLst>
-      <p:par>
-        <p:cTn id="1" dur="indefinite" restart="never" nodeType="tmRoot"/>
-      </p:par>
-    </p:tnLst>
-  </p:timing>
-</p:sld>
-</file>
-
-<file path=ppt/slides/slide9.xml><?xml version="1.0" encoding="utf-8"?>
-<p:sld xmlns:a="http://schemas.openxmlformats.org/drawingml/2006/main" xmlns:r="http://schemas.openxmlformats.org/officeDocument/2006/relationships" xmlns:p="http://schemas.openxmlformats.org/presentationml/2006/main">
-  <p:cSld>
-    <p:spTree>
-      <p:nvGrpSpPr>
-        <p:cNvPr id="1" name=""/>
-        <p:cNvGrpSpPr/>
-        <p:nvPr/>
-      </p:nvGrpSpPr>
-      <p:grpSpPr>
-        <a:xfrm>
-          <a:off x="0" y="0"/>
-          <a:ext cx="0" cy="0"/>
-          <a:chOff x="0" y="0"/>
-          <a:chExt cx="0" cy="0"/>
-        </a:xfrm>
-      </p:grpSpPr>
-      <p:sp>
-        <p:nvSpPr>
-          <p:cNvPr id="2" name="Naslov 1"/>
-          <p:cNvSpPr>
-            <a:spLocks noGrp="1"/>
-          </p:cNvSpPr>
-          <p:nvPr>
-            <p:ph type="title"/>
-          </p:nvPr>
-        </p:nvSpPr>
-        <p:spPr/>
-        <p:txBody>
-          <a:bodyPr/>
-          <a:lstStyle/>
-          <a:p>
-            <a:r>
-              <a:rPr lang="sl-SI" dirty="0" smtClean="0"/>
-              <a:t>Trditev</a:t>
-            </a:r>
-            <a:endParaRPr lang="en-US" dirty="0"/>
-          </a:p>
-        </p:txBody>
-      </p:sp>
-      <p:sp>
-        <p:nvSpPr>
-          <p:cNvPr id="3" name="Ograda vsebine 2"/>
-          <p:cNvSpPr>
-            <a:spLocks noGrp="1"/>
-          </p:cNvSpPr>
-          <p:nvPr>
-            <p:ph idx="1"/>
-          </p:nvPr>
-        </p:nvSpPr>
-        <p:spPr/>
-        <p:txBody>
-          <a:bodyPr/>
-          <a:lstStyle/>
-          <a:p>
-            <a:r>
-              <a:rPr lang="sl-SI" dirty="0" smtClean="0"/>
-              <a:t>S</a:t>
-            </a:r>
-            <a:r>
-              <a:rPr lang="en-US" dirty="0" smtClean="0"/>
-              <a:t> </a:t>
-            </a:r>
-            <a:r>
-              <a:rPr lang="en-US" dirty="0" err="1" smtClean="0"/>
-              <a:t>povečujočo</a:t>
-            </a:r>
-            <a:r>
-              <a:rPr lang="en-US" dirty="0" smtClean="0"/>
-              <a:t> </a:t>
-            </a:r>
-            <a:r>
-              <a:rPr lang="en-US" dirty="0" err="1" smtClean="0"/>
-              <a:t>potjo</a:t>
-            </a:r>
-            <a:r>
-              <a:rPr lang="en-US" dirty="0" smtClean="0"/>
-              <a:t> in </a:t>
-            </a:r>
-            <a:r>
-              <a:rPr lang="en-US" dirty="0" err="1" smtClean="0"/>
-              <a:t>prirejanjem</a:t>
-            </a:r>
-            <a:r>
-              <a:rPr lang="en-US" dirty="0" smtClean="0"/>
-              <a:t> M, z </a:t>
-            </a:r>
-            <a:r>
-              <a:rPr lang="en-US" dirty="0" err="1" smtClean="0"/>
-              <a:t>odstranitvijo</a:t>
-            </a:r>
-            <a:r>
-              <a:rPr lang="en-US" dirty="0" smtClean="0"/>
-              <a:t> </a:t>
-            </a:r>
-            <a:r>
-              <a:rPr lang="en-US" dirty="0" err="1" smtClean="0"/>
-              <a:t>povezav</a:t>
-            </a:r>
-            <a:r>
-              <a:rPr lang="en-US" dirty="0" smtClean="0"/>
-              <a:t> v </a:t>
-            </a:r>
-            <a:r>
-              <a:rPr lang="en-US" dirty="0" err="1" smtClean="0"/>
-              <a:t>prirejanju</a:t>
-            </a:r>
-            <a:r>
-              <a:rPr lang="en-US" dirty="0" smtClean="0"/>
-              <a:t> in z </a:t>
-            </a:r>
-            <a:r>
-              <a:rPr lang="en-US" dirty="0" err="1" smtClean="0"/>
-              <a:t>dodajanjem</a:t>
-            </a:r>
-            <a:r>
-              <a:rPr lang="en-US" dirty="0" smtClean="0"/>
-              <a:t>, </a:t>
-            </a:r>
-            <a:r>
-              <a:rPr lang="en-US" dirty="0" err="1" smtClean="0"/>
-              <a:t>ki</a:t>
-            </a:r>
-            <a:r>
-              <a:rPr lang="en-US" dirty="0" smtClean="0"/>
-              <a:t> </a:t>
-            </a:r>
-            <a:r>
-              <a:rPr lang="en-US" dirty="0" err="1" smtClean="0"/>
-              <a:t>niso</a:t>
-            </a:r>
-            <a:r>
-              <a:rPr lang="en-US" dirty="0" smtClean="0"/>
-              <a:t> v </a:t>
-            </a:r>
-            <a:r>
-              <a:rPr lang="en-US" dirty="0" err="1" smtClean="0"/>
-              <a:t>prirejanju</a:t>
-            </a:r>
-            <a:r>
-              <a:rPr lang="en-US" dirty="0" smtClean="0"/>
-              <a:t> </a:t>
-            </a:r>
-            <a:r>
-              <a:rPr lang="en-US" dirty="0" err="1" smtClean="0"/>
-              <a:t>povečamo</a:t>
-            </a:r>
-            <a:r>
-              <a:rPr lang="en-US" dirty="0" smtClean="0"/>
-              <a:t> </a:t>
-            </a:r>
-            <a:r>
-              <a:rPr lang="en-US" dirty="0" err="1" smtClean="0"/>
-              <a:t>velikost</a:t>
-            </a:r>
-            <a:r>
-              <a:rPr lang="en-US" dirty="0" smtClean="0"/>
-              <a:t> </a:t>
-            </a:r>
-            <a:r>
-              <a:rPr lang="en-US" dirty="0" err="1" smtClean="0"/>
-              <a:t>za</a:t>
-            </a:r>
-            <a:r>
-              <a:rPr lang="en-US" dirty="0" smtClean="0"/>
-              <a:t> 1.</a:t>
-            </a:r>
-            <a:endParaRPr lang="en-US" dirty="0"/>
-          </a:p>
-        </p:txBody>
-      </p:sp>
-    </p:spTree>
-    <p:extLst>
-      <p:ext uri="{BB962C8B-B14F-4D97-AF65-F5344CB8AC3E}">
-        <p14:creationId xmlns:p14="http://schemas.microsoft.com/office/powerpoint/2010/main" val="871783126"/>
       </p:ext>
     </p:extLst>
   </p:cSld>

--- a/Blossomov algoritem.pptx
+++ b/Blossomov algoritem.pptx
@@ -2,10 +2,10 @@
 <file path=ppt/presentation.xml><?xml version="1.0" encoding="utf-8"?>
 <p:presentation xmlns:a="http://schemas.openxmlformats.org/drawingml/2006/main" xmlns:r="http://schemas.openxmlformats.org/officeDocument/2006/relationships" xmlns:p="http://schemas.openxmlformats.org/presentationml/2006/main" saveSubsetFonts="1">
   <p:sldMasterIdLst>
-    <p:sldMasterId id="2147483648" r:id="rId1"/>
+    <p:sldMasterId id="2147483660" r:id="rId1"/>
   </p:sldMasterIdLst>
   <p:notesMasterIdLst>
-    <p:notesMasterId r:id="rId28"/>
+    <p:notesMasterId r:id="rId34"/>
   </p:notesMasterIdLst>
   <p:sldIdLst>
     <p:sldId id="256" r:id="rId2"/>
@@ -20,20 +20,26 @@
     <p:sldId id="279" r:id="rId11"/>
     <p:sldId id="270" r:id="rId12"/>
     <p:sldId id="267" r:id="rId13"/>
-    <p:sldId id="275" r:id="rId14"/>
-    <p:sldId id="281" r:id="rId15"/>
-    <p:sldId id="285" r:id="rId16"/>
-    <p:sldId id="273" r:id="rId17"/>
-    <p:sldId id="274" r:id="rId18"/>
-    <p:sldId id="276" r:id="rId19"/>
-    <p:sldId id="277" r:id="rId20"/>
-    <p:sldId id="278" r:id="rId21"/>
-    <p:sldId id="266" r:id="rId22"/>
-    <p:sldId id="269" r:id="rId23"/>
-    <p:sldId id="265" r:id="rId24"/>
-    <p:sldId id="283" r:id="rId25"/>
-    <p:sldId id="258" r:id="rId26"/>
-    <p:sldId id="262" r:id="rId27"/>
+    <p:sldId id="290" r:id="rId14"/>
+    <p:sldId id="266" r:id="rId15"/>
+    <p:sldId id="275" r:id="rId16"/>
+    <p:sldId id="281" r:id="rId17"/>
+    <p:sldId id="285" r:id="rId18"/>
+    <p:sldId id="292" r:id="rId19"/>
+    <p:sldId id="273" r:id="rId20"/>
+    <p:sldId id="274" r:id="rId21"/>
+    <p:sldId id="289" r:id="rId22"/>
+    <p:sldId id="276" r:id="rId23"/>
+    <p:sldId id="277" r:id="rId24"/>
+    <p:sldId id="278" r:id="rId25"/>
+    <p:sldId id="288" r:id="rId26"/>
+    <p:sldId id="269" r:id="rId27"/>
+    <p:sldId id="265" r:id="rId28"/>
+    <p:sldId id="286" r:id="rId29"/>
+    <p:sldId id="283" r:id="rId30"/>
+    <p:sldId id="258" r:id="rId31"/>
+    <p:sldId id="291" r:id="rId32"/>
+    <p:sldId id="262" r:id="rId33"/>
   </p:sldIdLst>
   <p:sldSz cx="9144000" cy="6858000" type="screen4x3"/>
   <p:notesSz cx="6858000" cy="9144000"/>
@@ -41,7 +47,7 @@
     <a:defPPr>
       <a:defRPr lang="en-US"/>
     </a:defPPr>
-    <a:lvl1pPr marL="0" algn="l" defTabSz="914400" rtl="0" eaLnBrk="1" latinLnBrk="0" hangingPunct="1">
+    <a:lvl1pPr marL="0" algn="l" defTabSz="457200" rtl="0" eaLnBrk="1" latinLnBrk="0" hangingPunct="1">
       <a:defRPr sz="1800" kern="1200">
         <a:solidFill>
           <a:schemeClr val="tx1"/>
@@ -51,7 +57,7 @@
         <a:cs typeface="+mn-cs"/>
       </a:defRPr>
     </a:lvl1pPr>
-    <a:lvl2pPr marL="457200" algn="l" defTabSz="914400" rtl="0" eaLnBrk="1" latinLnBrk="0" hangingPunct="1">
+    <a:lvl2pPr marL="457200" algn="l" defTabSz="457200" rtl="0" eaLnBrk="1" latinLnBrk="0" hangingPunct="1">
       <a:defRPr sz="1800" kern="1200">
         <a:solidFill>
           <a:schemeClr val="tx1"/>
@@ -61,7 +67,7 @@
         <a:cs typeface="+mn-cs"/>
       </a:defRPr>
     </a:lvl2pPr>
-    <a:lvl3pPr marL="914400" algn="l" defTabSz="914400" rtl="0" eaLnBrk="1" latinLnBrk="0" hangingPunct="1">
+    <a:lvl3pPr marL="914400" algn="l" defTabSz="457200" rtl="0" eaLnBrk="1" latinLnBrk="0" hangingPunct="1">
       <a:defRPr sz="1800" kern="1200">
         <a:solidFill>
           <a:schemeClr val="tx1"/>
@@ -71,7 +77,7 @@
         <a:cs typeface="+mn-cs"/>
       </a:defRPr>
     </a:lvl3pPr>
-    <a:lvl4pPr marL="1371600" algn="l" defTabSz="914400" rtl="0" eaLnBrk="1" latinLnBrk="0" hangingPunct="1">
+    <a:lvl4pPr marL="1371600" algn="l" defTabSz="457200" rtl="0" eaLnBrk="1" latinLnBrk="0" hangingPunct="1">
       <a:defRPr sz="1800" kern="1200">
         <a:solidFill>
           <a:schemeClr val="tx1"/>
@@ -81,7 +87,7 @@
         <a:cs typeface="+mn-cs"/>
       </a:defRPr>
     </a:lvl4pPr>
-    <a:lvl5pPr marL="1828800" algn="l" defTabSz="914400" rtl="0" eaLnBrk="1" latinLnBrk="0" hangingPunct="1">
+    <a:lvl5pPr marL="1828800" algn="l" defTabSz="457200" rtl="0" eaLnBrk="1" latinLnBrk="0" hangingPunct="1">
       <a:defRPr sz="1800" kern="1200">
         <a:solidFill>
           <a:schemeClr val="tx1"/>
@@ -91,7 +97,7 @@
         <a:cs typeface="+mn-cs"/>
       </a:defRPr>
     </a:lvl5pPr>
-    <a:lvl6pPr marL="2286000" algn="l" defTabSz="914400" rtl="0" eaLnBrk="1" latinLnBrk="0" hangingPunct="1">
+    <a:lvl6pPr marL="2286000" algn="l" defTabSz="457200" rtl="0" eaLnBrk="1" latinLnBrk="0" hangingPunct="1">
       <a:defRPr sz="1800" kern="1200">
         <a:solidFill>
           <a:schemeClr val="tx1"/>
@@ -101,7 +107,7 @@
         <a:cs typeface="+mn-cs"/>
       </a:defRPr>
     </a:lvl6pPr>
-    <a:lvl7pPr marL="2743200" algn="l" defTabSz="914400" rtl="0" eaLnBrk="1" latinLnBrk="0" hangingPunct="1">
+    <a:lvl7pPr marL="2743200" algn="l" defTabSz="457200" rtl="0" eaLnBrk="1" latinLnBrk="0" hangingPunct="1">
       <a:defRPr sz="1800" kern="1200">
         <a:solidFill>
           <a:schemeClr val="tx1"/>
@@ -111,7 +117,7 @@
         <a:cs typeface="+mn-cs"/>
       </a:defRPr>
     </a:lvl7pPr>
-    <a:lvl8pPr marL="3200400" algn="l" defTabSz="914400" rtl="0" eaLnBrk="1" latinLnBrk="0" hangingPunct="1">
+    <a:lvl8pPr marL="3200400" algn="l" defTabSz="457200" rtl="0" eaLnBrk="1" latinLnBrk="0" hangingPunct="1">
       <a:defRPr sz="1800" kern="1200">
         <a:solidFill>
           <a:schemeClr val="tx1"/>
@@ -121,7 +127,7 @@
         <a:cs typeface="+mn-cs"/>
       </a:defRPr>
     </a:lvl8pPr>
-    <a:lvl9pPr marL="3657600" algn="l" defTabSz="914400" rtl="0" eaLnBrk="1" latinLnBrk="0" hangingPunct="1">
+    <a:lvl9pPr marL="3657600" algn="l" defTabSz="457200" rtl="0" eaLnBrk="1" latinLnBrk="0" hangingPunct="1">
       <a:defRPr sz="1800" kern="1200">
         <a:solidFill>
           <a:schemeClr val="tx1"/>
@@ -132,6 +138,22 @@
       </a:defRPr>
     </a:lvl9pPr>
   </p:defaultTextStyle>
+  <p:extLst>
+    <p:ext uri="{EFAFB233-063F-42B5-8137-9DF3F51BA10A}">
+      <p15:sldGuideLst xmlns:p15="http://schemas.microsoft.com/office/powerpoint/2012/main">
+        <p15:guide id="1" orient="horz" pos="2160">
+          <p15:clr>
+            <a:srgbClr val="A4A3A4"/>
+          </p15:clr>
+        </p15:guide>
+        <p15:guide id="2" pos="2880">
+          <p15:clr>
+            <a:srgbClr val="A4A3A4"/>
+          </p15:clr>
+        </p15:guide>
+      </p15:sldGuideLst>
+    </p:ext>
+  </p:extLst>
 </p:presentation>
 </file>
 
@@ -217,7 +239,7 @@
           <a:p>
             <a:fld id="{ED5F83C0-93FC-466A-87FD-4A535B857586}" type="datetimeFigureOut">
               <a:rPr lang="en-US" smtClean="0"/>
-              <a:t>1/22/2018</a:t>
+              <a:t>1/23/2018</a:t>
             </a:fld>
             <a:endParaRPr lang="en-US"/>
           </a:p>
@@ -780,7 +802,7 @@
       </p:grpSpPr>
       <p:sp>
         <p:nvSpPr>
-          <p:cNvPr id="2" name="Ograda stranske slike 1"/>
+          <p:cNvPr id="2" name="Slide Image Placeholder 1"/>
           <p:cNvSpPr>
             <a:spLocks noGrp="1" noRot="1" noChangeAspect="1"/>
           </p:cNvSpPr>
@@ -792,7 +814,7 @@
       </p:sp>
       <p:sp>
         <p:nvSpPr>
-          <p:cNvPr id="3" name="Ograda opomb 2"/>
+          <p:cNvPr id="3" name="Notes Placeholder 2"/>
           <p:cNvSpPr>
             <a:spLocks noGrp="1"/>
           </p:cNvSpPr>
@@ -806,40 +828,37 @@
           <a:lstStyle/>
           <a:p>
             <a:r>
-              <a:rPr lang="en-US" dirty="0" smtClean="0"/>
-              <a:t>In general graphs, we also use the procedure explained above to find augmenting paths. However, we might detect odd-length cycles now (case 4) and have to treat this case appropriately. The idea is the following: We ignore the entire cycle by contracting it to a single </a:t>
-            </a:r>
-            <a:r>
-              <a:rPr lang="en-US" dirty="0" err="1" smtClean="0"/>
-              <a:t>supernode</a:t>
-            </a:r>
-            <a:r>
-              <a:rPr lang="en-US" dirty="0" smtClean="0"/>
-              <a:t> and continue the BFS in the new graph. When we have found an augmenting path at some point we have to expand all </a:t>
-            </a:r>
-            <a:r>
-              <a:rPr lang="en-US" dirty="0" err="1" smtClean="0"/>
-              <a:t>supernodes</a:t>
-            </a:r>
-            <a:r>
-              <a:rPr lang="en-US" dirty="0" smtClean="0"/>
-              <a:t> again (in reversed order) before inverting the matching. We call such odd-length cycles </a:t>
-            </a:r>
-            <a:r>
-              <a:rPr lang="en-US" b="1" dirty="0" smtClean="0"/>
-              <a:t>blossoms</a:t>
-            </a:r>
-            <a:r>
-              <a:rPr lang="en-US" dirty="0" smtClean="0"/>
-              <a:t> and this is why the algorithm is often referred to as the Blossom Algorithm.</a:t>
-            </a:r>
-            <a:endParaRPr lang="en-US" dirty="0"/>
-          </a:p>
-        </p:txBody>
-      </p:sp>
-      <p:sp>
-        <p:nvSpPr>
-          <p:cNvPr id="4" name="Ograda številke diapozitiva 3"/>
+              <a:rPr lang="sl-SI" dirty="0" smtClean="0"/>
+              <a:t>2k+</a:t>
+            </a:r>
+            <a:r>
+              <a:rPr lang="sl-SI" baseline="0" dirty="0" smtClean="0"/>
+              <a:t>1 povezav</a:t>
+            </a:r>
+            <a:endParaRPr lang="sl-SI" dirty="0" smtClean="0"/>
+          </a:p>
+          <a:p>
+            <a:r>
+              <a:rPr lang="sl-SI" dirty="0" smtClean="0"/>
+              <a:t>K povezav v</a:t>
+            </a:r>
+            <a:r>
+              <a:rPr lang="sl-SI" baseline="0" dirty="0" smtClean="0"/>
+              <a:t> ujemanju</a:t>
+            </a:r>
+          </a:p>
+          <a:p>
+            <a:r>
+              <a:rPr lang="sl-SI" baseline="0" dirty="0" smtClean="0"/>
+              <a:t>K+1 povezav, ki ni v ujemanju</a:t>
+            </a:r>
+            <a:endParaRPr lang="sl-SI" dirty="0"/>
+          </a:p>
+        </p:txBody>
+      </p:sp>
+      <p:sp>
+        <p:nvSpPr>
+          <p:cNvPr id="4" name="Slide Number Placeholder 3"/>
           <p:cNvSpPr>
             <a:spLocks noGrp="1"/>
           </p:cNvSpPr>
@@ -854,7 +873,7 @@
           <a:p>
             <a:fld id="{2068A809-5CE4-4CE2-B32B-B9BC7DD73B81}" type="slidenum">
               <a:rPr lang="en-US" smtClean="0"/>
-              <a:t>21</a:t>
+              <a:t>9</a:t>
             </a:fld>
             <a:endParaRPr lang="en-US"/>
           </a:p>
@@ -863,7 +882,7 @@
     </p:spTree>
     <p:extLst>
       <p:ext uri="{BB962C8B-B14F-4D97-AF65-F5344CB8AC3E}">
-        <p14:creationId xmlns:p14="http://schemas.microsoft.com/office/powerpoint/2010/main" val="523625345"/>
+        <p14:creationId xmlns:p14="http://schemas.microsoft.com/office/powerpoint/2010/main" val="2926704472"/>
       </p:ext>
     </p:extLst>
   </p:cSld>
@@ -892,6 +911,254 @@
       </p:grpSpPr>
       <p:sp>
         <p:nvSpPr>
+          <p:cNvPr id="2" name="Slide Image Placeholder 1"/>
+          <p:cNvSpPr>
+            <a:spLocks noGrp="1" noRot="1" noChangeAspect="1"/>
+          </p:cNvSpPr>
+          <p:nvPr>
+            <p:ph type="sldImg"/>
+          </p:nvPr>
+        </p:nvSpPr>
+        <p:spPr/>
+      </p:sp>
+      <p:sp>
+        <p:nvSpPr>
+          <p:cNvPr id="3" name="Notes Placeholder 2"/>
+          <p:cNvSpPr>
+            <a:spLocks noGrp="1"/>
+          </p:cNvSpPr>
+          <p:nvPr>
+            <p:ph type="body" idx="1"/>
+          </p:nvPr>
+        </p:nvSpPr>
+        <p:spPr/>
+        <p:txBody>
+          <a:bodyPr/>
+          <a:lstStyle/>
+          <a:p>
+            <a:pPr marL="228600" indent="-228600">
+              <a:buAutoNum type="arabicPeriod"/>
+            </a:pPr>
+            <a:r>
+              <a:rPr lang="sl-SI" dirty="0" smtClean="0"/>
+              <a:t>Potem smo našli povečujočo</a:t>
+            </a:r>
+            <a:r>
+              <a:rPr lang="sl-SI" baseline="0" dirty="0" smtClean="0"/>
+              <a:t> pot iz r do v. Obrnemo pot in smo končali z BFS</a:t>
+            </a:r>
+          </a:p>
+          <a:p>
+            <a:pPr marL="228600" indent="-228600">
+              <a:buAutoNum type="arabicPeriod"/>
+            </a:pPr>
+            <a:r>
+              <a:rPr lang="sl-SI" dirty="0" smtClean="0"/>
+              <a:t>Potem dodamo v in njegovega soseda na drevo in potisnemo soseda v v čakalno vrsto BFS, da nadaljujemo iskanje pozneje.</a:t>
+            </a:r>
+          </a:p>
+          <a:p>
+            <a:pPr marL="228600" indent="-228600">
+              <a:buAutoNum type="arabicPeriod"/>
+            </a:pPr>
+            <a:r>
+              <a:rPr lang="sl-SI" dirty="0" smtClean="0"/>
+              <a:t>Ne rabiš narediti nič</a:t>
+            </a:r>
+            <a:r>
+              <a:rPr lang="sl-SI" baseline="0" dirty="0" smtClean="0"/>
+              <a:t>, ignoriramo v in nadaljujemo z </a:t>
+            </a:r>
+            <a:r>
+              <a:rPr lang="sl-SI" baseline="0" dirty="0" err="1" smtClean="0"/>
+              <a:t>bfs</a:t>
+            </a:r>
+            <a:endParaRPr lang="sl-SI" baseline="0" dirty="0" smtClean="0"/>
+          </a:p>
+          <a:p>
+            <a:pPr marL="228600" indent="-228600">
+              <a:buAutoNum type="arabicPeriod"/>
+            </a:pPr>
+            <a:r>
+              <a:rPr lang="sl-SI" baseline="0" dirty="0" smtClean="0"/>
+              <a:t>V dvodelnih grafih se to ne more zgoditi</a:t>
+            </a:r>
+          </a:p>
+          <a:p>
+            <a:pPr marL="228600" indent="-228600">
+              <a:buAutoNum type="arabicPeriod"/>
+            </a:pPr>
+            <a:endParaRPr lang="sl-SI" dirty="0"/>
+          </a:p>
+        </p:txBody>
+      </p:sp>
+      <p:sp>
+        <p:nvSpPr>
+          <p:cNvPr id="4" name="Slide Number Placeholder 3"/>
+          <p:cNvSpPr>
+            <a:spLocks noGrp="1"/>
+          </p:cNvSpPr>
+          <p:nvPr>
+            <p:ph type="sldNum" sz="quarter" idx="10"/>
+          </p:nvPr>
+        </p:nvSpPr>
+        <p:spPr/>
+        <p:txBody>
+          <a:bodyPr/>
+          <a:lstStyle/>
+          <a:p>
+            <a:fld id="{2068A809-5CE4-4CE2-B32B-B9BC7DD73B81}" type="slidenum">
+              <a:rPr lang="en-US" smtClean="0"/>
+              <a:t>13</a:t>
+            </a:fld>
+            <a:endParaRPr lang="en-US"/>
+          </a:p>
+        </p:txBody>
+      </p:sp>
+    </p:spTree>
+    <p:extLst>
+      <p:ext uri="{BB962C8B-B14F-4D97-AF65-F5344CB8AC3E}">
+        <p14:creationId xmlns:p14="http://schemas.microsoft.com/office/powerpoint/2010/main" val="2170168759"/>
+      </p:ext>
+    </p:extLst>
+  </p:cSld>
+  <p:clrMapOvr>
+    <a:masterClrMapping/>
+  </p:clrMapOvr>
+</p:notes>
+</file>
+
+<file path=ppt/notesSlides/notesSlide4.xml><?xml version="1.0" encoding="utf-8"?>
+<p:notes xmlns:a="http://schemas.openxmlformats.org/drawingml/2006/main" xmlns:r="http://schemas.openxmlformats.org/officeDocument/2006/relationships" xmlns:p="http://schemas.openxmlformats.org/presentationml/2006/main">
+  <p:cSld>
+    <p:spTree>
+      <p:nvGrpSpPr>
+        <p:cNvPr id="1" name=""/>
+        <p:cNvGrpSpPr/>
+        <p:nvPr/>
+      </p:nvGrpSpPr>
+      <p:grpSpPr>
+        <a:xfrm>
+          <a:off x="0" y="0"/>
+          <a:ext cx="0" cy="0"/>
+          <a:chOff x="0" y="0"/>
+          <a:chExt cx="0" cy="0"/>
+        </a:xfrm>
+      </p:grpSpPr>
+      <p:sp>
+        <p:nvSpPr>
+          <p:cNvPr id="2" name="Ograda stranske slike 1"/>
+          <p:cNvSpPr>
+            <a:spLocks noGrp="1" noRot="1" noChangeAspect="1"/>
+          </p:cNvSpPr>
+          <p:nvPr>
+            <p:ph type="sldImg"/>
+          </p:nvPr>
+        </p:nvSpPr>
+        <p:spPr/>
+      </p:sp>
+      <p:sp>
+        <p:nvSpPr>
+          <p:cNvPr id="3" name="Ograda opomb 2"/>
+          <p:cNvSpPr>
+            <a:spLocks noGrp="1"/>
+          </p:cNvSpPr>
+          <p:nvPr>
+            <p:ph type="body" idx="1"/>
+          </p:nvPr>
+        </p:nvSpPr>
+        <p:spPr/>
+        <p:txBody>
+          <a:bodyPr/>
+          <a:lstStyle/>
+          <a:p>
+            <a:r>
+              <a:rPr lang="en-US" dirty="0" smtClean="0"/>
+              <a:t>In general graphs, we also use the procedure explained above to find augmenting paths. However, we might detect odd-length cycles now (case 4) and have to treat this case appropriately. The idea is the following: We ignore the entire cycle by contracting it to a single </a:t>
+            </a:r>
+            <a:r>
+              <a:rPr lang="en-US" dirty="0" err="1" smtClean="0"/>
+              <a:t>supernode</a:t>
+            </a:r>
+            <a:r>
+              <a:rPr lang="en-US" dirty="0" smtClean="0"/>
+              <a:t> and continue the BFS in the new graph. When we have found an augmenting path at some point we have to expand all </a:t>
+            </a:r>
+            <a:r>
+              <a:rPr lang="en-US" dirty="0" err="1" smtClean="0"/>
+              <a:t>supernodes</a:t>
+            </a:r>
+            <a:r>
+              <a:rPr lang="en-US" dirty="0" smtClean="0"/>
+              <a:t> again (in reversed order) before inverting the matching. We call such odd-length cycles </a:t>
+            </a:r>
+            <a:r>
+              <a:rPr lang="en-US" b="1" dirty="0" smtClean="0"/>
+              <a:t>blossoms</a:t>
+            </a:r>
+            <a:r>
+              <a:rPr lang="en-US" dirty="0" smtClean="0"/>
+              <a:t> and this is why the algorithm is often referred to as the Blossom Algorithm.</a:t>
+            </a:r>
+            <a:endParaRPr lang="en-US" dirty="0"/>
+          </a:p>
+        </p:txBody>
+      </p:sp>
+      <p:sp>
+        <p:nvSpPr>
+          <p:cNvPr id="4" name="Ograda številke diapozitiva 3"/>
+          <p:cNvSpPr>
+            <a:spLocks noGrp="1"/>
+          </p:cNvSpPr>
+          <p:nvPr>
+            <p:ph type="sldNum" sz="quarter" idx="10"/>
+          </p:nvPr>
+        </p:nvSpPr>
+        <p:spPr/>
+        <p:txBody>
+          <a:bodyPr/>
+          <a:lstStyle/>
+          <a:p>
+            <a:fld id="{2068A809-5CE4-4CE2-B32B-B9BC7DD73B81}" type="slidenum">
+              <a:rPr lang="en-US" smtClean="0"/>
+              <a:t>14</a:t>
+            </a:fld>
+            <a:endParaRPr lang="en-US"/>
+          </a:p>
+        </p:txBody>
+      </p:sp>
+    </p:spTree>
+    <p:extLst>
+      <p:ext uri="{BB962C8B-B14F-4D97-AF65-F5344CB8AC3E}">
+        <p14:creationId xmlns:p14="http://schemas.microsoft.com/office/powerpoint/2010/main" val="523625345"/>
+      </p:ext>
+    </p:extLst>
+  </p:cSld>
+  <p:clrMapOvr>
+    <a:masterClrMapping/>
+  </p:clrMapOvr>
+</p:notes>
+</file>
+
+<file path=ppt/notesSlides/notesSlide5.xml><?xml version="1.0" encoding="utf-8"?>
+<p:notes xmlns:a="http://schemas.openxmlformats.org/drawingml/2006/main" xmlns:r="http://schemas.openxmlformats.org/officeDocument/2006/relationships" xmlns:p="http://schemas.openxmlformats.org/presentationml/2006/main">
+  <p:cSld>
+    <p:spTree>
+      <p:nvGrpSpPr>
+        <p:cNvPr id="1" name=""/>
+        <p:cNvGrpSpPr/>
+        <p:nvPr/>
+      </p:nvGrpSpPr>
+      <p:grpSpPr>
+        <a:xfrm>
+          <a:off x="0" y="0"/>
+          <a:ext cx="0" cy="0"/>
+          <a:chOff x="0" y="0"/>
+          <a:chExt cx="0" cy="0"/>
+        </a:xfrm>
+      </p:grpSpPr>
+      <p:sp>
+        <p:nvSpPr>
           <p:cNvPr id="2" name="Ograda stranske slike 1"/>
           <p:cNvSpPr>
             <a:spLocks noGrp="1" noRot="1" noChangeAspect="1"/>
@@ -942,7 +1209,7 @@
           <a:p>
             <a:fld id="{2068A809-5CE4-4CE2-B32B-B9BC7DD73B81}" type="slidenum">
               <a:rPr lang="en-US" smtClean="0"/>
-              <a:t>25</a:t>
+              <a:t>30</a:t>
             </a:fld>
             <a:endParaRPr lang="en-US"/>
           </a:p>
@@ -962,8 +1229,8 @@
 </file>
 
 <file path=ppt/slideLayouts/slideLayout1.xml><?xml version="1.0" encoding="utf-8"?>
-<p:sldLayout xmlns:a="http://schemas.openxmlformats.org/drawingml/2006/main" xmlns:r="http://schemas.openxmlformats.org/officeDocument/2006/relationships" xmlns:p="http://schemas.openxmlformats.org/presentationml/2006/main" type="title" preserve="1">
-  <p:cSld name="Naslovni diapozitiv">
+<p:sldLayout xmlns:a="http://schemas.openxmlformats.org/drawingml/2006/main" xmlns:r="http://schemas.openxmlformats.org/officeDocument/2006/relationships" xmlns:p="http://schemas.openxmlformats.org/presentationml/2006/main" showMasterSp="0" type="title" preserve="1">
+  <p:cSld name="Title Slide">
     <p:spTree>
       <p:nvGrpSpPr>
         <p:cNvPr id="1" name=""/>
@@ -978,9 +1245,611 @@
           <a:chExt cx="0" cy="0"/>
         </a:xfrm>
       </p:grpSpPr>
-      <p:sp>
-        <p:nvSpPr>
-          <p:cNvPr id="2" name="Naslov 1"/>
+      <p:grpSp>
+        <p:nvGrpSpPr>
+          <p:cNvPr id="7" name="Group 6"/>
+          <p:cNvGrpSpPr/>
+          <p:nvPr/>
+        </p:nvGrpSpPr>
+        <p:grpSpPr>
+          <a:xfrm>
+            <a:off x="-8466" y="-8468"/>
+            <a:ext cx="9169804" cy="6874935"/>
+            <a:chOff x="-8466" y="-8468"/>
+            <a:chExt cx="9169804" cy="6874935"/>
+          </a:xfrm>
+        </p:grpSpPr>
+        <p:cxnSp>
+          <p:nvCxnSpPr>
+            <p:cNvPr id="17" name="Straight Connector 16"/>
+            <p:cNvCxnSpPr/>
+            <p:nvPr/>
+          </p:nvCxnSpPr>
+          <p:spPr>
+            <a:xfrm flipV="1">
+              <a:off x="5130830" y="4175605"/>
+              <a:ext cx="4022475" cy="2682396"/>
+            </a:xfrm>
+            <a:prstGeom prst="line">
+              <a:avLst/>
+            </a:prstGeom>
+            <a:ln w="9525">
+              <a:solidFill>
+                <a:schemeClr val="bg1">
+                  <a:lumMod val="85000"/>
+                </a:schemeClr>
+              </a:solidFill>
+            </a:ln>
+          </p:spPr>
+          <p:style>
+            <a:lnRef idx="2">
+              <a:schemeClr val="accent1"/>
+            </a:lnRef>
+            <a:fillRef idx="0">
+              <a:schemeClr val="accent1"/>
+            </a:fillRef>
+            <a:effectRef idx="1">
+              <a:schemeClr val="accent1"/>
+            </a:effectRef>
+            <a:fontRef idx="minor">
+              <a:schemeClr val="tx1"/>
+            </a:fontRef>
+          </p:style>
+        </p:cxnSp>
+        <p:cxnSp>
+          <p:nvCxnSpPr>
+            <p:cNvPr id="18" name="Straight Connector 17"/>
+            <p:cNvCxnSpPr/>
+            <p:nvPr/>
+          </p:nvCxnSpPr>
+          <p:spPr>
+            <a:xfrm>
+              <a:off x="7042707" y="0"/>
+              <a:ext cx="1219200" cy="6858000"/>
+            </a:xfrm>
+            <a:prstGeom prst="line">
+              <a:avLst/>
+            </a:prstGeom>
+            <a:ln w="9525">
+              <a:solidFill>
+                <a:schemeClr val="bg1">
+                  <a:lumMod val="75000"/>
+                </a:schemeClr>
+              </a:solidFill>
+            </a:ln>
+          </p:spPr>
+          <p:style>
+            <a:lnRef idx="2">
+              <a:schemeClr val="accent1"/>
+            </a:lnRef>
+            <a:fillRef idx="0">
+              <a:schemeClr val="accent1"/>
+            </a:fillRef>
+            <a:effectRef idx="1">
+              <a:schemeClr val="accent1"/>
+            </a:effectRef>
+            <a:fontRef idx="minor">
+              <a:schemeClr val="tx1"/>
+            </a:fontRef>
+          </p:style>
+        </p:cxnSp>
+        <p:sp>
+          <p:nvSpPr>
+            <p:cNvPr id="19" name="Freeform 18"/>
+            <p:cNvSpPr/>
+            <p:nvPr/>
+          </p:nvSpPr>
+          <p:spPr>
+            <a:xfrm>
+              <a:off x="6891896" y="1"/>
+              <a:ext cx="2269442" cy="6866466"/>
+            </a:xfrm>
+            <a:custGeom>
+              <a:avLst/>
+              <a:gdLst/>
+              <a:ahLst/>
+              <a:cxnLst/>
+              <a:rect l="l" t="t" r="r" b="b"/>
+              <a:pathLst>
+                <a:path w="2269442" h="6866466">
+                  <a:moveTo>
+                    <a:pt x="2023534" y="0"/>
+                  </a:moveTo>
+                  <a:lnTo>
+                    <a:pt x="0" y="6858000"/>
+                  </a:lnTo>
+                  <a:lnTo>
+                    <a:pt x="2269067" y="6866466"/>
+                  </a:lnTo>
+                  <a:cubicBezTo>
+                    <a:pt x="2271889" y="4580466"/>
+                    <a:pt x="2257778" y="2294466"/>
+                    <a:pt x="2260600" y="8466"/>
+                  </a:cubicBezTo>
+                  <a:lnTo>
+                    <a:pt x="2023534" y="0"/>
+                  </a:lnTo>
+                  <a:close/>
+                </a:path>
+              </a:pathLst>
+            </a:custGeom>
+            <a:solidFill>
+              <a:schemeClr val="accent1">
+                <a:alpha val="30000"/>
+              </a:schemeClr>
+            </a:solidFill>
+            <a:ln>
+              <a:noFill/>
+            </a:ln>
+            <a:effectLst/>
+          </p:spPr>
+          <p:style>
+            <a:lnRef idx="1">
+              <a:schemeClr val="accent1"/>
+            </a:lnRef>
+            <a:fillRef idx="3">
+              <a:schemeClr val="accent1"/>
+            </a:fillRef>
+            <a:effectRef idx="2">
+              <a:schemeClr val="accent1"/>
+            </a:effectRef>
+            <a:fontRef idx="minor">
+              <a:schemeClr val="lt1"/>
+            </a:fontRef>
+          </p:style>
+        </p:sp>
+        <p:sp>
+          <p:nvSpPr>
+            <p:cNvPr id="20" name="Freeform 19"/>
+            <p:cNvSpPr/>
+            <p:nvPr/>
+          </p:nvSpPr>
+          <p:spPr>
+            <a:xfrm>
+              <a:off x="7205158" y="-8467"/>
+              <a:ext cx="1948147" cy="6866467"/>
+            </a:xfrm>
+            <a:custGeom>
+              <a:avLst/>
+              <a:gdLst/>
+              <a:ahLst/>
+              <a:cxnLst/>
+              <a:rect l="l" t="t" r="r" b="b"/>
+              <a:pathLst>
+                <a:path w="1948147" h="6866467">
+                  <a:moveTo>
+                    <a:pt x="0" y="0"/>
+                  </a:moveTo>
+                  <a:lnTo>
+                    <a:pt x="1202267" y="6866467"/>
+                  </a:lnTo>
+                  <a:lnTo>
+                    <a:pt x="1947333" y="6866467"/>
+                  </a:lnTo>
+                  <a:cubicBezTo>
+                    <a:pt x="1944511" y="4577645"/>
+                    <a:pt x="1950155" y="2288822"/>
+                    <a:pt x="1947333" y="0"/>
+                  </a:cubicBezTo>
+                  <a:lnTo>
+                    <a:pt x="0" y="0"/>
+                  </a:lnTo>
+                  <a:close/>
+                </a:path>
+              </a:pathLst>
+            </a:custGeom>
+            <a:solidFill>
+              <a:schemeClr val="accent1">
+                <a:alpha val="20000"/>
+              </a:schemeClr>
+            </a:solidFill>
+            <a:ln>
+              <a:noFill/>
+            </a:ln>
+            <a:effectLst/>
+          </p:spPr>
+          <p:style>
+            <a:lnRef idx="1">
+              <a:schemeClr val="accent1"/>
+            </a:lnRef>
+            <a:fillRef idx="3">
+              <a:schemeClr val="accent1"/>
+            </a:fillRef>
+            <a:effectRef idx="2">
+              <a:schemeClr val="accent1"/>
+            </a:effectRef>
+            <a:fontRef idx="minor">
+              <a:schemeClr val="lt1"/>
+            </a:fontRef>
+          </p:style>
+        </p:sp>
+        <p:sp>
+          <p:nvSpPr>
+            <p:cNvPr id="21" name="Freeform 20"/>
+            <p:cNvSpPr/>
+            <p:nvPr/>
+          </p:nvSpPr>
+          <p:spPr>
+            <a:xfrm>
+              <a:off x="6637896" y="3920066"/>
+              <a:ext cx="2513565" cy="2937933"/>
+            </a:xfrm>
+            <a:custGeom>
+              <a:avLst/>
+              <a:gdLst/>
+              <a:ahLst/>
+              <a:cxnLst/>
+              <a:rect l="l" t="t" r="r" b="b"/>
+              <a:pathLst>
+                <a:path w="3259667" h="3810000">
+                  <a:moveTo>
+                    <a:pt x="0" y="3810000"/>
+                  </a:moveTo>
+                  <a:lnTo>
+                    <a:pt x="3251200" y="0"/>
+                  </a:lnTo>
+                  <a:cubicBezTo>
+                    <a:pt x="3254022" y="1270000"/>
+                    <a:pt x="3256845" y="2540000"/>
+                    <a:pt x="3259667" y="3810000"/>
+                  </a:cubicBezTo>
+                  <a:lnTo>
+                    <a:pt x="0" y="3810000"/>
+                  </a:lnTo>
+                  <a:close/>
+                </a:path>
+              </a:pathLst>
+            </a:custGeom>
+            <a:solidFill>
+              <a:schemeClr val="accent2">
+                <a:alpha val="72000"/>
+              </a:schemeClr>
+            </a:solidFill>
+            <a:ln>
+              <a:noFill/>
+            </a:ln>
+            <a:effectLst/>
+          </p:spPr>
+          <p:style>
+            <a:lnRef idx="1">
+              <a:schemeClr val="accent1"/>
+            </a:lnRef>
+            <a:fillRef idx="3">
+              <a:schemeClr val="accent1"/>
+            </a:fillRef>
+            <a:effectRef idx="2">
+              <a:schemeClr val="accent1"/>
+            </a:effectRef>
+            <a:fontRef idx="minor">
+              <a:schemeClr val="lt1"/>
+            </a:fontRef>
+          </p:style>
+        </p:sp>
+        <p:sp>
+          <p:nvSpPr>
+            <p:cNvPr id="22" name="Freeform 21"/>
+            <p:cNvSpPr/>
+            <p:nvPr/>
+          </p:nvSpPr>
+          <p:spPr>
+            <a:xfrm>
+              <a:off x="7010429" y="-8467"/>
+              <a:ext cx="2142876" cy="6866467"/>
+            </a:xfrm>
+            <a:custGeom>
+              <a:avLst/>
+              <a:gdLst/>
+              <a:ahLst/>
+              <a:cxnLst/>
+              <a:rect l="l" t="t" r="r" b="b"/>
+              <a:pathLst>
+                <a:path w="2853267" h="6866467">
+                  <a:moveTo>
+                    <a:pt x="0" y="0"/>
+                  </a:moveTo>
+                  <a:lnTo>
+                    <a:pt x="2472267" y="6866467"/>
+                  </a:lnTo>
+                  <a:lnTo>
+                    <a:pt x="2853267" y="6858000"/>
+                  </a:lnTo>
+                  <a:lnTo>
+                    <a:pt x="2853267" y="0"/>
+                  </a:lnTo>
+                  <a:lnTo>
+                    <a:pt x="0" y="0"/>
+                  </a:lnTo>
+                  <a:close/>
+                </a:path>
+              </a:pathLst>
+            </a:custGeom>
+            <a:solidFill>
+              <a:schemeClr val="accent2">
+                <a:lumMod val="75000"/>
+                <a:alpha val="70000"/>
+              </a:schemeClr>
+            </a:solidFill>
+            <a:ln>
+              <a:noFill/>
+            </a:ln>
+            <a:effectLst/>
+          </p:spPr>
+          <p:style>
+            <a:lnRef idx="1">
+              <a:schemeClr val="accent1"/>
+            </a:lnRef>
+            <a:fillRef idx="3">
+              <a:schemeClr val="accent1"/>
+            </a:fillRef>
+            <a:effectRef idx="2">
+              <a:schemeClr val="accent1"/>
+            </a:effectRef>
+            <a:fontRef idx="minor">
+              <a:schemeClr val="lt1"/>
+            </a:fontRef>
+          </p:style>
+        </p:sp>
+        <p:sp>
+          <p:nvSpPr>
+            <p:cNvPr id="23" name="Freeform 22"/>
+            <p:cNvSpPr/>
+            <p:nvPr/>
+          </p:nvSpPr>
+          <p:spPr>
+            <a:xfrm>
+              <a:off x="8295776" y="-8467"/>
+              <a:ext cx="857530" cy="6866467"/>
+            </a:xfrm>
+            <a:custGeom>
+              <a:avLst/>
+              <a:gdLst/>
+              <a:ahLst/>
+              <a:cxnLst/>
+              <a:rect l="l" t="t" r="r" b="b"/>
+              <a:pathLst>
+                <a:path w="1286933" h="6866467">
+                  <a:moveTo>
+                    <a:pt x="1016000" y="0"/>
+                  </a:moveTo>
+                  <a:lnTo>
+                    <a:pt x="0" y="6866467"/>
+                  </a:lnTo>
+                  <a:lnTo>
+                    <a:pt x="1286933" y="6866467"/>
+                  </a:lnTo>
+                  <a:cubicBezTo>
+                    <a:pt x="1284111" y="4577645"/>
+                    <a:pt x="1281288" y="2288822"/>
+                    <a:pt x="1278466" y="0"/>
+                  </a:cubicBezTo>
+                  <a:lnTo>
+                    <a:pt x="1016000" y="0"/>
+                  </a:lnTo>
+                  <a:close/>
+                </a:path>
+              </a:pathLst>
+            </a:custGeom>
+            <a:solidFill>
+              <a:schemeClr val="accent1">
+                <a:lumMod val="60000"/>
+                <a:lumOff val="40000"/>
+                <a:alpha val="70000"/>
+              </a:schemeClr>
+            </a:solidFill>
+            <a:ln>
+              <a:noFill/>
+            </a:ln>
+            <a:effectLst/>
+          </p:spPr>
+          <p:style>
+            <a:lnRef idx="1">
+              <a:schemeClr val="accent1"/>
+            </a:lnRef>
+            <a:fillRef idx="3">
+              <a:schemeClr val="accent1"/>
+            </a:fillRef>
+            <a:effectRef idx="2">
+              <a:schemeClr val="accent1"/>
+            </a:effectRef>
+            <a:fontRef idx="minor">
+              <a:schemeClr val="lt1"/>
+            </a:fontRef>
+          </p:style>
+        </p:sp>
+        <p:sp>
+          <p:nvSpPr>
+            <p:cNvPr id="24" name="Freeform 23"/>
+            <p:cNvSpPr/>
+            <p:nvPr/>
+          </p:nvSpPr>
+          <p:spPr>
+            <a:xfrm>
+              <a:off x="8077231" y="-8468"/>
+              <a:ext cx="1066770" cy="6866467"/>
+            </a:xfrm>
+            <a:custGeom>
+              <a:avLst/>
+              <a:gdLst/>
+              <a:ahLst/>
+              <a:cxnLst/>
+              <a:rect l="l" t="t" r="r" b="b"/>
+              <a:pathLst>
+                <a:path w="1270244" h="6866467">
+                  <a:moveTo>
+                    <a:pt x="0" y="0"/>
+                  </a:moveTo>
+                  <a:lnTo>
+                    <a:pt x="1117600" y="6866467"/>
+                  </a:lnTo>
+                  <a:lnTo>
+                    <a:pt x="1270000" y="6866467"/>
+                  </a:lnTo>
+                  <a:cubicBezTo>
+                    <a:pt x="1272822" y="4574822"/>
+                    <a:pt x="1250245" y="2291645"/>
+                    <a:pt x="1253067" y="0"/>
+                  </a:cubicBezTo>
+                  <a:lnTo>
+                    <a:pt x="0" y="0"/>
+                  </a:lnTo>
+                  <a:close/>
+                </a:path>
+              </a:pathLst>
+            </a:custGeom>
+            <a:solidFill>
+              <a:schemeClr val="accent1">
+                <a:alpha val="65000"/>
+              </a:schemeClr>
+            </a:solidFill>
+            <a:ln>
+              <a:noFill/>
+            </a:ln>
+            <a:effectLst/>
+          </p:spPr>
+          <p:style>
+            <a:lnRef idx="1">
+              <a:schemeClr val="accent1"/>
+            </a:lnRef>
+            <a:fillRef idx="3">
+              <a:schemeClr val="accent1"/>
+            </a:fillRef>
+            <a:effectRef idx="2">
+              <a:schemeClr val="accent1"/>
+            </a:effectRef>
+            <a:fontRef idx="minor">
+              <a:schemeClr val="lt1"/>
+            </a:fontRef>
+          </p:style>
+        </p:sp>
+        <p:sp>
+          <p:nvSpPr>
+            <p:cNvPr id="25" name="Freeform 24"/>
+            <p:cNvSpPr/>
+            <p:nvPr/>
+          </p:nvSpPr>
+          <p:spPr>
+            <a:xfrm>
+              <a:off x="8060297" y="4893733"/>
+              <a:ext cx="1094086" cy="1964267"/>
+            </a:xfrm>
+            <a:custGeom>
+              <a:avLst/>
+              <a:gdLst/>
+              <a:ahLst/>
+              <a:cxnLst/>
+              <a:rect l="l" t="t" r="r" b="b"/>
+              <a:pathLst>
+                <a:path w="1820333" h="3268133">
+                  <a:moveTo>
+                    <a:pt x="0" y="3268133"/>
+                  </a:moveTo>
+                  <a:lnTo>
+                    <a:pt x="1811866" y="0"/>
+                  </a:lnTo>
+                  <a:cubicBezTo>
+                    <a:pt x="1814688" y="1086555"/>
+                    <a:pt x="1817511" y="2173111"/>
+                    <a:pt x="1820333" y="3259666"/>
+                  </a:cubicBezTo>
+                  <a:lnTo>
+                    <a:pt x="0" y="3268133"/>
+                  </a:lnTo>
+                  <a:close/>
+                </a:path>
+              </a:pathLst>
+            </a:custGeom>
+            <a:solidFill>
+              <a:schemeClr val="accent1">
+                <a:alpha val="80000"/>
+              </a:schemeClr>
+            </a:solidFill>
+            <a:ln>
+              <a:noFill/>
+            </a:ln>
+            <a:effectLst/>
+          </p:spPr>
+          <p:style>
+            <a:lnRef idx="1">
+              <a:schemeClr val="accent1"/>
+            </a:lnRef>
+            <a:fillRef idx="3">
+              <a:schemeClr val="accent1"/>
+            </a:fillRef>
+            <a:effectRef idx="2">
+              <a:schemeClr val="accent1"/>
+            </a:effectRef>
+            <a:fontRef idx="minor">
+              <a:schemeClr val="lt1"/>
+            </a:fontRef>
+          </p:style>
+        </p:sp>
+        <p:sp>
+          <p:nvSpPr>
+            <p:cNvPr id="28" name="Freeform 27"/>
+            <p:cNvSpPr/>
+            <p:nvPr/>
+          </p:nvSpPr>
+          <p:spPr>
+            <a:xfrm>
+              <a:off x="-8466" y="-8468"/>
+              <a:ext cx="863600" cy="5698067"/>
+            </a:xfrm>
+            <a:custGeom>
+              <a:avLst/>
+              <a:gdLst/>
+              <a:ahLst/>
+              <a:cxnLst/>
+              <a:rect l="l" t="t" r="r" b="b"/>
+              <a:pathLst>
+                <a:path w="863600" h="5698067">
+                  <a:moveTo>
+                    <a:pt x="0" y="8467"/>
+                  </a:moveTo>
+                  <a:lnTo>
+                    <a:pt x="863600" y="0"/>
+                  </a:lnTo>
+                  <a:lnTo>
+                    <a:pt x="863600" y="16934"/>
+                  </a:lnTo>
+                  <a:lnTo>
+                    <a:pt x="0" y="5698067"/>
+                  </a:lnTo>
+                  <a:lnTo>
+                    <a:pt x="0" y="8467"/>
+                  </a:lnTo>
+                  <a:close/>
+                </a:path>
+              </a:pathLst>
+            </a:custGeom>
+            <a:solidFill>
+              <a:schemeClr val="accent1">
+                <a:alpha val="85000"/>
+              </a:schemeClr>
+            </a:solidFill>
+            <a:ln>
+              <a:noFill/>
+            </a:ln>
+            <a:effectLst/>
+          </p:spPr>
+          <p:style>
+            <a:lnRef idx="1">
+              <a:schemeClr val="accent1"/>
+            </a:lnRef>
+            <a:fillRef idx="3">
+              <a:schemeClr val="accent1"/>
+            </a:fillRef>
+            <a:effectRef idx="2">
+              <a:schemeClr val="accent1"/>
+            </a:effectRef>
+            <a:fontRef idx="minor">
+              <a:schemeClr val="lt1"/>
+            </a:fontRef>
+          </p:style>
+        </p:sp>
+      </p:grpSp>
+      <p:sp>
+        <p:nvSpPr>
+          <p:cNvPr id="2" name="Title 1"/>
           <p:cNvSpPr>
             <a:spLocks noGrp="1"/>
           </p:cNvSpPr>
@@ -990,25 +1859,35 @@
         </p:nvSpPr>
         <p:spPr>
           <a:xfrm>
-            <a:off x="685800" y="2130425"/>
-            <a:ext cx="7772400" cy="1470025"/>
+            <a:off x="1130595" y="2404534"/>
+            <a:ext cx="5826719" cy="1646302"/>
           </a:xfrm>
         </p:spPr>
         <p:txBody>
-          <a:bodyPr/>
-          <a:lstStyle/>
-          <a:p>
-            <a:r>
-              <a:rPr lang="sl-SI" smtClean="0"/>
-              <a:t>Uredite slog naslova matrice</a:t>
-            </a:r>
-            <a:endParaRPr lang="en-US"/>
-          </a:p>
-        </p:txBody>
-      </p:sp>
-      <p:sp>
-        <p:nvSpPr>
-          <p:cNvPr id="3" name="Podnaslov 2"/>
+          <a:bodyPr anchor="b">
+            <a:noAutofit/>
+          </a:bodyPr>
+          <a:lstStyle>
+            <a:lvl1pPr algn="r">
+              <a:defRPr sz="5400">
+                <a:solidFill>
+                  <a:schemeClr val="accent1"/>
+                </a:solidFill>
+              </a:defRPr>
+            </a:lvl1pPr>
+          </a:lstStyle>
+          <a:p>
+            <a:r>
+              <a:rPr lang="en-US" smtClean="0"/>
+              <a:t>Click to edit Master title style</a:t>
+            </a:r>
+            <a:endParaRPr lang="en-US" dirty="0"/>
+          </a:p>
+        </p:txBody>
+      </p:sp>
+      <p:sp>
+        <p:nvSpPr>
+          <p:cNvPr id="3" name="Subtitle 2"/>
           <p:cNvSpPr>
             <a:spLocks noGrp="1"/>
           </p:cNvSpPr>
@@ -1018,19 +1897,20 @@
         </p:nvSpPr>
         <p:spPr>
           <a:xfrm>
-            <a:off x="1371600" y="3886200"/>
-            <a:ext cx="6400800" cy="1752600"/>
+            <a:off x="1130595" y="4050834"/>
+            <a:ext cx="5826719" cy="1096899"/>
           </a:xfrm>
         </p:spPr>
         <p:txBody>
-          <a:bodyPr/>
+          <a:bodyPr anchor="t"/>
           <a:lstStyle>
-            <a:lvl1pPr marL="0" indent="0" algn="ctr">
+            <a:lvl1pPr marL="0" indent="0" algn="r">
               <a:buNone/>
               <a:defRPr>
                 <a:solidFill>
                   <a:schemeClr val="tx1">
-                    <a:tint val="75000"/>
+                    <a:lumMod val="50000"/>
+                    <a:lumOff val="50000"/>
                   </a:schemeClr>
                 </a:solidFill>
               </a:defRPr>
@@ -1118,16 +1998,16 @@
           </a:lstStyle>
           <a:p>
             <a:r>
-              <a:rPr lang="sl-SI" smtClean="0"/>
-              <a:t>Uredite slog podnaslova matrice</a:t>
-            </a:r>
-            <a:endParaRPr lang="en-US"/>
-          </a:p>
-        </p:txBody>
-      </p:sp>
-      <p:sp>
-        <p:nvSpPr>
-          <p:cNvPr id="4" name="Ograda datuma 3"/>
+              <a:rPr lang="en-US" smtClean="0"/>
+              <a:t>Click to edit Master subtitle style</a:t>
+            </a:r>
+            <a:endParaRPr lang="en-US" dirty="0"/>
+          </a:p>
+        </p:txBody>
+      </p:sp>
+      <p:sp>
+        <p:nvSpPr>
+          <p:cNvPr id="4" name="Date Placeholder 3"/>
           <p:cNvSpPr>
             <a:spLocks noGrp="1"/>
           </p:cNvSpPr>
@@ -1142,7 +2022,7 @@
           <a:p>
             <a:fld id="{BA6EFB0A-BEF4-4384-B5CA-BA492AB9664D}" type="datetimeFigureOut">
               <a:rPr lang="en-US" smtClean="0"/>
-              <a:t>1/22/2018</a:t>
+              <a:t>1/23/2018</a:t>
             </a:fld>
             <a:endParaRPr lang="en-US"/>
           </a:p>
@@ -1150,7 +2030,7 @@
       </p:sp>
       <p:sp>
         <p:nvSpPr>
-          <p:cNvPr id="5" name="Ograda noge 4"/>
+          <p:cNvPr id="5" name="Footer Placeholder 4"/>
           <p:cNvSpPr>
             <a:spLocks noGrp="1"/>
           </p:cNvSpPr>
@@ -1169,7 +2049,7 @@
       </p:sp>
       <p:sp>
         <p:nvSpPr>
-          <p:cNvPr id="6" name="Ograda številke diapozitiva 5"/>
+          <p:cNvPr id="6" name="Slide Number Placeholder 5"/>
           <p:cNvSpPr>
             <a:spLocks noGrp="1"/>
           </p:cNvSpPr>
@@ -1193,7 +2073,7 @@
     </p:spTree>
     <p:extLst>
       <p:ext uri="{BB962C8B-B14F-4D97-AF65-F5344CB8AC3E}">
-        <p14:creationId xmlns:p14="http://schemas.microsoft.com/office/powerpoint/2010/main" val="3211246311"/>
+        <p14:creationId xmlns:p14="http://schemas.microsoft.com/office/powerpoint/2010/main" val="2079871198"/>
       </p:ext>
     </p:extLst>
   </p:cSld>
@@ -1204,8 +2084,8 @@
 </file>
 
 <file path=ppt/slideLayouts/slideLayout10.xml><?xml version="1.0" encoding="utf-8"?>
-<p:sldLayout xmlns:a="http://schemas.openxmlformats.org/drawingml/2006/main" xmlns:r="http://schemas.openxmlformats.org/officeDocument/2006/relationships" xmlns:p="http://schemas.openxmlformats.org/presentationml/2006/main" type="vertTx" preserve="1">
-  <p:cSld name="Naslov in navpično besedilo">
+<p:sldLayout xmlns:a="http://schemas.openxmlformats.org/drawingml/2006/main" xmlns:r="http://schemas.openxmlformats.org/officeDocument/2006/relationships" xmlns:p="http://schemas.openxmlformats.org/presentationml/2006/main" preserve="1">
+  <p:cSld name="Title and Caption">
     <p:spTree>
       <p:nvGrpSpPr>
         <p:cNvPr id="1" name=""/>
@@ -1222,7 +2102,7 @@
       </p:grpSpPr>
       <p:sp>
         <p:nvSpPr>
-          <p:cNvPr id="2" name="Naslov 1"/>
+          <p:cNvPr id="2" name="Title 1"/>
           <p:cNvSpPr>
             <a:spLocks noGrp="1"/>
           </p:cNvSpPr>
@@ -1230,74 +2110,155 @@
             <p:ph type="title"/>
           </p:nvPr>
         </p:nvSpPr>
-        <p:spPr/>
-        <p:txBody>
-          <a:bodyPr/>
-          <a:lstStyle/>
-          <a:p>
-            <a:r>
-              <a:rPr lang="sl-SI" smtClean="0"/>
-              <a:t>Uredite slog naslova matrice</a:t>
-            </a:r>
-            <a:endParaRPr lang="en-US"/>
-          </a:p>
-        </p:txBody>
-      </p:sp>
-      <p:sp>
-        <p:nvSpPr>
-          <p:cNvPr id="3" name="Ograda navpičnega besedila 2"/>
-          <p:cNvSpPr>
-            <a:spLocks noGrp="1"/>
-          </p:cNvSpPr>
-          <p:nvPr>
-            <p:ph type="body" orient="vert" idx="1"/>
-          </p:nvPr>
-        </p:nvSpPr>
-        <p:spPr/>
-        <p:txBody>
-          <a:bodyPr vert="eaVert"/>
-          <a:lstStyle/>
+        <p:spPr>
+          <a:xfrm>
+            <a:off x="609600" y="609600"/>
+            <a:ext cx="6347714" cy="3403600"/>
+          </a:xfrm>
+        </p:spPr>
+        <p:txBody>
+          <a:bodyPr anchor="ctr">
+            <a:normAutofit/>
+          </a:bodyPr>
+          <a:lstStyle>
+            <a:lvl1pPr algn="l">
+              <a:defRPr sz="4400" b="0" cap="none"/>
+            </a:lvl1pPr>
+          </a:lstStyle>
+          <a:p>
+            <a:r>
+              <a:rPr lang="en-US" smtClean="0"/>
+              <a:t>Click to edit Master title style</a:t>
+            </a:r>
+            <a:endParaRPr lang="en-US" dirty="0"/>
+          </a:p>
+        </p:txBody>
+      </p:sp>
+      <p:sp>
+        <p:nvSpPr>
+          <p:cNvPr id="3" name="Text Placeholder 2"/>
+          <p:cNvSpPr>
+            <a:spLocks noGrp="1"/>
+          </p:cNvSpPr>
+          <p:nvPr>
+            <p:ph type="body" idx="1"/>
+          </p:nvPr>
+        </p:nvSpPr>
+        <p:spPr>
+          <a:xfrm>
+            <a:off x="609600" y="4470400"/>
+            <a:ext cx="6347714" cy="1570962"/>
+          </a:xfrm>
+        </p:spPr>
+        <p:txBody>
+          <a:bodyPr anchor="ctr">
+            <a:normAutofit/>
+          </a:bodyPr>
+          <a:lstStyle>
+            <a:lvl1pPr marL="0" indent="0" algn="l">
+              <a:buNone/>
+              <a:defRPr sz="1800">
+                <a:solidFill>
+                  <a:schemeClr val="tx1">
+                    <a:lumMod val="75000"/>
+                    <a:lumOff val="25000"/>
+                  </a:schemeClr>
+                </a:solidFill>
+              </a:defRPr>
+            </a:lvl1pPr>
+            <a:lvl2pPr marL="457200" indent="0">
+              <a:buNone/>
+              <a:defRPr sz="1800">
+                <a:solidFill>
+                  <a:schemeClr val="tx1">
+                    <a:tint val="75000"/>
+                  </a:schemeClr>
+                </a:solidFill>
+              </a:defRPr>
+            </a:lvl2pPr>
+            <a:lvl3pPr marL="914400" indent="0">
+              <a:buNone/>
+              <a:defRPr sz="1600">
+                <a:solidFill>
+                  <a:schemeClr val="tx1">
+                    <a:tint val="75000"/>
+                  </a:schemeClr>
+                </a:solidFill>
+              </a:defRPr>
+            </a:lvl3pPr>
+            <a:lvl4pPr marL="1371600" indent="0">
+              <a:buNone/>
+              <a:defRPr sz="1400">
+                <a:solidFill>
+                  <a:schemeClr val="tx1">
+                    <a:tint val="75000"/>
+                  </a:schemeClr>
+                </a:solidFill>
+              </a:defRPr>
+            </a:lvl4pPr>
+            <a:lvl5pPr marL="1828800" indent="0">
+              <a:buNone/>
+              <a:defRPr sz="1400">
+                <a:solidFill>
+                  <a:schemeClr val="tx1">
+                    <a:tint val="75000"/>
+                  </a:schemeClr>
+                </a:solidFill>
+              </a:defRPr>
+            </a:lvl5pPr>
+            <a:lvl6pPr marL="2286000" indent="0">
+              <a:buNone/>
+              <a:defRPr sz="1400">
+                <a:solidFill>
+                  <a:schemeClr val="tx1">
+                    <a:tint val="75000"/>
+                  </a:schemeClr>
+                </a:solidFill>
+              </a:defRPr>
+            </a:lvl6pPr>
+            <a:lvl7pPr marL="2743200" indent="0">
+              <a:buNone/>
+              <a:defRPr sz="1400">
+                <a:solidFill>
+                  <a:schemeClr val="tx1">
+                    <a:tint val="75000"/>
+                  </a:schemeClr>
+                </a:solidFill>
+              </a:defRPr>
+            </a:lvl7pPr>
+            <a:lvl8pPr marL="3200400" indent="0">
+              <a:buNone/>
+              <a:defRPr sz="1400">
+                <a:solidFill>
+                  <a:schemeClr val="tx1">
+                    <a:tint val="75000"/>
+                  </a:schemeClr>
+                </a:solidFill>
+              </a:defRPr>
+            </a:lvl8pPr>
+            <a:lvl9pPr marL="3657600" indent="0">
+              <a:buNone/>
+              <a:defRPr sz="1400">
+                <a:solidFill>
+                  <a:schemeClr val="tx1">
+                    <a:tint val="75000"/>
+                  </a:schemeClr>
+                </a:solidFill>
+              </a:defRPr>
+            </a:lvl9pPr>
+          </a:lstStyle>
           <a:p>
             <a:pPr lvl="0"/>
             <a:r>
-              <a:rPr lang="sl-SI" smtClean="0"/>
-              <a:t>Uredite sloge besedila matrice</a:t>
-            </a:r>
-          </a:p>
-          <a:p>
-            <a:pPr lvl="1"/>
-            <a:r>
-              <a:rPr lang="sl-SI" smtClean="0"/>
-              <a:t>Druga raven</a:t>
-            </a:r>
-          </a:p>
-          <a:p>
-            <a:pPr lvl="2"/>
-            <a:r>
-              <a:rPr lang="sl-SI" smtClean="0"/>
-              <a:t>Tretja raven</a:t>
-            </a:r>
-          </a:p>
-          <a:p>
-            <a:pPr lvl="3"/>
-            <a:r>
-              <a:rPr lang="sl-SI" smtClean="0"/>
-              <a:t>Četrta raven</a:t>
-            </a:r>
-          </a:p>
-          <a:p>
-            <a:pPr lvl="4"/>
-            <a:r>
-              <a:rPr lang="sl-SI" smtClean="0"/>
-              <a:t>Peta raven</a:t>
-            </a:r>
-            <a:endParaRPr lang="en-US"/>
-          </a:p>
-        </p:txBody>
-      </p:sp>
-      <p:sp>
-        <p:nvSpPr>
-          <p:cNvPr id="4" name="Ograda datuma 3"/>
+              <a:rPr lang="en-US" smtClean="0"/>
+              <a:t>Edit Master text styles</a:t>
+            </a:r>
+          </a:p>
+        </p:txBody>
+      </p:sp>
+      <p:sp>
+        <p:nvSpPr>
+          <p:cNvPr id="4" name="Date Placeholder 3"/>
           <p:cNvSpPr>
             <a:spLocks noGrp="1"/>
           </p:cNvSpPr>
@@ -1312,7 +2273,7 @@
           <a:p>
             <a:fld id="{BA6EFB0A-BEF4-4384-B5CA-BA492AB9664D}" type="datetimeFigureOut">
               <a:rPr lang="en-US" smtClean="0"/>
-              <a:t>1/22/2018</a:t>
+              <a:t>1/23/2018</a:t>
             </a:fld>
             <a:endParaRPr lang="en-US"/>
           </a:p>
@@ -1320,7 +2281,7 @@
       </p:sp>
       <p:sp>
         <p:nvSpPr>
-          <p:cNvPr id="5" name="Ograda noge 4"/>
+          <p:cNvPr id="5" name="Footer Placeholder 4"/>
           <p:cNvSpPr>
             <a:spLocks noGrp="1"/>
           </p:cNvSpPr>
@@ -1339,7 +2300,7 @@
       </p:sp>
       <p:sp>
         <p:nvSpPr>
-          <p:cNvPr id="6" name="Ograda številke diapozitiva 5"/>
+          <p:cNvPr id="6" name="Slide Number Placeholder 5"/>
           <p:cNvSpPr>
             <a:spLocks noGrp="1"/>
           </p:cNvSpPr>
@@ -1363,7 +2324,7 @@
     </p:spTree>
     <p:extLst>
       <p:ext uri="{BB962C8B-B14F-4D97-AF65-F5344CB8AC3E}">
-        <p14:creationId xmlns:p14="http://schemas.microsoft.com/office/powerpoint/2010/main" val="4074137393"/>
+        <p14:creationId xmlns:p14="http://schemas.microsoft.com/office/powerpoint/2010/main" val="2496878203"/>
       </p:ext>
     </p:extLst>
   </p:cSld>
@@ -1374,8 +2335,8 @@
 </file>
 
 <file path=ppt/slideLayouts/slideLayout11.xml><?xml version="1.0" encoding="utf-8"?>
-<p:sldLayout xmlns:a="http://schemas.openxmlformats.org/drawingml/2006/main" xmlns:r="http://schemas.openxmlformats.org/officeDocument/2006/relationships" xmlns:p="http://schemas.openxmlformats.org/presentationml/2006/main" type="vertTitleAndTx" preserve="1">
-  <p:cSld name="Navpični naslov in besedilo">
+<p:sldLayout xmlns:a="http://schemas.openxmlformats.org/drawingml/2006/main" xmlns:r="http://schemas.openxmlformats.org/officeDocument/2006/relationships" xmlns:p="http://schemas.openxmlformats.org/presentationml/2006/main" preserve="1">
+  <p:cSld name="Quote with Caption">
     <p:spTree>
       <p:nvGrpSpPr>
         <p:cNvPr id="1" name=""/>
@@ -1392,92 +2353,226 @@
       </p:grpSpPr>
       <p:sp>
         <p:nvSpPr>
-          <p:cNvPr id="2" name="Navpični naslov 1"/>
-          <p:cNvSpPr>
-            <a:spLocks noGrp="1"/>
-          </p:cNvSpPr>
-          <p:nvPr>
-            <p:ph type="title" orient="vert"/>
+          <p:cNvPr id="2" name="Title 1"/>
+          <p:cNvSpPr>
+            <a:spLocks noGrp="1"/>
+          </p:cNvSpPr>
+          <p:nvPr>
+            <p:ph type="title"/>
           </p:nvPr>
         </p:nvSpPr>
         <p:spPr>
           <a:xfrm>
-            <a:off x="6629400" y="274638"/>
-            <a:ext cx="2057400" cy="5851525"/>
+            <a:off x="774885" y="609600"/>
+            <a:ext cx="6072182" cy="3022600"/>
           </a:xfrm>
         </p:spPr>
         <p:txBody>
-          <a:bodyPr vert="eaVert"/>
-          <a:lstStyle/>
-          <a:p>
-            <a:r>
-              <a:rPr lang="sl-SI" smtClean="0"/>
-              <a:t>Uredite slog naslova matrice</a:t>
-            </a:r>
-            <a:endParaRPr lang="en-US"/>
-          </a:p>
-        </p:txBody>
-      </p:sp>
-      <p:sp>
-        <p:nvSpPr>
-          <p:cNvPr id="3" name="Ograda navpičnega besedila 2"/>
-          <p:cNvSpPr>
-            <a:spLocks noGrp="1"/>
-          </p:cNvSpPr>
-          <p:nvPr>
-            <p:ph type="body" orient="vert" idx="1"/>
+          <a:bodyPr anchor="ctr">
+            <a:normAutofit/>
+          </a:bodyPr>
+          <a:lstStyle>
+            <a:lvl1pPr algn="l">
+              <a:defRPr sz="4400" b="0" cap="none"/>
+            </a:lvl1pPr>
+          </a:lstStyle>
+          <a:p>
+            <a:r>
+              <a:rPr lang="en-US" smtClean="0"/>
+              <a:t>Click to edit Master title style</a:t>
+            </a:r>
+            <a:endParaRPr lang="en-US" dirty="0"/>
+          </a:p>
+        </p:txBody>
+      </p:sp>
+      <p:sp>
+        <p:nvSpPr>
+          <p:cNvPr id="23" name="Text Placeholder 9"/>
+          <p:cNvSpPr>
+            <a:spLocks noGrp="1"/>
+          </p:cNvSpPr>
+          <p:nvPr>
+            <p:ph type="body" sz="quarter" idx="13"/>
           </p:nvPr>
         </p:nvSpPr>
         <p:spPr>
           <a:xfrm>
-            <a:off x="457200" y="274638"/>
-            <a:ext cx="6019800" cy="5851525"/>
+            <a:off x="1101074" y="3632200"/>
+            <a:ext cx="5419804" cy="381000"/>
           </a:xfrm>
         </p:spPr>
         <p:txBody>
-          <a:bodyPr vert="eaVert"/>
-          <a:lstStyle/>
+          <a:bodyPr anchor="ctr">
+            <a:noAutofit/>
+          </a:bodyPr>
+          <a:lstStyle>
+            <a:lvl1pPr marL="0" indent="0">
+              <a:buFontTx/>
+              <a:buNone/>
+              <a:defRPr sz="1600">
+                <a:solidFill>
+                  <a:schemeClr val="tx1">
+                    <a:lumMod val="50000"/>
+                    <a:lumOff val="50000"/>
+                  </a:schemeClr>
+                </a:solidFill>
+              </a:defRPr>
+            </a:lvl1pPr>
+            <a:lvl2pPr marL="457200" indent="0">
+              <a:buFontTx/>
+              <a:buNone/>
+              <a:defRPr/>
+            </a:lvl2pPr>
+            <a:lvl3pPr marL="914400" indent="0">
+              <a:buFontTx/>
+              <a:buNone/>
+              <a:defRPr/>
+            </a:lvl3pPr>
+            <a:lvl4pPr marL="1371600" indent="0">
+              <a:buFontTx/>
+              <a:buNone/>
+              <a:defRPr/>
+            </a:lvl4pPr>
+            <a:lvl5pPr marL="1828800" indent="0">
+              <a:buFontTx/>
+              <a:buNone/>
+              <a:defRPr/>
+            </a:lvl5pPr>
+          </a:lstStyle>
           <a:p>
             <a:pPr lvl="0"/>
             <a:r>
-              <a:rPr lang="sl-SI" smtClean="0"/>
-              <a:t>Uredite sloge besedila matrice</a:t>
-            </a:r>
-          </a:p>
-          <a:p>
-            <a:pPr lvl="1"/>
-            <a:r>
-              <a:rPr lang="sl-SI" smtClean="0"/>
-              <a:t>Druga raven</a:t>
-            </a:r>
-          </a:p>
-          <a:p>
-            <a:pPr lvl="2"/>
-            <a:r>
-              <a:rPr lang="sl-SI" smtClean="0"/>
-              <a:t>Tretja raven</a:t>
-            </a:r>
-          </a:p>
-          <a:p>
-            <a:pPr lvl="3"/>
-            <a:r>
-              <a:rPr lang="sl-SI" smtClean="0"/>
-              <a:t>Četrta raven</a:t>
-            </a:r>
-          </a:p>
-          <a:p>
-            <a:pPr lvl="4"/>
-            <a:r>
-              <a:rPr lang="sl-SI" smtClean="0"/>
-              <a:t>Peta raven</a:t>
-            </a:r>
-            <a:endParaRPr lang="en-US"/>
-          </a:p>
-        </p:txBody>
-      </p:sp>
-      <p:sp>
-        <p:nvSpPr>
-          <p:cNvPr id="4" name="Ograda datuma 3"/>
+              <a:rPr lang="en-US" smtClean="0"/>
+              <a:t>Edit Master text styles</a:t>
+            </a:r>
+          </a:p>
+        </p:txBody>
+      </p:sp>
+      <p:sp>
+        <p:nvSpPr>
+          <p:cNvPr id="3" name="Text Placeholder 2"/>
+          <p:cNvSpPr>
+            <a:spLocks noGrp="1"/>
+          </p:cNvSpPr>
+          <p:nvPr>
+            <p:ph type="body" idx="1"/>
+          </p:nvPr>
+        </p:nvSpPr>
+        <p:spPr>
+          <a:xfrm>
+            <a:off x="609598" y="4470400"/>
+            <a:ext cx="6347715" cy="1570962"/>
+          </a:xfrm>
+        </p:spPr>
+        <p:txBody>
+          <a:bodyPr anchor="ctr">
+            <a:normAutofit/>
+          </a:bodyPr>
+          <a:lstStyle>
+            <a:lvl1pPr marL="0" indent="0" algn="l">
+              <a:buNone/>
+              <a:defRPr sz="1800">
+                <a:solidFill>
+                  <a:schemeClr val="tx1">
+                    <a:lumMod val="75000"/>
+                    <a:lumOff val="25000"/>
+                  </a:schemeClr>
+                </a:solidFill>
+              </a:defRPr>
+            </a:lvl1pPr>
+            <a:lvl2pPr marL="457200" indent="0">
+              <a:buNone/>
+              <a:defRPr sz="1800">
+                <a:solidFill>
+                  <a:schemeClr val="tx1">
+                    <a:tint val="75000"/>
+                  </a:schemeClr>
+                </a:solidFill>
+              </a:defRPr>
+            </a:lvl2pPr>
+            <a:lvl3pPr marL="914400" indent="0">
+              <a:buNone/>
+              <a:defRPr sz="1600">
+                <a:solidFill>
+                  <a:schemeClr val="tx1">
+                    <a:tint val="75000"/>
+                  </a:schemeClr>
+                </a:solidFill>
+              </a:defRPr>
+            </a:lvl3pPr>
+            <a:lvl4pPr marL="1371600" indent="0">
+              <a:buNone/>
+              <a:defRPr sz="1400">
+                <a:solidFill>
+                  <a:schemeClr val="tx1">
+                    <a:tint val="75000"/>
+                  </a:schemeClr>
+                </a:solidFill>
+              </a:defRPr>
+            </a:lvl4pPr>
+            <a:lvl5pPr marL="1828800" indent="0">
+              <a:buNone/>
+              <a:defRPr sz="1400">
+                <a:solidFill>
+                  <a:schemeClr val="tx1">
+                    <a:tint val="75000"/>
+                  </a:schemeClr>
+                </a:solidFill>
+              </a:defRPr>
+            </a:lvl5pPr>
+            <a:lvl6pPr marL="2286000" indent="0">
+              <a:buNone/>
+              <a:defRPr sz="1400">
+                <a:solidFill>
+                  <a:schemeClr val="tx1">
+                    <a:tint val="75000"/>
+                  </a:schemeClr>
+                </a:solidFill>
+              </a:defRPr>
+            </a:lvl6pPr>
+            <a:lvl7pPr marL="2743200" indent="0">
+              <a:buNone/>
+              <a:defRPr sz="1400">
+                <a:solidFill>
+                  <a:schemeClr val="tx1">
+                    <a:tint val="75000"/>
+                  </a:schemeClr>
+                </a:solidFill>
+              </a:defRPr>
+            </a:lvl7pPr>
+            <a:lvl8pPr marL="3200400" indent="0">
+              <a:buNone/>
+              <a:defRPr sz="1400">
+                <a:solidFill>
+                  <a:schemeClr val="tx1">
+                    <a:tint val="75000"/>
+                  </a:schemeClr>
+                </a:solidFill>
+              </a:defRPr>
+            </a:lvl8pPr>
+            <a:lvl9pPr marL="3657600" indent="0">
+              <a:buNone/>
+              <a:defRPr sz="1400">
+                <a:solidFill>
+                  <a:schemeClr val="tx1">
+                    <a:tint val="75000"/>
+                  </a:schemeClr>
+                </a:solidFill>
+              </a:defRPr>
+            </a:lvl9pPr>
+          </a:lstStyle>
+          <a:p>
+            <a:pPr lvl="0"/>
+            <a:r>
+              <a:rPr lang="en-US" smtClean="0"/>
+              <a:t>Edit Master text styles</a:t>
+            </a:r>
+          </a:p>
+        </p:txBody>
+      </p:sp>
+      <p:sp>
+        <p:nvSpPr>
+          <p:cNvPr id="4" name="Date Placeholder 3"/>
           <p:cNvSpPr>
             <a:spLocks noGrp="1"/>
           </p:cNvSpPr>
@@ -1492,7 +2587,7 @@
           <a:p>
             <a:fld id="{BA6EFB0A-BEF4-4384-B5CA-BA492AB9664D}" type="datetimeFigureOut">
               <a:rPr lang="en-US" smtClean="0"/>
-              <a:t>1/22/2018</a:t>
+              <a:t>1/23/2018</a:t>
             </a:fld>
             <a:endParaRPr lang="en-US"/>
           </a:p>
@@ -1500,7 +2595,7 @@
       </p:sp>
       <p:sp>
         <p:nvSpPr>
-          <p:cNvPr id="5" name="Ograda noge 4"/>
+          <p:cNvPr id="5" name="Footer Placeholder 4"/>
           <p:cNvSpPr>
             <a:spLocks noGrp="1"/>
           </p:cNvSpPr>
@@ -1519,7 +2614,7 @@
       </p:sp>
       <p:sp>
         <p:nvSpPr>
-          <p:cNvPr id="6" name="Ograda številke diapozitiva 5"/>
+          <p:cNvPr id="6" name="Slide Number Placeholder 5"/>
           <p:cNvSpPr>
             <a:spLocks noGrp="1"/>
           </p:cNvSpPr>
@@ -1540,10 +2635,92 @@
           </a:p>
         </p:txBody>
       </p:sp>
+      <p:sp>
+        <p:nvSpPr>
+          <p:cNvPr id="24" name="TextBox 23"/>
+          <p:cNvSpPr txBox="1"/>
+          <p:nvPr/>
+        </p:nvSpPr>
+        <p:spPr>
+          <a:xfrm>
+            <a:off x="482711" y="790378"/>
+            <a:ext cx="457319" cy="584776"/>
+          </a:xfrm>
+          <a:prstGeom prst="rect">
+            <a:avLst/>
+          </a:prstGeom>
+        </p:spPr>
+        <p:txBody>
+          <a:bodyPr vert="horz" lIns="91440" tIns="45720" rIns="91440" bIns="45720" rtlCol="0" anchor="ctr">
+            <a:noAutofit/>
+          </a:bodyPr>
+          <a:lstStyle/>
+          <a:p>
+            <a:pPr lvl="0"/>
+            <a:r>
+              <a:rPr lang="en-US" sz="8000" baseline="0" dirty="0">
+                <a:ln w="3175" cmpd="sng">
+                  <a:noFill/>
+                </a:ln>
+                <a:solidFill>
+                  <a:schemeClr val="accent1">
+                    <a:lumMod val="60000"/>
+                    <a:lumOff val="40000"/>
+                  </a:schemeClr>
+                </a:solidFill>
+                <a:effectLst/>
+                <a:latin typeface="Arial"/>
+              </a:rPr>
+              <a:t>“</a:t>
+            </a:r>
+          </a:p>
+        </p:txBody>
+      </p:sp>
+      <p:sp>
+        <p:nvSpPr>
+          <p:cNvPr id="25" name="TextBox 24"/>
+          <p:cNvSpPr txBox="1"/>
+          <p:nvPr/>
+        </p:nvSpPr>
+        <p:spPr>
+          <a:xfrm>
+            <a:off x="6747699" y="2886556"/>
+            <a:ext cx="457319" cy="584776"/>
+          </a:xfrm>
+          <a:prstGeom prst="rect">
+            <a:avLst/>
+          </a:prstGeom>
+        </p:spPr>
+        <p:txBody>
+          <a:bodyPr vert="horz" lIns="91440" tIns="45720" rIns="91440" bIns="45720" rtlCol="0" anchor="ctr">
+            <a:noAutofit/>
+          </a:bodyPr>
+          <a:lstStyle/>
+          <a:p>
+            <a:pPr lvl="0"/>
+            <a:r>
+              <a:rPr lang="en-US" sz="8000" baseline="0" dirty="0">
+                <a:ln w="3175" cmpd="sng">
+                  <a:noFill/>
+                </a:ln>
+                <a:solidFill>
+                  <a:schemeClr val="accent1">
+                    <a:lumMod val="60000"/>
+                    <a:lumOff val="40000"/>
+                  </a:schemeClr>
+                </a:solidFill>
+                <a:effectLst/>
+                <a:latin typeface="Arial"/>
+              </a:rPr>
+              <a:t>”</a:t>
+            </a:r>
+          </a:p>
+        </p:txBody>
+      </p:sp>
     </p:spTree>
     <p:extLst>
       <p:ext uri="{BB962C8B-B14F-4D97-AF65-F5344CB8AC3E}">
-        <p14:creationId xmlns:p14="http://schemas.microsoft.com/office/powerpoint/2010/main" val="1108331298"/>
+        <p14:creationId xmlns:p14="http://schemas.microsoft.com/office/powerpoint/2010/main" val="2913256751"/>
       </p:ext>
     </p:extLst>
   </p:cSld>
@@ -1553,9 +2730,9 @@
 </p:sldLayout>
 </file>
 
-<file path=ppt/slideLayouts/slideLayout2.xml><?xml version="1.0" encoding="utf-8"?>
-<p:sldLayout xmlns:a="http://schemas.openxmlformats.org/drawingml/2006/main" xmlns:r="http://schemas.openxmlformats.org/officeDocument/2006/relationships" xmlns:p="http://schemas.openxmlformats.org/presentationml/2006/main" type="obj" preserve="1">
-  <p:cSld name="Naslov in vsebina">
+<file path=ppt/slideLayouts/slideLayout12.xml><?xml version="1.0" encoding="utf-8"?>
+<p:sldLayout xmlns:a="http://schemas.openxmlformats.org/drawingml/2006/main" xmlns:r="http://schemas.openxmlformats.org/officeDocument/2006/relationships" xmlns:p="http://schemas.openxmlformats.org/presentationml/2006/main" preserve="1">
+  <p:cSld name="Name Card">
     <p:spTree>
       <p:nvGrpSpPr>
         <p:cNvPr id="1" name=""/>
@@ -1572,7 +2749,7 @@
       </p:grpSpPr>
       <p:sp>
         <p:nvSpPr>
-          <p:cNvPr id="2" name="Naslov 1"/>
+          <p:cNvPr id="2" name="Title 1"/>
           <p:cNvSpPr>
             <a:spLocks noGrp="1"/>
           </p:cNvSpPr>
@@ -1580,74 +2757,155 @@
             <p:ph type="title"/>
           </p:nvPr>
         </p:nvSpPr>
-        <p:spPr/>
-        <p:txBody>
-          <a:bodyPr/>
-          <a:lstStyle/>
-          <a:p>
-            <a:r>
-              <a:rPr lang="sl-SI" smtClean="0"/>
-              <a:t>Uredite slog naslova matrice</a:t>
-            </a:r>
-            <a:endParaRPr lang="en-US"/>
-          </a:p>
-        </p:txBody>
-      </p:sp>
-      <p:sp>
-        <p:nvSpPr>
-          <p:cNvPr id="3" name="Ograda vsebine 2"/>
-          <p:cNvSpPr>
-            <a:spLocks noGrp="1"/>
-          </p:cNvSpPr>
-          <p:nvPr>
-            <p:ph idx="1"/>
-          </p:nvPr>
-        </p:nvSpPr>
-        <p:spPr/>
-        <p:txBody>
-          <a:bodyPr/>
-          <a:lstStyle/>
+        <p:spPr>
+          <a:xfrm>
+            <a:off x="609598" y="1931988"/>
+            <a:ext cx="6347715" cy="2595460"/>
+          </a:xfrm>
+        </p:spPr>
+        <p:txBody>
+          <a:bodyPr anchor="b">
+            <a:normAutofit/>
+          </a:bodyPr>
+          <a:lstStyle>
+            <a:lvl1pPr algn="l">
+              <a:defRPr sz="4400" b="0" cap="none"/>
+            </a:lvl1pPr>
+          </a:lstStyle>
+          <a:p>
+            <a:r>
+              <a:rPr lang="en-US" smtClean="0"/>
+              <a:t>Click to edit Master title style</a:t>
+            </a:r>
+            <a:endParaRPr lang="en-US" dirty="0"/>
+          </a:p>
+        </p:txBody>
+      </p:sp>
+      <p:sp>
+        <p:nvSpPr>
+          <p:cNvPr id="3" name="Text Placeholder 2"/>
+          <p:cNvSpPr>
+            <a:spLocks noGrp="1"/>
+          </p:cNvSpPr>
+          <p:nvPr>
+            <p:ph type="body" idx="1"/>
+          </p:nvPr>
+        </p:nvSpPr>
+        <p:spPr>
+          <a:xfrm>
+            <a:off x="609598" y="4527448"/>
+            <a:ext cx="6347715" cy="1513914"/>
+          </a:xfrm>
+        </p:spPr>
+        <p:txBody>
+          <a:bodyPr anchor="t">
+            <a:normAutofit/>
+          </a:bodyPr>
+          <a:lstStyle>
+            <a:lvl1pPr marL="0" indent="0" algn="l">
+              <a:buNone/>
+              <a:defRPr sz="1800">
+                <a:solidFill>
+                  <a:schemeClr val="tx1">
+                    <a:lumMod val="75000"/>
+                    <a:lumOff val="25000"/>
+                  </a:schemeClr>
+                </a:solidFill>
+              </a:defRPr>
+            </a:lvl1pPr>
+            <a:lvl2pPr marL="457200" indent="0">
+              <a:buNone/>
+              <a:defRPr sz="1800">
+                <a:solidFill>
+                  <a:schemeClr val="tx1">
+                    <a:tint val="75000"/>
+                  </a:schemeClr>
+                </a:solidFill>
+              </a:defRPr>
+            </a:lvl2pPr>
+            <a:lvl3pPr marL="914400" indent="0">
+              <a:buNone/>
+              <a:defRPr sz="1600">
+                <a:solidFill>
+                  <a:schemeClr val="tx1">
+                    <a:tint val="75000"/>
+                  </a:schemeClr>
+                </a:solidFill>
+              </a:defRPr>
+            </a:lvl3pPr>
+            <a:lvl4pPr marL="1371600" indent="0">
+              <a:buNone/>
+              <a:defRPr sz="1400">
+                <a:solidFill>
+                  <a:schemeClr val="tx1">
+                    <a:tint val="75000"/>
+                  </a:schemeClr>
+                </a:solidFill>
+              </a:defRPr>
+            </a:lvl4pPr>
+            <a:lvl5pPr marL="1828800" indent="0">
+              <a:buNone/>
+              <a:defRPr sz="1400">
+                <a:solidFill>
+                  <a:schemeClr val="tx1">
+                    <a:tint val="75000"/>
+                  </a:schemeClr>
+                </a:solidFill>
+              </a:defRPr>
+            </a:lvl5pPr>
+            <a:lvl6pPr marL="2286000" indent="0">
+              <a:buNone/>
+              <a:defRPr sz="1400">
+                <a:solidFill>
+                  <a:schemeClr val="tx1">
+                    <a:tint val="75000"/>
+                  </a:schemeClr>
+                </a:solidFill>
+              </a:defRPr>
+            </a:lvl6pPr>
+            <a:lvl7pPr marL="2743200" indent="0">
+              <a:buNone/>
+              <a:defRPr sz="1400">
+                <a:solidFill>
+                  <a:schemeClr val="tx1">
+                    <a:tint val="75000"/>
+                  </a:schemeClr>
+                </a:solidFill>
+              </a:defRPr>
+            </a:lvl7pPr>
+            <a:lvl8pPr marL="3200400" indent="0">
+              <a:buNone/>
+              <a:defRPr sz="1400">
+                <a:solidFill>
+                  <a:schemeClr val="tx1">
+                    <a:tint val="75000"/>
+                  </a:schemeClr>
+                </a:solidFill>
+              </a:defRPr>
+            </a:lvl8pPr>
+            <a:lvl9pPr marL="3657600" indent="0">
+              <a:buNone/>
+              <a:defRPr sz="1400">
+                <a:solidFill>
+                  <a:schemeClr val="tx1">
+                    <a:tint val="75000"/>
+                  </a:schemeClr>
+                </a:solidFill>
+              </a:defRPr>
+            </a:lvl9pPr>
+          </a:lstStyle>
           <a:p>
             <a:pPr lvl="0"/>
             <a:r>
-              <a:rPr lang="sl-SI" smtClean="0"/>
-              <a:t>Uredite sloge besedila matrice</a:t>
-            </a:r>
-          </a:p>
-          <a:p>
-            <a:pPr lvl="1"/>
-            <a:r>
-              <a:rPr lang="sl-SI" smtClean="0"/>
-              <a:t>Druga raven</a:t>
-            </a:r>
-          </a:p>
-          <a:p>
-            <a:pPr lvl="2"/>
-            <a:r>
-              <a:rPr lang="sl-SI" smtClean="0"/>
-              <a:t>Tretja raven</a:t>
-            </a:r>
-          </a:p>
-          <a:p>
-            <a:pPr lvl="3"/>
-            <a:r>
-              <a:rPr lang="sl-SI" smtClean="0"/>
-              <a:t>Četrta raven</a:t>
-            </a:r>
-          </a:p>
-          <a:p>
-            <a:pPr lvl="4"/>
-            <a:r>
-              <a:rPr lang="sl-SI" smtClean="0"/>
-              <a:t>Peta raven</a:t>
-            </a:r>
-            <a:endParaRPr lang="en-US"/>
-          </a:p>
-        </p:txBody>
-      </p:sp>
-      <p:sp>
-        <p:nvSpPr>
-          <p:cNvPr id="4" name="Ograda datuma 3"/>
+              <a:rPr lang="en-US" smtClean="0"/>
+              <a:t>Edit Master text styles</a:t>
+            </a:r>
+          </a:p>
+        </p:txBody>
+      </p:sp>
+      <p:sp>
+        <p:nvSpPr>
+          <p:cNvPr id="4" name="Date Placeholder 3"/>
           <p:cNvSpPr>
             <a:spLocks noGrp="1"/>
           </p:cNvSpPr>
@@ -1662,7 +2920,7 @@
           <a:p>
             <a:fld id="{BA6EFB0A-BEF4-4384-B5CA-BA492AB9664D}" type="datetimeFigureOut">
               <a:rPr lang="en-US" smtClean="0"/>
-              <a:t>1/22/2018</a:t>
+              <a:t>1/23/2018</a:t>
             </a:fld>
             <a:endParaRPr lang="en-US"/>
           </a:p>
@@ -1670,7 +2928,7 @@
       </p:sp>
       <p:sp>
         <p:nvSpPr>
-          <p:cNvPr id="5" name="Ograda noge 4"/>
+          <p:cNvPr id="5" name="Footer Placeholder 4"/>
           <p:cNvSpPr>
             <a:spLocks noGrp="1"/>
           </p:cNvSpPr>
@@ -1689,7 +2947,7 @@
       </p:sp>
       <p:sp>
         <p:nvSpPr>
-          <p:cNvPr id="6" name="Ograda številke diapozitiva 5"/>
+          <p:cNvPr id="6" name="Slide Number Placeholder 5"/>
           <p:cNvSpPr>
             <a:spLocks noGrp="1"/>
           </p:cNvSpPr>
@@ -1713,7 +2971,7 @@
     </p:spTree>
     <p:extLst>
       <p:ext uri="{BB962C8B-B14F-4D97-AF65-F5344CB8AC3E}">
-        <p14:creationId xmlns:p14="http://schemas.microsoft.com/office/powerpoint/2010/main" val="2191054354"/>
+        <p14:creationId xmlns:p14="http://schemas.microsoft.com/office/powerpoint/2010/main" val="768789848"/>
       </p:ext>
     </p:extLst>
   </p:cSld>
@@ -1723,9 +2981,9 @@
 </p:sldLayout>
 </file>
 
-<file path=ppt/slideLayouts/slideLayout3.xml><?xml version="1.0" encoding="utf-8"?>
-<p:sldLayout xmlns:a="http://schemas.openxmlformats.org/drawingml/2006/main" xmlns:r="http://schemas.openxmlformats.org/officeDocument/2006/relationships" xmlns:p="http://schemas.openxmlformats.org/presentationml/2006/main" type="secHead" preserve="1">
-  <p:cSld name="Glava odseka">
+<file path=ppt/slideLayouts/slideLayout13.xml><?xml version="1.0" encoding="utf-8"?>
+<p:sldLayout xmlns:a="http://schemas.openxmlformats.org/drawingml/2006/main" xmlns:r="http://schemas.openxmlformats.org/officeDocument/2006/relationships" xmlns:p="http://schemas.openxmlformats.org/presentationml/2006/main" preserve="1">
+  <p:cSld name="Quote Name Card">
     <p:spTree>
       <p:nvGrpSpPr>
         <p:cNvPr id="1" name=""/>
@@ -1742,7 +3000,7 @@
       </p:grpSpPr>
       <p:sp>
         <p:nvSpPr>
-          <p:cNvPr id="2" name="Naslov 1"/>
+          <p:cNvPr id="2" name="Title 1"/>
           <p:cNvSpPr>
             <a:spLocks noGrp="1"/>
           </p:cNvSpPr>
@@ -1752,51 +3010,119 @@
         </p:nvSpPr>
         <p:spPr>
           <a:xfrm>
-            <a:off x="722313" y="4406900"/>
-            <a:ext cx="7772400" cy="1362075"/>
+            <a:off x="774885" y="609600"/>
+            <a:ext cx="6072182" cy="3022600"/>
           </a:xfrm>
         </p:spPr>
         <p:txBody>
-          <a:bodyPr anchor="t"/>
+          <a:bodyPr anchor="ctr">
+            <a:normAutofit/>
+          </a:bodyPr>
           <a:lstStyle>
             <a:lvl1pPr algn="l">
-              <a:defRPr sz="4000" b="1" cap="all"/>
+              <a:defRPr sz="4400" b="0" cap="none"/>
             </a:lvl1pPr>
           </a:lstStyle>
           <a:p>
             <a:r>
-              <a:rPr lang="sl-SI" smtClean="0"/>
-              <a:t>Uredite slog naslova matrice</a:t>
-            </a:r>
-            <a:endParaRPr lang="en-US"/>
-          </a:p>
-        </p:txBody>
-      </p:sp>
-      <p:sp>
-        <p:nvSpPr>
-          <p:cNvPr id="3" name="Ograda besedila 2"/>
-          <p:cNvSpPr>
-            <a:spLocks noGrp="1"/>
-          </p:cNvSpPr>
-          <p:nvPr>
-            <p:ph type="body" idx="1"/>
+              <a:rPr lang="en-US" smtClean="0"/>
+              <a:t>Click to edit Master title style</a:t>
+            </a:r>
+            <a:endParaRPr lang="en-US" dirty="0"/>
+          </a:p>
+        </p:txBody>
+      </p:sp>
+      <p:sp>
+        <p:nvSpPr>
+          <p:cNvPr id="23" name="Text Placeholder 9"/>
+          <p:cNvSpPr>
+            <a:spLocks noGrp="1"/>
+          </p:cNvSpPr>
+          <p:nvPr>
+            <p:ph type="body" sz="quarter" idx="13"/>
           </p:nvPr>
         </p:nvSpPr>
         <p:spPr>
           <a:xfrm>
-            <a:off x="722313" y="2906713"/>
-            <a:ext cx="7772400" cy="1500187"/>
+            <a:off x="609597" y="4013200"/>
+            <a:ext cx="6347716" cy="514248"/>
           </a:xfrm>
         </p:spPr>
         <p:txBody>
-          <a:bodyPr anchor="b"/>
+          <a:bodyPr anchor="b">
+            <a:noAutofit/>
+          </a:bodyPr>
           <a:lstStyle>
             <a:lvl1pPr marL="0" indent="0">
-              <a:buNone/>
-              <a:defRPr sz="2000">
+              <a:buFontTx/>
+              <a:buNone/>
+              <a:defRPr sz="2400">
                 <a:solidFill>
                   <a:schemeClr val="tx1">
-                    <a:tint val="75000"/>
+                    <a:lumMod val="75000"/>
+                    <a:lumOff val="25000"/>
+                  </a:schemeClr>
+                </a:solidFill>
+              </a:defRPr>
+            </a:lvl1pPr>
+            <a:lvl2pPr marL="457200" indent="0">
+              <a:buFontTx/>
+              <a:buNone/>
+              <a:defRPr/>
+            </a:lvl2pPr>
+            <a:lvl3pPr marL="914400" indent="0">
+              <a:buFontTx/>
+              <a:buNone/>
+              <a:defRPr/>
+            </a:lvl3pPr>
+            <a:lvl4pPr marL="1371600" indent="0">
+              <a:buFontTx/>
+              <a:buNone/>
+              <a:defRPr/>
+            </a:lvl4pPr>
+            <a:lvl5pPr marL="1828800" indent="0">
+              <a:buFontTx/>
+              <a:buNone/>
+              <a:defRPr/>
+            </a:lvl5pPr>
+          </a:lstStyle>
+          <a:p>
+            <a:pPr lvl="0"/>
+            <a:r>
+              <a:rPr lang="en-US" smtClean="0"/>
+              <a:t>Edit Master text styles</a:t>
+            </a:r>
+          </a:p>
+        </p:txBody>
+      </p:sp>
+      <p:sp>
+        <p:nvSpPr>
+          <p:cNvPr id="3" name="Text Placeholder 2"/>
+          <p:cNvSpPr>
+            <a:spLocks noGrp="1"/>
+          </p:cNvSpPr>
+          <p:nvPr>
+            <p:ph type="body" idx="1"/>
+          </p:nvPr>
+        </p:nvSpPr>
+        <p:spPr>
+          <a:xfrm>
+            <a:off x="609598" y="4527448"/>
+            <a:ext cx="6347715" cy="1513914"/>
+          </a:xfrm>
+        </p:spPr>
+        <p:txBody>
+          <a:bodyPr anchor="t">
+            <a:normAutofit/>
+          </a:bodyPr>
+          <a:lstStyle>
+            <a:lvl1pPr marL="0" indent="0" algn="l">
+              <a:buNone/>
+              <a:defRPr sz="1800">
+                <a:solidFill>
+                  <a:schemeClr val="tx1">
+                    <a:lumMod val="50000"/>
+                    <a:lumOff val="50000"/>
                   </a:schemeClr>
                 </a:solidFill>
               </a:defRPr>
@@ -1885,15 +3211,15 @@
           <a:p>
             <a:pPr lvl="0"/>
             <a:r>
-              <a:rPr lang="sl-SI" smtClean="0"/>
-              <a:t>Uredite sloge besedila matrice</a:t>
-            </a:r>
-          </a:p>
-        </p:txBody>
-      </p:sp>
-      <p:sp>
-        <p:nvSpPr>
-          <p:cNvPr id="4" name="Ograda datuma 3"/>
+              <a:rPr lang="en-US" smtClean="0"/>
+              <a:t>Edit Master text styles</a:t>
+            </a:r>
+          </a:p>
+        </p:txBody>
+      </p:sp>
+      <p:sp>
+        <p:nvSpPr>
+          <p:cNvPr id="4" name="Date Placeholder 3"/>
           <p:cNvSpPr>
             <a:spLocks noGrp="1"/>
           </p:cNvSpPr>
@@ -1908,7 +3234,7 @@
           <a:p>
             <a:fld id="{BA6EFB0A-BEF4-4384-B5CA-BA492AB9664D}" type="datetimeFigureOut">
               <a:rPr lang="en-US" smtClean="0"/>
-              <a:t>1/22/2018</a:t>
+              <a:t>1/23/2018</a:t>
             </a:fld>
             <a:endParaRPr lang="en-US"/>
           </a:p>
@@ -1916,7 +3242,7 @@
       </p:sp>
       <p:sp>
         <p:nvSpPr>
-          <p:cNvPr id="5" name="Ograda noge 4"/>
+          <p:cNvPr id="5" name="Footer Placeholder 4"/>
           <p:cNvSpPr>
             <a:spLocks noGrp="1"/>
           </p:cNvSpPr>
@@ -1935,7 +3261,7 @@
       </p:sp>
       <p:sp>
         <p:nvSpPr>
-          <p:cNvPr id="6" name="Ograda številke diapozitiva 5"/>
+          <p:cNvPr id="6" name="Slide Number Placeholder 5"/>
           <p:cNvSpPr>
             <a:spLocks noGrp="1"/>
           </p:cNvSpPr>
@@ -1956,10 +3282,92 @@
           </a:p>
         </p:txBody>
       </p:sp>
+      <p:sp>
+        <p:nvSpPr>
+          <p:cNvPr id="24" name="TextBox 23"/>
+          <p:cNvSpPr txBox="1"/>
+          <p:nvPr/>
+        </p:nvSpPr>
+        <p:spPr>
+          <a:xfrm>
+            <a:off x="482711" y="790378"/>
+            <a:ext cx="457319" cy="584776"/>
+          </a:xfrm>
+          <a:prstGeom prst="rect">
+            <a:avLst/>
+          </a:prstGeom>
+        </p:spPr>
+        <p:txBody>
+          <a:bodyPr vert="horz" lIns="91440" tIns="45720" rIns="91440" bIns="45720" rtlCol="0" anchor="ctr">
+            <a:noAutofit/>
+          </a:bodyPr>
+          <a:lstStyle/>
+          <a:p>
+            <a:pPr lvl="0"/>
+            <a:r>
+              <a:rPr lang="en-US" sz="8000" baseline="0" dirty="0">
+                <a:ln w="3175" cmpd="sng">
+                  <a:noFill/>
+                </a:ln>
+                <a:solidFill>
+                  <a:schemeClr val="accent1">
+                    <a:lumMod val="60000"/>
+                    <a:lumOff val="40000"/>
+                  </a:schemeClr>
+                </a:solidFill>
+                <a:effectLst/>
+                <a:latin typeface="Arial"/>
+              </a:rPr>
+              <a:t>“</a:t>
+            </a:r>
+          </a:p>
+        </p:txBody>
+      </p:sp>
+      <p:sp>
+        <p:nvSpPr>
+          <p:cNvPr id="25" name="TextBox 24"/>
+          <p:cNvSpPr txBox="1"/>
+          <p:nvPr/>
+        </p:nvSpPr>
+        <p:spPr>
+          <a:xfrm>
+            <a:off x="6747699" y="2886556"/>
+            <a:ext cx="457319" cy="584776"/>
+          </a:xfrm>
+          <a:prstGeom prst="rect">
+            <a:avLst/>
+          </a:prstGeom>
+        </p:spPr>
+        <p:txBody>
+          <a:bodyPr vert="horz" lIns="91440" tIns="45720" rIns="91440" bIns="45720" rtlCol="0" anchor="ctr">
+            <a:noAutofit/>
+          </a:bodyPr>
+          <a:lstStyle/>
+          <a:p>
+            <a:pPr lvl="0"/>
+            <a:r>
+              <a:rPr lang="en-US" sz="8000" baseline="0" dirty="0">
+                <a:ln w="3175" cmpd="sng">
+                  <a:noFill/>
+                </a:ln>
+                <a:solidFill>
+                  <a:schemeClr val="accent1">
+                    <a:lumMod val="60000"/>
+                    <a:lumOff val="40000"/>
+                  </a:schemeClr>
+                </a:solidFill>
+                <a:effectLst/>
+                <a:latin typeface="Arial"/>
+              </a:rPr>
+              <a:t>”</a:t>
+            </a:r>
+          </a:p>
+        </p:txBody>
+      </p:sp>
     </p:spTree>
     <p:extLst>
       <p:ext uri="{BB962C8B-B14F-4D97-AF65-F5344CB8AC3E}">
-        <p14:creationId xmlns:p14="http://schemas.microsoft.com/office/powerpoint/2010/main" val="757742264"/>
+        <p14:creationId xmlns:p14="http://schemas.microsoft.com/office/powerpoint/2010/main" val="570825887"/>
       </p:ext>
     </p:extLst>
   </p:cSld>
@@ -1969,9 +3377,9 @@
 </p:sldLayout>
 </file>
 
-<file path=ppt/slideLayouts/slideLayout4.xml><?xml version="1.0" encoding="utf-8"?>
-<p:sldLayout xmlns:a="http://schemas.openxmlformats.org/drawingml/2006/main" xmlns:r="http://schemas.openxmlformats.org/officeDocument/2006/relationships" xmlns:p="http://schemas.openxmlformats.org/presentationml/2006/main" type="twoObj" preserve="1">
-  <p:cSld name="Dve vsebini">
+<file path=ppt/slideLayouts/slideLayout14.xml><?xml version="1.0" encoding="utf-8"?>
+<p:sldLayout xmlns:a="http://schemas.openxmlformats.org/drawingml/2006/main" xmlns:r="http://schemas.openxmlformats.org/officeDocument/2006/relationships" xmlns:p="http://schemas.openxmlformats.org/presentationml/2006/main" preserve="1">
+  <p:cSld name="True or False">
     <p:spTree>
       <p:nvGrpSpPr>
         <p:cNvPr id="1" name=""/>
@@ -1988,200 +3396,223 @@
       </p:grpSpPr>
       <p:sp>
         <p:nvSpPr>
-          <p:cNvPr id="2" name="Naslov 1"/>
+          <p:cNvPr id="2" name="Title 1"/>
           <p:cNvSpPr>
             <a:spLocks noGrp="1"/>
           </p:cNvSpPr>
           <p:nvPr>
             <p:ph type="title"/>
-          </p:nvPr>
-        </p:nvSpPr>
-        <p:spPr/>
-        <p:txBody>
-          <a:bodyPr/>
-          <a:lstStyle/>
-          <a:p>
-            <a:r>
-              <a:rPr lang="sl-SI" smtClean="0"/>
-              <a:t>Uredite slog naslova matrice</a:t>
-            </a:r>
-            <a:endParaRPr lang="en-US"/>
-          </a:p>
-        </p:txBody>
-      </p:sp>
-      <p:sp>
-        <p:nvSpPr>
-          <p:cNvPr id="3" name="Ograda vsebine 2"/>
-          <p:cNvSpPr>
-            <a:spLocks noGrp="1"/>
-          </p:cNvSpPr>
-          <p:nvPr>
-            <p:ph sz="half" idx="1"/>
           </p:nvPr>
         </p:nvSpPr>
         <p:spPr>
           <a:xfrm>
-            <a:off x="457200" y="1600200"/>
-            <a:ext cx="4038600" cy="4525963"/>
+            <a:off x="615848" y="609600"/>
+            <a:ext cx="6341465" cy="3022600"/>
           </a:xfrm>
         </p:spPr>
         <p:txBody>
-          <a:bodyPr/>
+          <a:bodyPr anchor="ctr">
+            <a:normAutofit/>
+          </a:bodyPr>
           <a:lstStyle>
-            <a:lvl1pPr>
-              <a:defRPr sz="2800"/>
+            <a:lvl1pPr algn="l">
+              <a:defRPr sz="4400" b="0" cap="none"/>
             </a:lvl1pPr>
-            <a:lvl2pPr>
-              <a:defRPr sz="2400"/>
+          </a:lstStyle>
+          <a:p>
+            <a:r>
+              <a:rPr lang="en-US" smtClean="0"/>
+              <a:t>Click to edit Master title style</a:t>
+            </a:r>
+            <a:endParaRPr lang="en-US" dirty="0"/>
+          </a:p>
+        </p:txBody>
+      </p:sp>
+      <p:sp>
+        <p:nvSpPr>
+          <p:cNvPr id="23" name="Text Placeholder 9"/>
+          <p:cNvSpPr>
+            <a:spLocks noGrp="1"/>
+          </p:cNvSpPr>
+          <p:nvPr>
+            <p:ph type="body" sz="quarter" idx="13"/>
+          </p:nvPr>
+        </p:nvSpPr>
+        <p:spPr>
+          <a:xfrm>
+            <a:off x="609597" y="4013200"/>
+            <a:ext cx="6347716" cy="514248"/>
+          </a:xfrm>
+        </p:spPr>
+        <p:txBody>
+          <a:bodyPr anchor="b">
+            <a:noAutofit/>
+          </a:bodyPr>
+          <a:lstStyle>
+            <a:lvl1pPr marL="0" indent="0">
+              <a:buFontTx/>
+              <a:buNone/>
+              <a:defRPr sz="2400">
+                <a:solidFill>
+                  <a:schemeClr val="accent1"/>
+                </a:solidFill>
+              </a:defRPr>
+            </a:lvl1pPr>
+            <a:lvl2pPr marL="457200" indent="0">
+              <a:buFontTx/>
+              <a:buNone/>
+              <a:defRPr/>
             </a:lvl2pPr>
-            <a:lvl3pPr>
-              <a:defRPr sz="2000"/>
+            <a:lvl3pPr marL="914400" indent="0">
+              <a:buFontTx/>
+              <a:buNone/>
+              <a:defRPr/>
             </a:lvl3pPr>
-            <a:lvl4pPr>
-              <a:defRPr sz="1800"/>
+            <a:lvl4pPr marL="1371600" indent="0">
+              <a:buFontTx/>
+              <a:buNone/>
+              <a:defRPr/>
             </a:lvl4pPr>
-            <a:lvl5pPr>
-              <a:defRPr sz="1800"/>
+            <a:lvl5pPr marL="1828800" indent="0">
+              <a:buFontTx/>
+              <a:buNone/>
+              <a:defRPr/>
             </a:lvl5pPr>
-            <a:lvl6pPr>
-              <a:defRPr sz="1800"/>
+          </a:lstStyle>
+          <a:p>
+            <a:pPr lvl="0"/>
+            <a:r>
+              <a:rPr lang="en-US" smtClean="0"/>
+              <a:t>Edit Master text styles</a:t>
+            </a:r>
+          </a:p>
+        </p:txBody>
+      </p:sp>
+      <p:sp>
+        <p:nvSpPr>
+          <p:cNvPr id="3" name="Text Placeholder 2"/>
+          <p:cNvSpPr>
+            <a:spLocks noGrp="1"/>
+          </p:cNvSpPr>
+          <p:nvPr>
+            <p:ph type="body" idx="1"/>
+          </p:nvPr>
+        </p:nvSpPr>
+        <p:spPr>
+          <a:xfrm>
+            <a:off x="609598" y="4527448"/>
+            <a:ext cx="6347715" cy="1513914"/>
+          </a:xfrm>
+        </p:spPr>
+        <p:txBody>
+          <a:bodyPr anchor="t">
+            <a:normAutofit/>
+          </a:bodyPr>
+          <a:lstStyle>
+            <a:lvl1pPr marL="0" indent="0" algn="l">
+              <a:buNone/>
+              <a:defRPr sz="1800">
+                <a:solidFill>
+                  <a:schemeClr val="tx1">
+                    <a:lumMod val="50000"/>
+                    <a:lumOff val="50000"/>
+                  </a:schemeClr>
+                </a:solidFill>
+              </a:defRPr>
+            </a:lvl1pPr>
+            <a:lvl2pPr marL="457200" indent="0">
+              <a:buNone/>
+              <a:defRPr sz="1800">
+                <a:solidFill>
+                  <a:schemeClr val="tx1">
+                    <a:tint val="75000"/>
+                  </a:schemeClr>
+                </a:solidFill>
+              </a:defRPr>
+            </a:lvl2pPr>
+            <a:lvl3pPr marL="914400" indent="0">
+              <a:buNone/>
+              <a:defRPr sz="1600">
+                <a:solidFill>
+                  <a:schemeClr val="tx1">
+                    <a:tint val="75000"/>
+                  </a:schemeClr>
+                </a:solidFill>
+              </a:defRPr>
+            </a:lvl3pPr>
+            <a:lvl4pPr marL="1371600" indent="0">
+              <a:buNone/>
+              <a:defRPr sz="1400">
+                <a:solidFill>
+                  <a:schemeClr val="tx1">
+                    <a:tint val="75000"/>
+                  </a:schemeClr>
+                </a:solidFill>
+              </a:defRPr>
+            </a:lvl4pPr>
+            <a:lvl5pPr marL="1828800" indent="0">
+              <a:buNone/>
+              <a:defRPr sz="1400">
+                <a:solidFill>
+                  <a:schemeClr val="tx1">
+                    <a:tint val="75000"/>
+                  </a:schemeClr>
+                </a:solidFill>
+              </a:defRPr>
+            </a:lvl5pPr>
+            <a:lvl6pPr marL="2286000" indent="0">
+              <a:buNone/>
+              <a:defRPr sz="1400">
+                <a:solidFill>
+                  <a:schemeClr val="tx1">
+                    <a:tint val="75000"/>
+                  </a:schemeClr>
+                </a:solidFill>
+              </a:defRPr>
             </a:lvl6pPr>
-            <a:lvl7pPr>
-              <a:defRPr sz="1800"/>
+            <a:lvl7pPr marL="2743200" indent="0">
+              <a:buNone/>
+              <a:defRPr sz="1400">
+                <a:solidFill>
+                  <a:schemeClr val="tx1">
+                    <a:tint val="75000"/>
+                  </a:schemeClr>
+                </a:solidFill>
+              </a:defRPr>
             </a:lvl7pPr>
-            <a:lvl8pPr>
-              <a:defRPr sz="1800"/>
+            <a:lvl8pPr marL="3200400" indent="0">
+              <a:buNone/>
+              <a:defRPr sz="1400">
+                <a:solidFill>
+                  <a:schemeClr val="tx1">
+                    <a:tint val="75000"/>
+                  </a:schemeClr>
+                </a:solidFill>
+              </a:defRPr>
             </a:lvl8pPr>
-            <a:lvl9pPr>
-              <a:defRPr sz="1800"/>
+            <a:lvl9pPr marL="3657600" indent="0">
+              <a:buNone/>
+              <a:defRPr sz="1400">
+                <a:solidFill>
+                  <a:schemeClr val="tx1">
+                    <a:tint val="75000"/>
+                  </a:schemeClr>
+                </a:solidFill>
+              </a:defRPr>
             </a:lvl9pPr>
           </a:lstStyle>
           <a:p>
             <a:pPr lvl="0"/>
             <a:r>
-              <a:rPr lang="sl-SI" smtClean="0"/>
-              <a:t>Uredite sloge besedila matrice</a:t>
-            </a:r>
-          </a:p>
-          <a:p>
-            <a:pPr lvl="1"/>
-            <a:r>
-              <a:rPr lang="sl-SI" smtClean="0"/>
-              <a:t>Druga raven</a:t>
-            </a:r>
-          </a:p>
-          <a:p>
-            <a:pPr lvl="2"/>
-            <a:r>
-              <a:rPr lang="sl-SI" smtClean="0"/>
-              <a:t>Tretja raven</a:t>
-            </a:r>
-          </a:p>
-          <a:p>
-            <a:pPr lvl="3"/>
-            <a:r>
-              <a:rPr lang="sl-SI" smtClean="0"/>
-              <a:t>Četrta raven</a:t>
-            </a:r>
-          </a:p>
-          <a:p>
-            <a:pPr lvl="4"/>
-            <a:r>
-              <a:rPr lang="sl-SI" smtClean="0"/>
-              <a:t>Peta raven</a:t>
-            </a:r>
-            <a:endParaRPr lang="en-US"/>
-          </a:p>
-        </p:txBody>
-      </p:sp>
-      <p:sp>
-        <p:nvSpPr>
-          <p:cNvPr id="4" name="Ograda vsebine 3"/>
-          <p:cNvSpPr>
-            <a:spLocks noGrp="1"/>
-          </p:cNvSpPr>
-          <p:nvPr>
-            <p:ph sz="half" idx="2"/>
-          </p:nvPr>
-        </p:nvSpPr>
-        <p:spPr>
-          <a:xfrm>
-            <a:off x="4648200" y="1600200"/>
-            <a:ext cx="4038600" cy="4525963"/>
-          </a:xfrm>
-        </p:spPr>
-        <p:txBody>
-          <a:bodyPr/>
-          <a:lstStyle>
-            <a:lvl1pPr>
-              <a:defRPr sz="2800"/>
-            </a:lvl1pPr>
-            <a:lvl2pPr>
-              <a:defRPr sz="2400"/>
-            </a:lvl2pPr>
-            <a:lvl3pPr>
-              <a:defRPr sz="2000"/>
-            </a:lvl3pPr>
-            <a:lvl4pPr>
-              <a:defRPr sz="1800"/>
-            </a:lvl4pPr>
-            <a:lvl5pPr>
-              <a:defRPr sz="1800"/>
-            </a:lvl5pPr>
-            <a:lvl6pPr>
-              <a:defRPr sz="1800"/>
-            </a:lvl6pPr>
-            <a:lvl7pPr>
-              <a:defRPr sz="1800"/>
-            </a:lvl7pPr>
-            <a:lvl8pPr>
-              <a:defRPr sz="1800"/>
-            </a:lvl8pPr>
-            <a:lvl9pPr>
-              <a:defRPr sz="1800"/>
-            </a:lvl9pPr>
-          </a:lstStyle>
-          <a:p>
-            <a:pPr lvl="0"/>
-            <a:r>
-              <a:rPr lang="sl-SI" smtClean="0"/>
-              <a:t>Uredite sloge besedila matrice</a:t>
-            </a:r>
-          </a:p>
-          <a:p>
-            <a:pPr lvl="1"/>
-            <a:r>
-              <a:rPr lang="sl-SI" smtClean="0"/>
-              <a:t>Druga raven</a:t>
-            </a:r>
-          </a:p>
-          <a:p>
-            <a:pPr lvl="2"/>
-            <a:r>
-              <a:rPr lang="sl-SI" smtClean="0"/>
-              <a:t>Tretja raven</a:t>
-            </a:r>
-          </a:p>
-          <a:p>
-            <a:pPr lvl="3"/>
-            <a:r>
-              <a:rPr lang="sl-SI" smtClean="0"/>
-              <a:t>Četrta raven</a:t>
-            </a:r>
-          </a:p>
-          <a:p>
-            <a:pPr lvl="4"/>
-            <a:r>
-              <a:rPr lang="sl-SI" smtClean="0"/>
-              <a:t>Peta raven</a:t>
-            </a:r>
-            <a:endParaRPr lang="en-US"/>
-          </a:p>
-        </p:txBody>
-      </p:sp>
-      <p:sp>
-        <p:nvSpPr>
-          <p:cNvPr id="5" name="Ograda datuma 4"/>
+              <a:rPr lang="en-US" smtClean="0"/>
+              <a:t>Edit Master text styles</a:t>
+            </a:r>
+          </a:p>
+        </p:txBody>
+      </p:sp>
+      <p:sp>
+        <p:nvSpPr>
+          <p:cNvPr id="4" name="Date Placeholder 3"/>
           <p:cNvSpPr>
             <a:spLocks noGrp="1"/>
           </p:cNvSpPr>
@@ -2196,7 +3627,7 @@
           <a:p>
             <a:fld id="{BA6EFB0A-BEF4-4384-B5CA-BA492AB9664D}" type="datetimeFigureOut">
               <a:rPr lang="en-US" smtClean="0"/>
-              <a:t>1/22/2018</a:t>
+              <a:t>1/23/2018</a:t>
             </a:fld>
             <a:endParaRPr lang="en-US"/>
           </a:p>
@@ -2204,7 +3635,7 @@
       </p:sp>
       <p:sp>
         <p:nvSpPr>
-          <p:cNvPr id="6" name="Ograda noge 5"/>
+          <p:cNvPr id="5" name="Footer Placeholder 4"/>
           <p:cNvSpPr>
             <a:spLocks noGrp="1"/>
           </p:cNvSpPr>
@@ -2223,7 +3654,7 @@
       </p:sp>
       <p:sp>
         <p:nvSpPr>
-          <p:cNvPr id="7" name="Ograda številke diapozitiva 6"/>
+          <p:cNvPr id="6" name="Slide Number Placeholder 5"/>
           <p:cNvSpPr>
             <a:spLocks noGrp="1"/>
           </p:cNvSpPr>
@@ -2247,7 +3678,7 @@
     </p:spTree>
     <p:extLst>
       <p:ext uri="{BB962C8B-B14F-4D97-AF65-F5344CB8AC3E}">
-        <p14:creationId xmlns:p14="http://schemas.microsoft.com/office/powerpoint/2010/main" val="3432486650"/>
+        <p14:creationId xmlns:p14="http://schemas.microsoft.com/office/powerpoint/2010/main" val="2011775250"/>
       </p:ext>
     </p:extLst>
   </p:cSld>
@@ -2257,9 +3688,9 @@
 </p:sldLayout>
 </file>
 
-<file path=ppt/slideLayouts/slideLayout5.xml><?xml version="1.0" encoding="utf-8"?>
-<p:sldLayout xmlns:a="http://schemas.openxmlformats.org/drawingml/2006/main" xmlns:r="http://schemas.openxmlformats.org/officeDocument/2006/relationships" xmlns:p="http://schemas.openxmlformats.org/presentationml/2006/main" type="twoTxTwoObj" preserve="1">
-  <p:cSld name="Primerjava">
+<file path=ppt/slideLayouts/slideLayout15.xml><?xml version="1.0" encoding="utf-8"?>
+<p:sldLayout xmlns:a="http://schemas.openxmlformats.org/drawingml/2006/main" xmlns:r="http://schemas.openxmlformats.org/officeDocument/2006/relationships" xmlns:p="http://schemas.openxmlformats.org/presentationml/2006/main" type="vertTx" preserve="1">
+  <p:cSld name="Title and Vertical Text">
     <p:spTree>
       <p:nvGrpSpPr>
         <p:cNvPr id="1" name=""/>
@@ -2276,7 +3707,7 @@
       </p:grpSpPr>
       <p:sp>
         <p:nvSpPr>
-          <p:cNvPr id="2" name="Naslov 1"/>
+          <p:cNvPr id="2" name="Title 1"/>
           <p:cNvSpPr>
             <a:spLocks noGrp="1"/>
           </p:cNvSpPr>
@@ -2287,323 +3718,71 @@
         <p:spPr/>
         <p:txBody>
           <a:bodyPr/>
-          <a:lstStyle>
-            <a:lvl1pPr>
-              <a:defRPr/>
-            </a:lvl1pPr>
-          </a:lstStyle>
-          <a:p>
-            <a:r>
-              <a:rPr lang="sl-SI" smtClean="0"/>
-              <a:t>Uredite slog naslova matrice</a:t>
-            </a:r>
-            <a:endParaRPr lang="en-US"/>
-          </a:p>
-        </p:txBody>
-      </p:sp>
-      <p:sp>
-        <p:nvSpPr>
-          <p:cNvPr id="3" name="Ograda besedila 2"/>
-          <p:cNvSpPr>
-            <a:spLocks noGrp="1"/>
-          </p:cNvSpPr>
-          <p:nvPr>
-            <p:ph type="body" idx="1"/>
-          </p:nvPr>
-        </p:nvSpPr>
-        <p:spPr>
-          <a:xfrm>
-            <a:off x="457200" y="1535113"/>
-            <a:ext cx="4040188" cy="639762"/>
-          </a:xfrm>
-        </p:spPr>
-        <p:txBody>
-          <a:bodyPr anchor="b"/>
-          <a:lstStyle>
-            <a:lvl1pPr marL="0" indent="0">
-              <a:buNone/>
-              <a:defRPr sz="2400" b="1"/>
-            </a:lvl1pPr>
-            <a:lvl2pPr marL="457200" indent="0">
-              <a:buNone/>
-              <a:defRPr sz="2000" b="1"/>
-            </a:lvl2pPr>
-            <a:lvl3pPr marL="914400" indent="0">
-              <a:buNone/>
-              <a:defRPr sz="1800" b="1"/>
-            </a:lvl3pPr>
-            <a:lvl4pPr marL="1371600" indent="0">
-              <a:buNone/>
-              <a:defRPr sz="1600" b="1"/>
-            </a:lvl4pPr>
-            <a:lvl5pPr marL="1828800" indent="0">
-              <a:buNone/>
-              <a:defRPr sz="1600" b="1"/>
-            </a:lvl5pPr>
-            <a:lvl6pPr marL="2286000" indent="0">
-              <a:buNone/>
-              <a:defRPr sz="1600" b="1"/>
-            </a:lvl6pPr>
-            <a:lvl7pPr marL="2743200" indent="0">
-              <a:buNone/>
-              <a:defRPr sz="1600" b="1"/>
-            </a:lvl7pPr>
-            <a:lvl8pPr marL="3200400" indent="0">
-              <a:buNone/>
-              <a:defRPr sz="1600" b="1"/>
-            </a:lvl8pPr>
-            <a:lvl9pPr marL="3657600" indent="0">
-              <a:buNone/>
-              <a:defRPr sz="1600" b="1"/>
-            </a:lvl9pPr>
-          </a:lstStyle>
+          <a:lstStyle/>
+          <a:p>
+            <a:r>
+              <a:rPr lang="en-US" smtClean="0"/>
+              <a:t>Click to edit Master title style</a:t>
+            </a:r>
+            <a:endParaRPr lang="en-US" dirty="0"/>
+          </a:p>
+        </p:txBody>
+      </p:sp>
+      <p:sp>
+        <p:nvSpPr>
+          <p:cNvPr id="3" name="Vertical Text Placeholder 2"/>
+          <p:cNvSpPr>
+            <a:spLocks noGrp="1"/>
+          </p:cNvSpPr>
+          <p:nvPr>
+            <p:ph type="body" orient="vert" idx="1"/>
+          </p:nvPr>
+        </p:nvSpPr>
+        <p:spPr/>
+        <p:txBody>
+          <a:bodyPr vert="eaVert"/>
+          <a:lstStyle/>
           <a:p>
             <a:pPr lvl="0"/>
             <a:r>
-              <a:rPr lang="sl-SI" smtClean="0"/>
-              <a:t>Uredite sloge besedila matrice</a:t>
-            </a:r>
-          </a:p>
-        </p:txBody>
-      </p:sp>
-      <p:sp>
-        <p:nvSpPr>
-          <p:cNvPr id="4" name="Ograda vsebine 3"/>
-          <p:cNvSpPr>
-            <a:spLocks noGrp="1"/>
-          </p:cNvSpPr>
-          <p:nvPr>
-            <p:ph sz="half" idx="2"/>
-          </p:nvPr>
-        </p:nvSpPr>
-        <p:spPr>
-          <a:xfrm>
-            <a:off x="457200" y="2174875"/>
-            <a:ext cx="4040188" cy="3951288"/>
-          </a:xfrm>
-        </p:spPr>
-        <p:txBody>
-          <a:bodyPr/>
-          <a:lstStyle>
-            <a:lvl1pPr>
-              <a:defRPr sz="2400"/>
-            </a:lvl1pPr>
-            <a:lvl2pPr>
-              <a:defRPr sz="2000"/>
-            </a:lvl2pPr>
-            <a:lvl3pPr>
-              <a:defRPr sz="1800"/>
-            </a:lvl3pPr>
-            <a:lvl4pPr>
-              <a:defRPr sz="1600"/>
-            </a:lvl4pPr>
-            <a:lvl5pPr>
-              <a:defRPr sz="1600"/>
-            </a:lvl5pPr>
-            <a:lvl6pPr>
-              <a:defRPr sz="1600"/>
-            </a:lvl6pPr>
-            <a:lvl7pPr>
-              <a:defRPr sz="1600"/>
-            </a:lvl7pPr>
-            <a:lvl8pPr>
-              <a:defRPr sz="1600"/>
-            </a:lvl8pPr>
-            <a:lvl9pPr>
-              <a:defRPr sz="1600"/>
-            </a:lvl9pPr>
-          </a:lstStyle>
-          <a:p>
-            <a:pPr lvl="0"/>
-            <a:r>
-              <a:rPr lang="sl-SI" smtClean="0"/>
-              <a:t>Uredite sloge besedila matrice</a:t>
+              <a:rPr lang="en-US" smtClean="0"/>
+              <a:t>Edit Master text styles</a:t>
             </a:r>
           </a:p>
           <a:p>
             <a:pPr lvl="1"/>
             <a:r>
-              <a:rPr lang="sl-SI" smtClean="0"/>
-              <a:t>Druga raven</a:t>
+              <a:rPr lang="en-US" smtClean="0"/>
+              <a:t>Second level</a:t>
             </a:r>
           </a:p>
           <a:p>
             <a:pPr lvl="2"/>
             <a:r>
-              <a:rPr lang="sl-SI" smtClean="0"/>
-              <a:t>Tretja raven</a:t>
+              <a:rPr lang="en-US" smtClean="0"/>
+              <a:t>Third level</a:t>
             </a:r>
           </a:p>
           <a:p>
             <a:pPr lvl="3"/>
             <a:r>
-              <a:rPr lang="sl-SI" smtClean="0"/>
-              <a:t>Četrta raven</a:t>
+              <a:rPr lang="en-US" smtClean="0"/>
+              <a:t>Fourth level</a:t>
             </a:r>
           </a:p>
           <a:p>
             <a:pPr lvl="4"/>
             <a:r>
-              <a:rPr lang="sl-SI" smtClean="0"/>
-              <a:t>Peta raven</a:t>
-            </a:r>
-            <a:endParaRPr lang="en-US"/>
-          </a:p>
-        </p:txBody>
-      </p:sp>
-      <p:sp>
-        <p:nvSpPr>
-          <p:cNvPr id="5" name="Ograda besedila 4"/>
-          <p:cNvSpPr>
-            <a:spLocks noGrp="1"/>
-          </p:cNvSpPr>
-          <p:nvPr>
-            <p:ph type="body" sz="quarter" idx="3"/>
-          </p:nvPr>
-        </p:nvSpPr>
-        <p:spPr>
-          <a:xfrm>
-            <a:off x="4645025" y="1535113"/>
-            <a:ext cx="4041775" cy="639762"/>
-          </a:xfrm>
-        </p:spPr>
-        <p:txBody>
-          <a:bodyPr anchor="b"/>
-          <a:lstStyle>
-            <a:lvl1pPr marL="0" indent="0">
-              <a:buNone/>
-              <a:defRPr sz="2400" b="1"/>
-            </a:lvl1pPr>
-            <a:lvl2pPr marL="457200" indent="0">
-              <a:buNone/>
-              <a:defRPr sz="2000" b="1"/>
-            </a:lvl2pPr>
-            <a:lvl3pPr marL="914400" indent="0">
-              <a:buNone/>
-              <a:defRPr sz="1800" b="1"/>
-            </a:lvl3pPr>
-            <a:lvl4pPr marL="1371600" indent="0">
-              <a:buNone/>
-              <a:defRPr sz="1600" b="1"/>
-            </a:lvl4pPr>
-            <a:lvl5pPr marL="1828800" indent="0">
-              <a:buNone/>
-              <a:defRPr sz="1600" b="1"/>
-            </a:lvl5pPr>
-            <a:lvl6pPr marL="2286000" indent="0">
-              <a:buNone/>
-              <a:defRPr sz="1600" b="1"/>
-            </a:lvl6pPr>
-            <a:lvl7pPr marL="2743200" indent="0">
-              <a:buNone/>
-              <a:defRPr sz="1600" b="1"/>
-            </a:lvl7pPr>
-            <a:lvl8pPr marL="3200400" indent="0">
-              <a:buNone/>
-              <a:defRPr sz="1600" b="1"/>
-            </a:lvl8pPr>
-            <a:lvl9pPr marL="3657600" indent="0">
-              <a:buNone/>
-              <a:defRPr sz="1600" b="1"/>
-            </a:lvl9pPr>
-          </a:lstStyle>
-          <a:p>
-            <a:pPr lvl="0"/>
-            <a:r>
-              <a:rPr lang="sl-SI" smtClean="0"/>
-              <a:t>Uredite sloge besedila matrice</a:t>
-            </a:r>
-          </a:p>
-        </p:txBody>
-      </p:sp>
-      <p:sp>
-        <p:nvSpPr>
-          <p:cNvPr id="6" name="Ograda vsebine 5"/>
-          <p:cNvSpPr>
-            <a:spLocks noGrp="1"/>
-          </p:cNvSpPr>
-          <p:nvPr>
-            <p:ph sz="quarter" idx="4"/>
-          </p:nvPr>
-        </p:nvSpPr>
-        <p:spPr>
-          <a:xfrm>
-            <a:off x="4645025" y="2174875"/>
-            <a:ext cx="4041775" cy="3951288"/>
-          </a:xfrm>
-        </p:spPr>
-        <p:txBody>
-          <a:bodyPr/>
-          <a:lstStyle>
-            <a:lvl1pPr>
-              <a:defRPr sz="2400"/>
-            </a:lvl1pPr>
-            <a:lvl2pPr>
-              <a:defRPr sz="2000"/>
-            </a:lvl2pPr>
-            <a:lvl3pPr>
-              <a:defRPr sz="1800"/>
-            </a:lvl3pPr>
-            <a:lvl4pPr>
-              <a:defRPr sz="1600"/>
-            </a:lvl4pPr>
-            <a:lvl5pPr>
-              <a:defRPr sz="1600"/>
-            </a:lvl5pPr>
-            <a:lvl6pPr>
-              <a:defRPr sz="1600"/>
-            </a:lvl6pPr>
-            <a:lvl7pPr>
-              <a:defRPr sz="1600"/>
-            </a:lvl7pPr>
-            <a:lvl8pPr>
-              <a:defRPr sz="1600"/>
-            </a:lvl8pPr>
-            <a:lvl9pPr>
-              <a:defRPr sz="1600"/>
-            </a:lvl9pPr>
-          </a:lstStyle>
-          <a:p>
-            <a:pPr lvl="0"/>
-            <a:r>
-              <a:rPr lang="sl-SI" smtClean="0"/>
-              <a:t>Uredite sloge besedila matrice</a:t>
-            </a:r>
-          </a:p>
-          <a:p>
-            <a:pPr lvl="1"/>
-            <a:r>
-              <a:rPr lang="sl-SI" smtClean="0"/>
-              <a:t>Druga raven</a:t>
-            </a:r>
-          </a:p>
-          <a:p>
-            <a:pPr lvl="2"/>
-            <a:r>
-              <a:rPr lang="sl-SI" smtClean="0"/>
-              <a:t>Tretja raven</a:t>
-            </a:r>
-          </a:p>
-          <a:p>
-            <a:pPr lvl="3"/>
-            <a:r>
-              <a:rPr lang="sl-SI" smtClean="0"/>
-              <a:t>Četrta raven</a:t>
-            </a:r>
-          </a:p>
-          <a:p>
-            <a:pPr lvl="4"/>
-            <a:r>
-              <a:rPr lang="sl-SI" smtClean="0"/>
-              <a:t>Peta raven</a:t>
-            </a:r>
-            <a:endParaRPr lang="en-US"/>
-          </a:p>
-        </p:txBody>
-      </p:sp>
-      <p:sp>
-        <p:nvSpPr>
-          <p:cNvPr id="7" name="Ograda datuma 6"/>
+              <a:rPr lang="en-US" smtClean="0"/>
+              <a:t>Fifth level</a:t>
+            </a:r>
+            <a:endParaRPr lang="en-US" dirty="0"/>
+          </a:p>
+        </p:txBody>
+      </p:sp>
+      <p:sp>
+        <p:nvSpPr>
+          <p:cNvPr id="4" name="Date Placeholder 3"/>
           <p:cNvSpPr>
             <a:spLocks noGrp="1"/>
           </p:cNvSpPr>
@@ -2618,7 +3797,7 @@
           <a:p>
             <a:fld id="{BA6EFB0A-BEF4-4384-B5CA-BA492AB9664D}" type="datetimeFigureOut">
               <a:rPr lang="en-US" smtClean="0"/>
-              <a:t>1/22/2018</a:t>
+              <a:t>1/23/2018</a:t>
             </a:fld>
             <a:endParaRPr lang="en-US"/>
           </a:p>
@@ -2626,7 +3805,7 @@
       </p:sp>
       <p:sp>
         <p:nvSpPr>
-          <p:cNvPr id="8" name="Ograda noge 7"/>
+          <p:cNvPr id="5" name="Footer Placeholder 4"/>
           <p:cNvSpPr>
             <a:spLocks noGrp="1"/>
           </p:cNvSpPr>
@@ -2645,7 +3824,7 @@
       </p:sp>
       <p:sp>
         <p:nvSpPr>
-          <p:cNvPr id="9" name="Ograda številke diapozitiva 8"/>
+          <p:cNvPr id="6" name="Slide Number Placeholder 5"/>
           <p:cNvSpPr>
             <a:spLocks noGrp="1"/>
           </p:cNvSpPr>
@@ -2669,7 +3848,7 @@
     </p:spTree>
     <p:extLst>
       <p:ext uri="{BB962C8B-B14F-4D97-AF65-F5344CB8AC3E}">
-        <p14:creationId xmlns:p14="http://schemas.microsoft.com/office/powerpoint/2010/main" val="4126289917"/>
+        <p14:creationId xmlns:p14="http://schemas.microsoft.com/office/powerpoint/2010/main" val="405877160"/>
       </p:ext>
     </p:extLst>
   </p:cSld>
@@ -2679,9 +3858,9 @@
 </p:sldLayout>
 </file>
 
-<file path=ppt/slideLayouts/slideLayout6.xml><?xml version="1.0" encoding="utf-8"?>
-<p:sldLayout xmlns:a="http://schemas.openxmlformats.org/drawingml/2006/main" xmlns:r="http://schemas.openxmlformats.org/officeDocument/2006/relationships" xmlns:p="http://schemas.openxmlformats.org/presentationml/2006/main" type="titleOnly" preserve="1">
-  <p:cSld name="Samo naslov">
+<file path=ppt/slideLayouts/slideLayout16.xml><?xml version="1.0" encoding="utf-8"?>
+<p:sldLayout xmlns:a="http://schemas.openxmlformats.org/drawingml/2006/main" xmlns:r="http://schemas.openxmlformats.org/officeDocument/2006/relationships" xmlns:p="http://schemas.openxmlformats.org/presentationml/2006/main" type="vertTitleAndTx" preserve="1">
+  <p:cSld name="Vertical Title and Text">
     <p:spTree>
       <p:nvGrpSpPr>
         <p:cNvPr id="1" name=""/>
@@ -2698,30 +3877,92 @@
       </p:grpSpPr>
       <p:sp>
         <p:nvSpPr>
-          <p:cNvPr id="2" name="Naslov 1"/>
-          <p:cNvSpPr>
-            <a:spLocks noGrp="1"/>
-          </p:cNvSpPr>
-          <p:nvPr>
-            <p:ph type="title"/>
-          </p:nvPr>
-        </p:nvSpPr>
-        <p:spPr/>
-        <p:txBody>
-          <a:bodyPr/>
-          <a:lstStyle/>
-          <a:p>
-            <a:r>
-              <a:rPr lang="sl-SI" smtClean="0"/>
-              <a:t>Uredite slog naslova matrice</a:t>
-            </a:r>
-            <a:endParaRPr lang="en-US"/>
-          </a:p>
-        </p:txBody>
-      </p:sp>
-      <p:sp>
-        <p:nvSpPr>
-          <p:cNvPr id="3" name="Ograda datuma 2"/>
+          <p:cNvPr id="2" name="Vertical Title 1"/>
+          <p:cNvSpPr>
+            <a:spLocks noGrp="1"/>
+          </p:cNvSpPr>
+          <p:nvPr>
+            <p:ph type="title" orient="vert"/>
+          </p:nvPr>
+        </p:nvSpPr>
+        <p:spPr>
+          <a:xfrm>
+            <a:off x="5977312" y="609600"/>
+            <a:ext cx="978812" cy="5251451"/>
+          </a:xfrm>
+        </p:spPr>
+        <p:txBody>
+          <a:bodyPr vert="eaVert" anchor="ctr"/>
+          <a:lstStyle/>
+          <a:p>
+            <a:r>
+              <a:rPr lang="en-US" smtClean="0"/>
+              <a:t>Click to edit Master title style</a:t>
+            </a:r>
+            <a:endParaRPr lang="en-US" dirty="0"/>
+          </a:p>
+        </p:txBody>
+      </p:sp>
+      <p:sp>
+        <p:nvSpPr>
+          <p:cNvPr id="3" name="Vertical Text Placeholder 2"/>
+          <p:cNvSpPr>
+            <a:spLocks noGrp="1"/>
+          </p:cNvSpPr>
+          <p:nvPr>
+            <p:ph type="body" orient="vert" idx="1"/>
+          </p:nvPr>
+        </p:nvSpPr>
+        <p:spPr>
+          <a:xfrm>
+            <a:off x="609599" y="609600"/>
+            <a:ext cx="5195026" cy="5251451"/>
+          </a:xfrm>
+        </p:spPr>
+        <p:txBody>
+          <a:bodyPr vert="eaVert"/>
+          <a:lstStyle/>
+          <a:p>
+            <a:pPr lvl="0"/>
+            <a:r>
+              <a:rPr lang="en-US" smtClean="0"/>
+              <a:t>Edit Master text styles</a:t>
+            </a:r>
+          </a:p>
+          <a:p>
+            <a:pPr lvl="1"/>
+            <a:r>
+              <a:rPr lang="en-US" smtClean="0"/>
+              <a:t>Second level</a:t>
+            </a:r>
+          </a:p>
+          <a:p>
+            <a:pPr lvl="2"/>
+            <a:r>
+              <a:rPr lang="en-US" smtClean="0"/>
+              <a:t>Third level</a:t>
+            </a:r>
+          </a:p>
+          <a:p>
+            <a:pPr lvl="3"/>
+            <a:r>
+              <a:rPr lang="en-US" smtClean="0"/>
+              <a:t>Fourth level</a:t>
+            </a:r>
+          </a:p>
+          <a:p>
+            <a:pPr lvl="4"/>
+            <a:r>
+              <a:rPr lang="en-US" smtClean="0"/>
+              <a:t>Fifth level</a:t>
+            </a:r>
+            <a:endParaRPr lang="en-US" dirty="0"/>
+          </a:p>
+        </p:txBody>
+      </p:sp>
+      <p:sp>
+        <p:nvSpPr>
+          <p:cNvPr id="4" name="Date Placeholder 3"/>
           <p:cNvSpPr>
             <a:spLocks noGrp="1"/>
           </p:cNvSpPr>
@@ -2736,7 +3977,7 @@
           <a:p>
             <a:fld id="{BA6EFB0A-BEF4-4384-B5CA-BA492AB9664D}" type="datetimeFigureOut">
               <a:rPr lang="en-US" smtClean="0"/>
-              <a:t>1/22/2018</a:t>
+              <a:t>1/23/2018</a:t>
             </a:fld>
             <a:endParaRPr lang="en-US"/>
           </a:p>
@@ -2744,7 +3985,7 @@
       </p:sp>
       <p:sp>
         <p:nvSpPr>
-          <p:cNvPr id="4" name="Ograda noge 3"/>
+          <p:cNvPr id="5" name="Footer Placeholder 4"/>
           <p:cNvSpPr>
             <a:spLocks noGrp="1"/>
           </p:cNvSpPr>
@@ -2763,7 +4004,7 @@
       </p:sp>
       <p:sp>
         <p:nvSpPr>
-          <p:cNvPr id="5" name="Ograda številke diapozitiva 4"/>
+          <p:cNvPr id="6" name="Slide Number Placeholder 5"/>
           <p:cNvSpPr>
             <a:spLocks noGrp="1"/>
           </p:cNvSpPr>
@@ -2787,7 +4028,7 @@
     </p:spTree>
     <p:extLst>
       <p:ext uri="{BB962C8B-B14F-4D97-AF65-F5344CB8AC3E}">
-        <p14:creationId xmlns:p14="http://schemas.microsoft.com/office/powerpoint/2010/main" val="3458873337"/>
+        <p14:creationId xmlns:p14="http://schemas.microsoft.com/office/powerpoint/2010/main" val="620876057"/>
       </p:ext>
     </p:extLst>
   </p:cSld>
@@ -2797,9 +4038,9 @@
 </p:sldLayout>
 </file>
 
-<file path=ppt/slideLayouts/slideLayout7.xml><?xml version="1.0" encoding="utf-8"?>
-<p:sldLayout xmlns:a="http://schemas.openxmlformats.org/drawingml/2006/main" xmlns:r="http://schemas.openxmlformats.org/officeDocument/2006/relationships" xmlns:p="http://schemas.openxmlformats.org/presentationml/2006/main" type="blank" preserve="1">
-  <p:cSld name="Prazen">
+<file path=ppt/slideLayouts/slideLayout2.xml><?xml version="1.0" encoding="utf-8"?>
+<p:sldLayout xmlns:a="http://schemas.openxmlformats.org/drawingml/2006/main" xmlns:r="http://schemas.openxmlformats.org/officeDocument/2006/relationships" xmlns:p="http://schemas.openxmlformats.org/presentationml/2006/main" type="obj" preserve="1">
+  <p:cSld name="Title and Content">
     <p:spTree>
       <p:nvGrpSpPr>
         <p:cNvPr id="1" name=""/>
@@ -2816,7 +4057,82 @@
       </p:grpSpPr>
       <p:sp>
         <p:nvSpPr>
-          <p:cNvPr id="2" name="Ograda datuma 1"/>
+          <p:cNvPr id="2" name="Title 1"/>
+          <p:cNvSpPr>
+            <a:spLocks noGrp="1"/>
+          </p:cNvSpPr>
+          <p:nvPr>
+            <p:ph type="title"/>
+          </p:nvPr>
+        </p:nvSpPr>
+        <p:spPr/>
+        <p:txBody>
+          <a:bodyPr/>
+          <a:lstStyle/>
+          <a:p>
+            <a:r>
+              <a:rPr lang="en-US" smtClean="0"/>
+              <a:t>Click to edit Master title style</a:t>
+            </a:r>
+            <a:endParaRPr lang="en-US" dirty="0"/>
+          </a:p>
+        </p:txBody>
+      </p:sp>
+      <p:sp>
+        <p:nvSpPr>
+          <p:cNvPr id="3" name="Content Placeholder 2"/>
+          <p:cNvSpPr>
+            <a:spLocks noGrp="1"/>
+          </p:cNvSpPr>
+          <p:nvPr>
+            <p:ph idx="1"/>
+          </p:nvPr>
+        </p:nvSpPr>
+        <p:spPr/>
+        <p:txBody>
+          <a:bodyPr/>
+          <a:lstStyle/>
+          <a:p>
+            <a:pPr lvl="0"/>
+            <a:r>
+              <a:rPr lang="en-US" smtClean="0"/>
+              <a:t>Edit Master text styles</a:t>
+            </a:r>
+          </a:p>
+          <a:p>
+            <a:pPr lvl="1"/>
+            <a:r>
+              <a:rPr lang="en-US" smtClean="0"/>
+              <a:t>Second level</a:t>
+            </a:r>
+          </a:p>
+          <a:p>
+            <a:pPr lvl="2"/>
+            <a:r>
+              <a:rPr lang="en-US" smtClean="0"/>
+              <a:t>Third level</a:t>
+            </a:r>
+          </a:p>
+          <a:p>
+            <a:pPr lvl="3"/>
+            <a:r>
+              <a:rPr lang="en-US" smtClean="0"/>
+              <a:t>Fourth level</a:t>
+            </a:r>
+          </a:p>
+          <a:p>
+            <a:pPr lvl="4"/>
+            <a:r>
+              <a:rPr lang="en-US" smtClean="0"/>
+              <a:t>Fifth level</a:t>
+            </a:r>
+            <a:endParaRPr lang="en-US" dirty="0"/>
+          </a:p>
+        </p:txBody>
+      </p:sp>
+      <p:sp>
+        <p:nvSpPr>
+          <p:cNvPr id="4" name="Date Placeholder 3"/>
           <p:cNvSpPr>
             <a:spLocks noGrp="1"/>
           </p:cNvSpPr>
@@ -2831,7 +4147,7 @@
           <a:p>
             <a:fld id="{BA6EFB0A-BEF4-4384-B5CA-BA492AB9664D}" type="datetimeFigureOut">
               <a:rPr lang="en-US" smtClean="0"/>
-              <a:t>1/22/2018</a:t>
+              <a:t>1/23/2018</a:t>
             </a:fld>
             <a:endParaRPr lang="en-US"/>
           </a:p>
@@ -2839,7 +4155,7 @@
       </p:sp>
       <p:sp>
         <p:nvSpPr>
-          <p:cNvPr id="3" name="Ograda noge 2"/>
+          <p:cNvPr id="5" name="Footer Placeholder 4"/>
           <p:cNvSpPr>
             <a:spLocks noGrp="1"/>
           </p:cNvSpPr>
@@ -2858,7 +4174,7 @@
       </p:sp>
       <p:sp>
         <p:nvSpPr>
-          <p:cNvPr id="4" name="Ograda številke diapozitiva 3"/>
+          <p:cNvPr id="6" name="Slide Number Placeholder 5"/>
           <p:cNvSpPr>
             <a:spLocks noGrp="1"/>
           </p:cNvSpPr>
@@ -2882,7 +4198,7 @@
     </p:spTree>
     <p:extLst>
       <p:ext uri="{BB962C8B-B14F-4D97-AF65-F5344CB8AC3E}">
-        <p14:creationId xmlns:p14="http://schemas.microsoft.com/office/powerpoint/2010/main" val="841503188"/>
+        <p14:creationId xmlns:p14="http://schemas.microsoft.com/office/powerpoint/2010/main" val="3953140363"/>
       </p:ext>
     </p:extLst>
   </p:cSld>
@@ -2892,9 +4208,9 @@
 </p:sldLayout>
 </file>
 
-<file path=ppt/slideLayouts/slideLayout8.xml><?xml version="1.0" encoding="utf-8"?>
-<p:sldLayout xmlns:a="http://schemas.openxmlformats.org/drawingml/2006/main" xmlns:r="http://schemas.openxmlformats.org/officeDocument/2006/relationships" xmlns:p="http://schemas.openxmlformats.org/presentationml/2006/main" type="objTx" preserve="1">
-  <p:cSld name="Naslov in vsebina">
+<file path=ppt/slideLayouts/slideLayout3.xml><?xml version="1.0" encoding="utf-8"?>
+<p:sldLayout xmlns:a="http://schemas.openxmlformats.org/drawingml/2006/main" xmlns:r="http://schemas.openxmlformats.org/officeDocument/2006/relationships" xmlns:p="http://schemas.openxmlformats.org/presentationml/2006/main" type="secHead" preserve="1">
+  <p:cSld name="Section Header">
     <p:spTree>
       <p:nvGrpSpPr>
         <p:cNvPr id="1" name=""/>
@@ -2911,7 +4227,7 @@
       </p:grpSpPr>
       <p:sp>
         <p:nvSpPr>
-          <p:cNvPr id="2" name="Naslov 1"/>
+          <p:cNvPr id="2" name="Title 1"/>
           <p:cNvSpPr>
             <a:spLocks noGrp="1"/>
           </p:cNvSpPr>
@@ -2921,179 +4237,149 @@
         </p:nvSpPr>
         <p:spPr>
           <a:xfrm>
-            <a:off x="457200" y="273050"/>
-            <a:ext cx="3008313" cy="1162050"/>
+            <a:off x="609598" y="2700868"/>
+            <a:ext cx="6347715" cy="1826581"/>
           </a:xfrm>
         </p:spPr>
         <p:txBody>
           <a:bodyPr anchor="b"/>
           <a:lstStyle>
             <a:lvl1pPr algn="l">
-              <a:defRPr sz="2000" b="1"/>
+              <a:defRPr sz="4000" b="0" cap="none"/>
             </a:lvl1pPr>
           </a:lstStyle>
           <a:p>
             <a:r>
-              <a:rPr lang="sl-SI" smtClean="0"/>
-              <a:t>Uredite slog naslova matrice</a:t>
-            </a:r>
-            <a:endParaRPr lang="en-US"/>
-          </a:p>
-        </p:txBody>
-      </p:sp>
-      <p:sp>
-        <p:nvSpPr>
-          <p:cNvPr id="3" name="Ograda vsebine 2"/>
-          <p:cNvSpPr>
-            <a:spLocks noGrp="1"/>
-          </p:cNvSpPr>
-          <p:nvPr>
-            <p:ph idx="1"/>
+              <a:rPr lang="en-US" smtClean="0"/>
+              <a:t>Click to edit Master title style</a:t>
+            </a:r>
+            <a:endParaRPr lang="en-US" dirty="0"/>
+          </a:p>
+        </p:txBody>
+      </p:sp>
+      <p:sp>
+        <p:nvSpPr>
+          <p:cNvPr id="3" name="Text Placeholder 2"/>
+          <p:cNvSpPr>
+            <a:spLocks noGrp="1"/>
+          </p:cNvSpPr>
+          <p:nvPr>
+            <p:ph type="body" idx="1"/>
           </p:nvPr>
         </p:nvSpPr>
         <p:spPr>
           <a:xfrm>
-            <a:off x="3575050" y="273050"/>
-            <a:ext cx="5111750" cy="5853113"/>
+            <a:off x="609598" y="4527448"/>
+            <a:ext cx="6347715" cy="860400"/>
           </a:xfrm>
         </p:spPr>
         <p:txBody>
-          <a:bodyPr/>
+          <a:bodyPr anchor="t"/>
           <a:lstStyle>
-            <a:lvl1pPr>
-              <a:defRPr sz="3200"/>
+            <a:lvl1pPr marL="0" indent="0" algn="l">
+              <a:buNone/>
+              <a:defRPr sz="2000">
+                <a:solidFill>
+                  <a:schemeClr val="tx1">
+                    <a:lumMod val="50000"/>
+                    <a:lumOff val="50000"/>
+                  </a:schemeClr>
+                </a:solidFill>
+              </a:defRPr>
             </a:lvl1pPr>
-            <a:lvl2pPr>
-              <a:defRPr sz="2800"/>
+            <a:lvl2pPr marL="457200" indent="0">
+              <a:buNone/>
+              <a:defRPr sz="1800">
+                <a:solidFill>
+                  <a:schemeClr val="tx1">
+                    <a:tint val="75000"/>
+                  </a:schemeClr>
+                </a:solidFill>
+              </a:defRPr>
             </a:lvl2pPr>
-            <a:lvl3pPr>
-              <a:defRPr sz="2400"/>
+            <a:lvl3pPr marL="914400" indent="0">
+              <a:buNone/>
+              <a:defRPr sz="1600">
+                <a:solidFill>
+                  <a:schemeClr val="tx1">
+                    <a:tint val="75000"/>
+                  </a:schemeClr>
+                </a:solidFill>
+              </a:defRPr>
             </a:lvl3pPr>
-            <a:lvl4pPr>
-              <a:defRPr sz="2000"/>
+            <a:lvl4pPr marL="1371600" indent="0">
+              <a:buNone/>
+              <a:defRPr sz="1400">
+                <a:solidFill>
+                  <a:schemeClr val="tx1">
+                    <a:tint val="75000"/>
+                  </a:schemeClr>
+                </a:solidFill>
+              </a:defRPr>
             </a:lvl4pPr>
-            <a:lvl5pPr>
-              <a:defRPr sz="2000"/>
+            <a:lvl5pPr marL="1828800" indent="0">
+              <a:buNone/>
+              <a:defRPr sz="1400">
+                <a:solidFill>
+                  <a:schemeClr val="tx1">
+                    <a:tint val="75000"/>
+                  </a:schemeClr>
+                </a:solidFill>
+              </a:defRPr>
             </a:lvl5pPr>
-            <a:lvl6pPr>
-              <a:defRPr sz="2000"/>
+            <a:lvl6pPr marL="2286000" indent="0">
+              <a:buNone/>
+              <a:defRPr sz="1400">
+                <a:solidFill>
+                  <a:schemeClr val="tx1">
+                    <a:tint val="75000"/>
+                  </a:schemeClr>
+                </a:solidFill>
+              </a:defRPr>
             </a:lvl6pPr>
-            <a:lvl7pPr>
-              <a:defRPr sz="2000"/>
+            <a:lvl7pPr marL="2743200" indent="0">
+              <a:buNone/>
+              <a:defRPr sz="1400">
+                <a:solidFill>
+                  <a:schemeClr val="tx1">
+                    <a:tint val="75000"/>
+                  </a:schemeClr>
+                </a:solidFill>
+              </a:defRPr>
             </a:lvl7pPr>
-            <a:lvl8pPr>
-              <a:defRPr sz="2000"/>
+            <a:lvl8pPr marL="3200400" indent="0">
+              <a:buNone/>
+              <a:defRPr sz="1400">
+                <a:solidFill>
+                  <a:schemeClr val="tx1">
+                    <a:tint val="75000"/>
+                  </a:schemeClr>
+                </a:solidFill>
+              </a:defRPr>
             </a:lvl8pPr>
-            <a:lvl9pPr>
-              <a:defRPr sz="2000"/>
+            <a:lvl9pPr marL="3657600" indent="0">
+              <a:buNone/>
+              <a:defRPr sz="1400">
+                <a:solidFill>
+                  <a:schemeClr val="tx1">
+                    <a:tint val="75000"/>
+                  </a:schemeClr>
+                </a:solidFill>
+              </a:defRPr>
             </a:lvl9pPr>
           </a:lstStyle>
           <a:p>
             <a:pPr lvl="0"/>
             <a:r>
-              <a:rPr lang="sl-SI" smtClean="0"/>
-              <a:t>Uredite sloge besedila matrice</a:t>
-            </a:r>
-          </a:p>
-          <a:p>
-            <a:pPr lvl="1"/>
-            <a:r>
-              <a:rPr lang="sl-SI" smtClean="0"/>
-              <a:t>Druga raven</a:t>
-            </a:r>
-          </a:p>
-          <a:p>
-            <a:pPr lvl="2"/>
-            <a:r>
-              <a:rPr lang="sl-SI" smtClean="0"/>
-              <a:t>Tretja raven</a:t>
-            </a:r>
-          </a:p>
-          <a:p>
-            <a:pPr lvl="3"/>
-            <a:r>
-              <a:rPr lang="sl-SI" smtClean="0"/>
-              <a:t>Četrta raven</a:t>
-            </a:r>
-          </a:p>
-          <a:p>
-            <a:pPr lvl="4"/>
-            <a:r>
-              <a:rPr lang="sl-SI" smtClean="0"/>
-              <a:t>Peta raven</a:t>
-            </a:r>
-            <a:endParaRPr lang="en-US"/>
-          </a:p>
-        </p:txBody>
-      </p:sp>
-      <p:sp>
-        <p:nvSpPr>
-          <p:cNvPr id="4" name="Ograda besedila 3"/>
-          <p:cNvSpPr>
-            <a:spLocks noGrp="1"/>
-          </p:cNvSpPr>
-          <p:nvPr>
-            <p:ph type="body" sz="half" idx="2"/>
-          </p:nvPr>
-        </p:nvSpPr>
-        <p:spPr>
-          <a:xfrm>
-            <a:off x="457200" y="1435100"/>
-            <a:ext cx="3008313" cy="4691063"/>
-          </a:xfrm>
-        </p:spPr>
-        <p:txBody>
-          <a:bodyPr/>
-          <a:lstStyle>
-            <a:lvl1pPr marL="0" indent="0">
-              <a:buNone/>
-              <a:defRPr sz="1400"/>
-            </a:lvl1pPr>
-            <a:lvl2pPr marL="457200" indent="0">
-              <a:buNone/>
-              <a:defRPr sz="1200"/>
-            </a:lvl2pPr>
-            <a:lvl3pPr marL="914400" indent="0">
-              <a:buNone/>
-              <a:defRPr sz="1000"/>
-            </a:lvl3pPr>
-            <a:lvl4pPr marL="1371600" indent="0">
-              <a:buNone/>
-              <a:defRPr sz="900"/>
-            </a:lvl4pPr>
-            <a:lvl5pPr marL="1828800" indent="0">
-              <a:buNone/>
-              <a:defRPr sz="900"/>
-            </a:lvl5pPr>
-            <a:lvl6pPr marL="2286000" indent="0">
-              <a:buNone/>
-              <a:defRPr sz="900"/>
-            </a:lvl6pPr>
-            <a:lvl7pPr marL="2743200" indent="0">
-              <a:buNone/>
-              <a:defRPr sz="900"/>
-            </a:lvl7pPr>
-            <a:lvl8pPr marL="3200400" indent="0">
-              <a:buNone/>
-              <a:defRPr sz="900"/>
-            </a:lvl8pPr>
-            <a:lvl9pPr marL="3657600" indent="0">
-              <a:buNone/>
-              <a:defRPr sz="900"/>
-            </a:lvl9pPr>
-          </a:lstStyle>
-          <a:p>
-            <a:pPr lvl="0"/>
-            <a:r>
-              <a:rPr lang="sl-SI" smtClean="0"/>
-              <a:t>Uredite sloge besedila matrice</a:t>
-            </a:r>
-          </a:p>
-        </p:txBody>
-      </p:sp>
-      <p:sp>
-        <p:nvSpPr>
-          <p:cNvPr id="5" name="Ograda datuma 4"/>
+              <a:rPr lang="en-US" smtClean="0"/>
+              <a:t>Edit Master text styles</a:t>
+            </a:r>
+          </a:p>
+        </p:txBody>
+      </p:sp>
+      <p:sp>
+        <p:nvSpPr>
+          <p:cNvPr id="4" name="Date Placeholder 3"/>
           <p:cNvSpPr>
             <a:spLocks noGrp="1"/>
           </p:cNvSpPr>
@@ -3108,7 +4394,7 @@
           <a:p>
             <a:fld id="{BA6EFB0A-BEF4-4384-B5CA-BA492AB9664D}" type="datetimeFigureOut">
               <a:rPr lang="en-US" smtClean="0"/>
-              <a:t>1/22/2018</a:t>
+              <a:t>1/23/2018</a:t>
             </a:fld>
             <a:endParaRPr lang="en-US"/>
           </a:p>
@@ -3116,7 +4402,7 @@
       </p:sp>
       <p:sp>
         <p:nvSpPr>
-          <p:cNvPr id="6" name="Ograda noge 5"/>
+          <p:cNvPr id="5" name="Footer Placeholder 4"/>
           <p:cNvSpPr>
             <a:spLocks noGrp="1"/>
           </p:cNvSpPr>
@@ -3135,7 +4421,7 @@
       </p:sp>
       <p:sp>
         <p:nvSpPr>
-          <p:cNvPr id="7" name="Ograda številke diapozitiva 6"/>
+          <p:cNvPr id="6" name="Slide Number Placeholder 5"/>
           <p:cNvSpPr>
             <a:spLocks noGrp="1"/>
           </p:cNvSpPr>
@@ -3159,7 +4445,7 @@
     </p:spTree>
     <p:extLst>
       <p:ext uri="{BB962C8B-B14F-4D97-AF65-F5344CB8AC3E}">
-        <p14:creationId xmlns:p14="http://schemas.microsoft.com/office/powerpoint/2010/main" val="3927130819"/>
+        <p14:creationId xmlns:p14="http://schemas.microsoft.com/office/powerpoint/2010/main" val="1728695425"/>
       </p:ext>
     </p:extLst>
   </p:cSld>
@@ -3169,9 +4455,9 @@
 </p:sldLayout>
 </file>
 
-<file path=ppt/slideLayouts/slideLayout9.xml><?xml version="1.0" encoding="utf-8"?>
-<p:sldLayout xmlns:a="http://schemas.openxmlformats.org/drawingml/2006/main" xmlns:r="http://schemas.openxmlformats.org/officeDocument/2006/relationships" xmlns:p="http://schemas.openxmlformats.org/presentationml/2006/main" type="picTx" preserve="1">
-  <p:cSld name="Naslov in slika">
+<file path=ppt/slideLayouts/slideLayout4.xml><?xml version="1.0" encoding="utf-8"?>
+<p:sldLayout xmlns:a="http://schemas.openxmlformats.org/drawingml/2006/main" xmlns:r="http://schemas.openxmlformats.org/officeDocument/2006/relationships" xmlns:p="http://schemas.openxmlformats.org/presentationml/2006/main" type="twoObj" preserve="1">
+  <p:cSld name="Two Content">
     <p:spTree>
       <p:nvGrpSpPr>
         <p:cNvPr id="1" name=""/>
@@ -3188,7 +4474,7 @@
       </p:grpSpPr>
       <p:sp>
         <p:nvSpPr>
-          <p:cNvPr id="2" name="Naslov 1"/>
+          <p:cNvPr id="2" name="Title 1"/>
           <p:cNvSpPr>
             <a:spLocks noGrp="1"/>
           </p:cNvSpPr>
@@ -3198,155 +4484,199 @@
         </p:nvSpPr>
         <p:spPr>
           <a:xfrm>
-            <a:off x="1792288" y="4800600"/>
-            <a:ext cx="5486400" cy="566738"/>
+            <a:off x="609600" y="609600"/>
+            <a:ext cx="6347714" cy="1320800"/>
           </a:xfrm>
         </p:spPr>
         <p:txBody>
-          <a:bodyPr anchor="b"/>
-          <a:lstStyle>
-            <a:lvl1pPr algn="l">
-              <a:defRPr sz="2000" b="1"/>
-            </a:lvl1pPr>
-          </a:lstStyle>
-          <a:p>
-            <a:r>
-              <a:rPr lang="sl-SI" smtClean="0"/>
-              <a:t>Uredite slog naslova matrice</a:t>
-            </a:r>
-            <a:endParaRPr lang="en-US"/>
-          </a:p>
-        </p:txBody>
-      </p:sp>
-      <p:sp>
-        <p:nvSpPr>
-          <p:cNvPr id="3" name="Ograda slike 2"/>
-          <p:cNvSpPr>
-            <a:spLocks noGrp="1"/>
-          </p:cNvSpPr>
-          <p:nvPr>
-            <p:ph type="pic" idx="1"/>
+          <a:bodyPr/>
+          <a:lstStyle/>
+          <a:p>
+            <a:r>
+              <a:rPr lang="en-US" smtClean="0"/>
+              <a:t>Click to edit Master title style</a:t>
+            </a:r>
+            <a:endParaRPr lang="en-US" dirty="0"/>
+          </a:p>
+        </p:txBody>
+      </p:sp>
+      <p:sp>
+        <p:nvSpPr>
+          <p:cNvPr id="3" name="Content Placeholder 2"/>
+          <p:cNvSpPr>
+            <a:spLocks noGrp="1"/>
+          </p:cNvSpPr>
+          <p:nvPr>
+            <p:ph sz="half" idx="1"/>
           </p:nvPr>
         </p:nvSpPr>
         <p:spPr>
           <a:xfrm>
-            <a:off x="1792288" y="612775"/>
-            <a:ext cx="5486400" cy="4114800"/>
+            <a:off x="609600" y="2160589"/>
+            <a:ext cx="3088109" cy="3880772"/>
           </a:xfrm>
         </p:spPr>
         <p:txBody>
-          <a:bodyPr/>
+          <a:bodyPr>
+            <a:normAutofit/>
+          </a:bodyPr>
           <a:lstStyle>
-            <a:lvl1pPr marL="0" indent="0">
-              <a:buNone/>
-              <a:defRPr sz="3200"/>
+            <a:lvl1pPr>
+              <a:defRPr sz="1800"/>
             </a:lvl1pPr>
-            <a:lvl2pPr marL="457200" indent="0">
-              <a:buNone/>
-              <a:defRPr sz="2800"/>
+            <a:lvl2pPr>
+              <a:defRPr sz="1600"/>
             </a:lvl2pPr>
-            <a:lvl3pPr marL="914400" indent="0">
-              <a:buNone/>
-              <a:defRPr sz="2400"/>
+            <a:lvl3pPr>
+              <a:defRPr sz="1400"/>
             </a:lvl3pPr>
-            <a:lvl4pPr marL="1371600" indent="0">
-              <a:buNone/>
-              <a:defRPr sz="2000"/>
+            <a:lvl4pPr>
+              <a:defRPr sz="1200"/>
             </a:lvl4pPr>
-            <a:lvl5pPr marL="1828800" indent="0">
-              <a:buNone/>
-              <a:defRPr sz="2000"/>
+            <a:lvl5pPr>
+              <a:defRPr sz="1200"/>
             </a:lvl5pPr>
-            <a:lvl6pPr marL="2286000" indent="0">
-              <a:buNone/>
-              <a:defRPr sz="2000"/>
+            <a:lvl6pPr>
+              <a:defRPr sz="1200"/>
             </a:lvl6pPr>
-            <a:lvl7pPr marL="2743200" indent="0">
-              <a:buNone/>
-              <a:defRPr sz="2000"/>
+            <a:lvl7pPr>
+              <a:defRPr sz="1200"/>
             </a:lvl7pPr>
-            <a:lvl8pPr marL="3200400" indent="0">
-              <a:buNone/>
-              <a:defRPr sz="2000"/>
+            <a:lvl8pPr>
+              <a:defRPr sz="1200"/>
             </a:lvl8pPr>
-            <a:lvl9pPr marL="3657600" indent="0">
-              <a:buNone/>
-              <a:defRPr sz="2000"/>
+            <a:lvl9pPr>
+              <a:defRPr sz="1200"/>
             </a:lvl9pPr>
           </a:lstStyle>
           <a:p>
-            <a:endParaRPr lang="en-US"/>
-          </a:p>
-        </p:txBody>
-      </p:sp>
-      <p:sp>
-        <p:nvSpPr>
-          <p:cNvPr id="4" name="Ograda besedila 3"/>
-          <p:cNvSpPr>
-            <a:spLocks noGrp="1"/>
-          </p:cNvSpPr>
-          <p:nvPr>
-            <p:ph type="body" sz="half" idx="2"/>
+            <a:pPr lvl="0"/>
+            <a:r>
+              <a:rPr lang="en-US" smtClean="0"/>
+              <a:t>Edit Master text styles</a:t>
+            </a:r>
+          </a:p>
+          <a:p>
+            <a:pPr lvl="1"/>
+            <a:r>
+              <a:rPr lang="en-US" smtClean="0"/>
+              <a:t>Second level</a:t>
+            </a:r>
+          </a:p>
+          <a:p>
+            <a:pPr lvl="2"/>
+            <a:r>
+              <a:rPr lang="en-US" smtClean="0"/>
+              <a:t>Third level</a:t>
+            </a:r>
+          </a:p>
+          <a:p>
+            <a:pPr lvl="3"/>
+            <a:r>
+              <a:rPr lang="en-US" smtClean="0"/>
+              <a:t>Fourth level</a:t>
+            </a:r>
+          </a:p>
+          <a:p>
+            <a:pPr lvl="4"/>
+            <a:r>
+              <a:rPr lang="en-US" smtClean="0"/>
+              <a:t>Fifth level</a:t>
+            </a:r>
+            <a:endParaRPr lang="en-US" dirty="0"/>
+          </a:p>
+        </p:txBody>
+      </p:sp>
+      <p:sp>
+        <p:nvSpPr>
+          <p:cNvPr id="4" name="Content Placeholder 3"/>
+          <p:cNvSpPr>
+            <a:spLocks noGrp="1"/>
+          </p:cNvSpPr>
+          <p:nvPr>
+            <p:ph sz="half" idx="2"/>
           </p:nvPr>
         </p:nvSpPr>
         <p:spPr>
           <a:xfrm>
-            <a:off x="1792288" y="5367338"/>
-            <a:ext cx="5486400" cy="804862"/>
+            <a:off x="3869204" y="2160590"/>
+            <a:ext cx="3088110" cy="3880773"/>
           </a:xfrm>
         </p:spPr>
         <p:txBody>
-          <a:bodyPr/>
+          <a:bodyPr>
+            <a:normAutofit/>
+          </a:bodyPr>
           <a:lstStyle>
-            <a:lvl1pPr marL="0" indent="0">
-              <a:buNone/>
+            <a:lvl1pPr>
+              <a:defRPr sz="1800"/>
+            </a:lvl1pPr>
+            <a:lvl2pPr>
+              <a:defRPr sz="1600"/>
+            </a:lvl2pPr>
+            <a:lvl3pPr>
               <a:defRPr sz="1400"/>
-            </a:lvl1pPr>
-            <a:lvl2pPr marL="457200" indent="0">
-              <a:buNone/>
+            </a:lvl3pPr>
+            <a:lvl4pPr>
               <a:defRPr sz="1200"/>
-            </a:lvl2pPr>
-            <a:lvl3pPr marL="914400" indent="0">
-              <a:buNone/>
-              <a:defRPr sz="1000"/>
-            </a:lvl3pPr>
-            <a:lvl4pPr marL="1371600" indent="0">
-              <a:buNone/>
-              <a:defRPr sz="900"/>
             </a:lvl4pPr>
-            <a:lvl5pPr marL="1828800" indent="0">
-              <a:buNone/>
-              <a:defRPr sz="900"/>
+            <a:lvl5pPr>
+              <a:defRPr sz="1200"/>
             </a:lvl5pPr>
-            <a:lvl6pPr marL="2286000" indent="0">
-              <a:buNone/>
-              <a:defRPr sz="900"/>
+            <a:lvl6pPr>
+              <a:defRPr sz="1200"/>
             </a:lvl6pPr>
-            <a:lvl7pPr marL="2743200" indent="0">
-              <a:buNone/>
-              <a:defRPr sz="900"/>
+            <a:lvl7pPr>
+              <a:defRPr sz="1200"/>
             </a:lvl7pPr>
-            <a:lvl8pPr marL="3200400" indent="0">
-              <a:buNone/>
-              <a:defRPr sz="900"/>
+            <a:lvl8pPr>
+              <a:defRPr sz="1200"/>
             </a:lvl8pPr>
-            <a:lvl9pPr marL="3657600" indent="0">
-              <a:buNone/>
-              <a:defRPr sz="900"/>
+            <a:lvl9pPr>
+              <a:defRPr sz="1200"/>
             </a:lvl9pPr>
           </a:lstStyle>
           <a:p>
             <a:pPr lvl="0"/>
             <a:r>
-              <a:rPr lang="sl-SI" smtClean="0"/>
-              <a:t>Uredite sloge besedila matrice</a:t>
-            </a:r>
-          </a:p>
-        </p:txBody>
-      </p:sp>
-      <p:sp>
-        <p:nvSpPr>
-          <p:cNvPr id="5" name="Ograda datuma 4"/>
+              <a:rPr lang="en-US" smtClean="0"/>
+              <a:t>Edit Master text styles</a:t>
+            </a:r>
+          </a:p>
+          <a:p>
+            <a:pPr lvl="1"/>
+            <a:r>
+              <a:rPr lang="en-US" smtClean="0"/>
+              <a:t>Second level</a:t>
+            </a:r>
+          </a:p>
+          <a:p>
+            <a:pPr lvl="2"/>
+            <a:r>
+              <a:rPr lang="en-US" smtClean="0"/>
+              <a:t>Third level</a:t>
+            </a:r>
+          </a:p>
+          <a:p>
+            <a:pPr lvl="3"/>
+            <a:r>
+              <a:rPr lang="en-US" smtClean="0"/>
+              <a:t>Fourth level</a:t>
+            </a:r>
+          </a:p>
+          <a:p>
+            <a:pPr lvl="4"/>
+            <a:r>
+              <a:rPr lang="en-US" smtClean="0"/>
+              <a:t>Fifth level</a:t>
+            </a:r>
+            <a:endParaRPr lang="en-US" dirty="0"/>
+          </a:p>
+        </p:txBody>
+      </p:sp>
+      <p:sp>
+        <p:nvSpPr>
+          <p:cNvPr id="5" name="Date Placeholder 4"/>
           <p:cNvSpPr>
             <a:spLocks noGrp="1"/>
           </p:cNvSpPr>
@@ -3361,7 +4691,7 @@
           <a:p>
             <a:fld id="{BA6EFB0A-BEF4-4384-B5CA-BA492AB9664D}" type="datetimeFigureOut">
               <a:rPr lang="en-US" smtClean="0"/>
-              <a:t>1/22/2018</a:t>
+              <a:t>1/23/2018</a:t>
             </a:fld>
             <a:endParaRPr lang="en-US"/>
           </a:p>
@@ -3369,7 +4699,7 @@
       </p:sp>
       <p:sp>
         <p:nvSpPr>
-          <p:cNvPr id="6" name="Ograda noge 5"/>
+          <p:cNvPr id="6" name="Footer Placeholder 5"/>
           <p:cNvSpPr>
             <a:spLocks noGrp="1"/>
           </p:cNvSpPr>
@@ -3388,7 +4718,7 @@
       </p:sp>
       <p:sp>
         <p:nvSpPr>
-          <p:cNvPr id="7" name="Ograda številke diapozitiva 6"/>
+          <p:cNvPr id="7" name="Slide Number Placeholder 6"/>
           <p:cNvSpPr>
             <a:spLocks noGrp="1"/>
           </p:cNvSpPr>
@@ -3412,7 +4742,1122 @@
     </p:spTree>
     <p:extLst>
       <p:ext uri="{BB962C8B-B14F-4D97-AF65-F5344CB8AC3E}">
-        <p14:creationId xmlns:p14="http://schemas.microsoft.com/office/powerpoint/2010/main" val="3879451241"/>
+        <p14:creationId xmlns:p14="http://schemas.microsoft.com/office/powerpoint/2010/main" val="1130193698"/>
+      </p:ext>
+    </p:extLst>
+  </p:cSld>
+  <p:clrMapOvr>
+    <a:masterClrMapping/>
+  </p:clrMapOvr>
+</p:sldLayout>
+</file>
+
+<file path=ppt/slideLayouts/slideLayout5.xml><?xml version="1.0" encoding="utf-8"?>
+<p:sldLayout xmlns:a="http://schemas.openxmlformats.org/drawingml/2006/main" xmlns:r="http://schemas.openxmlformats.org/officeDocument/2006/relationships" xmlns:p="http://schemas.openxmlformats.org/presentationml/2006/main" type="twoTxTwoObj" preserve="1">
+  <p:cSld name="Comparison">
+    <p:spTree>
+      <p:nvGrpSpPr>
+        <p:cNvPr id="1" name=""/>
+        <p:cNvGrpSpPr/>
+        <p:nvPr/>
+      </p:nvGrpSpPr>
+      <p:grpSpPr>
+        <a:xfrm>
+          <a:off x="0" y="0"/>
+          <a:ext cx="0" cy="0"/>
+          <a:chOff x="0" y="0"/>
+          <a:chExt cx="0" cy="0"/>
+        </a:xfrm>
+      </p:grpSpPr>
+      <p:sp>
+        <p:nvSpPr>
+          <p:cNvPr id="2" name="Title 1"/>
+          <p:cNvSpPr>
+            <a:spLocks noGrp="1"/>
+          </p:cNvSpPr>
+          <p:nvPr>
+            <p:ph type="title"/>
+          </p:nvPr>
+        </p:nvSpPr>
+        <p:spPr>
+          <a:xfrm>
+            <a:off x="609599" y="609600"/>
+            <a:ext cx="6347713" cy="1320800"/>
+          </a:xfrm>
+        </p:spPr>
+        <p:txBody>
+          <a:bodyPr/>
+          <a:lstStyle>
+            <a:lvl1pPr>
+              <a:defRPr/>
+            </a:lvl1pPr>
+          </a:lstStyle>
+          <a:p>
+            <a:r>
+              <a:rPr lang="en-US" smtClean="0"/>
+              <a:t>Click to edit Master title style</a:t>
+            </a:r>
+            <a:endParaRPr lang="en-US" dirty="0"/>
+          </a:p>
+        </p:txBody>
+      </p:sp>
+      <p:sp>
+        <p:nvSpPr>
+          <p:cNvPr id="3" name="Text Placeholder 2"/>
+          <p:cNvSpPr>
+            <a:spLocks noGrp="1"/>
+          </p:cNvSpPr>
+          <p:nvPr>
+            <p:ph type="body" idx="1"/>
+          </p:nvPr>
+        </p:nvSpPr>
+        <p:spPr>
+          <a:xfrm>
+            <a:off x="609599" y="2160983"/>
+            <a:ext cx="3090672" cy="576262"/>
+          </a:xfrm>
+        </p:spPr>
+        <p:txBody>
+          <a:bodyPr anchor="b">
+            <a:noAutofit/>
+          </a:bodyPr>
+          <a:lstStyle>
+            <a:lvl1pPr marL="0" indent="0">
+              <a:buNone/>
+              <a:defRPr sz="2400" b="0"/>
+            </a:lvl1pPr>
+            <a:lvl2pPr marL="457200" indent="0">
+              <a:buNone/>
+              <a:defRPr sz="2000" b="1"/>
+            </a:lvl2pPr>
+            <a:lvl3pPr marL="914400" indent="0">
+              <a:buNone/>
+              <a:defRPr sz="1800" b="1"/>
+            </a:lvl3pPr>
+            <a:lvl4pPr marL="1371600" indent="0">
+              <a:buNone/>
+              <a:defRPr sz="1600" b="1"/>
+            </a:lvl4pPr>
+            <a:lvl5pPr marL="1828800" indent="0">
+              <a:buNone/>
+              <a:defRPr sz="1600" b="1"/>
+            </a:lvl5pPr>
+            <a:lvl6pPr marL="2286000" indent="0">
+              <a:buNone/>
+              <a:defRPr sz="1600" b="1"/>
+            </a:lvl6pPr>
+            <a:lvl7pPr marL="2743200" indent="0">
+              <a:buNone/>
+              <a:defRPr sz="1600" b="1"/>
+            </a:lvl7pPr>
+            <a:lvl8pPr marL="3200400" indent="0">
+              <a:buNone/>
+              <a:defRPr sz="1600" b="1"/>
+            </a:lvl8pPr>
+            <a:lvl9pPr marL="3657600" indent="0">
+              <a:buNone/>
+              <a:defRPr sz="1600" b="1"/>
+            </a:lvl9pPr>
+          </a:lstStyle>
+          <a:p>
+            <a:pPr lvl="0"/>
+            <a:r>
+              <a:rPr lang="en-US" smtClean="0"/>
+              <a:t>Edit Master text styles</a:t>
+            </a:r>
+          </a:p>
+        </p:txBody>
+      </p:sp>
+      <p:sp>
+        <p:nvSpPr>
+          <p:cNvPr id="4" name="Content Placeholder 3"/>
+          <p:cNvSpPr>
+            <a:spLocks noGrp="1"/>
+          </p:cNvSpPr>
+          <p:nvPr>
+            <p:ph sz="half" idx="2"/>
+          </p:nvPr>
+        </p:nvSpPr>
+        <p:spPr>
+          <a:xfrm>
+            <a:off x="609599" y="2737246"/>
+            <a:ext cx="3090672" cy="3304117"/>
+          </a:xfrm>
+        </p:spPr>
+        <p:txBody>
+          <a:bodyPr>
+            <a:normAutofit/>
+          </a:bodyPr>
+          <a:lstStyle/>
+          <a:p>
+            <a:pPr lvl="0"/>
+            <a:r>
+              <a:rPr lang="en-US" smtClean="0"/>
+              <a:t>Edit Master text styles</a:t>
+            </a:r>
+          </a:p>
+          <a:p>
+            <a:pPr lvl="1"/>
+            <a:r>
+              <a:rPr lang="en-US" smtClean="0"/>
+              <a:t>Second level</a:t>
+            </a:r>
+          </a:p>
+          <a:p>
+            <a:pPr lvl="2"/>
+            <a:r>
+              <a:rPr lang="en-US" smtClean="0"/>
+              <a:t>Third level</a:t>
+            </a:r>
+          </a:p>
+          <a:p>
+            <a:pPr lvl="3"/>
+            <a:r>
+              <a:rPr lang="en-US" smtClean="0"/>
+              <a:t>Fourth level</a:t>
+            </a:r>
+          </a:p>
+          <a:p>
+            <a:pPr lvl="4"/>
+            <a:r>
+              <a:rPr lang="en-US" smtClean="0"/>
+              <a:t>Fifth level</a:t>
+            </a:r>
+            <a:endParaRPr lang="en-US" dirty="0"/>
+          </a:p>
+        </p:txBody>
+      </p:sp>
+      <p:sp>
+        <p:nvSpPr>
+          <p:cNvPr id="5" name="Text Placeholder 4"/>
+          <p:cNvSpPr>
+            <a:spLocks noGrp="1"/>
+          </p:cNvSpPr>
+          <p:nvPr>
+            <p:ph type="body" sz="quarter" idx="3"/>
+          </p:nvPr>
+        </p:nvSpPr>
+        <p:spPr>
+          <a:xfrm>
+            <a:off x="3866640" y="2160983"/>
+            <a:ext cx="3090672" cy="576262"/>
+          </a:xfrm>
+        </p:spPr>
+        <p:txBody>
+          <a:bodyPr anchor="b">
+            <a:noAutofit/>
+          </a:bodyPr>
+          <a:lstStyle>
+            <a:lvl1pPr marL="0" indent="0">
+              <a:buNone/>
+              <a:defRPr sz="2400" b="0"/>
+            </a:lvl1pPr>
+            <a:lvl2pPr marL="457200" indent="0">
+              <a:buNone/>
+              <a:defRPr sz="2000" b="1"/>
+            </a:lvl2pPr>
+            <a:lvl3pPr marL="914400" indent="0">
+              <a:buNone/>
+              <a:defRPr sz="1800" b="1"/>
+            </a:lvl3pPr>
+            <a:lvl4pPr marL="1371600" indent="0">
+              <a:buNone/>
+              <a:defRPr sz="1600" b="1"/>
+            </a:lvl4pPr>
+            <a:lvl5pPr marL="1828800" indent="0">
+              <a:buNone/>
+              <a:defRPr sz="1600" b="1"/>
+            </a:lvl5pPr>
+            <a:lvl6pPr marL="2286000" indent="0">
+              <a:buNone/>
+              <a:defRPr sz="1600" b="1"/>
+            </a:lvl6pPr>
+            <a:lvl7pPr marL="2743200" indent="0">
+              <a:buNone/>
+              <a:defRPr sz="1600" b="1"/>
+            </a:lvl7pPr>
+            <a:lvl8pPr marL="3200400" indent="0">
+              <a:buNone/>
+              <a:defRPr sz="1600" b="1"/>
+            </a:lvl8pPr>
+            <a:lvl9pPr marL="3657600" indent="0">
+              <a:buNone/>
+              <a:defRPr sz="1600" b="1"/>
+            </a:lvl9pPr>
+          </a:lstStyle>
+          <a:p>
+            <a:pPr lvl="0"/>
+            <a:r>
+              <a:rPr lang="en-US" smtClean="0"/>
+              <a:t>Edit Master text styles</a:t>
+            </a:r>
+          </a:p>
+        </p:txBody>
+      </p:sp>
+      <p:sp>
+        <p:nvSpPr>
+          <p:cNvPr id="6" name="Content Placeholder 5"/>
+          <p:cNvSpPr>
+            <a:spLocks noGrp="1"/>
+          </p:cNvSpPr>
+          <p:nvPr>
+            <p:ph sz="quarter" idx="4"/>
+          </p:nvPr>
+        </p:nvSpPr>
+        <p:spPr>
+          <a:xfrm>
+            <a:off x="3866640" y="2737246"/>
+            <a:ext cx="3090672" cy="3304117"/>
+          </a:xfrm>
+        </p:spPr>
+        <p:txBody>
+          <a:bodyPr>
+            <a:normAutofit/>
+          </a:bodyPr>
+          <a:lstStyle/>
+          <a:p>
+            <a:pPr lvl="0"/>
+            <a:r>
+              <a:rPr lang="en-US" smtClean="0"/>
+              <a:t>Edit Master text styles</a:t>
+            </a:r>
+          </a:p>
+          <a:p>
+            <a:pPr lvl="1"/>
+            <a:r>
+              <a:rPr lang="en-US" smtClean="0"/>
+              <a:t>Second level</a:t>
+            </a:r>
+          </a:p>
+          <a:p>
+            <a:pPr lvl="2"/>
+            <a:r>
+              <a:rPr lang="en-US" smtClean="0"/>
+              <a:t>Third level</a:t>
+            </a:r>
+          </a:p>
+          <a:p>
+            <a:pPr lvl="3"/>
+            <a:r>
+              <a:rPr lang="en-US" smtClean="0"/>
+              <a:t>Fourth level</a:t>
+            </a:r>
+          </a:p>
+          <a:p>
+            <a:pPr lvl="4"/>
+            <a:r>
+              <a:rPr lang="en-US" smtClean="0"/>
+              <a:t>Fifth level</a:t>
+            </a:r>
+            <a:endParaRPr lang="en-US" dirty="0"/>
+          </a:p>
+        </p:txBody>
+      </p:sp>
+      <p:sp>
+        <p:nvSpPr>
+          <p:cNvPr id="7" name="Date Placeholder 6"/>
+          <p:cNvSpPr>
+            <a:spLocks noGrp="1"/>
+          </p:cNvSpPr>
+          <p:nvPr>
+            <p:ph type="dt" sz="half" idx="10"/>
+          </p:nvPr>
+        </p:nvSpPr>
+        <p:spPr/>
+        <p:txBody>
+          <a:bodyPr/>
+          <a:lstStyle/>
+          <a:p>
+            <a:fld id="{BA6EFB0A-BEF4-4384-B5CA-BA492AB9664D}" type="datetimeFigureOut">
+              <a:rPr lang="en-US" smtClean="0"/>
+              <a:t>1/23/2018</a:t>
+            </a:fld>
+            <a:endParaRPr lang="en-US"/>
+          </a:p>
+        </p:txBody>
+      </p:sp>
+      <p:sp>
+        <p:nvSpPr>
+          <p:cNvPr id="8" name="Footer Placeholder 7"/>
+          <p:cNvSpPr>
+            <a:spLocks noGrp="1"/>
+          </p:cNvSpPr>
+          <p:nvPr>
+            <p:ph type="ftr" sz="quarter" idx="11"/>
+          </p:nvPr>
+        </p:nvSpPr>
+        <p:spPr/>
+        <p:txBody>
+          <a:bodyPr/>
+          <a:lstStyle/>
+          <a:p>
+            <a:endParaRPr lang="en-US"/>
+          </a:p>
+        </p:txBody>
+      </p:sp>
+      <p:sp>
+        <p:nvSpPr>
+          <p:cNvPr id="9" name="Slide Number Placeholder 8"/>
+          <p:cNvSpPr>
+            <a:spLocks noGrp="1"/>
+          </p:cNvSpPr>
+          <p:nvPr>
+            <p:ph type="sldNum" sz="quarter" idx="12"/>
+          </p:nvPr>
+        </p:nvSpPr>
+        <p:spPr/>
+        <p:txBody>
+          <a:bodyPr/>
+          <a:lstStyle/>
+          <a:p>
+            <a:fld id="{0D6FE52A-2E62-43EA-999B-880FF948600C}" type="slidenum">
+              <a:rPr lang="en-US" smtClean="0"/>
+              <a:t>‹#›</a:t>
+            </a:fld>
+            <a:endParaRPr lang="en-US"/>
+          </a:p>
+        </p:txBody>
+      </p:sp>
+    </p:spTree>
+    <p:extLst>
+      <p:ext uri="{BB962C8B-B14F-4D97-AF65-F5344CB8AC3E}">
+        <p14:creationId xmlns:p14="http://schemas.microsoft.com/office/powerpoint/2010/main" val="3648120697"/>
+      </p:ext>
+    </p:extLst>
+  </p:cSld>
+  <p:clrMapOvr>
+    <a:masterClrMapping/>
+  </p:clrMapOvr>
+</p:sldLayout>
+</file>
+
+<file path=ppt/slideLayouts/slideLayout6.xml><?xml version="1.0" encoding="utf-8"?>
+<p:sldLayout xmlns:a="http://schemas.openxmlformats.org/drawingml/2006/main" xmlns:r="http://schemas.openxmlformats.org/officeDocument/2006/relationships" xmlns:p="http://schemas.openxmlformats.org/presentationml/2006/main" type="titleOnly" preserve="1">
+  <p:cSld name="Title Only">
+    <p:spTree>
+      <p:nvGrpSpPr>
+        <p:cNvPr id="1" name=""/>
+        <p:cNvGrpSpPr/>
+        <p:nvPr/>
+      </p:nvGrpSpPr>
+      <p:grpSpPr>
+        <a:xfrm>
+          <a:off x="0" y="0"/>
+          <a:ext cx="0" cy="0"/>
+          <a:chOff x="0" y="0"/>
+          <a:chExt cx="0" cy="0"/>
+        </a:xfrm>
+      </p:grpSpPr>
+      <p:sp>
+        <p:nvSpPr>
+          <p:cNvPr id="2" name="Title 1"/>
+          <p:cNvSpPr>
+            <a:spLocks noGrp="1"/>
+          </p:cNvSpPr>
+          <p:nvPr>
+            <p:ph type="title"/>
+          </p:nvPr>
+        </p:nvSpPr>
+        <p:spPr>
+          <a:xfrm>
+            <a:off x="609599" y="609600"/>
+            <a:ext cx="6347714" cy="1320800"/>
+          </a:xfrm>
+        </p:spPr>
+        <p:txBody>
+          <a:bodyPr/>
+          <a:lstStyle/>
+          <a:p>
+            <a:r>
+              <a:rPr lang="en-US" smtClean="0"/>
+              <a:t>Click to edit Master title style</a:t>
+            </a:r>
+            <a:endParaRPr lang="en-US" dirty="0"/>
+          </a:p>
+        </p:txBody>
+      </p:sp>
+      <p:sp>
+        <p:nvSpPr>
+          <p:cNvPr id="3" name="Date Placeholder 2"/>
+          <p:cNvSpPr>
+            <a:spLocks noGrp="1"/>
+          </p:cNvSpPr>
+          <p:nvPr>
+            <p:ph type="dt" sz="half" idx="10"/>
+          </p:nvPr>
+        </p:nvSpPr>
+        <p:spPr/>
+        <p:txBody>
+          <a:bodyPr/>
+          <a:lstStyle/>
+          <a:p>
+            <a:fld id="{BA6EFB0A-BEF4-4384-B5CA-BA492AB9664D}" type="datetimeFigureOut">
+              <a:rPr lang="en-US" smtClean="0"/>
+              <a:t>1/23/2018</a:t>
+            </a:fld>
+            <a:endParaRPr lang="en-US"/>
+          </a:p>
+        </p:txBody>
+      </p:sp>
+      <p:sp>
+        <p:nvSpPr>
+          <p:cNvPr id="4" name="Footer Placeholder 3"/>
+          <p:cNvSpPr>
+            <a:spLocks noGrp="1"/>
+          </p:cNvSpPr>
+          <p:nvPr>
+            <p:ph type="ftr" sz="quarter" idx="11"/>
+          </p:nvPr>
+        </p:nvSpPr>
+        <p:spPr/>
+        <p:txBody>
+          <a:bodyPr/>
+          <a:lstStyle/>
+          <a:p>
+            <a:endParaRPr lang="en-US"/>
+          </a:p>
+        </p:txBody>
+      </p:sp>
+      <p:sp>
+        <p:nvSpPr>
+          <p:cNvPr id="5" name="Slide Number Placeholder 4"/>
+          <p:cNvSpPr>
+            <a:spLocks noGrp="1"/>
+          </p:cNvSpPr>
+          <p:nvPr>
+            <p:ph type="sldNum" sz="quarter" idx="12"/>
+          </p:nvPr>
+        </p:nvSpPr>
+        <p:spPr/>
+        <p:txBody>
+          <a:bodyPr/>
+          <a:lstStyle/>
+          <a:p>
+            <a:fld id="{0D6FE52A-2E62-43EA-999B-880FF948600C}" type="slidenum">
+              <a:rPr lang="en-US" smtClean="0"/>
+              <a:t>‹#›</a:t>
+            </a:fld>
+            <a:endParaRPr lang="en-US"/>
+          </a:p>
+        </p:txBody>
+      </p:sp>
+    </p:spTree>
+    <p:extLst>
+      <p:ext uri="{BB962C8B-B14F-4D97-AF65-F5344CB8AC3E}">
+        <p14:creationId xmlns:p14="http://schemas.microsoft.com/office/powerpoint/2010/main" val="1488622188"/>
+      </p:ext>
+    </p:extLst>
+  </p:cSld>
+  <p:clrMapOvr>
+    <a:masterClrMapping/>
+  </p:clrMapOvr>
+</p:sldLayout>
+</file>
+
+<file path=ppt/slideLayouts/slideLayout7.xml><?xml version="1.0" encoding="utf-8"?>
+<p:sldLayout xmlns:a="http://schemas.openxmlformats.org/drawingml/2006/main" xmlns:r="http://schemas.openxmlformats.org/officeDocument/2006/relationships" xmlns:p="http://schemas.openxmlformats.org/presentationml/2006/main" type="blank" preserve="1">
+  <p:cSld name="Blank">
+    <p:spTree>
+      <p:nvGrpSpPr>
+        <p:cNvPr id="1" name=""/>
+        <p:cNvGrpSpPr/>
+        <p:nvPr/>
+      </p:nvGrpSpPr>
+      <p:grpSpPr>
+        <a:xfrm>
+          <a:off x="0" y="0"/>
+          <a:ext cx="0" cy="0"/>
+          <a:chOff x="0" y="0"/>
+          <a:chExt cx="0" cy="0"/>
+        </a:xfrm>
+      </p:grpSpPr>
+      <p:sp>
+        <p:nvSpPr>
+          <p:cNvPr id="2" name="Date Placeholder 1"/>
+          <p:cNvSpPr>
+            <a:spLocks noGrp="1"/>
+          </p:cNvSpPr>
+          <p:nvPr>
+            <p:ph type="dt" sz="half" idx="10"/>
+          </p:nvPr>
+        </p:nvSpPr>
+        <p:spPr/>
+        <p:txBody>
+          <a:bodyPr/>
+          <a:lstStyle/>
+          <a:p>
+            <a:fld id="{BA6EFB0A-BEF4-4384-B5CA-BA492AB9664D}" type="datetimeFigureOut">
+              <a:rPr lang="en-US" smtClean="0"/>
+              <a:t>1/23/2018</a:t>
+            </a:fld>
+            <a:endParaRPr lang="en-US"/>
+          </a:p>
+        </p:txBody>
+      </p:sp>
+      <p:sp>
+        <p:nvSpPr>
+          <p:cNvPr id="3" name="Footer Placeholder 2"/>
+          <p:cNvSpPr>
+            <a:spLocks noGrp="1"/>
+          </p:cNvSpPr>
+          <p:nvPr>
+            <p:ph type="ftr" sz="quarter" idx="11"/>
+          </p:nvPr>
+        </p:nvSpPr>
+        <p:spPr/>
+        <p:txBody>
+          <a:bodyPr/>
+          <a:lstStyle/>
+          <a:p>
+            <a:endParaRPr lang="en-US"/>
+          </a:p>
+        </p:txBody>
+      </p:sp>
+      <p:sp>
+        <p:nvSpPr>
+          <p:cNvPr id="4" name="Slide Number Placeholder 3"/>
+          <p:cNvSpPr>
+            <a:spLocks noGrp="1"/>
+          </p:cNvSpPr>
+          <p:nvPr>
+            <p:ph type="sldNum" sz="quarter" idx="12"/>
+          </p:nvPr>
+        </p:nvSpPr>
+        <p:spPr/>
+        <p:txBody>
+          <a:bodyPr/>
+          <a:lstStyle/>
+          <a:p>
+            <a:fld id="{0D6FE52A-2E62-43EA-999B-880FF948600C}" type="slidenum">
+              <a:rPr lang="en-US" smtClean="0"/>
+              <a:t>‹#›</a:t>
+            </a:fld>
+            <a:endParaRPr lang="en-US"/>
+          </a:p>
+        </p:txBody>
+      </p:sp>
+    </p:spTree>
+    <p:extLst>
+      <p:ext uri="{BB962C8B-B14F-4D97-AF65-F5344CB8AC3E}">
+        <p14:creationId xmlns:p14="http://schemas.microsoft.com/office/powerpoint/2010/main" val="3042801813"/>
+      </p:ext>
+    </p:extLst>
+  </p:cSld>
+  <p:clrMapOvr>
+    <a:masterClrMapping/>
+  </p:clrMapOvr>
+</p:sldLayout>
+</file>
+
+<file path=ppt/slideLayouts/slideLayout8.xml><?xml version="1.0" encoding="utf-8"?>
+<p:sldLayout xmlns:a="http://schemas.openxmlformats.org/drawingml/2006/main" xmlns:r="http://schemas.openxmlformats.org/officeDocument/2006/relationships" xmlns:p="http://schemas.openxmlformats.org/presentationml/2006/main" type="objTx" preserve="1">
+  <p:cSld name="Content with Caption">
+    <p:spTree>
+      <p:nvGrpSpPr>
+        <p:cNvPr id="1" name=""/>
+        <p:cNvGrpSpPr/>
+        <p:nvPr/>
+      </p:nvGrpSpPr>
+      <p:grpSpPr>
+        <a:xfrm>
+          <a:off x="0" y="0"/>
+          <a:ext cx="0" cy="0"/>
+          <a:chOff x="0" y="0"/>
+          <a:chExt cx="0" cy="0"/>
+        </a:xfrm>
+      </p:grpSpPr>
+      <p:sp>
+        <p:nvSpPr>
+          <p:cNvPr id="2" name="Title 1"/>
+          <p:cNvSpPr>
+            <a:spLocks noGrp="1"/>
+          </p:cNvSpPr>
+          <p:nvPr>
+            <p:ph type="title"/>
+          </p:nvPr>
+        </p:nvSpPr>
+        <p:spPr>
+          <a:xfrm>
+            <a:off x="609599" y="1498604"/>
+            <a:ext cx="2790182" cy="1278466"/>
+          </a:xfrm>
+        </p:spPr>
+        <p:txBody>
+          <a:bodyPr anchor="b">
+            <a:normAutofit/>
+          </a:bodyPr>
+          <a:lstStyle>
+            <a:lvl1pPr>
+              <a:defRPr sz="2000"/>
+            </a:lvl1pPr>
+          </a:lstStyle>
+          <a:p>
+            <a:r>
+              <a:rPr lang="en-US" smtClean="0"/>
+              <a:t>Click to edit Master title style</a:t>
+            </a:r>
+            <a:endParaRPr lang="en-US" dirty="0"/>
+          </a:p>
+        </p:txBody>
+      </p:sp>
+      <p:sp>
+        <p:nvSpPr>
+          <p:cNvPr id="3" name="Content Placeholder 2"/>
+          <p:cNvSpPr>
+            <a:spLocks noGrp="1"/>
+          </p:cNvSpPr>
+          <p:nvPr>
+            <p:ph idx="1"/>
+          </p:nvPr>
+        </p:nvSpPr>
+        <p:spPr>
+          <a:xfrm>
+            <a:off x="3571275" y="514925"/>
+            <a:ext cx="3386037" cy="5526437"/>
+          </a:xfrm>
+        </p:spPr>
+        <p:txBody>
+          <a:bodyPr>
+            <a:normAutofit/>
+          </a:bodyPr>
+          <a:lstStyle/>
+          <a:p>
+            <a:pPr lvl="0"/>
+            <a:r>
+              <a:rPr lang="en-US" smtClean="0"/>
+              <a:t>Edit Master text styles</a:t>
+            </a:r>
+          </a:p>
+          <a:p>
+            <a:pPr lvl="1"/>
+            <a:r>
+              <a:rPr lang="en-US" smtClean="0"/>
+              <a:t>Second level</a:t>
+            </a:r>
+          </a:p>
+          <a:p>
+            <a:pPr lvl="2"/>
+            <a:r>
+              <a:rPr lang="en-US" smtClean="0"/>
+              <a:t>Third level</a:t>
+            </a:r>
+          </a:p>
+          <a:p>
+            <a:pPr lvl="3"/>
+            <a:r>
+              <a:rPr lang="en-US" smtClean="0"/>
+              <a:t>Fourth level</a:t>
+            </a:r>
+          </a:p>
+          <a:p>
+            <a:pPr lvl="4"/>
+            <a:r>
+              <a:rPr lang="en-US" smtClean="0"/>
+              <a:t>Fifth level</a:t>
+            </a:r>
+            <a:endParaRPr lang="en-US" dirty="0"/>
+          </a:p>
+        </p:txBody>
+      </p:sp>
+      <p:sp>
+        <p:nvSpPr>
+          <p:cNvPr id="4" name="Text Placeholder 3"/>
+          <p:cNvSpPr>
+            <a:spLocks noGrp="1"/>
+          </p:cNvSpPr>
+          <p:nvPr>
+            <p:ph type="body" sz="half" idx="2"/>
+          </p:nvPr>
+        </p:nvSpPr>
+        <p:spPr>
+          <a:xfrm>
+            <a:off x="609599" y="2777069"/>
+            <a:ext cx="2790182" cy="2584449"/>
+          </a:xfrm>
+        </p:spPr>
+        <p:txBody>
+          <a:bodyPr>
+            <a:normAutofit/>
+          </a:bodyPr>
+          <a:lstStyle>
+            <a:lvl1pPr marL="0" indent="0">
+              <a:buNone/>
+              <a:defRPr sz="1400"/>
+            </a:lvl1pPr>
+            <a:lvl2pPr marL="342900" indent="0">
+              <a:buNone/>
+              <a:defRPr sz="1050"/>
+            </a:lvl2pPr>
+            <a:lvl3pPr marL="685800" indent="0">
+              <a:buNone/>
+              <a:defRPr sz="900"/>
+            </a:lvl3pPr>
+            <a:lvl4pPr marL="1028700" indent="0">
+              <a:buNone/>
+              <a:defRPr sz="750"/>
+            </a:lvl4pPr>
+            <a:lvl5pPr marL="1371600" indent="0">
+              <a:buNone/>
+              <a:defRPr sz="750"/>
+            </a:lvl5pPr>
+            <a:lvl6pPr marL="1714500" indent="0">
+              <a:buNone/>
+              <a:defRPr sz="750"/>
+            </a:lvl6pPr>
+            <a:lvl7pPr marL="2057400" indent="0">
+              <a:buNone/>
+              <a:defRPr sz="750"/>
+            </a:lvl7pPr>
+            <a:lvl8pPr marL="2400300" indent="0">
+              <a:buNone/>
+              <a:defRPr sz="750"/>
+            </a:lvl8pPr>
+            <a:lvl9pPr marL="2743200" indent="0">
+              <a:buNone/>
+              <a:defRPr sz="750"/>
+            </a:lvl9pPr>
+          </a:lstStyle>
+          <a:p>
+            <a:pPr lvl="0"/>
+            <a:r>
+              <a:rPr lang="en-US" smtClean="0"/>
+              <a:t>Edit Master text styles</a:t>
+            </a:r>
+          </a:p>
+        </p:txBody>
+      </p:sp>
+      <p:sp>
+        <p:nvSpPr>
+          <p:cNvPr id="5" name="Date Placeholder 4"/>
+          <p:cNvSpPr>
+            <a:spLocks noGrp="1"/>
+          </p:cNvSpPr>
+          <p:nvPr>
+            <p:ph type="dt" sz="half" idx="10"/>
+          </p:nvPr>
+        </p:nvSpPr>
+        <p:spPr/>
+        <p:txBody>
+          <a:bodyPr/>
+          <a:lstStyle/>
+          <a:p>
+            <a:fld id="{BA6EFB0A-BEF4-4384-B5CA-BA492AB9664D}" type="datetimeFigureOut">
+              <a:rPr lang="en-US" smtClean="0"/>
+              <a:t>1/23/2018</a:t>
+            </a:fld>
+            <a:endParaRPr lang="en-US"/>
+          </a:p>
+        </p:txBody>
+      </p:sp>
+      <p:sp>
+        <p:nvSpPr>
+          <p:cNvPr id="6" name="Footer Placeholder 5"/>
+          <p:cNvSpPr>
+            <a:spLocks noGrp="1"/>
+          </p:cNvSpPr>
+          <p:nvPr>
+            <p:ph type="ftr" sz="quarter" idx="11"/>
+          </p:nvPr>
+        </p:nvSpPr>
+        <p:spPr/>
+        <p:txBody>
+          <a:bodyPr/>
+          <a:lstStyle/>
+          <a:p>
+            <a:endParaRPr lang="en-US"/>
+          </a:p>
+        </p:txBody>
+      </p:sp>
+      <p:sp>
+        <p:nvSpPr>
+          <p:cNvPr id="7" name="Slide Number Placeholder 6"/>
+          <p:cNvSpPr>
+            <a:spLocks noGrp="1"/>
+          </p:cNvSpPr>
+          <p:nvPr>
+            <p:ph type="sldNum" sz="quarter" idx="12"/>
+          </p:nvPr>
+        </p:nvSpPr>
+        <p:spPr/>
+        <p:txBody>
+          <a:bodyPr/>
+          <a:lstStyle/>
+          <a:p>
+            <a:fld id="{0D6FE52A-2E62-43EA-999B-880FF948600C}" type="slidenum">
+              <a:rPr lang="en-US" smtClean="0"/>
+              <a:t>‹#›</a:t>
+            </a:fld>
+            <a:endParaRPr lang="en-US"/>
+          </a:p>
+        </p:txBody>
+      </p:sp>
+    </p:spTree>
+    <p:extLst>
+      <p:ext uri="{BB962C8B-B14F-4D97-AF65-F5344CB8AC3E}">
+        <p14:creationId xmlns:p14="http://schemas.microsoft.com/office/powerpoint/2010/main" val="719607164"/>
+      </p:ext>
+    </p:extLst>
+  </p:cSld>
+  <p:clrMapOvr>
+    <a:masterClrMapping/>
+  </p:clrMapOvr>
+</p:sldLayout>
+</file>
+
+<file path=ppt/slideLayouts/slideLayout9.xml><?xml version="1.0" encoding="utf-8"?>
+<p:sldLayout xmlns:a="http://schemas.openxmlformats.org/drawingml/2006/main" xmlns:r="http://schemas.openxmlformats.org/officeDocument/2006/relationships" xmlns:p="http://schemas.openxmlformats.org/presentationml/2006/main" type="picTx" preserve="1">
+  <p:cSld name="Picture with Caption">
+    <p:spTree>
+      <p:nvGrpSpPr>
+        <p:cNvPr id="1" name=""/>
+        <p:cNvGrpSpPr/>
+        <p:nvPr/>
+      </p:nvGrpSpPr>
+      <p:grpSpPr>
+        <a:xfrm>
+          <a:off x="0" y="0"/>
+          <a:ext cx="0" cy="0"/>
+          <a:chOff x="0" y="0"/>
+          <a:chExt cx="0" cy="0"/>
+        </a:xfrm>
+      </p:grpSpPr>
+      <p:sp>
+        <p:nvSpPr>
+          <p:cNvPr id="2" name="Title 1"/>
+          <p:cNvSpPr>
+            <a:spLocks noGrp="1"/>
+          </p:cNvSpPr>
+          <p:nvPr>
+            <p:ph type="title"/>
+          </p:nvPr>
+        </p:nvSpPr>
+        <p:spPr>
+          <a:xfrm>
+            <a:off x="609599" y="4800600"/>
+            <a:ext cx="6347714" cy="566738"/>
+          </a:xfrm>
+        </p:spPr>
+        <p:txBody>
+          <a:bodyPr anchor="b">
+            <a:normAutofit/>
+          </a:bodyPr>
+          <a:lstStyle>
+            <a:lvl1pPr algn="l">
+              <a:defRPr sz="2400" b="0"/>
+            </a:lvl1pPr>
+          </a:lstStyle>
+          <a:p>
+            <a:r>
+              <a:rPr lang="en-US" smtClean="0"/>
+              <a:t>Click to edit Master title style</a:t>
+            </a:r>
+            <a:endParaRPr lang="en-US" dirty="0"/>
+          </a:p>
+        </p:txBody>
+      </p:sp>
+      <p:sp>
+        <p:nvSpPr>
+          <p:cNvPr id="3" name="Picture Placeholder 2"/>
+          <p:cNvSpPr>
+            <a:spLocks noGrp="1" noChangeAspect="1"/>
+          </p:cNvSpPr>
+          <p:nvPr>
+            <p:ph type="pic" idx="1"/>
+          </p:nvPr>
+        </p:nvSpPr>
+        <p:spPr>
+          <a:xfrm>
+            <a:off x="609599" y="609600"/>
+            <a:ext cx="6347714" cy="3845718"/>
+          </a:xfrm>
+        </p:spPr>
+        <p:txBody>
+          <a:bodyPr anchor="t">
+            <a:normAutofit/>
+          </a:bodyPr>
+          <a:lstStyle>
+            <a:lvl1pPr marL="0" indent="0" algn="ctr">
+              <a:buNone/>
+              <a:defRPr sz="1600"/>
+            </a:lvl1pPr>
+            <a:lvl2pPr marL="457200" indent="0">
+              <a:buNone/>
+              <a:defRPr sz="1600"/>
+            </a:lvl2pPr>
+            <a:lvl3pPr marL="914400" indent="0">
+              <a:buNone/>
+              <a:defRPr sz="1600"/>
+            </a:lvl3pPr>
+            <a:lvl4pPr marL="1371600" indent="0">
+              <a:buNone/>
+              <a:defRPr sz="1600"/>
+            </a:lvl4pPr>
+            <a:lvl5pPr marL="1828800" indent="0">
+              <a:buNone/>
+              <a:defRPr sz="1600"/>
+            </a:lvl5pPr>
+            <a:lvl6pPr marL="2286000" indent="0">
+              <a:buNone/>
+              <a:defRPr sz="1600"/>
+            </a:lvl6pPr>
+            <a:lvl7pPr marL="2743200" indent="0">
+              <a:buNone/>
+              <a:defRPr sz="1600"/>
+            </a:lvl7pPr>
+            <a:lvl8pPr marL="3200400" indent="0">
+              <a:buNone/>
+              <a:defRPr sz="1600"/>
+            </a:lvl8pPr>
+            <a:lvl9pPr marL="3657600" indent="0">
+              <a:buNone/>
+              <a:defRPr sz="1600"/>
+            </a:lvl9pPr>
+          </a:lstStyle>
+          <a:p>
+            <a:r>
+              <a:rPr lang="en-US" smtClean="0"/>
+              <a:t>Click icon to add picture</a:t>
+            </a:r>
+            <a:endParaRPr lang="en-US" dirty="0"/>
+          </a:p>
+        </p:txBody>
+      </p:sp>
+      <p:sp>
+        <p:nvSpPr>
+          <p:cNvPr id="4" name="Text Placeholder 3"/>
+          <p:cNvSpPr>
+            <a:spLocks noGrp="1"/>
+          </p:cNvSpPr>
+          <p:nvPr>
+            <p:ph type="body" sz="half" idx="2"/>
+          </p:nvPr>
+        </p:nvSpPr>
+        <p:spPr>
+          <a:xfrm>
+            <a:off x="609599" y="5367338"/>
+            <a:ext cx="6347714" cy="674024"/>
+          </a:xfrm>
+        </p:spPr>
+        <p:txBody>
+          <a:bodyPr>
+            <a:normAutofit/>
+          </a:bodyPr>
+          <a:lstStyle>
+            <a:lvl1pPr marL="0" indent="0">
+              <a:buNone/>
+              <a:defRPr sz="1200"/>
+            </a:lvl1pPr>
+            <a:lvl2pPr marL="457200" indent="0">
+              <a:buNone/>
+              <a:defRPr sz="1200"/>
+            </a:lvl2pPr>
+            <a:lvl3pPr marL="914400" indent="0">
+              <a:buNone/>
+              <a:defRPr sz="1000"/>
+            </a:lvl3pPr>
+            <a:lvl4pPr marL="1371600" indent="0">
+              <a:buNone/>
+              <a:defRPr sz="900"/>
+            </a:lvl4pPr>
+            <a:lvl5pPr marL="1828800" indent="0">
+              <a:buNone/>
+              <a:defRPr sz="900"/>
+            </a:lvl5pPr>
+            <a:lvl6pPr marL="2286000" indent="0">
+              <a:buNone/>
+              <a:defRPr sz="900"/>
+            </a:lvl6pPr>
+            <a:lvl7pPr marL="2743200" indent="0">
+              <a:buNone/>
+              <a:defRPr sz="900"/>
+            </a:lvl7pPr>
+            <a:lvl8pPr marL="3200400" indent="0">
+              <a:buNone/>
+              <a:defRPr sz="900"/>
+            </a:lvl8pPr>
+            <a:lvl9pPr marL="3657600" indent="0">
+              <a:buNone/>
+              <a:defRPr sz="900"/>
+            </a:lvl9pPr>
+          </a:lstStyle>
+          <a:p>
+            <a:pPr lvl="0"/>
+            <a:r>
+              <a:rPr lang="en-US" smtClean="0"/>
+              <a:t>Edit Master text styles</a:t>
+            </a:r>
+          </a:p>
+        </p:txBody>
+      </p:sp>
+      <p:sp>
+        <p:nvSpPr>
+          <p:cNvPr id="5" name="Date Placeholder 4"/>
+          <p:cNvSpPr>
+            <a:spLocks noGrp="1"/>
+          </p:cNvSpPr>
+          <p:nvPr>
+            <p:ph type="dt" sz="half" idx="10"/>
+          </p:nvPr>
+        </p:nvSpPr>
+        <p:spPr/>
+        <p:txBody>
+          <a:bodyPr/>
+          <a:lstStyle/>
+          <a:p>
+            <a:fld id="{BA6EFB0A-BEF4-4384-B5CA-BA492AB9664D}" type="datetimeFigureOut">
+              <a:rPr lang="en-US" smtClean="0"/>
+              <a:t>1/23/2018</a:t>
+            </a:fld>
+            <a:endParaRPr lang="en-US"/>
+          </a:p>
+        </p:txBody>
+      </p:sp>
+      <p:sp>
+        <p:nvSpPr>
+          <p:cNvPr id="6" name="Footer Placeholder 5"/>
+          <p:cNvSpPr>
+            <a:spLocks noGrp="1"/>
+          </p:cNvSpPr>
+          <p:nvPr>
+            <p:ph type="ftr" sz="quarter" idx="11"/>
+          </p:nvPr>
+        </p:nvSpPr>
+        <p:spPr/>
+        <p:txBody>
+          <a:bodyPr/>
+          <a:lstStyle/>
+          <a:p>
+            <a:endParaRPr lang="en-US"/>
+          </a:p>
+        </p:txBody>
+      </p:sp>
+      <p:sp>
+        <p:nvSpPr>
+          <p:cNvPr id="7" name="Slide Number Placeholder 6"/>
+          <p:cNvSpPr>
+            <a:spLocks noGrp="1"/>
+          </p:cNvSpPr>
+          <p:nvPr>
+            <p:ph type="sldNum" sz="quarter" idx="12"/>
+          </p:nvPr>
+        </p:nvSpPr>
+        <p:spPr/>
+        <p:txBody>
+          <a:bodyPr/>
+          <a:lstStyle/>
+          <a:p>
+            <a:fld id="{0D6FE52A-2E62-43EA-999B-880FF948600C}" type="slidenum">
+              <a:rPr lang="en-US" smtClean="0"/>
+              <a:t>‹#›</a:t>
+            </a:fld>
+            <a:endParaRPr lang="en-US"/>
+          </a:p>
+        </p:txBody>
+      </p:sp>
+    </p:spTree>
+    <p:extLst>
+      <p:ext uri="{BB962C8B-B14F-4D97-AF65-F5344CB8AC3E}">
+        <p14:creationId xmlns:p14="http://schemas.microsoft.com/office/powerpoint/2010/main" val="1292147594"/>
       </p:ext>
     </p:extLst>
   </p:cSld>
@@ -3444,9 +5889,610 @@
           <a:chExt cx="0" cy="0"/>
         </a:xfrm>
       </p:grpSpPr>
-      <p:sp>
-        <p:nvSpPr>
-          <p:cNvPr id="2" name="Ograda naslova 1"/>
+      <p:grpSp>
+        <p:nvGrpSpPr>
+          <p:cNvPr id="17" name="Group 16"/>
+          <p:cNvGrpSpPr/>
+          <p:nvPr/>
+        </p:nvGrpSpPr>
+        <p:grpSpPr>
+          <a:xfrm>
+            <a:off x="-8467" y="-8468"/>
+            <a:ext cx="9169805" cy="6874935"/>
+            <a:chOff x="-8467" y="-8468"/>
+            <a:chExt cx="9169805" cy="6874935"/>
+          </a:xfrm>
+        </p:grpSpPr>
+        <p:sp>
+          <p:nvSpPr>
+            <p:cNvPr id="7" name="Freeform 6"/>
+            <p:cNvSpPr/>
+            <p:nvPr/>
+          </p:nvSpPr>
+          <p:spPr>
+            <a:xfrm>
+              <a:off x="-8467" y="4013200"/>
+              <a:ext cx="457200" cy="2853267"/>
+            </a:xfrm>
+            <a:custGeom>
+              <a:avLst/>
+              <a:gdLst/>
+              <a:ahLst/>
+              <a:cxnLst/>
+              <a:rect l="l" t="t" r="r" b="b"/>
+              <a:pathLst>
+                <a:path w="457200" h="2853267">
+                  <a:moveTo>
+                    <a:pt x="0" y="0"/>
+                  </a:moveTo>
+                  <a:lnTo>
+                    <a:pt x="457200" y="2853267"/>
+                  </a:lnTo>
+                  <a:lnTo>
+                    <a:pt x="0" y="2844800"/>
+                  </a:lnTo>
+                  <a:cubicBezTo>
+                    <a:pt x="2822" y="1905000"/>
+                    <a:pt x="5645" y="965200"/>
+                    <a:pt x="0" y="0"/>
+                  </a:cubicBezTo>
+                  <a:close/>
+                </a:path>
+              </a:pathLst>
+            </a:custGeom>
+            <a:solidFill>
+              <a:schemeClr val="accent1">
+                <a:alpha val="85000"/>
+              </a:schemeClr>
+            </a:solidFill>
+            <a:ln>
+              <a:noFill/>
+            </a:ln>
+            <a:effectLst/>
+          </p:spPr>
+          <p:style>
+            <a:lnRef idx="1">
+              <a:schemeClr val="accent1"/>
+            </a:lnRef>
+            <a:fillRef idx="3">
+              <a:schemeClr val="accent1"/>
+            </a:fillRef>
+            <a:effectRef idx="2">
+              <a:schemeClr val="accent1"/>
+            </a:effectRef>
+            <a:fontRef idx="minor">
+              <a:schemeClr val="lt1"/>
+            </a:fontRef>
+          </p:style>
+        </p:sp>
+        <p:cxnSp>
+          <p:nvCxnSpPr>
+            <p:cNvPr id="8" name="Straight Connector 7"/>
+            <p:cNvCxnSpPr/>
+            <p:nvPr/>
+          </p:nvCxnSpPr>
+          <p:spPr>
+            <a:xfrm flipV="1">
+              <a:off x="5130830" y="4175605"/>
+              <a:ext cx="4022475" cy="2682396"/>
+            </a:xfrm>
+            <a:prstGeom prst="line">
+              <a:avLst/>
+            </a:prstGeom>
+            <a:ln w="9525">
+              <a:solidFill>
+                <a:schemeClr val="bg1">
+                  <a:lumMod val="85000"/>
+                </a:schemeClr>
+              </a:solidFill>
+            </a:ln>
+          </p:spPr>
+          <p:style>
+            <a:lnRef idx="2">
+              <a:schemeClr val="accent1"/>
+            </a:lnRef>
+            <a:fillRef idx="0">
+              <a:schemeClr val="accent1"/>
+            </a:fillRef>
+            <a:effectRef idx="1">
+              <a:schemeClr val="accent1"/>
+            </a:effectRef>
+            <a:fontRef idx="minor">
+              <a:schemeClr val="tx1"/>
+            </a:fontRef>
+          </p:style>
+        </p:cxnSp>
+        <p:cxnSp>
+          <p:nvCxnSpPr>
+            <p:cNvPr id="9" name="Straight Connector 8"/>
+            <p:cNvCxnSpPr/>
+            <p:nvPr/>
+          </p:nvCxnSpPr>
+          <p:spPr>
+            <a:xfrm>
+              <a:off x="7042707" y="0"/>
+              <a:ext cx="1219200" cy="6858000"/>
+            </a:xfrm>
+            <a:prstGeom prst="line">
+              <a:avLst/>
+            </a:prstGeom>
+            <a:ln w="9525">
+              <a:solidFill>
+                <a:schemeClr val="bg1">
+                  <a:lumMod val="75000"/>
+                </a:schemeClr>
+              </a:solidFill>
+            </a:ln>
+          </p:spPr>
+          <p:style>
+            <a:lnRef idx="2">
+              <a:schemeClr val="accent1"/>
+            </a:lnRef>
+            <a:fillRef idx="0">
+              <a:schemeClr val="accent1"/>
+            </a:fillRef>
+            <a:effectRef idx="1">
+              <a:schemeClr val="accent1"/>
+            </a:effectRef>
+            <a:fontRef idx="minor">
+              <a:schemeClr val="tx1"/>
+            </a:fontRef>
+          </p:style>
+        </p:cxnSp>
+        <p:sp>
+          <p:nvSpPr>
+            <p:cNvPr id="10" name="Freeform 9"/>
+            <p:cNvSpPr/>
+            <p:nvPr/>
+          </p:nvSpPr>
+          <p:spPr>
+            <a:xfrm>
+              <a:off x="6891896" y="1"/>
+              <a:ext cx="2269442" cy="6866466"/>
+            </a:xfrm>
+            <a:custGeom>
+              <a:avLst/>
+              <a:gdLst/>
+              <a:ahLst/>
+              <a:cxnLst/>
+              <a:rect l="l" t="t" r="r" b="b"/>
+              <a:pathLst>
+                <a:path w="2269442" h="6866466">
+                  <a:moveTo>
+                    <a:pt x="2023534" y="0"/>
+                  </a:moveTo>
+                  <a:lnTo>
+                    <a:pt x="0" y="6858000"/>
+                  </a:lnTo>
+                  <a:lnTo>
+                    <a:pt x="2269067" y="6866466"/>
+                  </a:lnTo>
+                  <a:cubicBezTo>
+                    <a:pt x="2271889" y="4580466"/>
+                    <a:pt x="2257778" y="2294466"/>
+                    <a:pt x="2260600" y="8466"/>
+                  </a:cubicBezTo>
+                  <a:lnTo>
+                    <a:pt x="2023534" y="0"/>
+                  </a:lnTo>
+                  <a:close/>
+                </a:path>
+              </a:pathLst>
+            </a:custGeom>
+            <a:solidFill>
+              <a:schemeClr val="accent1">
+                <a:alpha val="30000"/>
+              </a:schemeClr>
+            </a:solidFill>
+            <a:ln>
+              <a:noFill/>
+            </a:ln>
+            <a:effectLst/>
+          </p:spPr>
+          <p:style>
+            <a:lnRef idx="1">
+              <a:schemeClr val="accent1"/>
+            </a:lnRef>
+            <a:fillRef idx="3">
+              <a:schemeClr val="accent1"/>
+            </a:fillRef>
+            <a:effectRef idx="2">
+              <a:schemeClr val="accent1"/>
+            </a:effectRef>
+            <a:fontRef idx="minor">
+              <a:schemeClr val="lt1"/>
+            </a:fontRef>
+          </p:style>
+        </p:sp>
+        <p:sp>
+          <p:nvSpPr>
+            <p:cNvPr id="11" name="Freeform 10"/>
+            <p:cNvSpPr/>
+            <p:nvPr/>
+          </p:nvSpPr>
+          <p:spPr>
+            <a:xfrm>
+              <a:off x="7205158" y="-8467"/>
+              <a:ext cx="1948147" cy="6866467"/>
+            </a:xfrm>
+            <a:custGeom>
+              <a:avLst/>
+              <a:gdLst/>
+              <a:ahLst/>
+              <a:cxnLst/>
+              <a:rect l="l" t="t" r="r" b="b"/>
+              <a:pathLst>
+                <a:path w="1948147" h="6866467">
+                  <a:moveTo>
+                    <a:pt x="0" y="0"/>
+                  </a:moveTo>
+                  <a:lnTo>
+                    <a:pt x="1202267" y="6866467"/>
+                  </a:lnTo>
+                  <a:lnTo>
+                    <a:pt x="1947333" y="6866467"/>
+                  </a:lnTo>
+                  <a:cubicBezTo>
+                    <a:pt x="1944511" y="4577645"/>
+                    <a:pt x="1950155" y="2288822"/>
+                    <a:pt x="1947333" y="0"/>
+                  </a:cubicBezTo>
+                  <a:lnTo>
+                    <a:pt x="0" y="0"/>
+                  </a:lnTo>
+                  <a:close/>
+                </a:path>
+              </a:pathLst>
+            </a:custGeom>
+            <a:solidFill>
+              <a:schemeClr val="accent1">
+                <a:alpha val="20000"/>
+              </a:schemeClr>
+            </a:solidFill>
+            <a:ln>
+              <a:noFill/>
+            </a:ln>
+            <a:effectLst/>
+          </p:spPr>
+          <p:style>
+            <a:lnRef idx="1">
+              <a:schemeClr val="accent1"/>
+            </a:lnRef>
+            <a:fillRef idx="3">
+              <a:schemeClr val="accent1"/>
+            </a:fillRef>
+            <a:effectRef idx="2">
+              <a:schemeClr val="accent1"/>
+            </a:effectRef>
+            <a:fontRef idx="minor">
+              <a:schemeClr val="lt1"/>
+            </a:fontRef>
+          </p:style>
+        </p:sp>
+        <p:sp>
+          <p:nvSpPr>
+            <p:cNvPr id="12" name="Freeform 11"/>
+            <p:cNvSpPr/>
+            <p:nvPr/>
+          </p:nvSpPr>
+          <p:spPr>
+            <a:xfrm>
+              <a:off x="6637896" y="3920066"/>
+              <a:ext cx="2513565" cy="2937933"/>
+            </a:xfrm>
+            <a:custGeom>
+              <a:avLst/>
+              <a:gdLst/>
+              <a:ahLst/>
+              <a:cxnLst/>
+              <a:rect l="l" t="t" r="r" b="b"/>
+              <a:pathLst>
+                <a:path w="3259667" h="3810000">
+                  <a:moveTo>
+                    <a:pt x="0" y="3810000"/>
+                  </a:moveTo>
+                  <a:lnTo>
+                    <a:pt x="3251200" y="0"/>
+                  </a:lnTo>
+                  <a:cubicBezTo>
+                    <a:pt x="3254022" y="1270000"/>
+                    <a:pt x="3256845" y="2540000"/>
+                    <a:pt x="3259667" y="3810000"/>
+                  </a:cubicBezTo>
+                  <a:lnTo>
+                    <a:pt x="0" y="3810000"/>
+                  </a:lnTo>
+                  <a:close/>
+                </a:path>
+              </a:pathLst>
+            </a:custGeom>
+            <a:solidFill>
+              <a:schemeClr val="accent2">
+                <a:alpha val="72000"/>
+              </a:schemeClr>
+            </a:solidFill>
+            <a:ln>
+              <a:noFill/>
+            </a:ln>
+            <a:effectLst/>
+          </p:spPr>
+          <p:style>
+            <a:lnRef idx="1">
+              <a:schemeClr val="accent1"/>
+            </a:lnRef>
+            <a:fillRef idx="3">
+              <a:schemeClr val="accent1"/>
+            </a:fillRef>
+            <a:effectRef idx="2">
+              <a:schemeClr val="accent1"/>
+            </a:effectRef>
+            <a:fontRef idx="minor">
+              <a:schemeClr val="lt1"/>
+            </a:fontRef>
+          </p:style>
+        </p:sp>
+        <p:sp>
+          <p:nvSpPr>
+            <p:cNvPr id="13" name="Freeform 12"/>
+            <p:cNvSpPr/>
+            <p:nvPr/>
+          </p:nvSpPr>
+          <p:spPr>
+            <a:xfrm>
+              <a:off x="7010429" y="-8467"/>
+              <a:ext cx="2142876" cy="6866467"/>
+            </a:xfrm>
+            <a:custGeom>
+              <a:avLst/>
+              <a:gdLst/>
+              <a:ahLst/>
+              <a:cxnLst/>
+              <a:rect l="l" t="t" r="r" b="b"/>
+              <a:pathLst>
+                <a:path w="2853267" h="6866467">
+                  <a:moveTo>
+                    <a:pt x="0" y="0"/>
+                  </a:moveTo>
+                  <a:lnTo>
+                    <a:pt x="2472267" y="6866467"/>
+                  </a:lnTo>
+                  <a:lnTo>
+                    <a:pt x="2853267" y="6858000"/>
+                  </a:lnTo>
+                  <a:lnTo>
+                    <a:pt x="2853267" y="0"/>
+                  </a:lnTo>
+                  <a:lnTo>
+                    <a:pt x="0" y="0"/>
+                  </a:lnTo>
+                  <a:close/>
+                </a:path>
+              </a:pathLst>
+            </a:custGeom>
+            <a:solidFill>
+              <a:schemeClr val="accent2">
+                <a:lumMod val="75000"/>
+                <a:alpha val="70000"/>
+              </a:schemeClr>
+            </a:solidFill>
+            <a:ln>
+              <a:noFill/>
+            </a:ln>
+            <a:effectLst/>
+          </p:spPr>
+          <p:style>
+            <a:lnRef idx="1">
+              <a:schemeClr val="accent1"/>
+            </a:lnRef>
+            <a:fillRef idx="3">
+              <a:schemeClr val="accent1"/>
+            </a:fillRef>
+            <a:effectRef idx="2">
+              <a:schemeClr val="accent1"/>
+            </a:effectRef>
+            <a:fontRef idx="minor">
+              <a:schemeClr val="lt1"/>
+            </a:fontRef>
+          </p:style>
+        </p:sp>
+        <p:sp>
+          <p:nvSpPr>
+            <p:cNvPr id="14" name="Freeform 13"/>
+            <p:cNvSpPr/>
+            <p:nvPr/>
+          </p:nvSpPr>
+          <p:spPr>
+            <a:xfrm>
+              <a:off x="8295776" y="-8467"/>
+              <a:ext cx="857530" cy="6866467"/>
+            </a:xfrm>
+            <a:custGeom>
+              <a:avLst/>
+              <a:gdLst/>
+              <a:ahLst/>
+              <a:cxnLst/>
+              <a:rect l="l" t="t" r="r" b="b"/>
+              <a:pathLst>
+                <a:path w="1286933" h="6866467">
+                  <a:moveTo>
+                    <a:pt x="1016000" y="0"/>
+                  </a:moveTo>
+                  <a:lnTo>
+                    <a:pt x="0" y="6866467"/>
+                  </a:lnTo>
+                  <a:lnTo>
+                    <a:pt x="1286933" y="6866467"/>
+                  </a:lnTo>
+                  <a:cubicBezTo>
+                    <a:pt x="1284111" y="4577645"/>
+                    <a:pt x="1281288" y="2288822"/>
+                    <a:pt x="1278466" y="0"/>
+                  </a:cubicBezTo>
+                  <a:lnTo>
+                    <a:pt x="1016000" y="0"/>
+                  </a:lnTo>
+                  <a:close/>
+                </a:path>
+              </a:pathLst>
+            </a:custGeom>
+            <a:solidFill>
+              <a:schemeClr val="accent1">
+                <a:lumMod val="60000"/>
+                <a:lumOff val="40000"/>
+                <a:alpha val="70000"/>
+              </a:schemeClr>
+            </a:solidFill>
+            <a:ln>
+              <a:noFill/>
+            </a:ln>
+            <a:effectLst/>
+          </p:spPr>
+          <p:style>
+            <a:lnRef idx="1">
+              <a:schemeClr val="accent1"/>
+            </a:lnRef>
+            <a:fillRef idx="3">
+              <a:schemeClr val="accent1"/>
+            </a:fillRef>
+            <a:effectRef idx="2">
+              <a:schemeClr val="accent1"/>
+            </a:effectRef>
+            <a:fontRef idx="minor">
+              <a:schemeClr val="lt1"/>
+            </a:fontRef>
+          </p:style>
+        </p:sp>
+        <p:sp>
+          <p:nvSpPr>
+            <p:cNvPr id="15" name="Freeform 14"/>
+            <p:cNvSpPr/>
+            <p:nvPr/>
+          </p:nvSpPr>
+          <p:spPr>
+            <a:xfrm>
+              <a:off x="8077231" y="-8468"/>
+              <a:ext cx="1066770" cy="6866467"/>
+            </a:xfrm>
+            <a:custGeom>
+              <a:avLst/>
+              <a:gdLst/>
+              <a:ahLst/>
+              <a:cxnLst/>
+              <a:rect l="l" t="t" r="r" b="b"/>
+              <a:pathLst>
+                <a:path w="1270244" h="6866467">
+                  <a:moveTo>
+                    <a:pt x="0" y="0"/>
+                  </a:moveTo>
+                  <a:lnTo>
+                    <a:pt x="1117600" y="6866467"/>
+                  </a:lnTo>
+                  <a:lnTo>
+                    <a:pt x="1270000" y="6866467"/>
+                  </a:lnTo>
+                  <a:cubicBezTo>
+                    <a:pt x="1272822" y="4574822"/>
+                    <a:pt x="1250245" y="2291645"/>
+                    <a:pt x="1253067" y="0"/>
+                  </a:cubicBezTo>
+                  <a:lnTo>
+                    <a:pt x="0" y="0"/>
+                  </a:lnTo>
+                  <a:close/>
+                </a:path>
+              </a:pathLst>
+            </a:custGeom>
+            <a:solidFill>
+              <a:schemeClr val="accent1">
+                <a:alpha val="65000"/>
+              </a:schemeClr>
+            </a:solidFill>
+            <a:ln>
+              <a:noFill/>
+            </a:ln>
+            <a:effectLst/>
+          </p:spPr>
+          <p:style>
+            <a:lnRef idx="1">
+              <a:schemeClr val="accent1"/>
+            </a:lnRef>
+            <a:fillRef idx="3">
+              <a:schemeClr val="accent1"/>
+            </a:fillRef>
+            <a:effectRef idx="2">
+              <a:schemeClr val="accent1"/>
+            </a:effectRef>
+            <a:fontRef idx="minor">
+              <a:schemeClr val="lt1"/>
+            </a:fontRef>
+          </p:style>
+        </p:sp>
+        <p:sp>
+          <p:nvSpPr>
+            <p:cNvPr id="16" name="Freeform 15"/>
+            <p:cNvSpPr/>
+            <p:nvPr/>
+          </p:nvSpPr>
+          <p:spPr>
+            <a:xfrm>
+              <a:off x="8060297" y="4893733"/>
+              <a:ext cx="1094086" cy="1964267"/>
+            </a:xfrm>
+            <a:custGeom>
+              <a:avLst/>
+              <a:gdLst/>
+              <a:ahLst/>
+              <a:cxnLst/>
+              <a:rect l="l" t="t" r="r" b="b"/>
+              <a:pathLst>
+                <a:path w="1820333" h="3268133">
+                  <a:moveTo>
+                    <a:pt x="0" y="3268133"/>
+                  </a:moveTo>
+                  <a:lnTo>
+                    <a:pt x="1811866" y="0"/>
+                  </a:lnTo>
+                  <a:cubicBezTo>
+                    <a:pt x="1814688" y="1086555"/>
+                    <a:pt x="1817511" y="2173111"/>
+                    <a:pt x="1820333" y="3259666"/>
+                  </a:cubicBezTo>
+                  <a:lnTo>
+                    <a:pt x="0" y="3268133"/>
+                  </a:lnTo>
+                  <a:close/>
+                </a:path>
+              </a:pathLst>
+            </a:custGeom>
+            <a:solidFill>
+              <a:schemeClr val="accent1">
+                <a:alpha val="80000"/>
+              </a:schemeClr>
+            </a:solidFill>
+            <a:ln>
+              <a:noFill/>
+            </a:ln>
+            <a:effectLst/>
+          </p:spPr>
+          <p:style>
+            <a:lnRef idx="1">
+              <a:schemeClr val="accent1"/>
+            </a:lnRef>
+            <a:fillRef idx="3">
+              <a:schemeClr val="accent1"/>
+            </a:fillRef>
+            <a:effectRef idx="2">
+              <a:schemeClr val="accent1"/>
+            </a:effectRef>
+            <a:fontRef idx="minor">
+              <a:schemeClr val="lt1"/>
+            </a:fontRef>
+          </p:style>
+        </p:sp>
+      </p:grpSp>
+      <p:sp>
+        <p:nvSpPr>
+          <p:cNvPr id="2" name="Title Placeholder 1"/>
           <p:cNvSpPr>
             <a:spLocks noGrp="1"/>
           </p:cNvSpPr>
@@ -3456,30 +6502,30 @@
         </p:nvSpPr>
         <p:spPr>
           <a:xfrm>
-            <a:off x="457200" y="274638"/>
-            <a:ext cx="8229600" cy="1143000"/>
+            <a:off x="609599" y="609600"/>
+            <a:ext cx="6347713" cy="1320800"/>
           </a:xfrm>
           <a:prstGeom prst="rect">
             <a:avLst/>
           </a:prstGeom>
         </p:spPr>
         <p:txBody>
-          <a:bodyPr vert="horz" lIns="91440" tIns="45720" rIns="91440" bIns="45720" rtlCol="0" anchor="ctr">
+          <a:bodyPr vert="horz" lIns="91440" tIns="45720" rIns="91440" bIns="45720" rtlCol="0" anchor="t">
             <a:normAutofit/>
           </a:bodyPr>
           <a:lstStyle/>
           <a:p>
             <a:r>
-              <a:rPr lang="sl-SI" smtClean="0"/>
-              <a:t>Uredite slog naslova matrice</a:t>
-            </a:r>
-            <a:endParaRPr lang="en-US"/>
-          </a:p>
-        </p:txBody>
-      </p:sp>
-      <p:sp>
-        <p:nvSpPr>
-          <p:cNvPr id="3" name="Ograda besedila 2"/>
+              <a:rPr lang="en-US" smtClean="0"/>
+              <a:t>Click to edit Master title style</a:t>
+            </a:r>
+            <a:endParaRPr lang="en-US" dirty="0"/>
+          </a:p>
+        </p:txBody>
+      </p:sp>
+      <p:sp>
+        <p:nvSpPr>
+          <p:cNvPr id="3" name="Text Placeholder 2"/>
           <p:cNvSpPr>
             <a:spLocks noGrp="1"/>
           </p:cNvSpPr>
@@ -3489,8 +6535,8 @@
         </p:nvSpPr>
         <p:spPr>
           <a:xfrm>
-            <a:off x="457200" y="1600200"/>
-            <a:ext cx="8229600" cy="4525963"/>
+            <a:off x="609599" y="2160590"/>
+            <a:ext cx="6347714" cy="3880773"/>
           </a:xfrm>
           <a:prstGeom prst="rect">
             <a:avLst/>
@@ -3504,44 +6550,44 @@
           <a:p>
             <a:pPr lvl="0"/>
             <a:r>
-              <a:rPr lang="sl-SI" smtClean="0"/>
-              <a:t>Uredite sloge besedila matrice</a:t>
+              <a:rPr lang="en-US" smtClean="0"/>
+              <a:t>Edit Master text styles</a:t>
             </a:r>
           </a:p>
           <a:p>
             <a:pPr lvl="1"/>
             <a:r>
-              <a:rPr lang="sl-SI" smtClean="0"/>
-              <a:t>Druga raven</a:t>
+              <a:rPr lang="en-US" smtClean="0"/>
+              <a:t>Second level</a:t>
             </a:r>
           </a:p>
           <a:p>
             <a:pPr lvl="2"/>
             <a:r>
-              <a:rPr lang="sl-SI" smtClean="0"/>
-              <a:t>Tretja raven</a:t>
+              <a:rPr lang="en-US" smtClean="0"/>
+              <a:t>Third level</a:t>
             </a:r>
           </a:p>
           <a:p>
             <a:pPr lvl="3"/>
             <a:r>
-              <a:rPr lang="sl-SI" smtClean="0"/>
-              <a:t>Četrta raven</a:t>
+              <a:rPr lang="en-US" smtClean="0"/>
+              <a:t>Fourth level</a:t>
             </a:r>
           </a:p>
           <a:p>
             <a:pPr lvl="4"/>
             <a:r>
-              <a:rPr lang="sl-SI" smtClean="0"/>
-              <a:t>Peta raven</a:t>
-            </a:r>
-            <a:endParaRPr lang="en-US"/>
-          </a:p>
-        </p:txBody>
-      </p:sp>
-      <p:sp>
-        <p:nvSpPr>
-          <p:cNvPr id="4" name="Ograda datuma 3"/>
+              <a:rPr lang="en-US" smtClean="0"/>
+              <a:t>Fifth level</a:t>
+            </a:r>
+            <a:endParaRPr lang="en-US" dirty="0"/>
+          </a:p>
+        </p:txBody>
+      </p:sp>
+      <p:sp>
+        <p:nvSpPr>
+          <p:cNvPr id="4" name="Date Placeholder 3"/>
           <p:cNvSpPr>
             <a:spLocks noGrp="1"/>
           </p:cNvSpPr>
@@ -3551,8 +6597,8 @@
         </p:nvSpPr>
         <p:spPr>
           <a:xfrm>
-            <a:off x="457200" y="6356350"/>
-            <a:ext cx="2133600" cy="365125"/>
+            <a:off x="5405258" y="6041363"/>
+            <a:ext cx="684132" cy="365125"/>
           </a:xfrm>
           <a:prstGeom prst="rect">
             <a:avLst/>
@@ -3561,8 +6607,8 @@
         <p:txBody>
           <a:bodyPr vert="horz" lIns="91440" tIns="45720" rIns="91440" bIns="45720" rtlCol="0" anchor="ctr"/>
           <a:lstStyle>
-            <a:lvl1pPr algn="l">
-              <a:defRPr sz="1200">
+            <a:lvl1pPr algn="r">
+              <a:defRPr sz="900">
                 <a:solidFill>
                   <a:schemeClr val="tx1">
                     <a:tint val="75000"/>
@@ -3574,7 +6620,7 @@
           <a:p>
             <a:fld id="{BA6EFB0A-BEF4-4384-B5CA-BA492AB9664D}" type="datetimeFigureOut">
               <a:rPr lang="en-US" smtClean="0"/>
-              <a:t>1/22/2018</a:t>
+              <a:t>1/23/2018</a:t>
             </a:fld>
             <a:endParaRPr lang="en-US"/>
           </a:p>
@@ -3582,7 +6628,7 @@
       </p:sp>
       <p:sp>
         <p:nvSpPr>
-          <p:cNvPr id="5" name="Ograda noge 4"/>
+          <p:cNvPr id="5" name="Footer Placeholder 4"/>
           <p:cNvSpPr>
             <a:spLocks noGrp="1"/>
           </p:cNvSpPr>
@@ -3592,8 +6638,8 @@
         </p:nvSpPr>
         <p:spPr>
           <a:xfrm>
-            <a:off x="3124200" y="6356350"/>
-            <a:ext cx="2895600" cy="365125"/>
+            <a:off x="609599" y="6041363"/>
+            <a:ext cx="4622973" cy="365125"/>
           </a:xfrm>
           <a:prstGeom prst="rect">
             <a:avLst/>
@@ -3602,8 +6648,8 @@
         <p:txBody>
           <a:bodyPr vert="horz" lIns="91440" tIns="45720" rIns="91440" bIns="45720" rtlCol="0" anchor="ctr"/>
           <a:lstStyle>
-            <a:lvl1pPr algn="ctr">
-              <a:defRPr sz="1200">
+            <a:lvl1pPr algn="l">
+              <a:defRPr sz="900">
                 <a:solidFill>
                   <a:schemeClr val="tx1">
                     <a:tint val="75000"/>
@@ -3619,7 +6665,7 @@
       </p:sp>
       <p:sp>
         <p:nvSpPr>
-          <p:cNvPr id="6" name="Ograda številke diapozitiva 5"/>
+          <p:cNvPr id="6" name="Slide Number Placeholder 5"/>
           <p:cNvSpPr>
             <a:spLocks noGrp="1"/>
           </p:cNvSpPr>
@@ -3629,8 +6675,8 @@
         </p:nvSpPr>
         <p:spPr>
           <a:xfrm>
-            <a:off x="6553200" y="6356350"/>
-            <a:ext cx="2133600" cy="365125"/>
+            <a:off x="6444676" y="6041363"/>
+            <a:ext cx="512638" cy="365125"/>
           </a:xfrm>
           <a:prstGeom prst="rect">
             <a:avLst/>
@@ -3640,11 +6686,9 @@
           <a:bodyPr vert="horz" lIns="91440" tIns="45720" rIns="91440" bIns="45720" rtlCol="0" anchor="ctr"/>
           <a:lstStyle>
             <a:lvl1pPr algn="r">
-              <a:defRPr sz="1200">
+              <a:defRPr sz="900">
                 <a:solidFill>
-                  <a:schemeClr val="tx1">
-                    <a:tint val="75000"/>
-                  </a:schemeClr>
+                  <a:schemeClr val="accent1"/>
                 </a:solidFill>
               </a:defRPr>
             </a:lvl1pPr>
@@ -3661,171 +6705,322 @@
     </p:spTree>
     <p:extLst>
       <p:ext uri="{BB962C8B-B14F-4D97-AF65-F5344CB8AC3E}">
-        <p14:creationId xmlns:p14="http://schemas.microsoft.com/office/powerpoint/2010/main" val="1767376597"/>
+        <p14:creationId xmlns:p14="http://schemas.microsoft.com/office/powerpoint/2010/main" val="1131654663"/>
       </p:ext>
     </p:extLst>
   </p:cSld>
   <p:clrMap bg1="lt1" tx1="dk1" bg2="lt2" tx2="dk2" accent1="accent1" accent2="accent2" accent3="accent3" accent4="accent4" accent5="accent5" accent6="accent6" hlink="hlink" folHlink="folHlink"/>
   <p:sldLayoutIdLst>
-    <p:sldLayoutId id="2147483649" r:id="rId1"/>
-    <p:sldLayoutId id="2147483650" r:id="rId2"/>
-    <p:sldLayoutId id="2147483651" r:id="rId3"/>
-    <p:sldLayoutId id="2147483652" r:id="rId4"/>
-    <p:sldLayoutId id="2147483653" r:id="rId5"/>
-    <p:sldLayoutId id="2147483654" r:id="rId6"/>
-    <p:sldLayoutId id="2147483655" r:id="rId7"/>
-    <p:sldLayoutId id="2147483656" r:id="rId8"/>
-    <p:sldLayoutId id="2147483657" r:id="rId9"/>
-    <p:sldLayoutId id="2147483658" r:id="rId10"/>
-    <p:sldLayoutId id="2147483659" r:id="rId11"/>
+    <p:sldLayoutId id="2147483661" r:id="rId1"/>
+    <p:sldLayoutId id="2147483662" r:id="rId2"/>
+    <p:sldLayoutId id="2147483663" r:id="rId3"/>
+    <p:sldLayoutId id="2147483664" r:id="rId4"/>
+    <p:sldLayoutId id="2147483665" r:id="rId5"/>
+    <p:sldLayoutId id="2147483666" r:id="rId6"/>
+    <p:sldLayoutId id="2147483667" r:id="rId7"/>
+    <p:sldLayoutId id="2147483668" r:id="rId8"/>
+    <p:sldLayoutId id="2147483669" r:id="rId9"/>
+    <p:sldLayoutId id="2147483670" r:id="rId10"/>
+    <p:sldLayoutId id="2147483671" r:id="rId11"/>
+    <p:sldLayoutId id="2147483672" r:id="rId12"/>
+    <p:sldLayoutId id="2147483673" r:id="rId13"/>
+    <p:sldLayoutId id="2147483674" r:id="rId14"/>
+    <p:sldLayoutId id="2147483675" r:id="rId15"/>
+    <p:sldLayoutId id="2147483676" r:id="rId16"/>
   </p:sldLayoutIdLst>
   <p:txStyles>
     <p:titleStyle>
-      <a:lvl1pPr algn="ctr" defTabSz="914400" rtl="0" eaLnBrk="1" latinLnBrk="0" hangingPunct="1">
+      <a:lvl1pPr algn="l" defTabSz="457200" rtl="0" eaLnBrk="1" latinLnBrk="0" hangingPunct="1">
         <a:spcBef>
           <a:spcPct val="0"/>
         </a:spcBef>
         <a:buNone/>
-        <a:defRPr sz="4400" kern="1200">
+        <a:defRPr sz="3600" kern="1200">
           <a:solidFill>
-            <a:schemeClr val="tx1"/>
+            <a:schemeClr val="accent1"/>
           </a:solidFill>
           <a:latin typeface="+mj-lt"/>
           <a:ea typeface="+mj-ea"/>
           <a:cs typeface="+mj-cs"/>
         </a:defRPr>
       </a:lvl1pPr>
+      <a:lvl2pPr eaLnBrk="1" hangingPunct="1">
+        <a:defRPr>
+          <a:solidFill>
+            <a:schemeClr val="tx2"/>
+          </a:solidFill>
+        </a:defRPr>
+      </a:lvl2pPr>
+      <a:lvl3pPr eaLnBrk="1" hangingPunct="1">
+        <a:defRPr>
+          <a:solidFill>
+            <a:schemeClr val="tx2"/>
+          </a:solidFill>
+        </a:defRPr>
+      </a:lvl3pPr>
+      <a:lvl4pPr eaLnBrk="1" hangingPunct="1">
+        <a:defRPr>
+          <a:solidFill>
+            <a:schemeClr val="tx2"/>
+          </a:solidFill>
+        </a:defRPr>
+      </a:lvl4pPr>
+      <a:lvl5pPr eaLnBrk="1" hangingPunct="1">
+        <a:defRPr>
+          <a:solidFill>
+            <a:schemeClr val="tx2"/>
+          </a:solidFill>
+        </a:defRPr>
+      </a:lvl5pPr>
+      <a:lvl6pPr eaLnBrk="1" hangingPunct="1">
+        <a:defRPr>
+          <a:solidFill>
+            <a:schemeClr val="tx2"/>
+          </a:solidFill>
+        </a:defRPr>
+      </a:lvl6pPr>
+      <a:lvl7pPr eaLnBrk="1" hangingPunct="1">
+        <a:defRPr>
+          <a:solidFill>
+            <a:schemeClr val="tx2"/>
+          </a:solidFill>
+        </a:defRPr>
+      </a:lvl7pPr>
+      <a:lvl8pPr eaLnBrk="1" hangingPunct="1">
+        <a:defRPr>
+          <a:solidFill>
+            <a:schemeClr val="tx2"/>
+          </a:solidFill>
+        </a:defRPr>
+      </a:lvl8pPr>
+      <a:lvl9pPr eaLnBrk="1" hangingPunct="1">
+        <a:defRPr>
+          <a:solidFill>
+            <a:schemeClr val="tx2"/>
+          </a:solidFill>
+        </a:defRPr>
+      </a:lvl9pPr>
     </p:titleStyle>
     <p:bodyStyle>
-      <a:lvl1pPr marL="342900" indent="-342900" algn="l" defTabSz="914400" rtl="0" eaLnBrk="1" latinLnBrk="0" hangingPunct="1">
+      <a:lvl1pPr marL="342900" indent="-342900" algn="l" defTabSz="457200" rtl="0" eaLnBrk="1" latinLnBrk="0" hangingPunct="1">
         <a:spcBef>
-          <a:spcPct val="20000"/>
+          <a:spcPts val="1000"/>
         </a:spcBef>
-        <a:buFont typeface="Arial" panose="020B0604020202020204" pitchFamily="34" charset="0"/>
-        <a:buChar char="•"/>
-        <a:defRPr sz="3200" kern="1200">
+        <a:spcAft>
+          <a:spcPts val="0"/>
+        </a:spcAft>
+        <a:buClr>
+          <a:schemeClr val="accent1"/>
+        </a:buClr>
+        <a:buSzPct val="80000"/>
+        <a:buFont typeface="Wingdings 3" charset="2"/>
+        <a:buChar char=""/>
+        <a:defRPr sz="1800" kern="1200">
           <a:solidFill>
-            <a:schemeClr val="tx1"/>
+            <a:schemeClr val="tx1">
+              <a:lumMod val="75000"/>
+              <a:lumOff val="25000"/>
+            </a:schemeClr>
           </a:solidFill>
           <a:latin typeface="+mn-lt"/>
           <a:ea typeface="+mn-ea"/>
           <a:cs typeface="+mn-cs"/>
         </a:defRPr>
       </a:lvl1pPr>
-      <a:lvl2pPr marL="742950" indent="-285750" algn="l" defTabSz="914400" rtl="0" eaLnBrk="1" latinLnBrk="0" hangingPunct="1">
+      <a:lvl2pPr marL="742950" indent="-285750" algn="l" defTabSz="457200" rtl="0" eaLnBrk="1" latinLnBrk="0" hangingPunct="1">
         <a:spcBef>
-          <a:spcPct val="20000"/>
+          <a:spcPts val="1000"/>
         </a:spcBef>
-        <a:buFont typeface="Arial" panose="020B0604020202020204" pitchFamily="34" charset="0"/>
-        <a:buChar char="–"/>
-        <a:defRPr sz="2800" kern="1200">
+        <a:spcAft>
+          <a:spcPts val="0"/>
+        </a:spcAft>
+        <a:buClr>
+          <a:schemeClr val="accent1"/>
+        </a:buClr>
+        <a:buSzPct val="80000"/>
+        <a:buFont typeface="Wingdings 3" charset="2"/>
+        <a:buChar char=""/>
+        <a:defRPr sz="1600" kern="1200">
           <a:solidFill>
-            <a:schemeClr val="tx1"/>
+            <a:schemeClr val="tx1">
+              <a:lumMod val="75000"/>
+              <a:lumOff val="25000"/>
+            </a:schemeClr>
           </a:solidFill>
           <a:latin typeface="+mn-lt"/>
           <a:ea typeface="+mn-ea"/>
           <a:cs typeface="+mn-cs"/>
         </a:defRPr>
       </a:lvl2pPr>
-      <a:lvl3pPr marL="1143000" indent="-228600" algn="l" defTabSz="914400" rtl="0" eaLnBrk="1" latinLnBrk="0" hangingPunct="1">
+      <a:lvl3pPr marL="1143000" indent="-228600" algn="l" defTabSz="457200" rtl="0" eaLnBrk="1" latinLnBrk="0" hangingPunct="1">
         <a:spcBef>
-          <a:spcPct val="20000"/>
+          <a:spcPts val="1000"/>
         </a:spcBef>
-        <a:buFont typeface="Arial" panose="020B0604020202020204" pitchFamily="34" charset="0"/>
-        <a:buChar char="•"/>
-        <a:defRPr sz="2400" kern="1200">
+        <a:spcAft>
+          <a:spcPts val="0"/>
+        </a:spcAft>
+        <a:buClr>
+          <a:schemeClr val="accent1"/>
+        </a:buClr>
+        <a:buSzPct val="80000"/>
+        <a:buFont typeface="Wingdings 3" charset="2"/>
+        <a:buChar char=""/>
+        <a:defRPr sz="1400" kern="1200">
           <a:solidFill>
-            <a:schemeClr val="tx1"/>
+            <a:schemeClr val="tx1">
+              <a:lumMod val="75000"/>
+              <a:lumOff val="25000"/>
+            </a:schemeClr>
           </a:solidFill>
           <a:latin typeface="+mn-lt"/>
           <a:ea typeface="+mn-ea"/>
           <a:cs typeface="+mn-cs"/>
         </a:defRPr>
       </a:lvl3pPr>
-      <a:lvl4pPr marL="1600200" indent="-228600" algn="l" defTabSz="914400" rtl="0" eaLnBrk="1" latinLnBrk="0" hangingPunct="1">
+      <a:lvl4pPr marL="1600200" indent="-228600" algn="l" defTabSz="457200" rtl="0" eaLnBrk="1" latinLnBrk="0" hangingPunct="1">
         <a:spcBef>
-          <a:spcPct val="20000"/>
+          <a:spcPts val="1000"/>
         </a:spcBef>
-        <a:buFont typeface="Arial" panose="020B0604020202020204" pitchFamily="34" charset="0"/>
-        <a:buChar char="–"/>
-        <a:defRPr sz="2000" kern="1200">
+        <a:spcAft>
+          <a:spcPts val="0"/>
+        </a:spcAft>
+        <a:buClr>
+          <a:schemeClr val="accent1"/>
+        </a:buClr>
+        <a:buSzPct val="80000"/>
+        <a:buFont typeface="Wingdings 3" charset="2"/>
+        <a:buChar char=""/>
+        <a:defRPr sz="1200" kern="1200">
           <a:solidFill>
-            <a:schemeClr val="tx1"/>
+            <a:schemeClr val="tx1">
+              <a:lumMod val="75000"/>
+              <a:lumOff val="25000"/>
+            </a:schemeClr>
           </a:solidFill>
           <a:latin typeface="+mn-lt"/>
           <a:ea typeface="+mn-ea"/>
           <a:cs typeface="+mn-cs"/>
         </a:defRPr>
       </a:lvl4pPr>
-      <a:lvl5pPr marL="2057400" indent="-228600" algn="l" defTabSz="914400" rtl="0" eaLnBrk="1" latinLnBrk="0" hangingPunct="1">
+      <a:lvl5pPr marL="2057400" indent="-228600" algn="l" defTabSz="457200" rtl="0" eaLnBrk="1" latinLnBrk="0" hangingPunct="1">
         <a:spcBef>
-          <a:spcPct val="20000"/>
+          <a:spcPts val="1000"/>
         </a:spcBef>
-        <a:buFont typeface="Arial" panose="020B0604020202020204" pitchFamily="34" charset="0"/>
-        <a:buChar char="»"/>
-        <a:defRPr sz="2000" kern="1200">
+        <a:spcAft>
+          <a:spcPts val="0"/>
+        </a:spcAft>
+        <a:buClr>
+          <a:schemeClr val="accent1"/>
+        </a:buClr>
+        <a:buSzPct val="80000"/>
+        <a:buFont typeface="Wingdings 3" charset="2"/>
+        <a:buChar char=""/>
+        <a:defRPr sz="1200" kern="1200">
           <a:solidFill>
-            <a:schemeClr val="tx1"/>
+            <a:schemeClr val="tx1">
+              <a:lumMod val="75000"/>
+              <a:lumOff val="25000"/>
+            </a:schemeClr>
           </a:solidFill>
           <a:latin typeface="+mn-lt"/>
           <a:ea typeface="+mn-ea"/>
           <a:cs typeface="+mn-cs"/>
         </a:defRPr>
       </a:lvl5pPr>
-      <a:lvl6pPr marL="2514600" indent="-228600" algn="l" defTabSz="914400" rtl="0" eaLnBrk="1" latinLnBrk="0" hangingPunct="1">
+      <a:lvl6pPr marL="2514600" indent="-228600" algn="l" defTabSz="457200" rtl="0" eaLnBrk="1" latinLnBrk="0" hangingPunct="1">
         <a:spcBef>
-          <a:spcPct val="20000"/>
+          <a:spcPts val="1000"/>
         </a:spcBef>
-        <a:buFont typeface="Arial" panose="020B0604020202020204" pitchFamily="34" charset="0"/>
-        <a:buChar char="•"/>
-        <a:defRPr sz="2000" kern="1200">
+        <a:spcAft>
+          <a:spcPts val="0"/>
+        </a:spcAft>
+        <a:buClr>
+          <a:schemeClr val="accent1"/>
+        </a:buClr>
+        <a:buSzPct val="80000"/>
+        <a:buFont typeface="Wingdings 3" charset="2"/>
+        <a:buChar char=""/>
+        <a:defRPr sz="1200" kern="1200">
           <a:solidFill>
-            <a:schemeClr val="tx1"/>
+            <a:schemeClr val="tx1">
+              <a:lumMod val="75000"/>
+              <a:lumOff val="25000"/>
+            </a:schemeClr>
           </a:solidFill>
           <a:latin typeface="+mn-lt"/>
           <a:ea typeface="+mn-ea"/>
           <a:cs typeface="+mn-cs"/>
         </a:defRPr>
       </a:lvl6pPr>
-      <a:lvl7pPr marL="2971800" indent="-228600" algn="l" defTabSz="914400" rtl="0" eaLnBrk="1" latinLnBrk="0" hangingPunct="1">
+      <a:lvl7pPr marL="2971800" indent="-228600" algn="l" defTabSz="457200" rtl="0" eaLnBrk="1" latinLnBrk="0" hangingPunct="1">
         <a:spcBef>
-          <a:spcPct val="20000"/>
+          <a:spcPts val="1000"/>
         </a:spcBef>
-        <a:buFont typeface="Arial" panose="020B0604020202020204" pitchFamily="34" charset="0"/>
-        <a:buChar char="•"/>
-        <a:defRPr sz="2000" kern="1200">
+        <a:spcAft>
+          <a:spcPts val="0"/>
+        </a:spcAft>
+        <a:buClr>
+          <a:schemeClr val="accent1"/>
+        </a:buClr>
+        <a:buSzPct val="80000"/>
+        <a:buFont typeface="Wingdings 3" charset="2"/>
+        <a:buChar char=""/>
+        <a:defRPr sz="1200" kern="1200">
           <a:solidFill>
-            <a:schemeClr val="tx1"/>
+            <a:schemeClr val="tx1">
+              <a:lumMod val="75000"/>
+              <a:lumOff val="25000"/>
+            </a:schemeClr>
           </a:solidFill>
           <a:latin typeface="+mn-lt"/>
           <a:ea typeface="+mn-ea"/>
           <a:cs typeface="+mn-cs"/>
         </a:defRPr>
       </a:lvl7pPr>
-      <a:lvl8pPr marL="3429000" indent="-228600" algn="l" defTabSz="914400" rtl="0" eaLnBrk="1" latinLnBrk="0" hangingPunct="1">
+      <a:lvl8pPr marL="3429000" indent="-228600" algn="l" defTabSz="457200" rtl="0" eaLnBrk="1" latinLnBrk="0" hangingPunct="1">
         <a:spcBef>
-          <a:spcPct val="20000"/>
+          <a:spcPts val="1000"/>
         </a:spcBef>
-        <a:buFont typeface="Arial" panose="020B0604020202020204" pitchFamily="34" charset="0"/>
-        <a:buChar char="•"/>
-        <a:defRPr sz="2000" kern="1200">
+        <a:spcAft>
+          <a:spcPts val="0"/>
+        </a:spcAft>
+        <a:buClr>
+          <a:schemeClr val="accent1"/>
+        </a:buClr>
+        <a:buSzPct val="80000"/>
+        <a:buFont typeface="Wingdings 3" charset="2"/>
+        <a:buChar char=""/>
+        <a:defRPr sz="1200" kern="1200">
           <a:solidFill>
-            <a:schemeClr val="tx1"/>
+            <a:schemeClr val="tx1">
+              <a:lumMod val="75000"/>
+              <a:lumOff val="25000"/>
+            </a:schemeClr>
           </a:solidFill>
           <a:latin typeface="+mn-lt"/>
           <a:ea typeface="+mn-ea"/>
           <a:cs typeface="+mn-cs"/>
         </a:defRPr>
       </a:lvl8pPr>
-      <a:lvl9pPr marL="3886200" indent="-228600" algn="l" defTabSz="914400" rtl="0" eaLnBrk="1" latinLnBrk="0" hangingPunct="1">
+      <a:lvl9pPr marL="3886200" indent="-228600" algn="l" defTabSz="457200" rtl="0" eaLnBrk="1" latinLnBrk="0" hangingPunct="1">
         <a:spcBef>
-          <a:spcPct val="20000"/>
+          <a:spcPts val="1000"/>
         </a:spcBef>
-        <a:buFont typeface="Arial" panose="020B0604020202020204" pitchFamily="34" charset="0"/>
-        <a:buChar char="•"/>
-        <a:defRPr sz="2000" kern="1200">
+        <a:spcAft>
+          <a:spcPts val="0"/>
+        </a:spcAft>
+        <a:buClr>
+          <a:schemeClr val="accent1"/>
+        </a:buClr>
+        <a:buSzPct val="80000"/>
+        <a:buFont typeface="Wingdings 3" charset="2"/>
+        <a:buChar char=""/>
+        <a:defRPr sz="1200" kern="1200">
           <a:solidFill>
-            <a:schemeClr val="tx1"/>
+            <a:schemeClr val="tx1">
+              <a:lumMod val="75000"/>
+              <a:lumOff val="25000"/>
+            </a:schemeClr>
           </a:solidFill>
           <a:latin typeface="+mn-lt"/>
           <a:ea typeface="+mn-ea"/>
@@ -3837,7 +7032,7 @@
       <a:defPPr>
         <a:defRPr lang="en-US"/>
       </a:defPPr>
-      <a:lvl1pPr marL="0" algn="l" defTabSz="914400" rtl="0" eaLnBrk="1" latinLnBrk="0" hangingPunct="1">
+      <a:lvl1pPr marL="0" algn="l" defTabSz="457200" rtl="0" eaLnBrk="1" latinLnBrk="0" hangingPunct="1">
         <a:defRPr sz="1800" kern="1200">
           <a:solidFill>
             <a:schemeClr val="tx1"/>
@@ -3847,7 +7042,7 @@
           <a:cs typeface="+mn-cs"/>
         </a:defRPr>
       </a:lvl1pPr>
-      <a:lvl2pPr marL="457200" algn="l" defTabSz="914400" rtl="0" eaLnBrk="1" latinLnBrk="0" hangingPunct="1">
+      <a:lvl2pPr marL="457200" algn="l" defTabSz="457200" rtl="0" eaLnBrk="1" latinLnBrk="0" hangingPunct="1">
         <a:defRPr sz="1800" kern="1200">
           <a:solidFill>
             <a:schemeClr val="tx1"/>
@@ -3857,7 +7052,7 @@
           <a:cs typeface="+mn-cs"/>
         </a:defRPr>
       </a:lvl2pPr>
-      <a:lvl3pPr marL="914400" algn="l" defTabSz="914400" rtl="0" eaLnBrk="1" latinLnBrk="0" hangingPunct="1">
+      <a:lvl3pPr marL="914400" algn="l" defTabSz="457200" rtl="0" eaLnBrk="1" latinLnBrk="0" hangingPunct="1">
         <a:defRPr sz="1800" kern="1200">
           <a:solidFill>
             <a:schemeClr val="tx1"/>
@@ -3867,7 +7062,7 @@
           <a:cs typeface="+mn-cs"/>
         </a:defRPr>
       </a:lvl3pPr>
-      <a:lvl4pPr marL="1371600" algn="l" defTabSz="914400" rtl="0" eaLnBrk="1" latinLnBrk="0" hangingPunct="1">
+      <a:lvl4pPr marL="1371600" algn="l" defTabSz="457200" rtl="0" eaLnBrk="1" latinLnBrk="0" hangingPunct="1">
         <a:defRPr sz="1800" kern="1200">
           <a:solidFill>
             <a:schemeClr val="tx1"/>
@@ -3877,7 +7072,7 @@
           <a:cs typeface="+mn-cs"/>
         </a:defRPr>
       </a:lvl4pPr>
-      <a:lvl5pPr marL="1828800" algn="l" defTabSz="914400" rtl="0" eaLnBrk="1" latinLnBrk="0" hangingPunct="1">
+      <a:lvl5pPr marL="1828800" algn="l" defTabSz="457200" rtl="0" eaLnBrk="1" latinLnBrk="0" hangingPunct="1">
         <a:defRPr sz="1800" kern="1200">
           <a:solidFill>
             <a:schemeClr val="tx1"/>
@@ -3887,7 +7082,7 @@
           <a:cs typeface="+mn-cs"/>
         </a:defRPr>
       </a:lvl5pPr>
-      <a:lvl6pPr marL="2286000" algn="l" defTabSz="914400" rtl="0" eaLnBrk="1" latinLnBrk="0" hangingPunct="1">
+      <a:lvl6pPr marL="2286000" algn="l" defTabSz="457200" rtl="0" eaLnBrk="1" latinLnBrk="0" hangingPunct="1">
         <a:defRPr sz="1800" kern="1200">
           <a:solidFill>
             <a:schemeClr val="tx1"/>
@@ -3897,7 +7092,7 @@
           <a:cs typeface="+mn-cs"/>
         </a:defRPr>
       </a:lvl6pPr>
-      <a:lvl7pPr marL="2743200" algn="l" defTabSz="914400" rtl="0" eaLnBrk="1" latinLnBrk="0" hangingPunct="1">
+      <a:lvl7pPr marL="2743200" algn="l" defTabSz="457200" rtl="0" eaLnBrk="1" latinLnBrk="0" hangingPunct="1">
         <a:defRPr sz="1800" kern="1200">
           <a:solidFill>
             <a:schemeClr val="tx1"/>
@@ -3907,7 +7102,7 @@
           <a:cs typeface="+mn-cs"/>
         </a:defRPr>
       </a:lvl7pPr>
-      <a:lvl8pPr marL="3200400" algn="l" defTabSz="914400" rtl="0" eaLnBrk="1" latinLnBrk="0" hangingPunct="1">
+      <a:lvl8pPr marL="3200400" algn="l" defTabSz="457200" rtl="0" eaLnBrk="1" latinLnBrk="0" hangingPunct="1">
         <a:defRPr sz="1800" kern="1200">
           <a:solidFill>
             <a:schemeClr val="tx1"/>
@@ -3917,7 +7112,7 @@
           <a:cs typeface="+mn-cs"/>
         </a:defRPr>
       </a:lvl8pPr>
-      <a:lvl9pPr marL="3657600" algn="l" defTabSz="914400" rtl="0" eaLnBrk="1" latinLnBrk="0" hangingPunct="1">
+      <a:lvl9pPr marL="3657600" algn="l" defTabSz="457200" rtl="0" eaLnBrk="1" latinLnBrk="0" hangingPunct="1">
         <a:defRPr sz="1800" kern="1200">
           <a:solidFill>
             <a:schemeClr val="tx1"/>
@@ -4440,6 +7635,264 @@
       </p:grpSpPr>
       <p:sp>
         <p:nvSpPr>
+          <p:cNvPr id="2" name="Title 1"/>
+          <p:cNvSpPr>
+            <a:spLocks noGrp="1"/>
+          </p:cNvSpPr>
+          <p:nvPr>
+            <p:ph type="title"/>
+          </p:nvPr>
+        </p:nvSpPr>
+        <p:spPr/>
+        <p:txBody>
+          <a:bodyPr/>
+          <a:lstStyle/>
+          <a:p>
+            <a:endParaRPr lang="sl-SI"/>
+          </a:p>
+        </p:txBody>
+      </p:sp>
+      <p:sp>
+        <p:nvSpPr>
+          <p:cNvPr id="3" name="Content Placeholder 2"/>
+          <p:cNvSpPr>
+            <a:spLocks noGrp="1"/>
+          </p:cNvSpPr>
+          <p:nvPr>
+            <p:ph idx="1"/>
+          </p:nvPr>
+        </p:nvSpPr>
+        <p:spPr/>
+        <p:txBody>
+          <a:bodyPr/>
+          <a:lstStyle/>
+          <a:p>
+            <a:r>
+              <a:rPr lang="sl-SI" dirty="0" smtClean="0"/>
+              <a:t>V je prazno vozlišče</a:t>
+            </a:r>
+          </a:p>
+          <a:p>
+            <a:r>
+              <a:rPr lang="sl-SI" dirty="0"/>
+              <a:t>v je že </a:t>
+            </a:r>
+            <a:r>
+              <a:rPr lang="sl-SI" dirty="0" smtClean="0"/>
+              <a:t>v prirejanju ni vsebovan </a:t>
+            </a:r>
+            <a:r>
+              <a:rPr lang="sl-SI" dirty="0"/>
+              <a:t>v </a:t>
+            </a:r>
+            <a:r>
+              <a:rPr lang="sl-SI" dirty="0" smtClean="0"/>
+              <a:t>drevesu</a:t>
+            </a:r>
+          </a:p>
+          <a:p>
+            <a:r>
+              <a:rPr lang="sl-SI" dirty="0" smtClean="0"/>
+              <a:t>V je že v drevesu, zaznali smo cikel sode dolžine</a:t>
+            </a:r>
+          </a:p>
+          <a:p>
+            <a:r>
+              <a:rPr lang="sl-SI" dirty="0" smtClean="0"/>
+              <a:t>V je že v drevesu, zaznali smo cikel lihe dolžine</a:t>
+            </a:r>
+          </a:p>
+        </p:txBody>
+      </p:sp>
+    </p:spTree>
+    <p:extLst>
+      <p:ext uri="{BB962C8B-B14F-4D97-AF65-F5344CB8AC3E}">
+        <p14:creationId xmlns:p14="http://schemas.microsoft.com/office/powerpoint/2010/main" val="2770915571"/>
+      </p:ext>
+    </p:extLst>
+  </p:cSld>
+  <p:clrMapOvr>
+    <a:masterClrMapping/>
+  </p:clrMapOvr>
+</p:sld>
+</file>
+
+<file path=ppt/slides/slide14.xml><?xml version="1.0" encoding="utf-8"?>
+<p:sld xmlns:a="http://schemas.openxmlformats.org/drawingml/2006/main" xmlns:r="http://schemas.openxmlformats.org/officeDocument/2006/relationships" xmlns:p="http://schemas.openxmlformats.org/presentationml/2006/main">
+  <p:cSld>
+    <p:spTree>
+      <p:nvGrpSpPr>
+        <p:cNvPr id="1" name=""/>
+        <p:cNvGrpSpPr/>
+        <p:nvPr/>
+      </p:nvGrpSpPr>
+      <p:grpSpPr>
+        <a:xfrm>
+          <a:off x="0" y="0"/>
+          <a:ext cx="0" cy="0"/>
+          <a:chOff x="0" y="0"/>
+          <a:chExt cx="0" cy="0"/>
+        </a:xfrm>
+      </p:grpSpPr>
+      <p:sp>
+        <p:nvSpPr>
+          <p:cNvPr id="2" name="Naslov 1"/>
+          <p:cNvSpPr>
+            <a:spLocks noGrp="1"/>
+          </p:cNvSpPr>
+          <p:nvPr>
+            <p:ph type="title"/>
+          </p:nvPr>
+        </p:nvSpPr>
+        <p:spPr/>
+        <p:txBody>
+          <a:bodyPr/>
+          <a:lstStyle/>
+          <a:p>
+            <a:endParaRPr lang="en-US" dirty="0"/>
+          </a:p>
+        </p:txBody>
+      </p:sp>
+      <p:sp>
+        <p:nvSpPr>
+          <p:cNvPr id="3" name="Ograda vsebine 2"/>
+          <p:cNvSpPr>
+            <a:spLocks noGrp="1"/>
+          </p:cNvSpPr>
+          <p:nvPr>
+            <p:ph idx="1"/>
+          </p:nvPr>
+        </p:nvSpPr>
+        <p:spPr/>
+        <p:txBody>
+          <a:bodyPr/>
+          <a:lstStyle/>
+          <a:p>
+            <a:endParaRPr lang="en-US" dirty="0"/>
+          </a:p>
+        </p:txBody>
+      </p:sp>
+      <p:pic>
+        <p:nvPicPr>
+          <p:cNvPr id="5122" name="Picture 2" descr="C:\Documents and Settings\xxx\Desktop\BlossomAlgoritem\slike\04_Description.png"/>
+          <p:cNvPicPr>
+            <a:picLocks noChangeAspect="1" noChangeArrowheads="1"/>
+          </p:cNvPicPr>
+          <p:nvPr/>
+        </p:nvPicPr>
+        <p:blipFill>
+          <a:blip r:embed="rId3">
+            <a:extLst>
+              <a:ext uri="{28A0092B-C50C-407E-A947-70E740481C1C}">
+                <a14:useLocalDpi xmlns:a14="http://schemas.microsoft.com/office/drawing/2010/main" val="0"/>
+              </a:ext>
+            </a:extLst>
+          </a:blip>
+          <a:srcRect/>
+          <a:stretch>
+            <a:fillRect/>
+          </a:stretch>
+        </p:blipFill>
+        <p:spPr bwMode="auto">
+          <a:xfrm>
+            <a:off x="1926998" y="2708920"/>
+            <a:ext cx="1438275" cy="2076450"/>
+          </a:xfrm>
+          <a:prstGeom prst="rect">
+            <a:avLst/>
+          </a:prstGeom>
+          <a:noFill/>
+          <a:extLst>
+            <a:ext uri="{909E8E84-426E-40DD-AFC4-6F175D3DCCD1}">
+              <a14:hiddenFill xmlns:a14="http://schemas.microsoft.com/office/drawing/2010/main">
+                <a:solidFill>
+                  <a:srgbClr val="FFFFFF"/>
+                </a:solidFill>
+              </a14:hiddenFill>
+            </a:ext>
+          </a:extLst>
+        </p:spPr>
+      </p:pic>
+      <p:pic>
+        <p:nvPicPr>
+          <p:cNvPr id="5123" name="Picture 3" descr="C:\Documents and Settings\xxx\Desktop\BlossomAlgoritem\slike\05_Description.png"/>
+          <p:cNvPicPr>
+            <a:picLocks noChangeAspect="1" noChangeArrowheads="1"/>
+          </p:cNvPicPr>
+          <p:nvPr/>
+        </p:nvPicPr>
+        <p:blipFill>
+          <a:blip r:embed="rId4">
+            <a:extLst>
+              <a:ext uri="{28A0092B-C50C-407E-A947-70E740481C1C}">
+                <a14:useLocalDpi xmlns:a14="http://schemas.microsoft.com/office/drawing/2010/main" val="0"/>
+              </a:ext>
+            </a:extLst>
+          </a:blip>
+          <a:srcRect/>
+          <a:stretch>
+            <a:fillRect/>
+          </a:stretch>
+        </p:blipFill>
+        <p:spPr bwMode="auto">
+          <a:xfrm>
+            <a:off x="6996113" y="2927350"/>
+            <a:ext cx="571500" cy="1504950"/>
+          </a:xfrm>
+          <a:prstGeom prst="rect">
+            <a:avLst/>
+          </a:prstGeom>
+          <a:noFill/>
+          <a:extLst>
+            <a:ext uri="{909E8E84-426E-40DD-AFC4-6F175D3DCCD1}">
+              <a14:hiddenFill xmlns:a14="http://schemas.microsoft.com/office/drawing/2010/main">
+                <a:solidFill>
+                  <a:srgbClr val="FFFFFF"/>
+                </a:solidFill>
+              </a14:hiddenFill>
+            </a:ext>
+          </a:extLst>
+        </p:spPr>
+      </p:pic>
+    </p:spTree>
+    <p:extLst>
+      <p:ext uri="{BB962C8B-B14F-4D97-AF65-F5344CB8AC3E}">
+        <p14:creationId xmlns:p14="http://schemas.microsoft.com/office/powerpoint/2010/main" val="1312756899"/>
+      </p:ext>
+    </p:extLst>
+  </p:cSld>
+  <p:clrMapOvr>
+    <a:masterClrMapping/>
+  </p:clrMapOvr>
+  <p:timing>
+    <p:tnLst>
+      <p:par>
+        <p:cTn id="1" dur="indefinite" restart="never" nodeType="tmRoot"/>
+      </p:par>
+    </p:tnLst>
+  </p:timing>
+</p:sld>
+</file>
+
+<file path=ppt/slides/slide15.xml><?xml version="1.0" encoding="utf-8"?>
+<p:sld xmlns:a="http://schemas.openxmlformats.org/drawingml/2006/main" xmlns:r="http://schemas.openxmlformats.org/officeDocument/2006/relationships" xmlns:p="http://schemas.openxmlformats.org/presentationml/2006/main">
+  <p:cSld>
+    <p:spTree>
+      <p:nvGrpSpPr>
+        <p:cNvPr id="1" name=""/>
+        <p:cNvGrpSpPr/>
+        <p:nvPr/>
+      </p:nvGrpSpPr>
+      <p:grpSpPr>
+        <a:xfrm>
+          <a:off x="0" y="0"/>
+          <a:ext cx="0" cy="0"/>
+          <a:chOff x="0" y="0"/>
+          <a:chExt cx="0" cy="0"/>
+        </a:xfrm>
+      </p:grpSpPr>
+      <p:sp>
+        <p:nvSpPr>
           <p:cNvPr id="2" name="Naslov 1"/>
           <p:cNvSpPr>
             <a:spLocks noGrp="1"/>
@@ -4531,7 +7984,7 @@
 </p:sld>
 </file>
 
-<file path=ppt/slides/slide14.xml><?xml version="1.0" encoding="utf-8"?>
+<file path=ppt/slides/slide16.xml><?xml version="1.0" encoding="utf-8"?>
 <p:sld xmlns:a="http://schemas.openxmlformats.org/drawingml/2006/main" xmlns:r="http://schemas.openxmlformats.org/officeDocument/2006/relationships" xmlns:p="http://schemas.openxmlformats.org/presentationml/2006/main">
   <p:cSld>
     <p:spTree>
@@ -4647,7 +8100,7 @@
 </p:sld>
 </file>
 
-<file path=ppt/slides/slide15.xml><?xml version="1.0" encoding="utf-8"?>
+<file path=ppt/slides/slide17.xml><?xml version="1.0" encoding="utf-8"?>
 <p:sld xmlns:a="http://schemas.openxmlformats.org/drawingml/2006/main" xmlns:r="http://schemas.openxmlformats.org/officeDocument/2006/relationships" xmlns:p="http://schemas.openxmlformats.org/presentationml/2006/main">
   <p:cSld>
     <p:spTree>
@@ -4683,7 +8136,15 @@
           <a:p>
             <a:r>
               <a:rPr lang="sl-SI" dirty="0" smtClean="0"/>
-              <a:t>Povečujoča pot v stisnjenem grafu </a:t>
+              <a:t>Povečujoča pot v </a:t>
+            </a:r>
+            <a:r>
+              <a:rPr lang="sl-SI" dirty="0" smtClean="0"/>
+              <a:t>skrčenem </a:t>
+            </a:r>
+            <a:r>
+              <a:rPr lang="sl-SI" dirty="0" smtClean="0"/>
+              <a:t>grafu </a:t>
             </a:r>
             <a:r>
               <a:rPr lang="sl-SI" dirty="0" smtClean="0">
@@ -4792,7 +8253,99 @@
 </p:sld>
 </file>
 
-<file path=ppt/slides/slide16.xml><?xml version="1.0" encoding="utf-8"?>
+<file path=ppt/slides/slide18.xml><?xml version="1.0" encoding="utf-8"?>
+<p:sld xmlns:a="http://schemas.openxmlformats.org/drawingml/2006/main" xmlns:r="http://schemas.openxmlformats.org/officeDocument/2006/relationships" xmlns:p="http://schemas.openxmlformats.org/presentationml/2006/main">
+  <p:cSld>
+    <p:spTree>
+      <p:nvGrpSpPr>
+        <p:cNvPr id="1" name=""/>
+        <p:cNvGrpSpPr/>
+        <p:nvPr/>
+      </p:nvGrpSpPr>
+      <p:grpSpPr>
+        <a:xfrm>
+          <a:off x="0" y="0"/>
+          <a:ext cx="0" cy="0"/>
+          <a:chOff x="0" y="0"/>
+          <a:chExt cx="0" cy="0"/>
+        </a:xfrm>
+      </p:grpSpPr>
+      <p:sp>
+        <p:nvSpPr>
+          <p:cNvPr id="2" name="Title 1"/>
+          <p:cNvSpPr>
+            <a:spLocks noGrp="1"/>
+          </p:cNvSpPr>
+          <p:nvPr>
+            <p:ph type="title"/>
+          </p:nvPr>
+        </p:nvSpPr>
+        <p:spPr/>
+        <p:txBody>
+          <a:bodyPr/>
+          <a:lstStyle/>
+          <a:p>
+            <a:endParaRPr lang="sl-SI"/>
+          </a:p>
+        </p:txBody>
+      </p:sp>
+      <p:sp>
+        <p:nvSpPr>
+          <p:cNvPr id="3" name="Content Placeholder 2"/>
+          <p:cNvSpPr>
+            <a:spLocks noGrp="1"/>
+          </p:cNvSpPr>
+          <p:nvPr>
+            <p:ph idx="1"/>
+          </p:nvPr>
+        </p:nvSpPr>
+        <p:spPr/>
+        <p:txBody>
+          <a:bodyPr/>
+          <a:lstStyle/>
+          <a:p>
+            <a:endParaRPr lang="sl-SI"/>
+          </a:p>
+        </p:txBody>
+      </p:sp>
+      <p:pic>
+        <p:nvPicPr>
+          <p:cNvPr id="4" name="Picture 3"/>
+          <p:cNvPicPr>
+            <a:picLocks noChangeAspect="1"/>
+          </p:cNvPicPr>
+          <p:nvPr/>
+        </p:nvPicPr>
+        <p:blipFill>
+          <a:blip r:embed="rId2"/>
+          <a:stretch>
+            <a:fillRect/>
+          </a:stretch>
+        </p:blipFill>
+        <p:spPr>
+          <a:xfrm>
+            <a:off x="1835696" y="1214176"/>
+            <a:ext cx="6068513" cy="4911987"/>
+          </a:xfrm>
+          <a:prstGeom prst="rect">
+            <a:avLst/>
+          </a:prstGeom>
+        </p:spPr>
+      </p:pic>
+    </p:spTree>
+    <p:extLst>
+      <p:ext uri="{BB962C8B-B14F-4D97-AF65-F5344CB8AC3E}">
+        <p14:creationId xmlns:p14="http://schemas.microsoft.com/office/powerpoint/2010/main" val="4119760828"/>
+      </p:ext>
+    </p:extLst>
+  </p:cSld>
+  <p:clrMapOvr>
+    <a:masterClrMapping/>
+  </p:clrMapOvr>
+</p:sld>
+</file>
+
+<file path=ppt/slides/slide19.xml><?xml version="1.0" encoding="utf-8"?>
 <p:sld xmlns:a="http://schemas.openxmlformats.org/drawingml/2006/main" xmlns:r="http://schemas.openxmlformats.org/officeDocument/2006/relationships" xmlns:p="http://schemas.openxmlformats.org/presentationml/2006/main">
   <p:cSld>
     <p:spTree>
@@ -4908,7 +8461,90 @@
 </p:sld>
 </file>
 
-<file path=ppt/slides/slide17.xml><?xml version="1.0" encoding="utf-8"?>
+<file path=ppt/slides/slide2.xml><?xml version="1.0" encoding="utf-8"?>
+<p:sld xmlns:a="http://schemas.openxmlformats.org/drawingml/2006/main" xmlns:r="http://schemas.openxmlformats.org/officeDocument/2006/relationships" xmlns:p="http://schemas.openxmlformats.org/presentationml/2006/main">
+  <p:cSld>
+    <p:spTree>
+      <p:nvGrpSpPr>
+        <p:cNvPr id="1" name=""/>
+        <p:cNvGrpSpPr/>
+        <p:nvPr/>
+      </p:nvGrpSpPr>
+      <p:grpSpPr>
+        <a:xfrm>
+          <a:off x="0" y="0"/>
+          <a:ext cx="0" cy="0"/>
+          <a:chOff x="0" y="0"/>
+          <a:chExt cx="0" cy="0"/>
+        </a:xfrm>
+      </p:grpSpPr>
+      <p:sp>
+        <p:nvSpPr>
+          <p:cNvPr id="2" name="Naslov 1"/>
+          <p:cNvSpPr>
+            <a:spLocks noGrp="1"/>
+          </p:cNvSpPr>
+          <p:nvPr>
+            <p:ph type="title"/>
+          </p:nvPr>
+        </p:nvSpPr>
+        <p:spPr/>
+        <p:txBody>
+          <a:bodyPr/>
+          <a:lstStyle/>
+          <a:p>
+            <a:r>
+              <a:rPr lang="sl-SI" dirty="0" smtClean="0"/>
+              <a:t>Problem</a:t>
+            </a:r>
+            <a:endParaRPr lang="en-US" dirty="0"/>
+          </a:p>
+        </p:txBody>
+      </p:sp>
+      <p:sp>
+        <p:nvSpPr>
+          <p:cNvPr id="3" name="Ograda vsebine 2"/>
+          <p:cNvSpPr>
+            <a:spLocks noGrp="1"/>
+          </p:cNvSpPr>
+          <p:nvPr>
+            <p:ph idx="1"/>
+          </p:nvPr>
+        </p:nvSpPr>
+        <p:spPr/>
+        <p:txBody>
+          <a:bodyPr/>
+          <a:lstStyle/>
+          <a:p>
+            <a:r>
+              <a:rPr lang="sl-SI" dirty="0" smtClean="0"/>
+              <a:t>Določi največjo podmnožico povezav v grafu, tako da nobeno vozlišče ne bo dotaknjeno več kot 1x.</a:t>
+            </a:r>
+            <a:endParaRPr lang="en-US" dirty="0"/>
+          </a:p>
+        </p:txBody>
+      </p:sp>
+    </p:spTree>
+    <p:extLst>
+      <p:ext uri="{BB962C8B-B14F-4D97-AF65-F5344CB8AC3E}">
+        <p14:creationId xmlns:p14="http://schemas.microsoft.com/office/powerpoint/2010/main" val="4290144554"/>
+      </p:ext>
+    </p:extLst>
+  </p:cSld>
+  <p:clrMapOvr>
+    <a:masterClrMapping/>
+  </p:clrMapOvr>
+  <p:timing>
+    <p:tnLst>
+      <p:par>
+        <p:cTn id="1" dur="indefinite" restart="never" nodeType="tmRoot"/>
+      </p:par>
+    </p:tnLst>
+  </p:timing>
+</p:sld>
+</file>
+
+<file path=ppt/slides/slide20.xml><?xml version="1.0" encoding="utf-8"?>
 <p:sld xmlns:a="http://schemas.openxmlformats.org/drawingml/2006/main" xmlns:r="http://schemas.openxmlformats.org/officeDocument/2006/relationships" xmlns:p="http://schemas.openxmlformats.org/presentationml/2006/main">
   <p:cSld>
     <p:spTree>
@@ -5046,7 +8682,103 @@
 </p:sld>
 </file>
 
-<file path=ppt/slides/slide18.xml><?xml version="1.0" encoding="utf-8"?>
+<file path=ppt/slides/slide21.xml><?xml version="1.0" encoding="utf-8"?>
+<p:sld xmlns:a="http://schemas.openxmlformats.org/drawingml/2006/main" xmlns:r="http://schemas.openxmlformats.org/officeDocument/2006/relationships" xmlns:p="http://schemas.openxmlformats.org/presentationml/2006/main">
+  <p:cSld>
+    <p:spTree>
+      <p:nvGrpSpPr>
+        <p:cNvPr id="1" name=""/>
+        <p:cNvGrpSpPr/>
+        <p:nvPr/>
+      </p:nvGrpSpPr>
+      <p:grpSpPr>
+        <a:xfrm>
+          <a:off x="0" y="0"/>
+          <a:ext cx="0" cy="0"/>
+          <a:chOff x="0" y="0"/>
+          <a:chExt cx="0" cy="0"/>
+        </a:xfrm>
+      </p:grpSpPr>
+      <p:sp>
+        <p:nvSpPr>
+          <p:cNvPr id="2" name="Title 1"/>
+          <p:cNvSpPr>
+            <a:spLocks noGrp="1"/>
+          </p:cNvSpPr>
+          <p:nvPr>
+            <p:ph type="title"/>
+          </p:nvPr>
+        </p:nvSpPr>
+        <p:spPr/>
+        <p:txBody>
+          <a:bodyPr/>
+          <a:lstStyle/>
+          <a:p>
+            <a:r>
+              <a:rPr lang="sl-SI" dirty="0" smtClean="0"/>
+              <a:t>Dodaj v gozd</a:t>
+            </a:r>
+            <a:endParaRPr lang="sl-SI" dirty="0"/>
+          </a:p>
+        </p:txBody>
+      </p:sp>
+      <p:sp>
+        <p:nvSpPr>
+          <p:cNvPr id="3" name="Content Placeholder 2"/>
+          <p:cNvSpPr>
+            <a:spLocks noGrp="1"/>
+          </p:cNvSpPr>
+          <p:nvPr>
+            <p:ph idx="1"/>
+          </p:nvPr>
+        </p:nvSpPr>
+        <p:spPr/>
+        <p:txBody>
+          <a:bodyPr/>
+          <a:lstStyle/>
+          <a:p>
+            <a:endParaRPr lang="sl-SI" dirty="0"/>
+          </a:p>
+        </p:txBody>
+      </p:sp>
+      <p:pic>
+        <p:nvPicPr>
+          <p:cNvPr id="4" name="Picture 3"/>
+          <p:cNvPicPr>
+            <a:picLocks noChangeAspect="1"/>
+          </p:cNvPicPr>
+          <p:nvPr/>
+        </p:nvPicPr>
+        <p:blipFill>
+          <a:blip r:embed="rId2"/>
+          <a:stretch>
+            <a:fillRect/>
+          </a:stretch>
+        </p:blipFill>
+        <p:spPr>
+          <a:xfrm>
+            <a:off x="1195387" y="2986881"/>
+            <a:ext cx="6753225" cy="1752600"/>
+          </a:xfrm>
+          <a:prstGeom prst="rect">
+            <a:avLst/>
+          </a:prstGeom>
+        </p:spPr>
+      </p:pic>
+    </p:spTree>
+    <p:extLst>
+      <p:ext uri="{BB962C8B-B14F-4D97-AF65-F5344CB8AC3E}">
+        <p14:creationId xmlns:p14="http://schemas.microsoft.com/office/powerpoint/2010/main" val="3133852342"/>
+      </p:ext>
+    </p:extLst>
+  </p:cSld>
+  <p:clrMapOvr>
+    <a:masterClrMapping/>
+  </p:clrMapOvr>
+</p:sld>
+</file>
+
+<file path=ppt/slides/slide22.xml><?xml version="1.0" encoding="utf-8"?>
 <p:sld xmlns:a="http://schemas.openxmlformats.org/drawingml/2006/main" xmlns:r="http://schemas.openxmlformats.org/officeDocument/2006/relationships" xmlns:p="http://schemas.openxmlformats.org/presentationml/2006/main">
   <p:cSld>
     <p:spTree>
@@ -5203,7 +8935,7 @@
 </p:sld>
 </file>
 
-<file path=ppt/slides/slide19.xml><?xml version="1.0" encoding="utf-8"?>
+<file path=ppt/slides/slide23.xml><?xml version="1.0" encoding="utf-8"?>
 <p:sld xmlns:a="http://schemas.openxmlformats.org/drawingml/2006/main" xmlns:r="http://schemas.openxmlformats.org/officeDocument/2006/relationships" xmlns:p="http://schemas.openxmlformats.org/presentationml/2006/main">
   <p:cSld>
     <p:spTree>
@@ -5360,7 +9092,7 @@
 </p:sld>
 </file>
 
-<file path=ppt/slides/slide2.xml><?xml version="1.0" encoding="utf-8"?>
+<file path=ppt/slides/slide24.xml><?xml version="1.0" encoding="utf-8"?>
 <p:sld xmlns:a="http://schemas.openxmlformats.org/drawingml/2006/main" xmlns:r="http://schemas.openxmlformats.org/officeDocument/2006/relationships" xmlns:p="http://schemas.openxmlformats.org/presentationml/2006/main">
   <p:cSld>
     <p:spTree>
@@ -5394,7 +9126,7 @@
           <a:p>
             <a:r>
               <a:rPr lang="sl-SI" dirty="0" smtClean="0"/>
-              <a:t>Problem</a:t>
+              <a:t>Drevo</a:t>
             </a:r>
             <a:endParaRPr lang="en-US" dirty="0"/>
           </a:p>
@@ -5416,100 +9148,93 @@
           <a:lstStyle/>
           <a:p>
             <a:r>
+              <a:rPr lang="sl-SI" dirty="0"/>
+              <a:t>drevo T v G je izmenično drevo glede na M, </a:t>
+            </a:r>
+            <a:r>
               <a:rPr lang="sl-SI" dirty="0" smtClean="0"/>
-              <a:t>Določi največjo podmnožico povezav v grafu, tako da nobeno vozlišče ne bo dotaknjeno več kot 1x.</a:t>
-            </a:r>
-            <a:endParaRPr lang="en-US" dirty="0"/>
-          </a:p>
-        </p:txBody>
-      </p:sp>
-    </p:spTree>
-    <p:extLst>
-      <p:ext uri="{BB962C8B-B14F-4D97-AF65-F5344CB8AC3E}">
-        <p14:creationId xmlns:p14="http://schemas.microsoft.com/office/powerpoint/2010/main" val="4290144554"/>
-      </p:ext>
-    </p:extLst>
-  </p:cSld>
-  <p:clrMapOvr>
-    <a:masterClrMapping/>
-  </p:clrMapOvr>
-  <p:timing>
-    <p:tnLst>
-      <p:par>
-        <p:cTn id="1" dur="indefinite" restart="never" nodeType="tmRoot"/>
-      </p:par>
-    </p:tnLst>
-  </p:timing>
-</p:sld>
-</file>
-
-<file path=ppt/slides/slide20.xml><?xml version="1.0" encoding="utf-8"?>
-<p:sld xmlns:a="http://schemas.openxmlformats.org/drawingml/2006/main" xmlns:r="http://schemas.openxmlformats.org/officeDocument/2006/relationships" xmlns:p="http://schemas.openxmlformats.org/presentationml/2006/main">
-  <p:cSld>
-    <p:spTree>
-      <p:nvGrpSpPr>
-        <p:cNvPr id="1" name=""/>
-        <p:cNvGrpSpPr/>
-        <p:nvPr/>
-      </p:nvGrpSpPr>
-      <p:grpSpPr>
-        <a:xfrm>
-          <a:off x="0" y="0"/>
-          <a:ext cx="0" cy="0"/>
-          <a:chOff x="0" y="0"/>
-          <a:chExt cx="0" cy="0"/>
-        </a:xfrm>
-      </p:grpSpPr>
-      <p:sp>
-        <p:nvSpPr>
-          <p:cNvPr id="2" name="Naslov 1"/>
-          <p:cNvSpPr>
-            <a:spLocks noGrp="1"/>
-          </p:cNvSpPr>
-          <p:nvPr>
-            <p:ph type="title"/>
-          </p:nvPr>
-        </p:nvSpPr>
-        <p:spPr/>
-        <p:txBody>
-          <a:bodyPr/>
-          <a:lstStyle/>
-          <a:p>
+              <a:t>če</a:t>
+            </a:r>
+          </a:p>
+          <a:p>
+            <a:pPr marL="514350" indent="-514350">
+              <a:buFont typeface="+mj-lt"/>
+              <a:buAutoNum type="alphaLcParenR"/>
+            </a:pPr>
+            <a:r>
+              <a:rPr lang="sl-SI" dirty="0"/>
+              <a:t>T vsebuje točno eno izpostavljeno </a:t>
+            </a:r>
             <a:r>
               <a:rPr lang="sl-SI" dirty="0" smtClean="0"/>
-              <a:t>Gozd</a:t>
-            </a:r>
-            <a:endParaRPr lang="en-US" dirty="0"/>
-          </a:p>
-        </p:txBody>
-      </p:sp>
-      <p:sp>
-        <p:nvSpPr>
-          <p:cNvPr id="3" name="Ograda vsebine 2"/>
-          <p:cNvSpPr>
-            <a:spLocks noGrp="1"/>
-          </p:cNvSpPr>
-          <p:nvPr>
-            <p:ph idx="1"/>
-          </p:nvPr>
-        </p:nvSpPr>
-        <p:spPr/>
-        <p:txBody>
-          <a:bodyPr/>
-          <a:lstStyle/>
-          <a:p>
+              <a:t>vozlišče r</a:t>
+            </a:r>
+            <a:endParaRPr lang="sl-SI" dirty="0"/>
+          </a:p>
+          <a:p>
+            <a:pPr marL="514350" indent="-514350">
+              <a:buFont typeface="+mj-lt"/>
+              <a:buAutoNum type="alphaLcParenR"/>
+            </a:pPr>
+            <a:r>
+              <a:rPr lang="sl-SI" dirty="0"/>
+              <a:t>vsaka </a:t>
+            </a:r>
+            <a:r>
+              <a:rPr lang="sl-SI" dirty="0" err="1"/>
+              <a:t>tocka</a:t>
+            </a:r>
+            <a:r>
+              <a:rPr lang="sl-SI" dirty="0"/>
+              <a:t> na neparni razdalji od korena ima natanko dva </a:t>
+            </a:r>
+            <a:r>
+              <a:rPr lang="sl-SI" dirty="0" err="1"/>
+              <a:t>incidentna</a:t>
+            </a:r>
+            <a:r>
+              <a:rPr lang="sl-SI" dirty="0"/>
+              <a:t> robova v </a:t>
+            </a:r>
             <a:r>
               <a:rPr lang="sl-SI" dirty="0" smtClean="0"/>
-              <a:t>Je </a:t>
-            </a:r>
-            <a:r>
-              <a:rPr lang="sl-SI" dirty="0" err="1" smtClean="0"/>
-              <a:t>alternirajoč</a:t>
+              <a:t>T</a:t>
+            </a:r>
+          </a:p>
+          <a:p>
+            <a:pPr marL="514350" indent="-514350">
+              <a:buFont typeface="+mj-lt"/>
+              <a:buAutoNum type="alphaLcParenR"/>
+            </a:pPr>
+            <a:r>
+              <a:rPr lang="sl-SI" dirty="0"/>
+              <a:t>vse poti od r do listov v T imajo </a:t>
+            </a:r>
+            <a:r>
+              <a:rPr lang="sl-SI" dirty="0" smtClean="0"/>
+              <a:t>sode dolžine</a:t>
+            </a:r>
+            <a:r>
+              <a:rPr lang="sl-SI" dirty="0"/>
+              <a:t>, njihovi </a:t>
+            </a:r>
+            <a:r>
+              <a:rPr lang="sl-SI" dirty="0" smtClean="0"/>
+              <a:t>lihi </a:t>
+            </a:r>
+            <a:r>
+              <a:rPr lang="sl-SI" dirty="0"/>
+              <a:t>robovi niso v M, njihovi </a:t>
+            </a:r>
+            <a:r>
+              <a:rPr lang="sl-SI" dirty="0" smtClean="0"/>
+              <a:t>sodi </a:t>
+            </a:r>
+            <a:r>
+              <a:rPr lang="sl-SI" dirty="0"/>
+              <a:t>robovi pa so v M.</a:t>
             </a:r>
             <a:endParaRPr lang="sl-SI" dirty="0" smtClean="0"/>
-          </a:p>
-          <a:p>
-            <a:endParaRPr lang="en-US" dirty="0"/>
           </a:p>
         </p:txBody>
       </p:sp>
@@ -5533,7 +9258,7 @@
 </p:sld>
 </file>
 
-<file path=ppt/slides/slide21.xml><?xml version="1.0" encoding="utf-8"?>
+<file path=ppt/slides/slide25.xml><?xml version="1.0" encoding="utf-8"?>
 <p:sld xmlns:a="http://schemas.openxmlformats.org/drawingml/2006/main" xmlns:r="http://schemas.openxmlformats.org/officeDocument/2006/relationships" xmlns:p="http://schemas.openxmlformats.org/presentationml/2006/main">
   <p:cSld>
     <p:spTree>
@@ -5552,7 +9277,7 @@
       </p:grpSpPr>
       <p:sp>
         <p:nvSpPr>
-          <p:cNvPr id="2" name="Naslov 1"/>
+          <p:cNvPr id="2" name="Title 1"/>
           <p:cNvSpPr>
             <a:spLocks noGrp="1"/>
           </p:cNvSpPr>
@@ -5565,13 +9290,17 @@
           <a:bodyPr/>
           <a:lstStyle/>
           <a:p>
-            <a:endParaRPr lang="en-US" dirty="0"/>
-          </a:p>
-        </p:txBody>
-      </p:sp>
-      <p:sp>
-        <p:nvSpPr>
-          <p:cNvPr id="3" name="Ograda vsebine 2"/>
+            <a:r>
+              <a:rPr lang="sl-SI" dirty="0" smtClean="0"/>
+              <a:t>Gozd</a:t>
+            </a:r>
+            <a:endParaRPr lang="sl-SI" dirty="0"/>
+          </a:p>
+        </p:txBody>
+      </p:sp>
+      <p:sp>
+        <p:nvSpPr>
+          <p:cNvPr id="7" name="Content Placeholder 6"/>
           <p:cNvSpPr>
             <a:spLocks noGrp="1"/>
           </p:cNvSpPr>
@@ -5584,96 +9313,98 @@
           <a:bodyPr/>
           <a:lstStyle/>
           <a:p>
-            <a:endParaRPr lang="en-US" dirty="0"/>
-          </a:p>
-        </p:txBody>
-      </p:sp>
-      <p:pic>
-        <p:nvPicPr>
-          <p:cNvPr id="5122" name="Picture 2" descr="C:\Documents and Settings\xxx\Desktop\BlossomAlgoritem\slike\04_Description.png"/>
-          <p:cNvPicPr>
-            <a:picLocks noChangeAspect="1" noChangeArrowheads="1"/>
-          </p:cNvPicPr>
-          <p:nvPr/>
-        </p:nvPicPr>
-        <p:blipFill>
-          <a:blip r:embed="rId3">
-            <a:extLst>
-              <a:ext uri="{28A0092B-C50C-407E-A947-70E740481C1C}">
-                <a14:useLocalDpi xmlns:a14="http://schemas.microsoft.com/office/drawing/2010/main" val="0"/>
-              </a:ext>
-            </a:extLst>
-          </a:blip>
-          <a:srcRect/>
-          <a:stretch>
-            <a:fillRect/>
-          </a:stretch>
-        </p:blipFill>
-        <p:spPr bwMode="auto">
-          <a:xfrm>
-            <a:off x="1926998" y="2708920"/>
-            <a:ext cx="1438275" cy="2076450"/>
-          </a:xfrm>
-          <a:prstGeom prst="rect">
-            <a:avLst/>
-          </a:prstGeom>
-          <a:noFill/>
-          <a:extLst>
-            <a:ext uri="{909E8E84-426E-40DD-AFC4-6F175D3DCCD1}">
-              <a14:hiddenFill xmlns:a14="http://schemas.microsoft.com/office/drawing/2010/main">
-                <a:solidFill>
-                  <a:srgbClr val="FFFFFF"/>
-                </a:solidFill>
-              </a14:hiddenFill>
-            </a:ext>
-          </a:extLst>
-        </p:spPr>
-      </p:pic>
-      <p:pic>
-        <p:nvPicPr>
-          <p:cNvPr id="5123" name="Picture 3" descr="C:\Documents and Settings\xxx\Desktop\BlossomAlgoritem\slike\05_Description.png"/>
-          <p:cNvPicPr>
-            <a:picLocks noChangeAspect="1" noChangeArrowheads="1"/>
-          </p:cNvPicPr>
-          <p:nvPr/>
-        </p:nvPicPr>
-        <p:blipFill>
-          <a:blip r:embed="rId4">
-            <a:extLst>
-              <a:ext uri="{28A0092B-C50C-407E-A947-70E740481C1C}">
-                <a14:useLocalDpi xmlns:a14="http://schemas.microsoft.com/office/drawing/2010/main" val="0"/>
-              </a:ext>
-            </a:extLst>
-          </a:blip>
-          <a:srcRect/>
-          <a:stretch>
-            <a:fillRect/>
-          </a:stretch>
-        </p:blipFill>
-        <p:spPr bwMode="auto">
-          <a:xfrm>
-            <a:off x="6996113" y="2927350"/>
-            <a:ext cx="571500" cy="1504950"/>
-          </a:xfrm>
-          <a:prstGeom prst="rect">
-            <a:avLst/>
-          </a:prstGeom>
-          <a:noFill/>
-          <a:extLst>
-            <a:ext uri="{909E8E84-426E-40DD-AFC4-6F175D3DCCD1}">
-              <a14:hiddenFill xmlns:a14="http://schemas.microsoft.com/office/drawing/2010/main">
-                <a:solidFill>
-                  <a:srgbClr val="FFFFFF"/>
-                </a:solidFill>
-              </a14:hiddenFill>
-            </a:ext>
-          </a:extLst>
-        </p:spPr>
-      </p:pic>
+            <a:r>
+              <a:rPr lang="sl-SI" dirty="0"/>
+              <a:t>gozd F v G je izmeničen gozd glede na M, </a:t>
+            </a:r>
+            <a:r>
+              <a:rPr lang="sl-SI" dirty="0" smtClean="0"/>
+              <a:t>če</a:t>
+            </a:r>
+          </a:p>
+          <a:p>
+            <a:pPr marL="514350" indent="-514350">
+              <a:buFont typeface="+mj-lt"/>
+              <a:buAutoNum type="alphaLcParenR"/>
+            </a:pPr>
+            <a:r>
+              <a:rPr lang="sl-SI" dirty="0" smtClean="0"/>
+              <a:t>povezane </a:t>
+            </a:r>
+            <a:r>
+              <a:rPr lang="sl-SI" dirty="0"/>
+              <a:t>komponente so izmenično drevesa</a:t>
+            </a:r>
+            <a:r>
+              <a:rPr lang="sl-SI" dirty="0" smtClean="0"/>
+              <a:t>,</a:t>
+            </a:r>
+          </a:p>
+          <a:p>
+            <a:pPr marL="514350" indent="-514350">
+              <a:buFont typeface="+mj-lt"/>
+              <a:buAutoNum type="alphaLcParenR"/>
+            </a:pPr>
+            <a:r>
+              <a:rPr lang="sl-SI" dirty="0" smtClean="0"/>
+              <a:t>vsako izpostavljeno </a:t>
+            </a:r>
+            <a:r>
+              <a:rPr lang="sl-SI" dirty="0"/>
+              <a:t>vozlišče v G je koren </a:t>
+            </a:r>
+            <a:r>
+              <a:rPr lang="sl-SI" dirty="0" smtClean="0"/>
+              <a:t>izmeničnega </a:t>
+            </a:r>
+            <a:r>
+              <a:rPr lang="sl-SI" dirty="0"/>
+              <a:t>drevesa v </a:t>
+            </a:r>
+            <a:r>
+              <a:rPr lang="sl-SI" dirty="0" smtClean="0"/>
+              <a:t>F</a:t>
+            </a:r>
+          </a:p>
+          <a:p>
+            <a:pPr marL="514350" indent="-514350">
+              <a:buFont typeface="+mj-lt"/>
+              <a:buAutoNum type="alphaLcParenR"/>
+            </a:pPr>
+            <a:endParaRPr lang="sl-SI" dirty="0"/>
+          </a:p>
+          <a:p>
+            <a:pPr marL="0" indent="0">
+              <a:buNone/>
+            </a:pPr>
+            <a:r>
+              <a:rPr lang="sl-SI" dirty="0"/>
+              <a:t>Gozd F, ki ga </a:t>
+            </a:r>
+            <a:r>
+              <a:rPr lang="sl-SI" dirty="0" smtClean="0"/>
+              <a:t>naredi </a:t>
+            </a:r>
+            <a:r>
+              <a:rPr lang="sl-SI" dirty="0" err="1" smtClean="0"/>
+              <a:t>find_augmenting_path</a:t>
+            </a:r>
+            <a:r>
+              <a:rPr lang="sl-SI" dirty="0" smtClean="0"/>
+              <a:t> </a:t>
+            </a:r>
+            <a:r>
+              <a:rPr lang="sl-SI" dirty="0"/>
+              <a:t>(), je izmeničen gozd.</a:t>
+            </a:r>
+            <a:endParaRPr lang="sl-SI" dirty="0" smtClean="0"/>
+          </a:p>
+        </p:txBody>
+      </p:sp>
     </p:spTree>
     <p:extLst>
       <p:ext uri="{BB962C8B-B14F-4D97-AF65-F5344CB8AC3E}">
-        <p14:creationId xmlns:p14="http://schemas.microsoft.com/office/powerpoint/2010/main" val="1312756899"/>
+        <p14:creationId xmlns:p14="http://schemas.microsoft.com/office/powerpoint/2010/main" val="4285847533"/>
       </p:ext>
     </p:extLst>
   </p:cSld>
@@ -5690,7 +9421,7 @@
 </p:sld>
 </file>
 
-<file path=ppt/slides/slide22.xml><?xml version="1.0" encoding="utf-8"?>
+<file path=ppt/slides/slide26.xml><?xml version="1.0" encoding="utf-8"?>
 <p:sld xmlns:a="http://schemas.openxmlformats.org/drawingml/2006/main" xmlns:r="http://schemas.openxmlformats.org/officeDocument/2006/relationships" xmlns:p="http://schemas.openxmlformats.org/presentationml/2006/main">
   <p:cSld>
     <p:spTree>
@@ -5819,7 +9550,7 @@
 </p:sld>
 </file>
 
-<file path=ppt/slides/slide23.xml><?xml version="1.0" encoding="utf-8"?>
+<file path=ppt/slides/slide27.xml><?xml version="1.0" encoding="utf-8"?>
 <p:sld xmlns:a="http://schemas.openxmlformats.org/drawingml/2006/main" xmlns:r="http://schemas.openxmlformats.org/officeDocument/2006/relationships" xmlns:p="http://schemas.openxmlformats.org/presentationml/2006/main">
   <p:cSld>
     <p:spTree>
@@ -6001,7 +9732,7 @@
 </p:sld>
 </file>
 
-<file path=ppt/slides/slide24.xml><?xml version="1.0" encoding="utf-8"?>
+<file path=ppt/slides/slide28.xml><?xml version="1.0" encoding="utf-8"?>
 <p:sld xmlns:a="http://schemas.openxmlformats.org/drawingml/2006/main" xmlns:r="http://schemas.openxmlformats.org/officeDocument/2006/relationships" xmlns:p="http://schemas.openxmlformats.org/presentationml/2006/main">
   <p:cSld>
     <p:spTree>
@@ -6020,6 +9751,98 @@
       </p:grpSpPr>
       <p:sp>
         <p:nvSpPr>
+          <p:cNvPr id="2" name="Title 1"/>
+          <p:cNvSpPr>
+            <a:spLocks noGrp="1"/>
+          </p:cNvSpPr>
+          <p:nvPr>
+            <p:ph type="title"/>
+          </p:nvPr>
+        </p:nvSpPr>
+        <p:spPr/>
+        <p:txBody>
+          <a:bodyPr/>
+          <a:lstStyle/>
+          <a:p>
+            <a:endParaRPr lang="sl-SI"/>
+          </a:p>
+        </p:txBody>
+      </p:sp>
+      <p:sp>
+        <p:nvSpPr>
+          <p:cNvPr id="6" name="Content Placeholder 5"/>
+          <p:cNvSpPr>
+            <a:spLocks noGrp="1"/>
+          </p:cNvSpPr>
+          <p:nvPr>
+            <p:ph idx="1"/>
+          </p:nvPr>
+        </p:nvSpPr>
+        <p:spPr/>
+        <p:txBody>
+          <a:bodyPr/>
+          <a:lstStyle/>
+          <a:p>
+            <a:endParaRPr lang="sl-SI" dirty="0"/>
+          </a:p>
+        </p:txBody>
+      </p:sp>
+      <p:pic>
+        <p:nvPicPr>
+          <p:cNvPr id="4" name="Picture 3"/>
+          <p:cNvPicPr>
+            <a:picLocks noChangeAspect="1"/>
+          </p:cNvPicPr>
+          <p:nvPr/>
+        </p:nvPicPr>
+        <p:blipFill>
+          <a:blip r:embed="rId2"/>
+          <a:stretch>
+            <a:fillRect/>
+          </a:stretch>
+        </p:blipFill>
+        <p:spPr>
+          <a:xfrm>
+            <a:off x="1763688" y="332656"/>
+            <a:ext cx="5197487" cy="6007769"/>
+          </a:xfrm>
+          <a:prstGeom prst="rect">
+            <a:avLst/>
+          </a:prstGeom>
+        </p:spPr>
+      </p:pic>
+    </p:spTree>
+    <p:extLst>
+      <p:ext uri="{BB962C8B-B14F-4D97-AF65-F5344CB8AC3E}">
+        <p14:creationId xmlns:p14="http://schemas.microsoft.com/office/powerpoint/2010/main" val="2449853997"/>
+      </p:ext>
+    </p:extLst>
+  </p:cSld>
+  <p:clrMapOvr>
+    <a:masterClrMapping/>
+  </p:clrMapOvr>
+</p:sld>
+</file>
+
+<file path=ppt/slides/slide29.xml><?xml version="1.0" encoding="utf-8"?>
+<p:sld xmlns:a="http://schemas.openxmlformats.org/drawingml/2006/main" xmlns:r="http://schemas.openxmlformats.org/officeDocument/2006/relationships" xmlns:p="http://schemas.openxmlformats.org/presentationml/2006/main">
+  <p:cSld>
+    <p:spTree>
+      <p:nvGrpSpPr>
+        <p:cNvPr id="1" name=""/>
+        <p:cNvGrpSpPr/>
+        <p:nvPr/>
+      </p:nvGrpSpPr>
+      <p:grpSpPr>
+        <a:xfrm>
+          <a:off x="0" y="0"/>
+          <a:ext cx="0" cy="0"/>
+          <a:chOff x="0" y="0"/>
+          <a:chExt cx="0" cy="0"/>
+        </a:xfrm>
+      </p:grpSpPr>
+      <p:sp>
+        <p:nvSpPr>
           <p:cNvPr id="2" name="Naslov 1"/>
           <p:cNvSpPr>
             <a:spLocks noGrp="1"/>
@@ -6062,12 +9885,39 @@
           <a:p>
             <a:r>
               <a:rPr lang="sl-SI" dirty="0" smtClean="0"/>
-              <a:t>Časovna zahtevnost O(|V|^3)</a:t>
-            </a:r>
-            <a:endParaRPr lang="en-US" dirty="0"/>
-          </a:p>
-        </p:txBody>
-      </p:sp>
+              <a:t>Časovna zahtevnost O(|V|^3</a:t>
+            </a:r>
+            <a:r>
+              <a:rPr lang="sl-SI" dirty="0" smtClean="0"/>
+              <a:t>)</a:t>
+            </a:r>
+          </a:p>
+        </p:txBody>
+      </p:sp>
+      <p:pic>
+        <p:nvPicPr>
+          <p:cNvPr id="5" name="Picture 4"/>
+          <p:cNvPicPr>
+            <a:picLocks noChangeAspect="1"/>
+          </p:cNvPicPr>
+          <p:nvPr/>
+        </p:nvPicPr>
+        <p:blipFill>
+          <a:blip r:embed="rId2"/>
+          <a:stretch>
+            <a:fillRect/>
+          </a:stretch>
+        </p:blipFill>
+        <p:spPr>
+          <a:xfrm>
+            <a:off x="1218214" y="3899210"/>
+            <a:ext cx="6677358" cy="1316572"/>
+          </a:xfrm>
+          <a:prstGeom prst="rect">
+            <a:avLst/>
+          </a:prstGeom>
+        </p:spPr>
+      </p:pic>
     </p:spTree>
     <p:extLst>
       <p:ext uri="{BB962C8B-B14F-4D97-AF65-F5344CB8AC3E}">
@@ -6088,7 +9938,124 @@
 </p:sld>
 </file>
 
-<file path=ppt/slides/slide25.xml><?xml version="1.0" encoding="utf-8"?>
+<file path=ppt/slides/slide3.xml><?xml version="1.0" encoding="utf-8"?>
+<p:sld xmlns:a="http://schemas.openxmlformats.org/drawingml/2006/main" xmlns:r="http://schemas.openxmlformats.org/officeDocument/2006/relationships" xmlns:p="http://schemas.openxmlformats.org/presentationml/2006/main">
+  <p:cSld>
+    <p:spTree>
+      <p:nvGrpSpPr>
+        <p:cNvPr id="1" name=""/>
+        <p:cNvGrpSpPr/>
+        <p:nvPr/>
+      </p:nvGrpSpPr>
+      <p:grpSpPr>
+        <a:xfrm>
+          <a:off x="0" y="0"/>
+          <a:ext cx="0" cy="0"/>
+          <a:chOff x="0" y="0"/>
+          <a:chExt cx="0" cy="0"/>
+        </a:xfrm>
+      </p:grpSpPr>
+      <p:sp>
+        <p:nvSpPr>
+          <p:cNvPr id="2" name="Naslov 1"/>
+          <p:cNvSpPr>
+            <a:spLocks noGrp="1"/>
+          </p:cNvSpPr>
+          <p:nvPr>
+            <p:ph type="title"/>
+          </p:nvPr>
+        </p:nvSpPr>
+        <p:spPr/>
+        <p:txBody>
+          <a:bodyPr/>
+          <a:lstStyle/>
+          <a:p>
+            <a:endParaRPr lang="en-US" dirty="0"/>
+          </a:p>
+        </p:txBody>
+      </p:sp>
+      <p:sp>
+        <p:nvSpPr>
+          <p:cNvPr id="3" name="Ograda vsebine 2"/>
+          <p:cNvSpPr>
+            <a:spLocks noGrp="1"/>
+          </p:cNvSpPr>
+          <p:nvPr>
+            <p:ph idx="1"/>
+          </p:nvPr>
+        </p:nvSpPr>
+        <p:spPr/>
+        <p:txBody>
+          <a:bodyPr/>
+          <a:lstStyle/>
+          <a:p>
+            <a:r>
+              <a:rPr lang="en-US" dirty="0" err="1" smtClean="0"/>
+              <a:t>Algoritem</a:t>
+            </a:r>
+            <a:r>
+              <a:rPr lang="en-US" dirty="0" smtClean="0"/>
+              <a:t> je </a:t>
+            </a:r>
+            <a:r>
+              <a:rPr lang="en-US" dirty="0" err="1" smtClean="0"/>
+              <a:t>razvil</a:t>
+            </a:r>
+            <a:r>
+              <a:rPr lang="en-US" dirty="0" smtClean="0"/>
+              <a:t> Jack Edmonds </a:t>
+            </a:r>
+            <a:r>
+              <a:rPr lang="en-US" dirty="0" err="1" smtClean="0"/>
+              <a:t>leta</a:t>
+            </a:r>
+            <a:r>
+              <a:rPr lang="en-US" dirty="0" smtClean="0"/>
+              <a:t> 1961</a:t>
+            </a:r>
+            <a:r>
+              <a:rPr lang="sl-SI" dirty="0" smtClean="0"/>
+              <a:t>, objavljen je bil 1965.</a:t>
+            </a:r>
+          </a:p>
+          <a:p>
+            <a:r>
+              <a:rPr lang="sl-SI" dirty="0" smtClean="0"/>
+              <a:t>Prvi algoritem, ki išče maksimalno prirejanje v polinomskem času.</a:t>
+            </a:r>
+          </a:p>
+          <a:p>
+            <a:r>
+              <a:rPr lang="sl-SI" dirty="0" smtClean="0"/>
+              <a:t>Algoritem, ki dela na vseh grafih.</a:t>
+            </a:r>
+          </a:p>
+          <a:p>
+            <a:endParaRPr lang="en-US" dirty="0"/>
+          </a:p>
+        </p:txBody>
+      </p:sp>
+    </p:spTree>
+    <p:extLst>
+      <p:ext uri="{BB962C8B-B14F-4D97-AF65-F5344CB8AC3E}">
+        <p14:creationId xmlns:p14="http://schemas.microsoft.com/office/powerpoint/2010/main" val="3706668536"/>
+      </p:ext>
+    </p:extLst>
+  </p:cSld>
+  <p:clrMapOvr>
+    <a:masterClrMapping/>
+  </p:clrMapOvr>
+  <p:timing>
+    <p:tnLst>
+      <p:par>
+        <p:cTn id="1" dur="indefinite" restart="never" nodeType="tmRoot"/>
+      </p:par>
+    </p:tnLst>
+  </p:timing>
+</p:sld>
+</file>
+
+<file path=ppt/slides/slide30.xml><?xml version="1.0" encoding="utf-8"?>
 <p:sld xmlns:a="http://schemas.openxmlformats.org/drawingml/2006/main" xmlns:r="http://schemas.openxmlformats.org/officeDocument/2006/relationships" xmlns:p="http://schemas.openxmlformats.org/presentationml/2006/main">
   <p:cSld>
     <p:spTree>
@@ -6204,7 +10171,7 @@
 </p:sld>
 </file>
 
-<file path=ppt/slides/slide26.xml><?xml version="1.0" encoding="utf-8"?>
+<file path=ppt/slides/slide31.xml><?xml version="1.0" encoding="utf-8"?>
 <p:sld xmlns:a="http://schemas.openxmlformats.org/drawingml/2006/main" xmlns:r="http://schemas.openxmlformats.org/officeDocument/2006/relationships" xmlns:p="http://schemas.openxmlformats.org/presentationml/2006/main">
   <p:cSld>
     <p:spTree>
@@ -6223,7 +10190,7 @@
       </p:grpSpPr>
       <p:sp>
         <p:nvSpPr>
-          <p:cNvPr id="2" name="Naslov 1"/>
+          <p:cNvPr id="2" name="Title 1"/>
           <p:cNvSpPr>
             <a:spLocks noGrp="1"/>
           </p:cNvSpPr>
@@ -6238,201 +10205,206 @@
           <a:p>
             <a:r>
               <a:rPr lang="sl-SI" dirty="0" smtClean="0"/>
-              <a:t>Viri</a:t>
-            </a:r>
-            <a:endParaRPr lang="en-US" dirty="0"/>
-          </a:p>
-        </p:txBody>
-      </p:sp>
-      <p:sp>
-        <p:nvSpPr>
-          <p:cNvPr id="3" name="Ograda vsebine 2"/>
-          <p:cNvSpPr>
-            <a:spLocks noGrp="1"/>
-          </p:cNvSpPr>
-          <p:nvPr>
-            <p:ph idx="1"/>
-          </p:nvPr>
-        </p:nvSpPr>
-        <p:spPr/>
-        <p:txBody>
-          <a:bodyPr>
-            <a:normAutofit fontScale="55000" lnSpcReduction="20000"/>
-          </a:bodyPr>
-          <a:lstStyle/>
-          <a:p>
-            <a:r>
-              <a:rPr lang="en-US" dirty="0" smtClean="0">
-                <a:hlinkClick r:id="rId2"/>
-              </a:rPr>
-              <a:t>http://www.imsc.res.in/~meena/matching/edmonds.pdf</a:t>
-            </a:r>
-            <a:endParaRPr lang="en-US" dirty="0" smtClean="0"/>
-          </a:p>
-          <a:p>
-            <a:r>
-              <a:rPr lang="en-US" dirty="0" smtClean="0">
-                <a:hlinkClick r:id="rId3"/>
-              </a:rPr>
-              <a:t>https://en.wikipedia.org/wiki/Blossom_algorithm</a:t>
-            </a:r>
-            <a:endParaRPr lang="en-US" dirty="0" smtClean="0"/>
-          </a:p>
-          <a:p>
-            <a:r>
-              <a:rPr lang="en-US" dirty="0" smtClean="0">
-                <a:hlinkClick r:id="rId4"/>
-              </a:rPr>
-              <a:t>https://www-m9.ma.tum.de/graph-algorithms/matchings-blossom-algorithm/index_en.html</a:t>
-            </a:r>
-            <a:endParaRPr lang="en-US" dirty="0" smtClean="0"/>
-          </a:p>
-          <a:p>
-            <a:r>
-              <a:rPr lang="en-US" dirty="0" smtClean="0">
-                <a:hlinkClick r:id="rId5"/>
-              </a:rPr>
-              <a:t>https://brilliant.org/wiki/blossom-algorithm/</a:t>
-            </a:r>
-            <a:endParaRPr lang="en-US" dirty="0" smtClean="0"/>
-          </a:p>
-          <a:p>
-            <a:r>
-              <a:rPr lang="en-US" dirty="0" smtClean="0">
-                <a:hlinkClick r:id="rId6"/>
-              </a:rPr>
-              <a:t>https://stanford.edu/~rezab/classes/cme323/S16/projects_reports/shoemaker_vare.pdf</a:t>
-            </a:r>
-            <a:endParaRPr lang="sl-SI" dirty="0" smtClean="0"/>
-          </a:p>
-          <a:p>
-            <a:r>
-              <a:rPr lang="sl-SI" dirty="0" smtClean="0">
-                <a:hlinkClick r:id="rId7"/>
-              </a:rPr>
-              <a:t>https://web.archive.org/web/20081230183603/http://www.cs.berkeley.edu/~</a:t>
-            </a:r>
-            <a:r>
-              <a:rPr lang="sl-SI" dirty="0" smtClean="0">
-                <a:hlinkClick r:id="rId7"/>
-              </a:rPr>
-              <a:t>karp/greatalgo/lecture05.pdf</a:t>
-            </a:r>
-            <a:endParaRPr lang="sl-SI" dirty="0" smtClean="0"/>
-          </a:p>
-          <a:p>
-            <a:r>
-              <a:rPr lang="sl-SI" dirty="0">
-                <a:hlinkClick r:id="rId8"/>
-              </a:rPr>
-              <a:t>http://player.slideplayer.com/26/8289531</a:t>
-            </a:r>
-            <a:r>
-              <a:rPr lang="sl-SI" dirty="0" smtClean="0">
-                <a:hlinkClick r:id="rId8"/>
-              </a:rPr>
-              <a:t>/#</a:t>
-            </a:r>
-            <a:endParaRPr lang="sl-SI" dirty="0" smtClean="0"/>
-          </a:p>
-          <a:p>
-            <a:r>
-              <a:rPr lang="sl-SI" dirty="0">
-                <a:hlinkClick r:id="rId9"/>
-              </a:rPr>
-              <a:t>http://</a:t>
-            </a:r>
-            <a:r>
-              <a:rPr lang="sl-SI" dirty="0" smtClean="0">
-                <a:hlinkClick r:id="rId9"/>
-              </a:rPr>
-              <a:t>images.slideplayer.com/24/6976462/slides/slide_38.jpg</a:t>
-            </a:r>
-            <a:endParaRPr lang="sl-SI" dirty="0" smtClean="0"/>
-          </a:p>
-          <a:p>
-            <a:endParaRPr lang="sl-SI" dirty="0" smtClean="0"/>
-          </a:p>
-          <a:p>
-            <a:r>
-              <a:rPr lang="sl-SI" dirty="0" smtClean="0"/>
-              <a:t/>
-            </a:r>
-            <a:br>
-              <a:rPr lang="sl-SI" dirty="0" smtClean="0"/>
-            </a:br>
-            <a:endParaRPr lang="en-US" dirty="0" smtClean="0"/>
-          </a:p>
-          <a:p>
-            <a:r>
-              <a:rPr lang="en-US" dirty="0" smtClean="0">
-                <a:hlinkClick r:id="rId10"/>
-              </a:rPr>
-              <a:t>http</a:t>
-            </a:r>
-            <a:r>
-              <a:rPr lang="en-US" dirty="0" smtClean="0">
-                <a:hlinkClick r:id="rId10"/>
-              </a:rPr>
-              <a:t>://demonstrations.wolfram.com/TheBlossomAlgorithmForMaximumMatching</a:t>
-            </a:r>
-            <a:r>
-              <a:rPr lang="en-US" dirty="0" smtClean="0">
-                <a:hlinkClick r:id="rId10"/>
-              </a:rPr>
-              <a:t>/</a:t>
-            </a:r>
-            <a:endParaRPr lang="sl-SI" dirty="0" smtClean="0"/>
-          </a:p>
-          <a:p>
-            <a:r>
-              <a:rPr lang="en-US" dirty="0">
-                <a:hlinkClick r:id="rId11"/>
-              </a:rPr>
-              <a:t>https://</a:t>
-            </a:r>
-            <a:r>
-              <a:rPr lang="en-US" dirty="0" smtClean="0">
-                <a:hlinkClick r:id="rId11"/>
-              </a:rPr>
-              <a:t>github.com/amyshoe/CME323-Project</a:t>
-            </a:r>
-            <a:r>
-              <a:rPr lang="sl-SI" dirty="0" smtClean="0"/>
-              <a:t> </a:t>
-            </a:r>
-            <a:r>
-              <a:rPr lang="sl-SI" smtClean="0"/>
-              <a:t>(Implementacija)</a:t>
-            </a:r>
-            <a:endParaRPr lang="en-US" dirty="0" smtClean="0"/>
-          </a:p>
-          <a:p>
-            <a:endParaRPr lang="en-US" dirty="0"/>
-          </a:p>
-        </p:txBody>
-      </p:sp>
+              <a:t>Izboljšave</a:t>
+            </a:r>
+            <a:endParaRPr lang="sl-SI" dirty="0"/>
+          </a:p>
+        </p:txBody>
+      </p:sp>
+      <mc:AlternateContent xmlns:mc="http://schemas.openxmlformats.org/markup-compatibility/2006">
+        <mc:Choice xmlns:a14="http://schemas.microsoft.com/office/drawing/2010/main" Requires="a14">
+          <p:sp>
+            <p:nvSpPr>
+              <p:cNvPr id="3" name="Content Placeholder 2"/>
+              <p:cNvSpPr>
+                <a:spLocks noGrp="1"/>
+              </p:cNvSpPr>
+              <p:nvPr>
+                <p:ph idx="1"/>
+              </p:nvPr>
+            </p:nvSpPr>
+            <p:spPr/>
+            <p:txBody>
+              <a:bodyPr/>
+              <a:lstStyle/>
+              <a:p>
+                <a:r>
+                  <a:rPr lang="sl-SI" dirty="0" smtClean="0"/>
+                  <a:t>BFS izvedemo na vseh prostih točkah – s tem lahko najdemo več </a:t>
+                </a:r>
+                <a:r>
+                  <a:rPr lang="sl-SI" dirty="0" err="1" smtClean="0"/>
+                  <a:t>disjunktnih</a:t>
+                </a:r>
+                <a:r>
+                  <a:rPr lang="sl-SI" dirty="0" smtClean="0"/>
+                  <a:t> poti hkrati.</a:t>
+                </a:r>
+              </a:p>
+              <a:p>
+                <a:r>
+                  <a:rPr lang="sl-SI" dirty="0" smtClean="0"/>
+                  <a:t>Vseh </a:t>
+                </a:r>
+                <a:r>
+                  <a:rPr lang="sl-SI" dirty="0" err="1" smtClean="0"/>
+                  <a:t>blossomov</a:t>
+                </a:r>
+                <a:r>
+                  <a:rPr lang="sl-SI" dirty="0" smtClean="0"/>
+                  <a:t> ni treba krčiti takoj – obstajajo </a:t>
+                </a:r>
+                <a:r>
+                  <a:rPr lang="sl-SI" dirty="0" err="1" smtClean="0"/>
+                  <a:t>Blossomovi</a:t>
+                </a:r>
+                <a:r>
+                  <a:rPr lang="sl-SI" dirty="0" smtClean="0"/>
+                  <a:t> pogoji, ki določajo, ali moramo krčiti </a:t>
+                </a:r>
+                <a:r>
+                  <a:rPr lang="sl-SI" dirty="0" err="1" smtClean="0"/>
+                  <a:t>blossome</a:t>
+                </a:r>
+                <a:r>
+                  <a:rPr lang="sl-SI" dirty="0"/>
+                  <a:t> </a:t>
+                </a:r>
+                <a:r>
+                  <a:rPr lang="sl-SI" dirty="0" smtClean="0"/>
+                  <a:t>ali lahko odložimo</a:t>
+                </a:r>
+              </a:p>
+              <a:p>
+                <a:r>
+                  <a:rPr lang="sl-SI" dirty="0" smtClean="0"/>
+                  <a:t>Posebno označevanje dovoljuje hitro širjenje </a:t>
+                </a:r>
+                <a:r>
+                  <a:rPr lang="sl-SI" dirty="0" err="1" smtClean="0"/>
+                  <a:t>blossomov</a:t>
+                </a:r>
+                <a:endParaRPr lang="sl-SI" dirty="0" smtClean="0"/>
+              </a:p>
+              <a:p>
+                <a:r>
+                  <a:rPr lang="sl-SI" dirty="0"/>
+                  <a:t>Micali</a:t>
+                </a:r>
+                <a:r>
+                  <a:rPr lang="sl-SI" dirty="0"/>
+                  <a:t> </a:t>
+                </a:r>
+                <a:r>
+                  <a:rPr lang="sl-SI" dirty="0"/>
+                  <a:t>in </a:t>
+                </a:r>
+                <a:r>
+                  <a:rPr lang="sl-SI" dirty="0" err="1"/>
+                  <a:t>Vazirani</a:t>
+                </a:r>
+                <a:r>
+                  <a:rPr lang="sl-SI" dirty="0"/>
+                  <a:t> O(|E|</a:t>
+                </a:r>
+                <a14:m>
+                  <m:oMath xmlns:m="http://schemas.openxmlformats.org/officeDocument/2006/math">
+                    <m:rad>
+                      <m:radPr>
+                        <m:degHide m:val="on"/>
+                        <m:ctrlPr>
+                          <a:rPr lang="sl-SI" i="1" dirty="0">
+                            <a:latin typeface="Cambria Math" panose="02040503050406030204" pitchFamily="18" charset="0"/>
+                          </a:rPr>
+                        </m:ctrlPr>
+                      </m:radPr>
+                      <m:deg/>
+                      <m:e>
+                        <m:r>
+                          <a:rPr lang="sl-SI" i="1" dirty="0">
+                            <a:latin typeface="Cambria Math" panose="02040503050406030204" pitchFamily="18" charset="0"/>
+                          </a:rPr>
+                          <m:t>|</m:t>
+                        </m:r>
+                        <m:r>
+                          <a:rPr lang="sl-SI" i="1" dirty="0">
+                            <a:latin typeface="Cambria Math" panose="02040503050406030204" pitchFamily="18" charset="0"/>
+                          </a:rPr>
+                          <m:t>𝑉</m:t>
+                        </m:r>
+                        <m:r>
+                          <a:rPr lang="sl-SI" i="1" dirty="0">
+                            <a:latin typeface="Cambria Math" panose="02040503050406030204" pitchFamily="18" charset="0"/>
+                          </a:rPr>
+                          <m:t>|</m:t>
+                        </m:r>
+                      </m:e>
+                    </m:rad>
+                  </m:oMath>
+                </a14:m>
+                <a:r>
+                  <a:rPr lang="sl-SI" dirty="0"/>
+                  <a:t>)</a:t>
+                </a:r>
+                <a:endParaRPr lang="sl-SI" dirty="0"/>
+              </a:p>
+              <a:p>
+                <a:endParaRPr lang="sl-SI" dirty="0" smtClean="0"/>
+              </a:p>
+              <a:p>
+                <a:endParaRPr lang="sl-SI" dirty="0" smtClean="0"/>
+              </a:p>
+            </p:txBody>
+          </p:sp>
+        </mc:Choice>
+        <mc:Fallback>
+          <p:sp>
+            <p:nvSpPr>
+              <p:cNvPr id="3" name="Content Placeholder 2"/>
+              <p:cNvSpPr>
+                <a:spLocks noGrp="1" noRot="1" noChangeAspect="1" noMove="1" noResize="1" noEditPoints="1" noAdjustHandles="1" noChangeArrowheads="1" noChangeShapeType="1" noTextEdit="1"/>
+              </p:cNvSpPr>
+              <p:nvPr>
+                <p:ph idx="1"/>
+              </p:nvPr>
+            </p:nvSpPr>
+            <p:spPr>
+              <a:blipFill>
+                <a:blip r:embed="rId2"/>
+                <a:stretch>
+                  <a:fillRect l="-192" t="-942"/>
+                </a:stretch>
+              </a:blipFill>
+            </p:spPr>
+            <p:txBody>
+              <a:bodyPr/>
+              <a:lstStyle/>
+              <a:p>
+                <a:r>
+                  <a:rPr lang="sl-SI">
+                    <a:noFill/>
+                  </a:rPr>
+                  <a:t> </a:t>
+                </a:r>
+              </a:p>
+            </p:txBody>
+          </p:sp>
+        </mc:Fallback>
+      </mc:AlternateContent>
     </p:spTree>
     <p:extLst>
       <p:ext uri="{BB962C8B-B14F-4D97-AF65-F5344CB8AC3E}">
-        <p14:creationId xmlns:p14="http://schemas.microsoft.com/office/powerpoint/2010/main" val="1509548553"/>
+        <p14:creationId xmlns:p14="http://schemas.microsoft.com/office/powerpoint/2010/main" val="489358085"/>
       </p:ext>
     </p:extLst>
   </p:cSld>
   <p:clrMapOvr>
     <a:masterClrMapping/>
   </p:clrMapOvr>
-  <p:timing>
-    <p:tnLst>
-      <p:par>
-        <p:cTn id="1" dur="indefinite" restart="never" nodeType="tmRoot"/>
-      </p:par>
-    </p:tnLst>
-  </p:timing>
 </p:sld>
 </file>
 
-<file path=ppt/slides/slide3.xml><?xml version="1.0" encoding="utf-8"?>
+<file path=ppt/slides/slide32.xml><?xml version="1.0" encoding="utf-8"?>
 <p:sld xmlns:a="http://schemas.openxmlformats.org/drawingml/2006/main" xmlns:r="http://schemas.openxmlformats.org/officeDocument/2006/relationships" xmlns:p="http://schemas.openxmlformats.org/presentationml/2006/main">
   <p:cSld>
     <p:spTree>
@@ -6464,6 +10436,10 @@
           <a:bodyPr/>
           <a:lstStyle/>
           <a:p>
+            <a:r>
+              <a:rPr lang="sl-SI" dirty="0" smtClean="0"/>
+              <a:t>Viri</a:t>
+            </a:r>
             <a:endParaRPr lang="en-US" dirty="0"/>
           </a:p>
         </p:txBody>
@@ -6480,49 +10456,138 @@
         </p:nvSpPr>
         <p:spPr/>
         <p:txBody>
-          <a:bodyPr/>
-          <a:lstStyle/>
-          <a:p>
-            <a:r>
-              <a:rPr lang="en-US" dirty="0" err="1" smtClean="0"/>
-              <a:t>Algoritem</a:t>
-            </a:r>
-            <a:r>
-              <a:rPr lang="en-US" dirty="0" smtClean="0"/>
-              <a:t> je </a:t>
-            </a:r>
-            <a:r>
-              <a:rPr lang="en-US" dirty="0" err="1" smtClean="0"/>
-              <a:t>razvil</a:t>
-            </a:r>
-            <a:r>
-              <a:rPr lang="en-US" dirty="0" smtClean="0"/>
-              <a:t> Jack Edmonds </a:t>
-            </a:r>
-            <a:r>
-              <a:rPr lang="en-US" dirty="0" err="1" smtClean="0"/>
-              <a:t>leta</a:t>
-            </a:r>
-            <a:r>
-              <a:rPr lang="en-US" dirty="0" smtClean="0"/>
-              <a:t> 1961</a:t>
-            </a:r>
+          <a:bodyPr>
+            <a:normAutofit fontScale="62500" lnSpcReduction="20000"/>
+          </a:bodyPr>
+          <a:lstStyle/>
+          <a:p>
+            <a:r>
+              <a:rPr lang="en-US" dirty="0" smtClean="0">
+                <a:hlinkClick r:id="rId2"/>
+              </a:rPr>
+              <a:t>http://www.imsc.res.in/~meena/matching/edmonds.pdf</a:t>
+            </a:r>
+            <a:endParaRPr lang="en-US" dirty="0" smtClean="0"/>
+          </a:p>
+          <a:p>
+            <a:r>
+              <a:rPr lang="en-US" dirty="0" smtClean="0">
+                <a:hlinkClick r:id="rId3"/>
+              </a:rPr>
+              <a:t>https://en.wikipedia.org/wiki/Blossom_algorithm</a:t>
+            </a:r>
+            <a:endParaRPr lang="en-US" dirty="0" smtClean="0"/>
+          </a:p>
+          <a:p>
+            <a:r>
+              <a:rPr lang="en-US" dirty="0" smtClean="0">
+                <a:hlinkClick r:id="rId4"/>
+              </a:rPr>
+              <a:t>https://www-m9.ma.tum.de/graph-algorithms/matchings-blossom-algorithm/index_en.html</a:t>
+            </a:r>
+            <a:endParaRPr lang="en-US" dirty="0" smtClean="0"/>
+          </a:p>
+          <a:p>
+            <a:r>
+              <a:rPr lang="en-US" dirty="0" smtClean="0">
+                <a:hlinkClick r:id="rId5"/>
+              </a:rPr>
+              <a:t>https://brilliant.org/wiki/blossom-algorithm/</a:t>
+            </a:r>
+            <a:endParaRPr lang="en-US" dirty="0" smtClean="0"/>
+          </a:p>
+          <a:p>
+            <a:r>
+              <a:rPr lang="en-US" dirty="0" smtClean="0">
+                <a:hlinkClick r:id="rId6"/>
+              </a:rPr>
+              <a:t>https://stanford.edu/~rezab/classes/cme323/S16/projects_reports/shoemaker_vare.pdf</a:t>
+            </a:r>
+            <a:endParaRPr lang="sl-SI" dirty="0" smtClean="0"/>
+          </a:p>
+          <a:p>
+            <a:r>
+              <a:rPr lang="sl-SI" dirty="0" smtClean="0">
+                <a:hlinkClick r:id="rId7"/>
+              </a:rPr>
+              <a:t>https://web.archive.org/web/20081230183603/http://www.cs.berkeley.edu/~karp/greatalgo/lecture05.pdf</a:t>
+            </a:r>
+            <a:endParaRPr lang="sl-SI" dirty="0" smtClean="0"/>
+          </a:p>
+          <a:p>
+            <a:r>
+              <a:rPr lang="sl-SI" dirty="0">
+                <a:hlinkClick r:id="rId8"/>
+              </a:rPr>
+              <a:t>http://player.slideplayer.com/26/8289531</a:t>
+            </a:r>
+            <a:r>
+              <a:rPr lang="sl-SI" dirty="0" smtClean="0">
+                <a:hlinkClick r:id="rId8"/>
+              </a:rPr>
+              <a:t>/#</a:t>
+            </a:r>
+            <a:endParaRPr lang="sl-SI" dirty="0" smtClean="0"/>
+          </a:p>
+          <a:p>
+            <a:r>
+              <a:rPr lang="sl-SI" dirty="0">
+                <a:hlinkClick r:id="rId9"/>
+              </a:rPr>
+              <a:t>http://</a:t>
+            </a:r>
+            <a:r>
+              <a:rPr lang="sl-SI" dirty="0" smtClean="0">
+                <a:hlinkClick r:id="rId9"/>
+              </a:rPr>
+              <a:t>images.slideplayer.com/24/6976462/slides/slide_38.jpg</a:t>
+            </a:r>
+            <a:endParaRPr lang="sl-SI" dirty="0" smtClean="0"/>
+          </a:p>
+          <a:p>
+            <a:endParaRPr lang="sl-SI" dirty="0" smtClean="0"/>
+          </a:p>
+          <a:p>
             <a:r>
               <a:rPr lang="sl-SI" dirty="0" smtClean="0"/>
-              <a:t>, objavljen je bil 1965.</a:t>
-            </a:r>
-          </a:p>
-          <a:p>
-            <a:r>
+              <a:t/>
+            </a:r>
+            <a:br>
               <a:rPr lang="sl-SI" dirty="0" smtClean="0"/>
-              <a:t>Prvi algoritem, ki išče maksimalno prirejanje v polinomskem času.</a:t>
-            </a:r>
-          </a:p>
-          <a:p>
+            </a:br>
+            <a:endParaRPr lang="en-US" dirty="0" smtClean="0"/>
+          </a:p>
+          <a:p>
+            <a:r>
+              <a:rPr lang="en-US" dirty="0" smtClean="0">
+                <a:hlinkClick r:id="rId10"/>
+              </a:rPr>
+              <a:t>http://demonstrations.wolfram.com/TheBlossomAlgorithmForMaximumMatching/</a:t>
+            </a:r>
+            <a:endParaRPr lang="sl-SI" dirty="0" smtClean="0"/>
+          </a:p>
+          <a:p>
+            <a:r>
+              <a:rPr lang="en-US" dirty="0">
+                <a:hlinkClick r:id="rId11"/>
+              </a:rPr>
+              <a:t>https://</a:t>
+            </a:r>
+            <a:r>
+              <a:rPr lang="en-US" dirty="0" smtClean="0">
+                <a:hlinkClick r:id="rId11"/>
+              </a:rPr>
+              <a:t>github.com/amyshoe/CME323-Project</a:t>
+            </a:r>
             <a:r>
               <a:rPr lang="sl-SI" dirty="0" smtClean="0"/>
-              <a:t>Algoritem, ki dela na vseh grafih.</a:t>
-            </a:r>
+              <a:t> </a:t>
+            </a:r>
+            <a:r>
+              <a:rPr lang="sl-SI" smtClean="0"/>
+              <a:t>(Implementacija)</a:t>
+            </a:r>
+            <a:endParaRPr lang="en-US" dirty="0" smtClean="0"/>
           </a:p>
           <a:p>
             <a:endParaRPr lang="en-US" dirty="0"/>
@@ -6532,7 +10597,7 @@
     </p:spTree>
     <p:extLst>
       <p:ext uri="{BB962C8B-B14F-4D97-AF65-F5344CB8AC3E}">
-        <p14:creationId xmlns:p14="http://schemas.microsoft.com/office/powerpoint/2010/main" val="3706668536"/>
+        <p14:creationId xmlns:p14="http://schemas.microsoft.com/office/powerpoint/2010/main" val="1509548553"/>
       </p:ext>
     </p:extLst>
   </p:cSld>
@@ -6954,11 +11019,7 @@
           <a:p>
             <a:r>
               <a:rPr lang="en-US" dirty="0" smtClean="0"/>
-              <a:t>V(G\M</a:t>
-            </a:r>
-            <a:r>
-              <a:rPr lang="en-US" dirty="0" smtClean="0"/>
-              <a:t>) so </a:t>
+              <a:t>V(G\M) so </a:t>
             </a:r>
             <a:r>
               <a:rPr lang="en-US" dirty="0" err="1" smtClean="0"/>
@@ -7475,17 +11536,18 @@
           <a:p>
             <a:r>
               <a:rPr lang="sl-SI" dirty="0" smtClean="0"/>
-              <a:t>Pot ki se začne in konča v prostem vozlišču in </a:t>
-            </a:r>
-            <a:r>
-              <a:rPr lang="sl-SI" dirty="0" err="1" smtClean="0"/>
-              <a:t>alternira</a:t>
+              <a:t>Pot ki se začne in konča v prostem vozlišču in alternira med povezavami, ki so v prirejanju in niso</a:t>
             </a:r>
             <a:r>
               <a:rPr lang="sl-SI" dirty="0" smtClean="0"/>
-              <a:t> med povezavami, ki so v prirejanju in niso.</a:t>
-            </a:r>
-            <a:endParaRPr lang="en-US" dirty="0"/>
+              <a:t>.</a:t>
+            </a:r>
+          </a:p>
+          <a:p>
+            <a:r>
+              <a:rPr lang="sl-SI" dirty="0" smtClean="0"/>
+              <a:t>Pot lihe dolžine</a:t>
+            </a:r>
           </a:p>
         </p:txBody>
       </p:sp>
@@ -7498,7 +11560,7 @@
           <p:nvPr/>
         </p:nvPicPr>
         <p:blipFill>
-          <a:blip r:embed="rId2">
+          <a:blip r:embed="rId3">
             <a:extLst>
               <a:ext uri="{28A0092B-C50C-407E-A947-70E740481C1C}">
                 <a14:useLocalDpi xmlns:a14="http://schemas.microsoft.com/office/drawing/2010/main" val="0"/>
@@ -7551,9 +11613,9 @@
 </file>
 
 <file path=ppt/theme/theme1.xml><?xml version="1.0" encoding="utf-8"?>
-<a:theme xmlns:a="http://schemas.openxmlformats.org/drawingml/2006/main" name="Officeova tema">
+<a:theme xmlns:a="http://schemas.openxmlformats.org/drawingml/2006/main" name="Facet">
   <a:themeElements>
-    <a:clrScheme name="Pisarna">
+    <a:clrScheme name="Facet">
       <a:dk1>
         <a:sysClr val="windowText" lastClr="000000"/>
       </a:dk1>
@@ -7561,52 +11623,52 @@
         <a:sysClr val="window" lastClr="FFFFFF"/>
       </a:lt1>
       <a:dk2>
-        <a:srgbClr val="1F497D"/>
+        <a:srgbClr val="2C3C43"/>
       </a:dk2>
       <a:lt2>
-        <a:srgbClr val="EEECE1"/>
+        <a:srgbClr val="EBEBEB"/>
       </a:lt2>
       <a:accent1>
-        <a:srgbClr val="4F81BD"/>
+        <a:srgbClr val="90C226"/>
       </a:accent1>
       <a:accent2>
-        <a:srgbClr val="C0504D"/>
+        <a:srgbClr val="54A021"/>
       </a:accent2>
       <a:accent3>
-        <a:srgbClr val="9BBB59"/>
+        <a:srgbClr val="E6B91E"/>
       </a:accent3>
       <a:accent4>
-        <a:srgbClr val="8064A2"/>
+        <a:srgbClr val="E76618"/>
       </a:accent4>
       <a:accent5>
-        <a:srgbClr val="4BACC6"/>
+        <a:srgbClr val="C42F1A"/>
       </a:accent5>
       <a:accent6>
-        <a:srgbClr val="F79646"/>
+        <a:srgbClr val="918655"/>
       </a:accent6>
       <a:hlink>
-        <a:srgbClr val="0000FF"/>
+        <a:srgbClr val="99CA3C"/>
       </a:hlink>
       <a:folHlink>
-        <a:srgbClr val="800080"/>
+        <a:srgbClr val="B9D181"/>
       </a:folHlink>
     </a:clrScheme>
-    <a:fontScheme name="Pisarna">
+    <a:fontScheme name="Facet">
       <a:majorFont>
-        <a:latin typeface="Calibri"/>
+        <a:latin typeface="Trebuchet MS" panose="020B0603020202020204"/>
         <a:ea typeface=""/>
         <a:cs typeface=""/>
-        <a:font script="Jpan" typeface="ＭＳ Ｐゴシック"/>
+        <a:font script="Jpan" typeface="メイリオ"/>
         <a:font script="Hang" typeface="맑은 고딕"/>
-        <a:font script="Hans" typeface="宋体"/>
-        <a:font script="Hant" typeface="新細明體"/>
-        <a:font script="Arab" typeface="Times New Roman"/>
-        <a:font script="Hebr" typeface="Times New Roman"/>
-        <a:font script="Thai" typeface="Angsana New"/>
+        <a:font script="Hans" typeface="方正姚体"/>
+        <a:font script="Hant" typeface="微軟正黑體"/>
+        <a:font script="Arab" typeface="Tahoma"/>
+        <a:font script="Hebr" typeface="Arial"/>
+        <a:font script="Thai" typeface="Cordia New"/>
         <a:font script="Ethi" typeface="Nyala"/>
         <a:font script="Beng" typeface="Vrinda"/>
         <a:font script="Gujr" typeface="Shruti"/>
-        <a:font script="Khmr" typeface="MoolBoran"/>
+        <a:font script="Khmr" typeface="DaunPenh"/>
         <a:font script="Knda" typeface="Tunga"/>
         <a:font script="Guru" typeface="Raavi"/>
         <a:font script="Cans" typeface="Euphemia"/>
@@ -7623,21 +11685,21 @@
         <a:font script="Laoo" typeface="DokChampa"/>
         <a:font script="Sinh" typeface="Iskoola Pota"/>
         <a:font script="Mong" typeface="Mongolian Baiti"/>
-        <a:font script="Viet" typeface="Times New Roman"/>
+        <a:font script="Viet" typeface="Tahoma"/>
         <a:font script="Uigh" typeface="Microsoft Uighur"/>
         <a:font script="Geor" typeface="Sylfaen"/>
       </a:majorFont>
       <a:minorFont>
-        <a:latin typeface="Calibri"/>
+        <a:latin typeface="Trebuchet MS" panose="020B0603020202020204"/>
         <a:ea typeface=""/>
         <a:cs typeface=""/>
-        <a:font script="Jpan" typeface="ＭＳ Ｐゴシック"/>
-        <a:font script="Hang" typeface="맑은 고딕"/>
-        <a:font script="Hans" typeface="宋体"/>
-        <a:font script="Hant" typeface="新細明體"/>
-        <a:font script="Arab" typeface="Arial"/>
-        <a:font script="Hebr" typeface="Arial"/>
-        <a:font script="Thai" typeface="Cordia New"/>
+        <a:font script="Jpan" typeface="メイリオ"/>
+        <a:font script="Hang" typeface="HY그래픽M"/>
+        <a:font script="Hans" typeface="华文新魏"/>
+        <a:font script="Hant" typeface="微軟正黑體"/>
+        <a:font script="Arab" typeface="Tahoma"/>
+        <a:font script="Hebr" typeface="Gisha"/>
+        <a:font script="Thai" typeface="IrisUPC"/>
         <a:font script="Ethi" typeface="Nyala"/>
         <a:font script="Beng" typeface="Vrinda"/>
         <a:font script="Gujr" typeface="Shruti"/>
@@ -7663,7 +11725,7 @@
         <a:font script="Geor" typeface="Sylfaen"/>
       </a:minorFont>
     </a:fontScheme>
-    <a:fmtScheme name="Pisarna">
+    <a:fmtScheme name="Facet">
       <a:fillStyleLst>
         <a:solidFill>
           <a:schemeClr val="phClr"/>
@@ -7672,66 +11734,50 @@
           <a:gsLst>
             <a:gs pos="0">
               <a:schemeClr val="phClr">
-                <a:tint val="50000"/>
-                <a:satMod val="300000"/>
+                <a:tint val="65000"/>
+                <a:lumMod val="110000"/>
               </a:schemeClr>
             </a:gs>
-            <a:gs pos="35000">
+            <a:gs pos="88000">
               <a:schemeClr val="phClr">
-                <a:tint val="37000"/>
-                <a:satMod val="300000"/>
-              </a:schemeClr>
-            </a:gs>
-            <a:gs pos="100000">
-              <a:schemeClr val="phClr">
-                <a:tint val="15000"/>
-                <a:satMod val="350000"/>
+                <a:tint val="90000"/>
               </a:schemeClr>
             </a:gs>
           </a:gsLst>
-          <a:lin ang="16200000" scaled="1"/>
+          <a:lin ang="5400000" scaled="0"/>
         </a:gradFill>
         <a:gradFill rotWithShape="1">
           <a:gsLst>
             <a:gs pos="0">
               <a:schemeClr val="phClr">
-                <a:shade val="51000"/>
-                <a:satMod val="130000"/>
+                <a:tint val="96000"/>
+                <a:lumMod val="100000"/>
               </a:schemeClr>
             </a:gs>
-            <a:gs pos="80000">
-              <a:schemeClr val="phClr">
-                <a:shade val="93000"/>
-                <a:satMod val="130000"/>
-              </a:schemeClr>
-            </a:gs>
-            <a:gs pos="100000">
+            <a:gs pos="78000">
               <a:schemeClr val="phClr">
                 <a:shade val="94000"/>
-                <a:satMod val="135000"/>
+                <a:lumMod val="94000"/>
               </a:schemeClr>
             </a:gs>
           </a:gsLst>
-          <a:lin ang="16200000" scaled="0"/>
+          <a:lin ang="5400000" scaled="0"/>
         </a:gradFill>
       </a:fillStyleLst>
       <a:lnStyleLst>
-        <a:ln w="9525" cap="flat" cmpd="sng" algn="ctr">
-          <a:solidFill>
-            <a:schemeClr val="phClr">
-              <a:shade val="95000"/>
-              <a:satMod val="105000"/>
-            </a:schemeClr>
-          </a:solidFill>
-          <a:prstDash val="solid"/>
-        </a:ln>
-        <a:ln w="25400" cap="flat" cmpd="sng" algn="ctr">
+        <a:ln w="12700" cap="rnd" cmpd="sng" algn="ctr">
           <a:solidFill>
             <a:schemeClr val="phClr"/>
           </a:solidFill>
           <a:prstDash val="solid"/>
         </a:ln>
-        <a:ln w="38100" cap="flat" cmpd="sng" algn="ctr">
+        <a:ln w="19050" cap="rnd" cmpd="sng" algn="ctr">
+          <a:solidFill>
+            <a:schemeClr val="phClr"/>
+          </a:solidFill>
+          <a:prstDash val="solid"/>
+        </a:ln>
+        <a:ln w="25400" cap="rnd" cmpd="sng" algn="ctr">
           <a:solidFill>
             <a:schemeClr val="phClr"/>
           </a:solidFill>
@@ -7740,17 +11786,11 @@
       </a:lnStyleLst>
       <a:effectStyleLst>
         <a:effectStyle>
-          <a:effectLst>
-            <a:outerShdw blurRad="40000" dist="20000" dir="5400000" rotWithShape="0">
-              <a:srgbClr val="000000">
-                <a:alpha val="38000"/>
-              </a:srgbClr>
-            </a:outerShdw>
-          </a:effectLst>
+          <a:effectLst/>
         </a:effectStyle>
         <a:effectStyle>
           <a:effectLst>
-            <a:outerShdw blurRad="40000" dist="23000" dir="5400000" rotWithShape="0">
+            <a:outerShdw blurRad="38100" dist="25400" dir="5400000" rotWithShape="0">
               <a:srgbClr val="000000">
                 <a:alpha val="35000"/>
               </a:srgbClr>
@@ -7759,7 +11799,7 @@
         </a:effectStyle>
         <a:effectStyle>
           <a:effectLst>
-            <a:outerShdw blurRad="40000" dist="23000" dir="5400000" rotWithShape="0">
+            <a:outerShdw blurRad="50800" dist="38100" dir="5400000" rotWithShape="0">
               <a:srgbClr val="000000">
                 <a:alpha val="35000"/>
               </a:srgbClr>
@@ -7769,12 +11809,10 @@
             <a:camera prst="orthographicFront">
               <a:rot lat="0" lon="0" rev="0"/>
             </a:camera>
-            <a:lightRig rig="threePt" dir="t">
-              <a:rot lat="0" lon="0" rev="1200000"/>
-            </a:lightRig>
+            <a:lightRig rig="threePt" dir="tl"/>
           </a:scene3d>
-          <a:sp3d>
-            <a:bevelT w="63500" h="25400"/>
+          <a:sp3d prstMaterial="plastic">
+            <a:bevelT w="0" h="0"/>
           </a:sp3d>
         </a:effectStyle>
       </a:effectStyleLst>
@@ -7786,45 +11824,36 @@
           <a:gsLst>
             <a:gs pos="0">
               <a:schemeClr val="phClr">
-                <a:tint val="40000"/>
-                <a:satMod val="350000"/>
+                <a:tint val="90000"/>
+                <a:lumMod val="104000"/>
               </a:schemeClr>
             </a:gs>
-            <a:gs pos="40000">
+            <a:gs pos="94000">
               <a:schemeClr val="phClr">
-                <a:tint val="45000"/>
-                <a:shade val="99000"/>
-                <a:satMod val="350000"/>
-              </a:schemeClr>
-            </a:gs>
-            <a:gs pos="100000">
-              <a:schemeClr val="phClr">
-                <a:shade val="20000"/>
-                <a:satMod val="255000"/>
+                <a:shade val="96000"/>
+                <a:lumMod val="82000"/>
               </a:schemeClr>
             </a:gs>
           </a:gsLst>
-          <a:path path="circle">
-            <a:fillToRect l="50000" t="-80000" r="50000" b="180000"/>
-          </a:path>
+          <a:lin ang="5400000" scaled="0"/>
         </a:gradFill>
         <a:gradFill rotWithShape="1">
           <a:gsLst>
             <a:gs pos="0">
               <a:schemeClr val="phClr">
-                <a:tint val="80000"/>
-                <a:satMod val="300000"/>
+                <a:tint val="90000"/>
+                <a:lumMod val="110000"/>
               </a:schemeClr>
             </a:gs>
             <a:gs pos="100000">
               <a:schemeClr val="phClr">
-                <a:shade val="30000"/>
-                <a:satMod val="200000"/>
+                <a:shade val="94000"/>
+                <a:lumMod val="96000"/>
               </a:schemeClr>
             </a:gs>
           </a:gsLst>
           <a:path path="circle">
-            <a:fillToRect l="50000" t="50000" r="50000" b="50000"/>
+            <a:fillToRect l="50000" t="50000" r="100000" b="100000"/>
           </a:path>
         </a:gradFill>
       </a:bgFillStyleLst>
@@ -7832,6 +11861,11 @@
   </a:themeElements>
   <a:objectDefaults/>
   <a:extraClrSchemeLst/>
+  <a:extLst>
+    <a:ext uri="{05A4C25C-085E-4340-85A3-A5531E510DB2}">
+      <thm15:themeFamily xmlns:thm15="http://schemas.microsoft.com/office/thememl/2012/main" name="Facet" id="{C0C680CD-088A-49FC-A102-D699147F32B2}" vid="{CFBC31BA-B70F-4F30-BCAA-4F3011E16C4D}"/>
+    </a:ext>
+  </a:extLst>
 </a:theme>
 </file>
 

--- a/Blossomov algoritem.pptx
+++ b/Blossomov algoritem.pptx
@@ -7161,11 +7161,15 @@
           <a:p>
             <a:r>
               <a:rPr lang="sl-SI" dirty="0" err="1" smtClean="0"/>
-              <a:t>Blossomov</a:t>
+              <a:t>Blossom</a:t>
             </a:r>
             <a:r>
               <a:rPr lang="sl-SI" dirty="0" smtClean="0"/>
-              <a:t> algoritem</a:t>
+              <a:t> </a:t>
+            </a:r>
+            <a:r>
+              <a:rPr lang="sl-SI" dirty="0" smtClean="0"/>
+              <a:t>algoritem</a:t>
             </a:r>
             <a:endParaRPr lang="en-US" dirty="0"/>
           </a:p>
@@ -7188,9 +7192,13 @@
           <a:p>
             <a:r>
               <a:rPr lang="en-US" dirty="0" smtClean="0"/>
-              <a:t>Edmonds’ matching algorithm</a:t>
-            </a:r>
-            <a:endParaRPr lang="en-US" dirty="0"/>
+              <a:t>Edmonds’ matching </a:t>
+            </a:r>
+            <a:r>
+              <a:rPr lang="en-US" dirty="0" smtClean="0"/>
+              <a:t>algorithm</a:t>
+            </a:r>
+            <a:endParaRPr lang="sl-SI" dirty="0" smtClean="0"/>
           </a:p>
         </p:txBody>
       </p:sp>
@@ -8136,15 +8144,7 @@
           <a:p>
             <a:r>
               <a:rPr lang="sl-SI" dirty="0" smtClean="0"/>
-              <a:t>Povečujoča pot v </a:t>
-            </a:r>
-            <a:r>
-              <a:rPr lang="sl-SI" dirty="0" smtClean="0"/>
-              <a:t>skrčenem </a:t>
-            </a:r>
-            <a:r>
-              <a:rPr lang="sl-SI" dirty="0" smtClean="0"/>
-              <a:t>grafu </a:t>
+              <a:t>Povečujoča pot v skrčenem grafu </a:t>
             </a:r>
             <a:r>
               <a:rPr lang="sl-SI" dirty="0" smtClean="0">
@@ -9885,11 +9885,7 @@
           <a:p>
             <a:r>
               <a:rPr lang="sl-SI" dirty="0" smtClean="0"/>
-              <a:t>Časovna zahtevnost O(|V|^3</a:t>
-            </a:r>
-            <a:r>
-              <a:rPr lang="sl-SI" dirty="0" smtClean="0"/>
-              <a:t>)</a:t>
+              <a:t>Časovna zahtevnost O(|V|^3)</a:t>
             </a:r>
           </a:p>
         </p:txBody>
@@ -10211,8 +10207,8 @@
           </a:p>
         </p:txBody>
       </p:sp>
-      <mc:AlternateContent xmlns:mc="http://schemas.openxmlformats.org/markup-compatibility/2006">
-        <mc:Choice xmlns:a14="http://schemas.microsoft.com/office/drawing/2010/main" Requires="a14">
+      <mc:AlternateContent xmlns:mc="http://schemas.openxmlformats.org/markup-compatibility/2006" xmlns:a14="http://schemas.microsoft.com/office/drawing/2010/main">
+        <mc:Choice Requires="a14">
           <p:sp>
             <p:nvSpPr>
               <p:cNvPr id="3" name="Content Placeholder 2"/>
@@ -10289,15 +10285,7 @@
               <a:p>
                 <a:r>
                   <a:rPr lang="sl-SI" dirty="0"/>
-                  <a:t>Micali</a:t>
-                </a:r>
-                <a:r>
-                  <a:rPr lang="sl-SI" dirty="0"/>
-                  <a:t> </a:t>
-                </a:r>
-                <a:r>
-                  <a:rPr lang="sl-SI" dirty="0"/>
-                  <a:t>in </a:t>
+                  <a:t>Micali in </a:t>
                 </a:r>
                 <a:r>
                   <a:rPr lang="sl-SI" dirty="0" err="1"/>
@@ -10346,7 +10334,6 @@
                   <a:rPr lang="sl-SI" dirty="0"/>
                   <a:t>)</a:t>
                 </a:r>
-                <a:endParaRPr lang="sl-SI" dirty="0"/>
               </a:p>
               <a:p>
                 <a:endParaRPr lang="sl-SI" dirty="0" smtClean="0"/>
@@ -10357,7 +10344,7 @@
             </p:txBody>
           </p:sp>
         </mc:Choice>
-        <mc:Fallback>
+        <mc:Fallback xmlns="">
           <p:sp>
             <p:nvSpPr>
               <p:cNvPr id="3" name="Content Placeholder 2"/>
@@ -11536,11 +11523,7 @@
           <a:p>
             <a:r>
               <a:rPr lang="sl-SI" dirty="0" smtClean="0"/>
-              <a:t>Pot ki se začne in konča v prostem vozlišču in alternira med povezavami, ki so v prirejanju in niso</a:t>
-            </a:r>
-            <a:r>
-              <a:rPr lang="sl-SI" dirty="0" smtClean="0"/>
-              <a:t>.</a:t>
+              <a:t>Pot ki se začne in konča v prostem vozlišču in alternira med povezavami, ki so v prirejanju in niso.</a:t>
             </a:r>
           </a:p>
           <a:p>

--- a/Blossomov algoritem.pptx
+++ b/Blossomov algoritem.pptx
@@ -5,7 +5,7 @@
     <p:sldMasterId id="2147483660" r:id="rId1"/>
   </p:sldMasterIdLst>
   <p:notesMasterIdLst>
-    <p:notesMasterId r:id="rId34"/>
+    <p:notesMasterId r:id="rId37"/>
   </p:notesMasterIdLst>
   <p:sldIdLst>
     <p:sldId id="256" r:id="rId2"/>
@@ -29,17 +29,20 @@
     <p:sldId id="273" r:id="rId20"/>
     <p:sldId id="274" r:id="rId21"/>
     <p:sldId id="289" r:id="rId22"/>
-    <p:sldId id="276" r:id="rId23"/>
-    <p:sldId id="277" r:id="rId24"/>
-    <p:sldId id="278" r:id="rId25"/>
-    <p:sldId id="288" r:id="rId26"/>
-    <p:sldId id="269" r:id="rId27"/>
-    <p:sldId id="265" r:id="rId28"/>
-    <p:sldId id="286" r:id="rId29"/>
-    <p:sldId id="283" r:id="rId30"/>
-    <p:sldId id="258" r:id="rId31"/>
-    <p:sldId id="291" r:id="rId32"/>
-    <p:sldId id="262" r:id="rId33"/>
+    <p:sldId id="293" r:id="rId23"/>
+    <p:sldId id="276" r:id="rId24"/>
+    <p:sldId id="277" r:id="rId25"/>
+    <p:sldId id="278" r:id="rId26"/>
+    <p:sldId id="288" r:id="rId27"/>
+    <p:sldId id="269" r:id="rId28"/>
+    <p:sldId id="295" r:id="rId29"/>
+    <p:sldId id="294" r:id="rId30"/>
+    <p:sldId id="265" r:id="rId31"/>
+    <p:sldId id="286" r:id="rId32"/>
+    <p:sldId id="296" r:id="rId33"/>
+    <p:sldId id="258" r:id="rId34"/>
+    <p:sldId id="291" r:id="rId35"/>
+    <p:sldId id="262" r:id="rId36"/>
   </p:sldIdLst>
   <p:sldSz cx="9144000" cy="6858000" type="screen4x3"/>
   <p:notesSz cx="6858000" cy="9144000"/>
@@ -140,7 +143,7 @@
   </p:defaultTextStyle>
   <p:extLst>
     <p:ext uri="{EFAFB233-063F-42B5-8137-9DF3F51BA10A}">
-      <p15:sldGuideLst xmlns:p15="http://schemas.microsoft.com/office/powerpoint/2012/main">
+      <p15:sldGuideLst xmlns:p15="http://schemas.microsoft.com/office/powerpoint/2012/main" xmlns="">
         <p15:guide id="1" orient="horz" pos="2160">
           <p15:clr>
             <a:srgbClr val="A4A3A4"/>
@@ -1209,7 +1212,7 @@
           <a:p>
             <a:fld id="{2068A809-5CE4-4CE2-B32B-B9BC7DD73B81}" type="slidenum">
               <a:rPr lang="en-US" smtClean="0"/>
-              <a:t>30</a:t>
+              <a:t>33</a:t>
             </a:fld>
             <a:endParaRPr lang="en-US"/>
           </a:p>
@@ -7165,11 +7168,7 @@
             </a:r>
             <a:r>
               <a:rPr lang="sl-SI" dirty="0" smtClean="0"/>
-              <a:t> </a:t>
-            </a:r>
-            <a:r>
-              <a:rPr lang="sl-SI" dirty="0" smtClean="0"/>
-              <a:t>algoritem</a:t>
+              <a:t> algoritem</a:t>
             </a:r>
             <a:endParaRPr lang="en-US" dirty="0"/>
           </a:p>
@@ -7192,11 +7191,7 @@
           <a:p>
             <a:r>
               <a:rPr lang="en-US" dirty="0" smtClean="0"/>
-              <a:t>Edmonds’ matching </a:t>
-            </a:r>
-            <a:r>
-              <a:rPr lang="en-US" dirty="0" smtClean="0"/>
-              <a:t>algorithm</a:t>
+              <a:t>Edmonds’ matching algorithm</a:t>
             </a:r>
             <a:endParaRPr lang="sl-SI" dirty="0" smtClean="0"/>
           </a:p>
@@ -7503,7 +7498,18 @@
             </a:r>
             <a:r>
               <a:rPr lang="en-US" dirty="0" smtClean="0"/>
-              <a:t> 1.</a:t>
+              <a:t> 1</a:t>
+            </a:r>
+            <a:r>
+              <a:rPr lang="en-US" dirty="0" smtClean="0"/>
+              <a:t>.</a:t>
+            </a:r>
+            <a:endParaRPr lang="sl-SI" dirty="0" smtClean="0"/>
+          </a:p>
+          <a:p>
+            <a:r>
+              <a:rPr lang="sl-SI" dirty="0" smtClean="0"/>
+              <a:t>Dokaz z indukcijo</a:t>
             </a:r>
             <a:endParaRPr lang="en-US" dirty="0"/>
           </a:p>
@@ -7844,7 +7850,7 @@
         </p:blipFill>
         <p:spPr bwMode="auto">
           <a:xfrm>
-            <a:off x="6996113" y="2927350"/>
+            <a:off x="6012160" y="2849627"/>
             <a:ext cx="571500" cy="1504950"/>
           </a:xfrm>
           <a:prstGeom prst="rect">
@@ -8779,6 +8785,132 @@
 </file>
 
 <file path=ppt/slides/slide22.xml><?xml version="1.0" encoding="utf-8"?>
+<p:sld xmlns:a="http://schemas.openxmlformats.org/drawingml/2006/main" xmlns:r="http://schemas.openxmlformats.org/officeDocument/2006/relationships" xmlns:p="http://schemas.openxmlformats.org/presentationml/2006/main">
+  <p:cSld>
+    <p:spTree>
+      <p:nvGrpSpPr>
+        <p:cNvPr id="1" name=""/>
+        <p:cNvGrpSpPr/>
+        <p:nvPr/>
+      </p:nvGrpSpPr>
+      <p:grpSpPr>
+        <a:xfrm>
+          <a:off x="0" y="0"/>
+          <a:ext cx="0" cy="0"/>
+          <a:chOff x="0" y="0"/>
+          <a:chExt cx="0" cy="0"/>
+        </a:xfrm>
+      </p:grpSpPr>
+      <p:sp>
+        <p:nvSpPr>
+          <p:cNvPr id="2" name="Naslov 1"/>
+          <p:cNvSpPr>
+            <a:spLocks noGrp="1"/>
+          </p:cNvSpPr>
+          <p:nvPr>
+            <p:ph type="title"/>
+          </p:nvPr>
+        </p:nvSpPr>
+        <p:spPr/>
+        <p:txBody>
+          <a:bodyPr/>
+          <a:lstStyle/>
+          <a:p>
+            <a:r>
+              <a:rPr lang="sl-SI" dirty="0" smtClean="0"/>
+              <a:t>Rekurzija</a:t>
+            </a:r>
+            <a:endParaRPr lang="sl-SI" dirty="0"/>
+          </a:p>
+        </p:txBody>
+      </p:sp>
+      <p:sp>
+        <p:nvSpPr>
+          <p:cNvPr id="3" name="Ograda vsebine 2"/>
+          <p:cNvSpPr>
+            <a:spLocks noGrp="1"/>
+          </p:cNvSpPr>
+          <p:nvPr>
+            <p:ph idx="1"/>
+          </p:nvPr>
+        </p:nvSpPr>
+        <p:spPr/>
+        <p:txBody>
+          <a:bodyPr/>
+          <a:lstStyle/>
+          <a:p>
+            <a:endParaRPr lang="sl-SI"/>
+          </a:p>
+        </p:txBody>
+      </p:sp>
+      <p:pic>
+        <p:nvPicPr>
+          <p:cNvPr id="1026" name="Picture 2"/>
+          <p:cNvPicPr>
+            <a:picLocks noChangeAspect="1" noChangeArrowheads="1"/>
+          </p:cNvPicPr>
+          <p:nvPr/>
+        </p:nvPicPr>
+        <p:blipFill>
+          <a:blip r:embed="rId2">
+            <a:extLst>
+              <a:ext uri="{28A0092B-C50C-407E-A947-70E740481C1C}">
+                <a14:useLocalDpi xmlns:a14="http://schemas.microsoft.com/office/drawing/2010/main" val="0"/>
+              </a:ext>
+            </a:extLst>
+          </a:blip>
+          <a:srcRect/>
+          <a:stretch>
+            <a:fillRect/>
+          </a:stretch>
+        </p:blipFill>
+        <p:spPr bwMode="auto">
+          <a:xfrm>
+            <a:off x="827584" y="2420888"/>
+            <a:ext cx="6677025" cy="2581275"/>
+          </a:xfrm>
+          <a:prstGeom prst="rect">
+            <a:avLst/>
+          </a:prstGeom>
+          <a:noFill/>
+          <a:ln>
+            <a:noFill/>
+          </a:ln>
+          <a:extLst>
+            <a:ext uri="{909E8E84-426E-40DD-AFC4-6F175D3DCCD1}">
+              <a14:hiddenFill xmlns:a14="http://schemas.microsoft.com/office/drawing/2010/main">
+                <a:solidFill>
+                  <a:schemeClr val="accent1"/>
+                </a:solidFill>
+              </a14:hiddenFill>
+            </a:ext>
+            <a:ext uri="{91240B29-F687-4F45-9708-019B960494DF}">
+              <a14:hiddenLine xmlns:a14="http://schemas.microsoft.com/office/drawing/2010/main" w="9525">
+                <a:solidFill>
+                  <a:schemeClr val="tx1"/>
+                </a:solidFill>
+                <a:miter lim="800000"/>
+                <a:headEnd/>
+                <a:tailEnd/>
+              </a14:hiddenLine>
+            </a:ext>
+          </a:extLst>
+        </p:spPr>
+      </p:pic>
+    </p:spTree>
+    <p:extLst>
+      <p:ext uri="{BB962C8B-B14F-4D97-AF65-F5344CB8AC3E}">
+        <p14:creationId xmlns:p14="http://schemas.microsoft.com/office/powerpoint/2010/main" val="447424207"/>
+      </p:ext>
+    </p:extLst>
+  </p:cSld>
+  <p:clrMapOvr>
+    <a:masterClrMapping/>
+  </p:clrMapOvr>
+</p:sld>
+</file>
+
+<file path=ppt/slides/slide23.xml><?xml version="1.0" encoding="utf-8"?>
 <p:sld xmlns:a="http://schemas.openxmlformats.org/drawingml/2006/main" xmlns:r="http://schemas.openxmlformats.org/officeDocument/2006/relationships" xmlns:p="http://schemas.openxmlformats.org/presentationml/2006/main">
   <p:cSld>
     <p:spTree>
@@ -8935,7 +9067,7 @@
 </p:sld>
 </file>
 
-<file path=ppt/slides/slide23.xml><?xml version="1.0" encoding="utf-8"?>
+<file path=ppt/slides/slide24.xml><?xml version="1.0" encoding="utf-8"?>
 <p:sld xmlns:a="http://schemas.openxmlformats.org/drawingml/2006/main" xmlns:r="http://schemas.openxmlformats.org/officeDocument/2006/relationships" xmlns:p="http://schemas.openxmlformats.org/presentationml/2006/main">
   <p:cSld>
     <p:spTree>
@@ -9092,172 +9224,6 @@
 </p:sld>
 </file>
 
-<file path=ppt/slides/slide24.xml><?xml version="1.0" encoding="utf-8"?>
-<p:sld xmlns:a="http://schemas.openxmlformats.org/drawingml/2006/main" xmlns:r="http://schemas.openxmlformats.org/officeDocument/2006/relationships" xmlns:p="http://schemas.openxmlformats.org/presentationml/2006/main">
-  <p:cSld>
-    <p:spTree>
-      <p:nvGrpSpPr>
-        <p:cNvPr id="1" name=""/>
-        <p:cNvGrpSpPr/>
-        <p:nvPr/>
-      </p:nvGrpSpPr>
-      <p:grpSpPr>
-        <a:xfrm>
-          <a:off x="0" y="0"/>
-          <a:ext cx="0" cy="0"/>
-          <a:chOff x="0" y="0"/>
-          <a:chExt cx="0" cy="0"/>
-        </a:xfrm>
-      </p:grpSpPr>
-      <p:sp>
-        <p:nvSpPr>
-          <p:cNvPr id="2" name="Naslov 1"/>
-          <p:cNvSpPr>
-            <a:spLocks noGrp="1"/>
-          </p:cNvSpPr>
-          <p:nvPr>
-            <p:ph type="title"/>
-          </p:nvPr>
-        </p:nvSpPr>
-        <p:spPr/>
-        <p:txBody>
-          <a:bodyPr/>
-          <a:lstStyle/>
-          <a:p>
-            <a:r>
-              <a:rPr lang="sl-SI" dirty="0" smtClean="0"/>
-              <a:t>Drevo</a:t>
-            </a:r>
-            <a:endParaRPr lang="en-US" dirty="0"/>
-          </a:p>
-        </p:txBody>
-      </p:sp>
-      <p:sp>
-        <p:nvSpPr>
-          <p:cNvPr id="3" name="Ograda vsebine 2"/>
-          <p:cNvSpPr>
-            <a:spLocks noGrp="1"/>
-          </p:cNvSpPr>
-          <p:nvPr>
-            <p:ph idx="1"/>
-          </p:nvPr>
-        </p:nvSpPr>
-        <p:spPr/>
-        <p:txBody>
-          <a:bodyPr/>
-          <a:lstStyle/>
-          <a:p>
-            <a:r>
-              <a:rPr lang="sl-SI" dirty="0"/>
-              <a:t>drevo T v G je izmenično drevo glede na M, </a:t>
-            </a:r>
-            <a:r>
-              <a:rPr lang="sl-SI" dirty="0" smtClean="0"/>
-              <a:t>če</a:t>
-            </a:r>
-          </a:p>
-          <a:p>
-            <a:pPr marL="514350" indent="-514350">
-              <a:buFont typeface="+mj-lt"/>
-              <a:buAutoNum type="alphaLcParenR"/>
-            </a:pPr>
-            <a:r>
-              <a:rPr lang="sl-SI" dirty="0"/>
-              <a:t>T vsebuje točno eno izpostavljeno </a:t>
-            </a:r>
-            <a:r>
-              <a:rPr lang="sl-SI" dirty="0" smtClean="0"/>
-              <a:t>vozlišče r</a:t>
-            </a:r>
-            <a:endParaRPr lang="sl-SI" dirty="0"/>
-          </a:p>
-          <a:p>
-            <a:pPr marL="514350" indent="-514350">
-              <a:buFont typeface="+mj-lt"/>
-              <a:buAutoNum type="alphaLcParenR"/>
-            </a:pPr>
-            <a:r>
-              <a:rPr lang="sl-SI" dirty="0"/>
-              <a:t>vsaka </a:t>
-            </a:r>
-            <a:r>
-              <a:rPr lang="sl-SI" dirty="0" err="1"/>
-              <a:t>tocka</a:t>
-            </a:r>
-            <a:r>
-              <a:rPr lang="sl-SI" dirty="0"/>
-              <a:t> na neparni razdalji od korena ima natanko dva </a:t>
-            </a:r>
-            <a:r>
-              <a:rPr lang="sl-SI" dirty="0" err="1"/>
-              <a:t>incidentna</a:t>
-            </a:r>
-            <a:r>
-              <a:rPr lang="sl-SI" dirty="0"/>
-              <a:t> robova v </a:t>
-            </a:r>
-            <a:r>
-              <a:rPr lang="sl-SI" dirty="0" smtClean="0"/>
-              <a:t>T</a:t>
-            </a:r>
-          </a:p>
-          <a:p>
-            <a:pPr marL="514350" indent="-514350">
-              <a:buFont typeface="+mj-lt"/>
-              <a:buAutoNum type="alphaLcParenR"/>
-            </a:pPr>
-            <a:r>
-              <a:rPr lang="sl-SI" dirty="0"/>
-              <a:t>vse poti od r do listov v T imajo </a:t>
-            </a:r>
-            <a:r>
-              <a:rPr lang="sl-SI" dirty="0" smtClean="0"/>
-              <a:t>sode dolžine</a:t>
-            </a:r>
-            <a:r>
-              <a:rPr lang="sl-SI" dirty="0"/>
-              <a:t>, njihovi </a:t>
-            </a:r>
-            <a:r>
-              <a:rPr lang="sl-SI" dirty="0" smtClean="0"/>
-              <a:t>lihi </a:t>
-            </a:r>
-            <a:r>
-              <a:rPr lang="sl-SI" dirty="0"/>
-              <a:t>robovi niso v M, njihovi </a:t>
-            </a:r>
-            <a:r>
-              <a:rPr lang="sl-SI" dirty="0" smtClean="0"/>
-              <a:t>sodi </a:t>
-            </a:r>
-            <a:r>
-              <a:rPr lang="sl-SI" dirty="0"/>
-              <a:t>robovi pa so v M.</a:t>
-            </a:r>
-            <a:endParaRPr lang="sl-SI" dirty="0" smtClean="0"/>
-          </a:p>
-        </p:txBody>
-      </p:sp>
-    </p:spTree>
-    <p:extLst>
-      <p:ext uri="{BB962C8B-B14F-4D97-AF65-F5344CB8AC3E}">
-        <p14:creationId xmlns:p14="http://schemas.microsoft.com/office/powerpoint/2010/main" val="3142657283"/>
-      </p:ext>
-    </p:extLst>
-  </p:cSld>
-  <p:clrMapOvr>
-    <a:masterClrMapping/>
-  </p:clrMapOvr>
-  <p:timing>
-    <p:tnLst>
-      <p:par>
-        <p:cTn id="1" dur="indefinite" restart="never" nodeType="tmRoot"/>
-      </p:par>
-    </p:tnLst>
-  </p:timing>
-</p:sld>
-</file>
-
 <file path=ppt/slides/slide25.xml><?xml version="1.0" encoding="utf-8"?>
 <p:sld xmlns:a="http://schemas.openxmlformats.org/drawingml/2006/main" xmlns:r="http://schemas.openxmlformats.org/officeDocument/2006/relationships" xmlns:p="http://schemas.openxmlformats.org/presentationml/2006/main">
   <p:cSld>
@@ -9277,7 +9243,7 @@
       </p:grpSpPr>
       <p:sp>
         <p:nvSpPr>
-          <p:cNvPr id="2" name="Title 1"/>
+          <p:cNvPr id="2" name="Naslov 1"/>
           <p:cNvSpPr>
             <a:spLocks noGrp="1"/>
           </p:cNvSpPr>
@@ -9292,15 +9258,15 @@
           <a:p>
             <a:r>
               <a:rPr lang="sl-SI" dirty="0" smtClean="0"/>
-              <a:t>Gozd</a:t>
-            </a:r>
-            <a:endParaRPr lang="sl-SI" dirty="0"/>
-          </a:p>
-        </p:txBody>
-      </p:sp>
-      <p:sp>
-        <p:nvSpPr>
-          <p:cNvPr id="7" name="Content Placeholder 6"/>
+              <a:t>Drevo</a:t>
+            </a:r>
+            <a:endParaRPr lang="en-US" dirty="0"/>
+          </a:p>
+        </p:txBody>
+      </p:sp>
+      <p:sp>
+        <p:nvSpPr>
+          <p:cNvPr id="3" name="Ograda vsebine 2"/>
           <p:cNvSpPr>
             <a:spLocks noGrp="1"/>
           </p:cNvSpPr>
@@ -9315,7 +9281,7 @@
           <a:p>
             <a:r>
               <a:rPr lang="sl-SI" dirty="0"/>
-              <a:t>gozd F v G je izmeničen gozd glede na M, </a:t>
+              <a:t>drevo T v G je izmenično drevo glede na M, </a:t>
             </a:r>
             <a:r>
               <a:rPr lang="sl-SI" dirty="0" smtClean="0"/>
@@ -9328,17 +9294,14 @@
               <a:buAutoNum type="alphaLcParenR"/>
             </a:pPr>
             <a:r>
+              <a:rPr lang="sl-SI" dirty="0"/>
+              <a:t>T vsebuje točno eno izpostavljeno </a:t>
+            </a:r>
+            <a:r>
               <a:rPr lang="sl-SI" dirty="0" smtClean="0"/>
-              <a:t>povezane </a:t>
-            </a:r>
-            <a:r>
-              <a:rPr lang="sl-SI" dirty="0"/>
-              <a:t>komponente so izmenično drevesa</a:t>
-            </a:r>
-            <a:r>
-              <a:rPr lang="sl-SI" dirty="0" smtClean="0"/>
-              <a:t>,</a:t>
-            </a:r>
+              <a:t>vozlišče r</a:t>
+            </a:r>
+            <a:endParaRPr lang="sl-SI" dirty="0"/>
           </a:p>
           <a:p>
             <a:pPr marL="514350" indent="-514350">
@@ -9346,24 +9309,36 @@
               <a:buAutoNum type="alphaLcParenR"/>
             </a:pPr>
             <a:r>
+              <a:rPr lang="sl-SI" dirty="0"/>
+              <a:t>vsaka </a:t>
+            </a:r>
+            <a:r>
               <a:rPr lang="sl-SI" dirty="0" smtClean="0"/>
-              <a:t>vsako izpostavljeno </a:t>
+              <a:t>točka </a:t>
             </a:r>
             <a:r>
               <a:rPr lang="sl-SI" dirty="0"/>
-              <a:t>vozlišče v G je koren </a:t>
+              <a:t>na </a:t>
             </a:r>
             <a:r>
               <a:rPr lang="sl-SI" dirty="0" smtClean="0"/>
-              <a:t>izmeničnega </a:t>
+              <a:t>neparni razdalji </a:t>
             </a:r>
             <a:r>
               <a:rPr lang="sl-SI" dirty="0"/>
-              <a:t>drevesa v </a:t>
+              <a:t>od korena ima natanko dva </a:t>
+            </a:r>
+            <a:r>
+              <a:rPr lang="sl-SI" dirty="0" err="1"/>
+              <a:t>incidentna</a:t>
+            </a:r>
+            <a:r>
+              <a:rPr lang="sl-SI" dirty="0"/>
+              <a:t> robova v </a:t>
             </a:r>
             <a:r>
               <a:rPr lang="sl-SI" dirty="0" smtClean="0"/>
-              <a:t>F</a:t>
+              <a:t>T</a:t>
             </a:r>
           </a:p>
           <a:p>
@@ -9371,31 +9346,33 @@
               <a:buFont typeface="+mj-lt"/>
               <a:buAutoNum type="alphaLcParenR"/>
             </a:pPr>
-            <a:endParaRPr lang="sl-SI" dirty="0"/>
-          </a:p>
-          <a:p>
-            <a:pPr marL="0" indent="0">
-              <a:buNone/>
-            </a:pPr>
             <a:r>
               <a:rPr lang="sl-SI" dirty="0"/>
-              <a:t>Gozd F, ki ga </a:t>
+              <a:t>vse poti od r do listov v T imajo </a:t>
             </a:r>
             <a:r>
               <a:rPr lang="sl-SI" dirty="0" smtClean="0"/>
-              <a:t>naredi </a:t>
-            </a:r>
-            <a:r>
-              <a:rPr lang="sl-SI" dirty="0" err="1" smtClean="0"/>
-              <a:t>find_augmenting_path</a:t>
+              <a:t>sode dolžine</a:t>
+            </a:r>
+            <a:r>
+              <a:rPr lang="sl-SI" dirty="0"/>
+              <a:t>, njihovi </a:t>
             </a:r>
             <a:r>
               <a:rPr lang="sl-SI" dirty="0" smtClean="0"/>
-              <a:t> </a:t>
+              <a:t>lihi </a:t>
             </a:r>
             <a:r>
               <a:rPr lang="sl-SI" dirty="0"/>
-              <a:t>(), je izmeničen gozd.</a:t>
+              <a:t>robovi niso v M, njihovi </a:t>
+            </a:r>
+            <a:r>
+              <a:rPr lang="sl-SI" dirty="0" smtClean="0"/>
+              <a:t>sodi </a:t>
+            </a:r>
+            <a:r>
+              <a:rPr lang="sl-SI" dirty="0"/>
+              <a:t>robovi pa so v M.</a:t>
             </a:r>
             <a:endParaRPr lang="sl-SI" dirty="0" smtClean="0"/>
           </a:p>
@@ -9404,7 +9381,7 @@
     </p:spTree>
     <p:extLst>
       <p:ext uri="{BB962C8B-B14F-4D97-AF65-F5344CB8AC3E}">
-        <p14:creationId xmlns:p14="http://schemas.microsoft.com/office/powerpoint/2010/main" val="4285847533"/>
+        <p14:creationId xmlns:p14="http://schemas.microsoft.com/office/powerpoint/2010/main" val="3142657283"/>
       </p:ext>
     </p:extLst>
   </p:cSld>
@@ -9440,6 +9417,185 @@
       </p:grpSpPr>
       <p:sp>
         <p:nvSpPr>
+          <p:cNvPr id="2" name="Title 1"/>
+          <p:cNvSpPr>
+            <a:spLocks noGrp="1"/>
+          </p:cNvSpPr>
+          <p:nvPr>
+            <p:ph type="title"/>
+          </p:nvPr>
+        </p:nvSpPr>
+        <p:spPr/>
+        <p:txBody>
+          <a:bodyPr/>
+          <a:lstStyle/>
+          <a:p>
+            <a:r>
+              <a:rPr lang="sl-SI" dirty="0" smtClean="0"/>
+              <a:t>Gozd</a:t>
+            </a:r>
+            <a:endParaRPr lang="sl-SI" dirty="0"/>
+          </a:p>
+        </p:txBody>
+      </p:sp>
+      <p:sp>
+        <p:nvSpPr>
+          <p:cNvPr id="7" name="Content Placeholder 6"/>
+          <p:cNvSpPr>
+            <a:spLocks noGrp="1"/>
+          </p:cNvSpPr>
+          <p:nvPr>
+            <p:ph idx="1"/>
+          </p:nvPr>
+        </p:nvSpPr>
+        <p:spPr/>
+        <p:txBody>
+          <a:bodyPr/>
+          <a:lstStyle/>
+          <a:p>
+            <a:r>
+              <a:rPr lang="sl-SI" dirty="0"/>
+              <a:t>gozd F v G je izmeničen gozd glede na M, </a:t>
+            </a:r>
+            <a:r>
+              <a:rPr lang="sl-SI" dirty="0" smtClean="0"/>
+              <a:t>če</a:t>
+            </a:r>
+          </a:p>
+          <a:p>
+            <a:pPr marL="514350" indent="-514350">
+              <a:buFont typeface="+mj-lt"/>
+              <a:buAutoNum type="alphaLcParenR"/>
+            </a:pPr>
+            <a:r>
+              <a:rPr lang="sl-SI" dirty="0" smtClean="0"/>
+              <a:t>povezane </a:t>
+            </a:r>
+            <a:r>
+              <a:rPr lang="sl-SI" dirty="0"/>
+              <a:t>komponente so izmenično drevesa</a:t>
+            </a:r>
+            <a:r>
+              <a:rPr lang="sl-SI" dirty="0" smtClean="0"/>
+              <a:t>,</a:t>
+            </a:r>
+          </a:p>
+          <a:p>
+            <a:pPr marL="514350" indent="-514350">
+              <a:buFont typeface="+mj-lt"/>
+              <a:buAutoNum type="alphaLcParenR"/>
+            </a:pPr>
+            <a:r>
+              <a:rPr lang="sl-SI" dirty="0" smtClean="0"/>
+              <a:t>vsako izpostavljeno </a:t>
+            </a:r>
+            <a:r>
+              <a:rPr lang="sl-SI" dirty="0"/>
+              <a:t>vozlišče v G je koren </a:t>
+            </a:r>
+            <a:r>
+              <a:rPr lang="sl-SI" dirty="0" smtClean="0"/>
+              <a:t>izmeničnega </a:t>
+            </a:r>
+            <a:r>
+              <a:rPr lang="sl-SI" dirty="0"/>
+              <a:t>drevesa v </a:t>
+            </a:r>
+            <a:r>
+              <a:rPr lang="sl-SI" dirty="0" smtClean="0"/>
+              <a:t>F</a:t>
+            </a:r>
+          </a:p>
+          <a:p>
+            <a:pPr marL="514350" indent="-514350">
+              <a:buFont typeface="+mj-lt"/>
+              <a:buAutoNum type="alphaLcParenR"/>
+            </a:pPr>
+            <a:endParaRPr lang="sl-SI" dirty="0"/>
+          </a:p>
+          <a:p>
+            <a:pPr marL="0" indent="0">
+              <a:buNone/>
+            </a:pPr>
+            <a:r>
+              <a:rPr lang="sl-SI" dirty="0"/>
+              <a:t>Gozd F, ki ga </a:t>
+            </a:r>
+            <a:r>
+              <a:rPr lang="sl-SI" dirty="0" smtClean="0"/>
+              <a:t>naredi </a:t>
+            </a:r>
+            <a:r>
+              <a:rPr lang="sl-SI" dirty="0" err="1" smtClean="0"/>
+              <a:t>find</a:t>
+            </a:r>
+            <a:r>
+              <a:rPr lang="sl-SI" dirty="0" smtClean="0"/>
+              <a:t>_</a:t>
+            </a:r>
+            <a:r>
+              <a:rPr lang="sl-SI" dirty="0" err="1" smtClean="0"/>
+              <a:t>augmenting</a:t>
+            </a:r>
+            <a:r>
+              <a:rPr lang="sl-SI" dirty="0" smtClean="0"/>
+              <a:t>_</a:t>
+            </a:r>
+            <a:r>
+              <a:rPr lang="sl-SI" dirty="0" err="1" smtClean="0"/>
+              <a:t>path</a:t>
+            </a:r>
+            <a:r>
+              <a:rPr lang="sl-SI" dirty="0" smtClean="0"/>
+              <a:t>(G,M), </a:t>
+            </a:r>
+            <a:r>
+              <a:rPr lang="sl-SI" dirty="0"/>
+              <a:t>je izmeničen gozd.</a:t>
+            </a:r>
+            <a:endParaRPr lang="sl-SI" dirty="0" smtClean="0"/>
+          </a:p>
+        </p:txBody>
+      </p:sp>
+    </p:spTree>
+    <p:extLst>
+      <p:ext uri="{BB962C8B-B14F-4D97-AF65-F5344CB8AC3E}">
+        <p14:creationId xmlns:p14="http://schemas.microsoft.com/office/powerpoint/2010/main" val="4285847533"/>
+      </p:ext>
+    </p:extLst>
+  </p:cSld>
+  <p:clrMapOvr>
+    <a:masterClrMapping/>
+  </p:clrMapOvr>
+  <p:timing>
+    <p:tnLst>
+      <p:par>
+        <p:cTn id="1" dur="indefinite" restart="never" nodeType="tmRoot"/>
+      </p:par>
+    </p:tnLst>
+  </p:timing>
+</p:sld>
+</file>
+
+<file path=ppt/slides/slide27.xml><?xml version="1.0" encoding="utf-8"?>
+<p:sld xmlns:a="http://schemas.openxmlformats.org/drawingml/2006/main" xmlns:r="http://schemas.openxmlformats.org/officeDocument/2006/relationships" xmlns:p="http://schemas.openxmlformats.org/presentationml/2006/main">
+  <p:cSld>
+    <p:spTree>
+      <p:nvGrpSpPr>
+        <p:cNvPr id="1" name=""/>
+        <p:cNvGrpSpPr/>
+        <p:nvPr/>
+      </p:nvGrpSpPr>
+      <p:grpSpPr>
+        <a:xfrm>
+          <a:off x="0" y="0"/>
+          <a:ext cx="0" cy="0"/>
+          <a:chOff x="0" y="0"/>
+          <a:chExt cx="0" cy="0"/>
+        </a:xfrm>
+      </p:grpSpPr>
+      <p:sp>
+        <p:nvSpPr>
           <p:cNvPr id="2" name="Naslov 1"/>
           <p:cNvSpPr>
             <a:spLocks noGrp="1"/>
@@ -9550,7 +9706,483 @@
 </p:sld>
 </file>
 
-<file path=ppt/slides/slide27.xml><?xml version="1.0" encoding="utf-8"?>
+<file path=ppt/slides/slide28.xml><?xml version="1.0" encoding="utf-8"?>
+<p:sld xmlns:a="http://schemas.openxmlformats.org/drawingml/2006/main" xmlns:r="http://schemas.openxmlformats.org/officeDocument/2006/relationships" xmlns:p="http://schemas.openxmlformats.org/presentationml/2006/main">
+  <p:cSld>
+    <p:spTree>
+      <p:nvGrpSpPr>
+        <p:cNvPr id="1" name=""/>
+        <p:cNvGrpSpPr/>
+        <p:nvPr/>
+      </p:nvGrpSpPr>
+      <p:grpSpPr>
+        <a:xfrm>
+          <a:off x="0" y="0"/>
+          <a:ext cx="0" cy="0"/>
+          <a:chOff x="0" y="0"/>
+          <a:chExt cx="0" cy="0"/>
+        </a:xfrm>
+      </p:grpSpPr>
+      <p:sp>
+        <p:nvSpPr>
+          <p:cNvPr id="2" name="Naslov 1"/>
+          <p:cNvSpPr>
+            <a:spLocks noGrp="1"/>
+          </p:cNvSpPr>
+          <p:nvPr>
+            <p:ph type="title"/>
+          </p:nvPr>
+        </p:nvSpPr>
+        <p:spPr/>
+        <p:txBody>
+          <a:bodyPr/>
+          <a:lstStyle/>
+          <a:p>
+            <a:endParaRPr lang="sl-SI" dirty="0"/>
+          </a:p>
+        </p:txBody>
+      </p:sp>
+      <p:sp>
+        <p:nvSpPr>
+          <p:cNvPr id="3" name="Ograda vsebine 2"/>
+          <p:cNvSpPr>
+            <a:spLocks noGrp="1"/>
+          </p:cNvSpPr>
+          <p:nvPr>
+            <p:ph idx="1"/>
+          </p:nvPr>
+        </p:nvSpPr>
+        <p:spPr/>
+        <p:txBody>
+          <a:bodyPr/>
+          <a:lstStyle/>
+          <a:p>
+            <a:r>
+              <a:rPr lang="sl-SI" dirty="0" smtClean="0"/>
+              <a:t>Vsaka iteracija povečujoče poti ima lahko O(n) </a:t>
+            </a:r>
+            <a:r>
+              <a:rPr lang="sl-SI" dirty="0" err="1" smtClean="0"/>
+              <a:t>blossomovih</a:t>
+            </a:r>
+            <a:r>
+              <a:rPr lang="sl-SI" dirty="0" smtClean="0"/>
+              <a:t> skrčitev</a:t>
+            </a:r>
+            <a:endParaRPr lang="sl-SI" dirty="0"/>
+          </a:p>
+        </p:txBody>
+      </p:sp>
+      <p:pic>
+        <p:nvPicPr>
+          <p:cNvPr id="2050" name="Picture 2"/>
+          <p:cNvPicPr>
+            <a:picLocks noChangeAspect="1" noChangeArrowheads="1"/>
+          </p:cNvPicPr>
+          <p:nvPr/>
+        </p:nvPicPr>
+        <p:blipFill rotWithShape="1">
+          <a:blip r:embed="rId2">
+            <a:extLst>
+              <a:ext uri="{28A0092B-C50C-407E-A947-70E740481C1C}">
+                <a14:useLocalDpi xmlns:a14="http://schemas.microsoft.com/office/drawing/2010/main" val="0"/>
+              </a:ext>
+            </a:extLst>
+          </a:blip>
+          <a:srcRect t="8532" b="14606"/>
+          <a:stretch/>
+        </p:blipFill>
+        <p:spPr bwMode="auto">
+          <a:xfrm>
+            <a:off x="1547664" y="3320506"/>
+            <a:ext cx="5019310" cy="2628773"/>
+          </a:xfrm>
+          <a:prstGeom prst="rect">
+            <a:avLst/>
+          </a:prstGeom>
+          <a:noFill/>
+          <a:ln>
+            <a:noFill/>
+          </a:ln>
+          <a:effectLst/>
+          <a:extLst>
+            <a:ext uri="{909E8E84-426E-40DD-AFC4-6F175D3DCCD1}">
+              <a14:hiddenFill xmlns:a14="http://schemas.microsoft.com/office/drawing/2010/main">
+                <a:solidFill>
+                  <a:schemeClr val="accent1"/>
+                </a:solidFill>
+              </a14:hiddenFill>
+            </a:ext>
+            <a:ext uri="{91240B29-F687-4F45-9708-019B960494DF}">
+              <a14:hiddenLine xmlns:a14="http://schemas.microsoft.com/office/drawing/2010/main" w="9525">
+                <a:solidFill>
+                  <a:schemeClr val="tx1"/>
+                </a:solidFill>
+                <a:miter lim="800000"/>
+                <a:headEnd/>
+                <a:tailEnd/>
+              </a14:hiddenLine>
+            </a:ext>
+            <a:ext uri="{AF507438-7753-43E0-B8FC-AC1667EBCBE1}">
+              <a14:hiddenEffects xmlns:a14="http://schemas.microsoft.com/office/drawing/2010/main">
+                <a:effectLst>
+                  <a:outerShdw dist="35921" dir="2700000" algn="ctr" rotWithShape="0">
+                    <a:schemeClr val="bg2"/>
+                  </a:outerShdw>
+                </a:effectLst>
+              </a14:hiddenEffects>
+            </a:ext>
+          </a:extLst>
+        </p:spPr>
+      </p:pic>
+    </p:spTree>
+    <p:extLst>
+      <p:ext uri="{BB962C8B-B14F-4D97-AF65-F5344CB8AC3E}">
+        <p14:creationId xmlns:p14="http://schemas.microsoft.com/office/powerpoint/2010/main" val="2350884393"/>
+      </p:ext>
+    </p:extLst>
+  </p:cSld>
+  <p:clrMapOvr>
+    <a:masterClrMapping/>
+  </p:clrMapOvr>
+</p:sld>
+</file>
+
+<file path=ppt/slides/slide29.xml><?xml version="1.0" encoding="utf-8"?>
+<p:sld xmlns:a="http://schemas.openxmlformats.org/drawingml/2006/main" xmlns:r="http://schemas.openxmlformats.org/officeDocument/2006/relationships" xmlns:p="http://schemas.openxmlformats.org/presentationml/2006/main">
+  <p:cSld>
+    <p:spTree>
+      <p:nvGrpSpPr>
+        <p:cNvPr id="1" name=""/>
+        <p:cNvGrpSpPr/>
+        <p:nvPr/>
+      </p:nvGrpSpPr>
+      <p:grpSpPr>
+        <a:xfrm>
+          <a:off x="0" y="0"/>
+          <a:ext cx="0" cy="0"/>
+          <a:chOff x="0" y="0"/>
+          <a:chExt cx="0" cy="0"/>
+        </a:xfrm>
+      </p:grpSpPr>
+      <p:sp>
+        <p:nvSpPr>
+          <p:cNvPr id="2" name="Naslov 1"/>
+          <p:cNvSpPr>
+            <a:spLocks noGrp="1"/>
+          </p:cNvSpPr>
+          <p:nvPr>
+            <p:ph type="title"/>
+          </p:nvPr>
+        </p:nvSpPr>
+        <p:spPr/>
+        <p:txBody>
+          <a:bodyPr/>
+          <a:lstStyle/>
+          <a:p>
+            <a:r>
+              <a:rPr lang="sl-SI" dirty="0" smtClean="0"/>
+              <a:t>Časovna zahtevnost</a:t>
+            </a:r>
+            <a:endParaRPr lang="sl-SI" dirty="0"/>
+          </a:p>
+        </p:txBody>
+      </p:sp>
+      <mc:AlternateContent xmlns:mc="http://schemas.openxmlformats.org/markup-compatibility/2006">
+        <mc:Choice xmlns:a14="http://schemas.microsoft.com/office/drawing/2010/main" Requires="a14">
+          <p:sp>
+            <p:nvSpPr>
+              <p:cNvPr id="3" name="Ograda vsebine 2"/>
+              <p:cNvSpPr>
+                <a:spLocks noGrp="1"/>
+              </p:cNvSpPr>
+              <p:nvPr>
+                <p:ph idx="1"/>
+              </p:nvPr>
+            </p:nvSpPr>
+            <p:spPr/>
+            <p:txBody>
+              <a:bodyPr/>
+              <a:lstStyle/>
+              <a:p>
+                <a:r>
+                  <a:rPr lang="sl-SI" dirty="0" smtClean="0"/>
+                  <a:t>Blossom algoritem zahteva največ </a:t>
+                </a:r>
+                <a14:m>
+                  <m:oMath xmlns:m="http://schemas.openxmlformats.org/officeDocument/2006/math">
+                    <m:d>
+                      <m:dPr>
+                        <m:begChr m:val="⌊"/>
+                        <m:endChr m:val="⌋"/>
+                        <m:ctrlPr>
+                          <a:rPr lang="sl-SI" i="1" smtClean="0">
+                            <a:latin typeface="Cambria Math"/>
+                          </a:rPr>
+                        </m:ctrlPr>
+                      </m:dPr>
+                      <m:e>
+                        <m:f>
+                          <m:fPr>
+                            <m:ctrlPr>
+                              <a:rPr lang="sl-SI" i="1">
+                                <a:latin typeface="Cambria Math"/>
+                              </a:rPr>
+                            </m:ctrlPr>
+                          </m:fPr>
+                          <m:num>
+                            <m:r>
+                              <a:rPr lang="sl-SI" i="1">
+                                <a:latin typeface="Cambria Math"/>
+                              </a:rPr>
+                              <m:t>𝑛</m:t>
+                            </m:r>
+                          </m:num>
+                          <m:den>
+                            <m:r>
+                              <a:rPr lang="sl-SI" i="1">
+                                <a:latin typeface="Cambria Math"/>
+                              </a:rPr>
+                              <m:t>2</m:t>
+                            </m:r>
+                          </m:den>
+                        </m:f>
+                      </m:e>
+                    </m:d>
+                  </m:oMath>
+                </a14:m>
+                <a:r>
+                  <a:rPr lang="sl-SI" dirty="0" smtClean="0"/>
+                  <a:t>klicev funkcije najdi_povečujočo_pot (</a:t>
+                </a:r>
+                <a:r>
+                  <a:rPr lang="sl-SI" dirty="0" err="1" smtClean="0"/>
+                  <a:t>find</a:t>
+                </a:r>
+                <a:r>
+                  <a:rPr lang="sl-SI" dirty="0" smtClean="0"/>
+                  <a:t>_</a:t>
+                </a:r>
+                <a:r>
+                  <a:rPr lang="sl-SI" dirty="0" err="1" smtClean="0"/>
+                  <a:t>aug</a:t>
+                </a:r>
+                <a:r>
+                  <a:rPr lang="sl-SI" dirty="0" smtClean="0"/>
+                  <a:t>_</a:t>
+                </a:r>
+                <a:r>
+                  <a:rPr lang="sl-SI" dirty="0" err="1" smtClean="0"/>
+                  <a:t>path</a:t>
+                </a:r>
+                <a:r>
+                  <a:rPr lang="sl-SI" dirty="0" smtClean="0"/>
+                  <a:t>)</a:t>
+                </a:r>
+              </a:p>
+              <a:p>
+                <a:pPr>
+                  <a:buFont typeface="+mj-lt"/>
+                  <a:buAutoNum type="arabicPeriod"/>
+                </a:pPr>
+                <a:r>
+                  <a:rPr lang="sl-SI" dirty="0" err="1" smtClean="0"/>
+                  <a:t>Blossomova</a:t>
+                </a:r>
+                <a:r>
+                  <a:rPr lang="sl-SI" dirty="0" smtClean="0"/>
+                  <a:t> rekurzija</a:t>
+                </a:r>
+              </a:p>
+              <a:p>
+                <a:pPr>
+                  <a:buFont typeface="+mj-lt"/>
+                  <a:buAutoNum type="arabicPeriod"/>
+                </a:pPr>
+                <a:r>
+                  <a:rPr lang="sl-SI" dirty="0" smtClean="0"/>
+                  <a:t>Dodaj v gozd</a:t>
+                </a:r>
+              </a:p>
+              <a:p>
+                <a:pPr>
+                  <a:buFont typeface="+mj-lt"/>
+                  <a:buAutoNum type="arabicPeriod"/>
+                </a:pPr>
+                <a:r>
+                  <a:rPr lang="sl-SI" dirty="0" smtClean="0"/>
+                  <a:t>Vrni povečujočo pot</a:t>
+                </a:r>
+                <a:endParaRPr lang="sl-SI" dirty="0"/>
+              </a:p>
+            </p:txBody>
+          </p:sp>
+        </mc:Choice>
+        <mc:Fallback>
+          <p:sp>
+            <p:nvSpPr>
+              <p:cNvPr id="3" name="Ograda vsebine 2"/>
+              <p:cNvSpPr>
+                <a:spLocks noGrp="1" noRot="1" noChangeAspect="1" noMove="1" noResize="1" noEditPoints="1" noAdjustHandles="1" noChangeArrowheads="1" noChangeShapeType="1" noTextEdit="1"/>
+              </p:cNvSpPr>
+              <p:nvPr>
+                <p:ph idx="1"/>
+              </p:nvPr>
+            </p:nvSpPr>
+            <p:spPr>
+              <a:blipFill rotWithShape="1">
+                <a:blip r:embed="rId2"/>
+                <a:stretch>
+                  <a:fillRect l="-192"/>
+                </a:stretch>
+              </a:blipFill>
+            </p:spPr>
+            <p:txBody>
+              <a:bodyPr/>
+              <a:lstStyle/>
+              <a:p>
+                <a:r>
+                  <a:rPr lang="sl-SI">
+                    <a:noFill/>
+                  </a:rPr>
+                  <a:t> </a:t>
+                </a:r>
+              </a:p>
+            </p:txBody>
+          </p:sp>
+        </mc:Fallback>
+      </mc:AlternateContent>
+    </p:spTree>
+    <p:extLst>
+      <p:ext uri="{BB962C8B-B14F-4D97-AF65-F5344CB8AC3E}">
+        <p14:creationId xmlns:p14="http://schemas.microsoft.com/office/powerpoint/2010/main" val="3641000627"/>
+      </p:ext>
+    </p:extLst>
+  </p:cSld>
+  <p:clrMapOvr>
+    <a:masterClrMapping/>
+  </p:clrMapOvr>
+</p:sld>
+</file>
+
+<file path=ppt/slides/slide3.xml><?xml version="1.0" encoding="utf-8"?>
+<p:sld xmlns:a="http://schemas.openxmlformats.org/drawingml/2006/main" xmlns:r="http://schemas.openxmlformats.org/officeDocument/2006/relationships" xmlns:p="http://schemas.openxmlformats.org/presentationml/2006/main">
+  <p:cSld>
+    <p:spTree>
+      <p:nvGrpSpPr>
+        <p:cNvPr id="1" name=""/>
+        <p:cNvGrpSpPr/>
+        <p:nvPr/>
+      </p:nvGrpSpPr>
+      <p:grpSpPr>
+        <a:xfrm>
+          <a:off x="0" y="0"/>
+          <a:ext cx="0" cy="0"/>
+          <a:chOff x="0" y="0"/>
+          <a:chExt cx="0" cy="0"/>
+        </a:xfrm>
+      </p:grpSpPr>
+      <p:sp>
+        <p:nvSpPr>
+          <p:cNvPr id="2" name="Naslov 1"/>
+          <p:cNvSpPr>
+            <a:spLocks noGrp="1"/>
+          </p:cNvSpPr>
+          <p:nvPr>
+            <p:ph type="title"/>
+          </p:nvPr>
+        </p:nvSpPr>
+        <p:spPr/>
+        <p:txBody>
+          <a:bodyPr/>
+          <a:lstStyle/>
+          <a:p>
+            <a:endParaRPr lang="en-US" dirty="0"/>
+          </a:p>
+        </p:txBody>
+      </p:sp>
+      <p:sp>
+        <p:nvSpPr>
+          <p:cNvPr id="3" name="Ograda vsebine 2"/>
+          <p:cNvSpPr>
+            <a:spLocks noGrp="1"/>
+          </p:cNvSpPr>
+          <p:nvPr>
+            <p:ph idx="1"/>
+          </p:nvPr>
+        </p:nvSpPr>
+        <p:spPr/>
+        <p:txBody>
+          <a:bodyPr/>
+          <a:lstStyle/>
+          <a:p>
+            <a:r>
+              <a:rPr lang="en-US" dirty="0" err="1" smtClean="0"/>
+              <a:t>Algoritem</a:t>
+            </a:r>
+            <a:r>
+              <a:rPr lang="en-US" dirty="0" smtClean="0"/>
+              <a:t> je </a:t>
+            </a:r>
+            <a:r>
+              <a:rPr lang="en-US" dirty="0" err="1" smtClean="0"/>
+              <a:t>razvil</a:t>
+            </a:r>
+            <a:r>
+              <a:rPr lang="en-US" dirty="0" smtClean="0"/>
+              <a:t> Jack Edmonds </a:t>
+            </a:r>
+            <a:r>
+              <a:rPr lang="en-US" dirty="0" err="1" smtClean="0"/>
+              <a:t>leta</a:t>
+            </a:r>
+            <a:r>
+              <a:rPr lang="en-US" dirty="0" smtClean="0"/>
+              <a:t> 1961</a:t>
+            </a:r>
+            <a:r>
+              <a:rPr lang="sl-SI" dirty="0" smtClean="0"/>
+              <a:t>, objavljen je bil 1965.</a:t>
+            </a:r>
+          </a:p>
+          <a:p>
+            <a:r>
+              <a:rPr lang="sl-SI" dirty="0" smtClean="0"/>
+              <a:t>Prvi algoritem, ki išče maksimalno prirejanje v polinomskem času.</a:t>
+            </a:r>
+          </a:p>
+          <a:p>
+            <a:r>
+              <a:rPr lang="sl-SI" dirty="0" smtClean="0"/>
+              <a:t>Algoritem, ki dela na vseh grafih.</a:t>
+            </a:r>
+          </a:p>
+          <a:p>
+            <a:endParaRPr lang="en-US" dirty="0"/>
+          </a:p>
+        </p:txBody>
+      </p:sp>
+    </p:spTree>
+    <p:extLst>
+      <p:ext uri="{BB962C8B-B14F-4D97-AF65-F5344CB8AC3E}">
+        <p14:creationId xmlns:p14="http://schemas.microsoft.com/office/powerpoint/2010/main" val="3706668536"/>
+      </p:ext>
+    </p:extLst>
+  </p:cSld>
+  <p:clrMapOvr>
+    <a:masterClrMapping/>
+  </p:clrMapOvr>
+  <p:timing>
+    <p:tnLst>
+      <p:par>
+        <p:cTn id="1" dur="indefinite" restart="never" nodeType="tmRoot"/>
+      </p:par>
+    </p:tnLst>
+  </p:timing>
+</p:sld>
+</file>
+
+<file path=ppt/slides/slide30.xml><?xml version="1.0" encoding="utf-8"?>
 <p:sld xmlns:a="http://schemas.openxmlformats.org/drawingml/2006/main" xmlns:r="http://schemas.openxmlformats.org/officeDocument/2006/relationships" xmlns:p="http://schemas.openxmlformats.org/presentationml/2006/main">
   <p:cSld>
     <p:spTree>
@@ -9732,7 +10364,7 @@
 </p:sld>
 </file>
 
-<file path=ppt/slides/slide28.xml><?xml version="1.0" encoding="utf-8"?>
+<file path=ppt/slides/slide31.xml><?xml version="1.0" encoding="utf-8"?>
 <p:sld xmlns:a="http://schemas.openxmlformats.org/drawingml/2006/main" xmlns:r="http://schemas.openxmlformats.org/officeDocument/2006/relationships" xmlns:p="http://schemas.openxmlformats.org/presentationml/2006/main">
   <p:cSld>
     <p:spTree>
@@ -9824,7 +10456,7 @@
 </p:sld>
 </file>
 
-<file path=ppt/slides/slide29.xml><?xml version="1.0" encoding="utf-8"?>
+<file path=ppt/slides/slide32.xml><?xml version="1.0" encoding="utf-8"?>
 <p:sld xmlns:a="http://schemas.openxmlformats.org/drawingml/2006/main" xmlns:r="http://schemas.openxmlformats.org/officeDocument/2006/relationships" xmlns:p="http://schemas.openxmlformats.org/presentationml/2006/main">
   <p:cSld>
     <p:spTree>
@@ -9857,42 +10489,102 @@
           <a:lstStyle/>
           <a:p>
             <a:r>
+              <a:rPr lang="sl-SI" dirty="0" smtClean="0"/>
+              <a:t>Časovna zahtevnost</a:t>
+            </a:r>
+            <a:endParaRPr lang="sl-SI" dirty="0"/>
+          </a:p>
+        </p:txBody>
+      </p:sp>
+      <p:sp>
+        <p:nvSpPr>
+          <p:cNvPr id="3" name="Ograda vsebine 2"/>
+          <p:cNvSpPr>
+            <a:spLocks noGrp="1"/>
+          </p:cNvSpPr>
+          <p:nvPr>
+            <p:ph idx="1"/>
+          </p:nvPr>
+        </p:nvSpPr>
+        <p:spPr/>
+        <p:txBody>
+          <a:bodyPr/>
+          <a:lstStyle/>
+          <a:p>
+            <a:pPr>
+              <a:buFont typeface="+mj-lt"/>
+              <a:buAutoNum type="arabicPeriod"/>
+            </a:pPr>
+            <a:r>
+              <a:rPr lang="sl-SI" dirty="0" smtClean="0"/>
+              <a:t>Dodaj v gozd O(1)</a:t>
+            </a:r>
+          </a:p>
+          <a:p>
+            <a:pPr>
+              <a:buFont typeface="+mj-lt"/>
+              <a:buAutoNum type="arabicPeriod"/>
+            </a:pPr>
+            <a:r>
               <a:rPr lang="sl-SI" dirty="0" err="1" smtClean="0"/>
-              <a:t>Pararelni</a:t>
+              <a:t>Blossomova</a:t>
             </a:r>
             <a:r>
               <a:rPr lang="sl-SI" dirty="0" smtClean="0"/>
-              <a:t> algoritem</a:t>
-            </a:r>
-            <a:endParaRPr lang="en-US" dirty="0"/>
-          </a:p>
-        </p:txBody>
-      </p:sp>
-      <p:sp>
-        <p:nvSpPr>
-          <p:cNvPr id="3" name="Ograda vsebine 2"/>
-          <p:cNvSpPr>
-            <a:spLocks noGrp="1"/>
-          </p:cNvSpPr>
-          <p:nvPr>
-            <p:ph idx="1"/>
-          </p:nvPr>
-        </p:nvSpPr>
-        <p:spPr/>
-        <p:txBody>
-          <a:bodyPr/>
-          <a:lstStyle/>
-          <a:p>
+              <a:t> rekurzija O(1)</a:t>
+            </a:r>
+          </a:p>
+          <a:p>
+            <a:pPr>
+              <a:buFont typeface="+mj-lt"/>
+              <a:buAutoNum type="arabicPeriod"/>
+            </a:pPr>
             <a:r>
               <a:rPr lang="sl-SI" dirty="0" smtClean="0"/>
-              <a:t>Časovna zahtevnost O(|V|^3)</a:t>
-            </a:r>
+              <a:t>Vrni povečujočo pot (DFS) O(n)</a:t>
+            </a:r>
+          </a:p>
+          <a:p>
+            <a:pPr>
+              <a:buFont typeface="+mj-lt"/>
+              <a:buAutoNum type="arabicPeriod"/>
+            </a:pPr>
+            <a:endParaRPr lang="sl-SI" dirty="0"/>
+          </a:p>
+          <a:p>
+            <a:pPr marL="0" indent="0">
+              <a:buNone/>
+            </a:pPr>
+            <a:r>
+              <a:rPr lang="sl-SI" dirty="0"/>
+              <a:t>Časovna zahtevnost O(|V|^3</a:t>
+            </a:r>
+            <a:r>
+              <a:rPr lang="sl-SI" dirty="0" smtClean="0"/>
+              <a:t>)</a:t>
+            </a:r>
+          </a:p>
+          <a:p>
+            <a:pPr marL="0" indent="0">
+              <a:buNone/>
+            </a:pPr>
+            <a:r>
+              <a:rPr lang="sl-SI" dirty="0" smtClean="0"/>
+              <a:t>Ni odvisna od števila povezav</a:t>
+            </a:r>
+            <a:endParaRPr lang="sl-SI" dirty="0"/>
+          </a:p>
+          <a:p>
+            <a:pPr marL="0" indent="0">
+              <a:buNone/>
+            </a:pPr>
+            <a:endParaRPr lang="sl-SI" dirty="0"/>
           </a:p>
         </p:txBody>
       </p:sp>
       <p:pic>
         <p:nvPicPr>
-          <p:cNvPr id="5" name="Picture 4"/>
+          <p:cNvPr id="4" name="Picture 4"/>
           <p:cNvPicPr>
             <a:picLocks noChangeAspect="1"/>
           </p:cNvPicPr>
@@ -9906,7 +10598,7 @@
         </p:blipFill>
         <p:spPr>
           <a:xfrm>
-            <a:off x="1218214" y="3899210"/>
+            <a:off x="1006015" y="4653136"/>
             <a:ext cx="6677358" cy="1316572"/>
           </a:xfrm>
           <a:prstGeom prst="rect">
@@ -9917,141 +10609,17 @@
     </p:spTree>
     <p:extLst>
       <p:ext uri="{BB962C8B-B14F-4D97-AF65-F5344CB8AC3E}">
-        <p14:creationId xmlns:p14="http://schemas.microsoft.com/office/powerpoint/2010/main" val="2235571341"/>
+        <p14:creationId xmlns:p14="http://schemas.microsoft.com/office/powerpoint/2010/main" val="3938895923"/>
       </p:ext>
     </p:extLst>
   </p:cSld>
   <p:clrMapOvr>
     <a:masterClrMapping/>
   </p:clrMapOvr>
-  <p:timing>
-    <p:tnLst>
-      <p:par>
-        <p:cTn id="1" dur="indefinite" restart="never" nodeType="tmRoot"/>
-      </p:par>
-    </p:tnLst>
-  </p:timing>
 </p:sld>
 </file>
 
-<file path=ppt/slides/slide3.xml><?xml version="1.0" encoding="utf-8"?>
-<p:sld xmlns:a="http://schemas.openxmlformats.org/drawingml/2006/main" xmlns:r="http://schemas.openxmlformats.org/officeDocument/2006/relationships" xmlns:p="http://schemas.openxmlformats.org/presentationml/2006/main">
-  <p:cSld>
-    <p:spTree>
-      <p:nvGrpSpPr>
-        <p:cNvPr id="1" name=""/>
-        <p:cNvGrpSpPr/>
-        <p:nvPr/>
-      </p:nvGrpSpPr>
-      <p:grpSpPr>
-        <a:xfrm>
-          <a:off x="0" y="0"/>
-          <a:ext cx="0" cy="0"/>
-          <a:chOff x="0" y="0"/>
-          <a:chExt cx="0" cy="0"/>
-        </a:xfrm>
-      </p:grpSpPr>
-      <p:sp>
-        <p:nvSpPr>
-          <p:cNvPr id="2" name="Naslov 1"/>
-          <p:cNvSpPr>
-            <a:spLocks noGrp="1"/>
-          </p:cNvSpPr>
-          <p:nvPr>
-            <p:ph type="title"/>
-          </p:nvPr>
-        </p:nvSpPr>
-        <p:spPr/>
-        <p:txBody>
-          <a:bodyPr/>
-          <a:lstStyle/>
-          <a:p>
-            <a:endParaRPr lang="en-US" dirty="0"/>
-          </a:p>
-        </p:txBody>
-      </p:sp>
-      <p:sp>
-        <p:nvSpPr>
-          <p:cNvPr id="3" name="Ograda vsebine 2"/>
-          <p:cNvSpPr>
-            <a:spLocks noGrp="1"/>
-          </p:cNvSpPr>
-          <p:nvPr>
-            <p:ph idx="1"/>
-          </p:nvPr>
-        </p:nvSpPr>
-        <p:spPr/>
-        <p:txBody>
-          <a:bodyPr/>
-          <a:lstStyle/>
-          <a:p>
-            <a:r>
-              <a:rPr lang="en-US" dirty="0" err="1" smtClean="0"/>
-              <a:t>Algoritem</a:t>
-            </a:r>
-            <a:r>
-              <a:rPr lang="en-US" dirty="0" smtClean="0"/>
-              <a:t> je </a:t>
-            </a:r>
-            <a:r>
-              <a:rPr lang="en-US" dirty="0" err="1" smtClean="0"/>
-              <a:t>razvil</a:t>
-            </a:r>
-            <a:r>
-              <a:rPr lang="en-US" dirty="0" smtClean="0"/>
-              <a:t> Jack Edmonds </a:t>
-            </a:r>
-            <a:r>
-              <a:rPr lang="en-US" dirty="0" err="1" smtClean="0"/>
-              <a:t>leta</a:t>
-            </a:r>
-            <a:r>
-              <a:rPr lang="en-US" dirty="0" smtClean="0"/>
-              <a:t> 1961</a:t>
-            </a:r>
-            <a:r>
-              <a:rPr lang="sl-SI" dirty="0" smtClean="0"/>
-              <a:t>, objavljen je bil 1965.</a:t>
-            </a:r>
-          </a:p>
-          <a:p>
-            <a:r>
-              <a:rPr lang="sl-SI" dirty="0" smtClean="0"/>
-              <a:t>Prvi algoritem, ki išče maksimalno prirejanje v polinomskem času.</a:t>
-            </a:r>
-          </a:p>
-          <a:p>
-            <a:r>
-              <a:rPr lang="sl-SI" dirty="0" smtClean="0"/>
-              <a:t>Algoritem, ki dela na vseh grafih.</a:t>
-            </a:r>
-          </a:p>
-          <a:p>
-            <a:endParaRPr lang="en-US" dirty="0"/>
-          </a:p>
-        </p:txBody>
-      </p:sp>
-    </p:spTree>
-    <p:extLst>
-      <p:ext uri="{BB962C8B-B14F-4D97-AF65-F5344CB8AC3E}">
-        <p14:creationId xmlns:p14="http://schemas.microsoft.com/office/powerpoint/2010/main" val="3706668536"/>
-      </p:ext>
-    </p:extLst>
-  </p:cSld>
-  <p:clrMapOvr>
-    <a:masterClrMapping/>
-  </p:clrMapOvr>
-  <p:timing>
-    <p:tnLst>
-      <p:par>
-        <p:cTn id="1" dur="indefinite" restart="never" nodeType="tmRoot"/>
-      </p:par>
-    </p:tnLst>
-  </p:timing>
-</p:sld>
-</file>
-
-<file path=ppt/slides/slide30.xml><?xml version="1.0" encoding="utf-8"?>
+<file path=ppt/slides/slide33.xml><?xml version="1.0" encoding="utf-8"?>
 <p:sld xmlns:a="http://schemas.openxmlformats.org/drawingml/2006/main" xmlns:r="http://schemas.openxmlformats.org/officeDocument/2006/relationships" xmlns:p="http://schemas.openxmlformats.org/presentationml/2006/main">
   <p:cSld>
     <p:spTree>
@@ -10167,7 +10735,7 @@
 </p:sld>
 </file>
 
-<file path=ppt/slides/slide31.xml><?xml version="1.0" encoding="utf-8"?>
+<file path=ppt/slides/slide34.xml><?xml version="1.0" encoding="utf-8"?>
 <p:sld xmlns:a="http://schemas.openxmlformats.org/drawingml/2006/main" xmlns:r="http://schemas.openxmlformats.org/officeDocument/2006/relationships" xmlns:p="http://schemas.openxmlformats.org/presentationml/2006/main">
   <p:cSld>
     <p:spTree>
@@ -10302,7 +10870,7 @@
                         <m:degHide m:val="on"/>
                         <m:ctrlPr>
                           <a:rPr lang="sl-SI" i="1" dirty="0">
-                            <a:latin typeface="Cambria Math" panose="02040503050406030204" pitchFamily="18" charset="0"/>
+                            <a:latin typeface="Cambria Math"/>
                           </a:rPr>
                         </m:ctrlPr>
                       </m:radPr>
@@ -10391,7 +10959,7 @@
 </p:sld>
 </file>
 
-<file path=ppt/slides/slide32.xml><?xml version="1.0" encoding="utf-8"?>
+<file path=ppt/slides/slide35.xml><?xml version="1.0" encoding="utf-8"?>
 <p:sld xmlns:a="http://schemas.openxmlformats.org/drawingml/2006/main" xmlns:r="http://schemas.openxmlformats.org/officeDocument/2006/relationships" xmlns:p="http://schemas.openxmlformats.org/presentationml/2006/main">
   <p:cSld>
     <p:spTree>
@@ -10568,11 +11136,7 @@
             </a:r>
             <a:r>
               <a:rPr lang="sl-SI" dirty="0" smtClean="0"/>
-              <a:t> </a:t>
-            </a:r>
-            <a:r>
-              <a:rPr lang="sl-SI" smtClean="0"/>
-              <a:t>(Implementacija)</a:t>
+              <a:t> (Implementacija)</a:t>
             </a:r>
             <a:endParaRPr lang="en-US" dirty="0" smtClean="0"/>
           </a:p>
@@ -11846,7 +12410,7 @@
   <a:extraClrSchemeLst/>
   <a:extLst>
     <a:ext uri="{05A4C25C-085E-4340-85A3-A5531E510DB2}">
-      <thm15:themeFamily xmlns:thm15="http://schemas.microsoft.com/office/thememl/2012/main" name="Facet" id="{C0C680CD-088A-49FC-A102-D699147F32B2}" vid="{CFBC31BA-B70F-4F30-BCAA-4F3011E16C4D}"/>
+      <thm15:themeFamily xmlns:thm15="http://schemas.microsoft.com/office/thememl/2012/main" xmlns="" name="Facet" id="{C0C680CD-088A-49FC-A102-D699147F32B2}" vid="{CFBC31BA-B70F-4F30-BCAA-4F3011E16C4D}"/>
     </a:ext>
   </a:extLst>
 </a:theme>

--- a/Blossomov algoritem.pptx
+++ b/Blossomov algoritem.pptx
@@ -5,7 +5,7 @@
     <p:sldMasterId id="2147483660" r:id="rId1"/>
   </p:sldMasterIdLst>
   <p:notesMasterIdLst>
-    <p:notesMasterId r:id="rId37"/>
+    <p:notesMasterId r:id="rId38"/>
   </p:notesMasterIdLst>
   <p:sldIdLst>
     <p:sldId id="256" r:id="rId2"/>
@@ -25,24 +25,25 @@
     <p:sldId id="275" r:id="rId16"/>
     <p:sldId id="281" r:id="rId17"/>
     <p:sldId id="285" r:id="rId18"/>
-    <p:sldId id="292" r:id="rId19"/>
-    <p:sldId id="273" r:id="rId20"/>
-    <p:sldId id="274" r:id="rId21"/>
-    <p:sldId id="289" r:id="rId22"/>
-    <p:sldId id="293" r:id="rId23"/>
-    <p:sldId id="276" r:id="rId24"/>
-    <p:sldId id="277" r:id="rId25"/>
-    <p:sldId id="278" r:id="rId26"/>
-    <p:sldId id="288" r:id="rId27"/>
-    <p:sldId id="269" r:id="rId28"/>
-    <p:sldId id="295" r:id="rId29"/>
-    <p:sldId id="294" r:id="rId30"/>
-    <p:sldId id="265" r:id="rId31"/>
-    <p:sldId id="286" r:id="rId32"/>
-    <p:sldId id="296" r:id="rId33"/>
-    <p:sldId id="258" r:id="rId34"/>
-    <p:sldId id="291" r:id="rId35"/>
-    <p:sldId id="262" r:id="rId36"/>
+    <p:sldId id="297" r:id="rId19"/>
+    <p:sldId id="292" r:id="rId20"/>
+    <p:sldId id="273" r:id="rId21"/>
+    <p:sldId id="274" r:id="rId22"/>
+    <p:sldId id="289" r:id="rId23"/>
+    <p:sldId id="293" r:id="rId24"/>
+    <p:sldId id="276" r:id="rId25"/>
+    <p:sldId id="277" r:id="rId26"/>
+    <p:sldId id="278" r:id="rId27"/>
+    <p:sldId id="288" r:id="rId28"/>
+    <p:sldId id="269" r:id="rId29"/>
+    <p:sldId id="295" r:id="rId30"/>
+    <p:sldId id="294" r:id="rId31"/>
+    <p:sldId id="265" r:id="rId32"/>
+    <p:sldId id="286" r:id="rId33"/>
+    <p:sldId id="296" r:id="rId34"/>
+    <p:sldId id="258" r:id="rId35"/>
+    <p:sldId id="291" r:id="rId36"/>
+    <p:sldId id="262" r:id="rId37"/>
   </p:sldIdLst>
   <p:sldSz cx="9144000" cy="6858000" type="screen4x3"/>
   <p:notesSz cx="6858000" cy="9144000"/>
@@ -143,7 +144,7 @@
   </p:defaultTextStyle>
   <p:extLst>
     <p:ext uri="{EFAFB233-063F-42B5-8137-9DF3F51BA10A}">
-      <p15:sldGuideLst xmlns:p15="http://schemas.microsoft.com/office/powerpoint/2012/main" xmlns="">
+      <p15:sldGuideLst xmlns="" xmlns:p15="http://schemas.microsoft.com/office/powerpoint/2012/main">
         <p15:guide id="1" orient="horz" pos="2160">
           <p15:clr>
             <a:srgbClr val="A4A3A4"/>
@@ -1212,7 +1213,7 @@
           <a:p>
             <a:fld id="{2068A809-5CE4-4CE2-B32B-B9BC7DD73B81}" type="slidenum">
               <a:rPr lang="en-US" smtClean="0"/>
-              <a:t>33</a:t>
+              <a:t>34</a:t>
             </a:fld>
             <a:endParaRPr lang="en-US"/>
           </a:p>
@@ -7498,11 +7499,7 @@
             </a:r>
             <a:r>
               <a:rPr lang="en-US" dirty="0" smtClean="0"/>
-              <a:t> 1</a:t>
-            </a:r>
-            <a:r>
-              <a:rPr lang="en-US" dirty="0" smtClean="0"/>
-              <a:t>.</a:t>
+              <a:t> 1.</a:t>
             </a:r>
             <a:endParaRPr lang="sl-SI" dirty="0" smtClean="0"/>
           </a:p>
@@ -8278,6 +8275,84 @@
       </p:grpSpPr>
       <p:sp>
         <p:nvSpPr>
+          <p:cNvPr id="2" name="Naslov 1"/>
+          <p:cNvSpPr>
+            <a:spLocks noGrp="1"/>
+          </p:cNvSpPr>
+          <p:nvPr>
+            <p:ph type="title"/>
+          </p:nvPr>
+        </p:nvSpPr>
+        <p:spPr/>
+        <p:txBody>
+          <a:bodyPr/>
+          <a:lstStyle/>
+          <a:p>
+            <a:endParaRPr lang="sl-SI"/>
+          </a:p>
+        </p:txBody>
+      </p:sp>
+      <p:pic>
+        <p:nvPicPr>
+          <p:cNvPr id="4" name="Ograda vsebine 3"/>
+          <p:cNvPicPr>
+            <a:picLocks noGrp="1" noChangeAspect="1"/>
+          </p:cNvPicPr>
+          <p:nvPr>
+            <p:ph idx="1"/>
+          </p:nvPr>
+        </p:nvPicPr>
+        <p:blipFill>
+          <a:blip r:embed="rId2">
+            <a:extLst>
+              <a:ext uri="{28A0092B-C50C-407E-A947-70E740481C1C}">
+                <a14:useLocalDpi xmlns:a14="http://schemas.microsoft.com/office/drawing/2010/main" val="0"/>
+              </a:ext>
+            </a:extLst>
+          </a:blip>
+          <a:stretch>
+            <a:fillRect/>
+          </a:stretch>
+        </p:blipFill>
+        <p:spPr>
+          <a:xfrm>
+            <a:off x="2195736" y="1340768"/>
+            <a:ext cx="4145728" cy="4701257"/>
+          </a:xfrm>
+        </p:spPr>
+      </p:pic>
+    </p:spTree>
+    <p:extLst>
+      <p:ext uri="{BB962C8B-B14F-4D97-AF65-F5344CB8AC3E}">
+        <p14:creationId xmlns:p14="http://schemas.microsoft.com/office/powerpoint/2010/main" val="1643475048"/>
+      </p:ext>
+    </p:extLst>
+  </p:cSld>
+  <p:clrMapOvr>
+    <a:masterClrMapping/>
+  </p:clrMapOvr>
+</p:sld>
+</file>
+
+<file path=ppt/slides/slide19.xml><?xml version="1.0" encoding="utf-8"?>
+<p:sld xmlns:a="http://schemas.openxmlformats.org/drawingml/2006/main" xmlns:r="http://schemas.openxmlformats.org/officeDocument/2006/relationships" xmlns:p="http://schemas.openxmlformats.org/presentationml/2006/main">
+  <p:cSld>
+    <p:spTree>
+      <p:nvGrpSpPr>
+        <p:cNvPr id="1" name=""/>
+        <p:cNvGrpSpPr/>
+        <p:nvPr/>
+      </p:nvGrpSpPr>
+      <p:grpSpPr>
+        <a:xfrm>
+          <a:off x="0" y="0"/>
+          <a:ext cx="0" cy="0"/>
+          <a:chOff x="0" y="0"/>
+          <a:chExt cx="0" cy="0"/>
+        </a:xfrm>
+      </p:grpSpPr>
+      <p:sp>
+        <p:nvSpPr>
           <p:cNvPr id="2" name="Title 1"/>
           <p:cNvSpPr>
             <a:spLocks noGrp="1"/>
@@ -8351,7 +8426,90 @@
 </p:sld>
 </file>
 
-<file path=ppt/slides/slide19.xml><?xml version="1.0" encoding="utf-8"?>
+<file path=ppt/slides/slide2.xml><?xml version="1.0" encoding="utf-8"?>
+<p:sld xmlns:a="http://schemas.openxmlformats.org/drawingml/2006/main" xmlns:r="http://schemas.openxmlformats.org/officeDocument/2006/relationships" xmlns:p="http://schemas.openxmlformats.org/presentationml/2006/main">
+  <p:cSld>
+    <p:spTree>
+      <p:nvGrpSpPr>
+        <p:cNvPr id="1" name=""/>
+        <p:cNvGrpSpPr/>
+        <p:nvPr/>
+      </p:nvGrpSpPr>
+      <p:grpSpPr>
+        <a:xfrm>
+          <a:off x="0" y="0"/>
+          <a:ext cx="0" cy="0"/>
+          <a:chOff x="0" y="0"/>
+          <a:chExt cx="0" cy="0"/>
+        </a:xfrm>
+      </p:grpSpPr>
+      <p:sp>
+        <p:nvSpPr>
+          <p:cNvPr id="2" name="Naslov 1"/>
+          <p:cNvSpPr>
+            <a:spLocks noGrp="1"/>
+          </p:cNvSpPr>
+          <p:nvPr>
+            <p:ph type="title"/>
+          </p:nvPr>
+        </p:nvSpPr>
+        <p:spPr/>
+        <p:txBody>
+          <a:bodyPr/>
+          <a:lstStyle/>
+          <a:p>
+            <a:r>
+              <a:rPr lang="sl-SI" dirty="0" smtClean="0"/>
+              <a:t>Problem</a:t>
+            </a:r>
+            <a:endParaRPr lang="en-US" dirty="0"/>
+          </a:p>
+        </p:txBody>
+      </p:sp>
+      <p:sp>
+        <p:nvSpPr>
+          <p:cNvPr id="3" name="Ograda vsebine 2"/>
+          <p:cNvSpPr>
+            <a:spLocks noGrp="1"/>
+          </p:cNvSpPr>
+          <p:nvPr>
+            <p:ph idx="1"/>
+          </p:nvPr>
+        </p:nvSpPr>
+        <p:spPr/>
+        <p:txBody>
+          <a:bodyPr/>
+          <a:lstStyle/>
+          <a:p>
+            <a:r>
+              <a:rPr lang="sl-SI" dirty="0" smtClean="0"/>
+              <a:t>Določi največjo podmnožico povezav v grafu, tako da nobeno vozlišče ne bo dotaknjeno več kot 1x.</a:t>
+            </a:r>
+            <a:endParaRPr lang="en-US" dirty="0"/>
+          </a:p>
+        </p:txBody>
+      </p:sp>
+    </p:spTree>
+    <p:extLst>
+      <p:ext uri="{BB962C8B-B14F-4D97-AF65-F5344CB8AC3E}">
+        <p14:creationId xmlns:p14="http://schemas.microsoft.com/office/powerpoint/2010/main" val="4290144554"/>
+      </p:ext>
+    </p:extLst>
+  </p:cSld>
+  <p:clrMapOvr>
+    <a:masterClrMapping/>
+  </p:clrMapOvr>
+  <p:timing>
+    <p:tnLst>
+      <p:par>
+        <p:cTn id="1" dur="indefinite" restart="never" nodeType="tmRoot"/>
+      </p:par>
+    </p:tnLst>
+  </p:timing>
+</p:sld>
+</file>
+
+<file path=ppt/slides/slide20.xml><?xml version="1.0" encoding="utf-8"?>
 <p:sld xmlns:a="http://schemas.openxmlformats.org/drawingml/2006/main" xmlns:r="http://schemas.openxmlformats.org/officeDocument/2006/relationships" xmlns:p="http://schemas.openxmlformats.org/presentationml/2006/main">
   <p:cSld>
     <p:spTree>
@@ -8467,90 +8625,7 @@
 </p:sld>
 </file>
 
-<file path=ppt/slides/slide2.xml><?xml version="1.0" encoding="utf-8"?>
-<p:sld xmlns:a="http://schemas.openxmlformats.org/drawingml/2006/main" xmlns:r="http://schemas.openxmlformats.org/officeDocument/2006/relationships" xmlns:p="http://schemas.openxmlformats.org/presentationml/2006/main">
-  <p:cSld>
-    <p:spTree>
-      <p:nvGrpSpPr>
-        <p:cNvPr id="1" name=""/>
-        <p:cNvGrpSpPr/>
-        <p:nvPr/>
-      </p:nvGrpSpPr>
-      <p:grpSpPr>
-        <a:xfrm>
-          <a:off x="0" y="0"/>
-          <a:ext cx="0" cy="0"/>
-          <a:chOff x="0" y="0"/>
-          <a:chExt cx="0" cy="0"/>
-        </a:xfrm>
-      </p:grpSpPr>
-      <p:sp>
-        <p:nvSpPr>
-          <p:cNvPr id="2" name="Naslov 1"/>
-          <p:cNvSpPr>
-            <a:spLocks noGrp="1"/>
-          </p:cNvSpPr>
-          <p:nvPr>
-            <p:ph type="title"/>
-          </p:nvPr>
-        </p:nvSpPr>
-        <p:spPr/>
-        <p:txBody>
-          <a:bodyPr/>
-          <a:lstStyle/>
-          <a:p>
-            <a:r>
-              <a:rPr lang="sl-SI" dirty="0" smtClean="0"/>
-              <a:t>Problem</a:t>
-            </a:r>
-            <a:endParaRPr lang="en-US" dirty="0"/>
-          </a:p>
-        </p:txBody>
-      </p:sp>
-      <p:sp>
-        <p:nvSpPr>
-          <p:cNvPr id="3" name="Ograda vsebine 2"/>
-          <p:cNvSpPr>
-            <a:spLocks noGrp="1"/>
-          </p:cNvSpPr>
-          <p:nvPr>
-            <p:ph idx="1"/>
-          </p:nvPr>
-        </p:nvSpPr>
-        <p:spPr/>
-        <p:txBody>
-          <a:bodyPr/>
-          <a:lstStyle/>
-          <a:p>
-            <a:r>
-              <a:rPr lang="sl-SI" dirty="0" smtClean="0"/>
-              <a:t>Določi največjo podmnožico povezav v grafu, tako da nobeno vozlišče ne bo dotaknjeno več kot 1x.</a:t>
-            </a:r>
-            <a:endParaRPr lang="en-US" dirty="0"/>
-          </a:p>
-        </p:txBody>
-      </p:sp>
-    </p:spTree>
-    <p:extLst>
-      <p:ext uri="{BB962C8B-B14F-4D97-AF65-F5344CB8AC3E}">
-        <p14:creationId xmlns:p14="http://schemas.microsoft.com/office/powerpoint/2010/main" val="4290144554"/>
-      </p:ext>
-    </p:extLst>
-  </p:cSld>
-  <p:clrMapOvr>
-    <a:masterClrMapping/>
-  </p:clrMapOvr>
-  <p:timing>
-    <p:tnLst>
-      <p:par>
-        <p:cTn id="1" dur="indefinite" restart="never" nodeType="tmRoot"/>
-      </p:par>
-    </p:tnLst>
-  </p:timing>
-</p:sld>
-</file>
-
-<file path=ppt/slides/slide20.xml><?xml version="1.0" encoding="utf-8"?>
+<file path=ppt/slides/slide21.xml><?xml version="1.0" encoding="utf-8"?>
 <p:sld xmlns:a="http://schemas.openxmlformats.org/drawingml/2006/main" xmlns:r="http://schemas.openxmlformats.org/officeDocument/2006/relationships" xmlns:p="http://schemas.openxmlformats.org/presentationml/2006/main">
   <p:cSld>
     <p:spTree>
@@ -8688,7 +8763,7 @@
 </p:sld>
 </file>
 
-<file path=ppt/slides/slide21.xml><?xml version="1.0" encoding="utf-8"?>
+<file path=ppt/slides/slide22.xml><?xml version="1.0" encoding="utf-8"?>
 <p:sld xmlns:a="http://schemas.openxmlformats.org/drawingml/2006/main" xmlns:r="http://schemas.openxmlformats.org/officeDocument/2006/relationships" xmlns:p="http://schemas.openxmlformats.org/presentationml/2006/main">
   <p:cSld>
     <p:spTree>
@@ -8784,7 +8859,7 @@
 </p:sld>
 </file>
 
-<file path=ppt/slides/slide22.xml><?xml version="1.0" encoding="utf-8"?>
+<file path=ppt/slides/slide23.xml><?xml version="1.0" encoding="utf-8"?>
 <p:sld xmlns:a="http://schemas.openxmlformats.org/drawingml/2006/main" xmlns:r="http://schemas.openxmlformats.org/officeDocument/2006/relationships" xmlns:p="http://schemas.openxmlformats.org/presentationml/2006/main">
   <p:cSld>
     <p:spTree>
@@ -8910,7 +8985,7 @@
 </p:sld>
 </file>
 
-<file path=ppt/slides/slide23.xml><?xml version="1.0" encoding="utf-8"?>
+<file path=ppt/slides/slide24.xml><?xml version="1.0" encoding="utf-8"?>
 <p:sld xmlns:a="http://schemas.openxmlformats.org/drawingml/2006/main" xmlns:r="http://schemas.openxmlformats.org/officeDocument/2006/relationships" xmlns:p="http://schemas.openxmlformats.org/presentationml/2006/main">
   <p:cSld>
     <p:spTree>
@@ -9067,7 +9142,7 @@
 </p:sld>
 </file>
 
-<file path=ppt/slides/slide24.xml><?xml version="1.0" encoding="utf-8"?>
+<file path=ppt/slides/slide25.xml><?xml version="1.0" encoding="utf-8"?>
 <p:sld xmlns:a="http://schemas.openxmlformats.org/drawingml/2006/main" xmlns:r="http://schemas.openxmlformats.org/officeDocument/2006/relationships" xmlns:p="http://schemas.openxmlformats.org/presentationml/2006/main">
   <p:cSld>
     <p:spTree>
@@ -9224,180 +9299,6 @@
 </p:sld>
 </file>
 
-<file path=ppt/slides/slide25.xml><?xml version="1.0" encoding="utf-8"?>
-<p:sld xmlns:a="http://schemas.openxmlformats.org/drawingml/2006/main" xmlns:r="http://schemas.openxmlformats.org/officeDocument/2006/relationships" xmlns:p="http://schemas.openxmlformats.org/presentationml/2006/main">
-  <p:cSld>
-    <p:spTree>
-      <p:nvGrpSpPr>
-        <p:cNvPr id="1" name=""/>
-        <p:cNvGrpSpPr/>
-        <p:nvPr/>
-      </p:nvGrpSpPr>
-      <p:grpSpPr>
-        <a:xfrm>
-          <a:off x="0" y="0"/>
-          <a:ext cx="0" cy="0"/>
-          <a:chOff x="0" y="0"/>
-          <a:chExt cx="0" cy="0"/>
-        </a:xfrm>
-      </p:grpSpPr>
-      <p:sp>
-        <p:nvSpPr>
-          <p:cNvPr id="2" name="Naslov 1"/>
-          <p:cNvSpPr>
-            <a:spLocks noGrp="1"/>
-          </p:cNvSpPr>
-          <p:nvPr>
-            <p:ph type="title"/>
-          </p:nvPr>
-        </p:nvSpPr>
-        <p:spPr/>
-        <p:txBody>
-          <a:bodyPr/>
-          <a:lstStyle/>
-          <a:p>
-            <a:r>
-              <a:rPr lang="sl-SI" dirty="0" smtClean="0"/>
-              <a:t>Drevo</a:t>
-            </a:r>
-            <a:endParaRPr lang="en-US" dirty="0"/>
-          </a:p>
-        </p:txBody>
-      </p:sp>
-      <p:sp>
-        <p:nvSpPr>
-          <p:cNvPr id="3" name="Ograda vsebine 2"/>
-          <p:cNvSpPr>
-            <a:spLocks noGrp="1"/>
-          </p:cNvSpPr>
-          <p:nvPr>
-            <p:ph idx="1"/>
-          </p:nvPr>
-        </p:nvSpPr>
-        <p:spPr/>
-        <p:txBody>
-          <a:bodyPr/>
-          <a:lstStyle/>
-          <a:p>
-            <a:r>
-              <a:rPr lang="sl-SI" dirty="0"/>
-              <a:t>drevo T v G je izmenično drevo glede na M, </a:t>
-            </a:r>
-            <a:r>
-              <a:rPr lang="sl-SI" dirty="0" smtClean="0"/>
-              <a:t>če</a:t>
-            </a:r>
-          </a:p>
-          <a:p>
-            <a:pPr marL="514350" indent="-514350">
-              <a:buFont typeface="+mj-lt"/>
-              <a:buAutoNum type="alphaLcParenR"/>
-            </a:pPr>
-            <a:r>
-              <a:rPr lang="sl-SI" dirty="0"/>
-              <a:t>T vsebuje točno eno izpostavljeno </a:t>
-            </a:r>
-            <a:r>
-              <a:rPr lang="sl-SI" dirty="0" smtClean="0"/>
-              <a:t>vozlišče r</a:t>
-            </a:r>
-            <a:endParaRPr lang="sl-SI" dirty="0"/>
-          </a:p>
-          <a:p>
-            <a:pPr marL="514350" indent="-514350">
-              <a:buFont typeface="+mj-lt"/>
-              <a:buAutoNum type="alphaLcParenR"/>
-            </a:pPr>
-            <a:r>
-              <a:rPr lang="sl-SI" dirty="0"/>
-              <a:t>vsaka </a:t>
-            </a:r>
-            <a:r>
-              <a:rPr lang="sl-SI" dirty="0" smtClean="0"/>
-              <a:t>točka </a:t>
-            </a:r>
-            <a:r>
-              <a:rPr lang="sl-SI" dirty="0"/>
-              <a:t>na </a:t>
-            </a:r>
-            <a:r>
-              <a:rPr lang="sl-SI" dirty="0" smtClean="0"/>
-              <a:t>neparni razdalji </a:t>
-            </a:r>
-            <a:r>
-              <a:rPr lang="sl-SI" dirty="0"/>
-              <a:t>od korena ima natanko dva </a:t>
-            </a:r>
-            <a:r>
-              <a:rPr lang="sl-SI" dirty="0" err="1"/>
-              <a:t>incidentna</a:t>
-            </a:r>
-            <a:r>
-              <a:rPr lang="sl-SI" dirty="0"/>
-              <a:t> robova v </a:t>
-            </a:r>
-            <a:r>
-              <a:rPr lang="sl-SI" dirty="0" smtClean="0"/>
-              <a:t>T</a:t>
-            </a:r>
-          </a:p>
-          <a:p>
-            <a:pPr marL="514350" indent="-514350">
-              <a:buFont typeface="+mj-lt"/>
-              <a:buAutoNum type="alphaLcParenR"/>
-            </a:pPr>
-            <a:r>
-              <a:rPr lang="sl-SI" dirty="0"/>
-              <a:t>vse poti od r do listov v T imajo </a:t>
-            </a:r>
-            <a:r>
-              <a:rPr lang="sl-SI" dirty="0" smtClean="0"/>
-              <a:t>sode dolžine</a:t>
-            </a:r>
-            <a:r>
-              <a:rPr lang="sl-SI" dirty="0"/>
-              <a:t>, njihovi </a:t>
-            </a:r>
-            <a:r>
-              <a:rPr lang="sl-SI" dirty="0" smtClean="0"/>
-              <a:t>lihi </a:t>
-            </a:r>
-            <a:r>
-              <a:rPr lang="sl-SI" dirty="0"/>
-              <a:t>robovi niso v M, njihovi </a:t>
-            </a:r>
-            <a:r>
-              <a:rPr lang="sl-SI" dirty="0" smtClean="0"/>
-              <a:t>sodi </a:t>
-            </a:r>
-            <a:r>
-              <a:rPr lang="sl-SI" dirty="0"/>
-              <a:t>robovi pa so v M.</a:t>
-            </a:r>
-            <a:endParaRPr lang="sl-SI" dirty="0" smtClean="0"/>
-          </a:p>
-        </p:txBody>
-      </p:sp>
-    </p:spTree>
-    <p:extLst>
-      <p:ext uri="{BB962C8B-B14F-4D97-AF65-F5344CB8AC3E}">
-        <p14:creationId xmlns:p14="http://schemas.microsoft.com/office/powerpoint/2010/main" val="3142657283"/>
-      </p:ext>
-    </p:extLst>
-  </p:cSld>
-  <p:clrMapOvr>
-    <a:masterClrMapping/>
-  </p:clrMapOvr>
-  <p:timing>
-    <p:tnLst>
-      <p:par>
-        <p:cTn id="1" dur="indefinite" restart="never" nodeType="tmRoot"/>
-      </p:par>
-    </p:tnLst>
-  </p:timing>
-</p:sld>
-</file>
-
 <file path=ppt/slides/slide26.xml><?xml version="1.0" encoding="utf-8"?>
 <p:sld xmlns:a="http://schemas.openxmlformats.org/drawingml/2006/main" xmlns:r="http://schemas.openxmlformats.org/officeDocument/2006/relationships" xmlns:p="http://schemas.openxmlformats.org/presentationml/2006/main">
   <p:cSld>
@@ -9417,7 +9318,7 @@
       </p:grpSpPr>
       <p:sp>
         <p:nvSpPr>
-          <p:cNvPr id="2" name="Title 1"/>
+          <p:cNvPr id="2" name="Naslov 1"/>
           <p:cNvSpPr>
             <a:spLocks noGrp="1"/>
           </p:cNvSpPr>
@@ -9432,15 +9333,15 @@
           <a:p>
             <a:r>
               <a:rPr lang="sl-SI" dirty="0" smtClean="0"/>
-              <a:t>Gozd</a:t>
-            </a:r>
-            <a:endParaRPr lang="sl-SI" dirty="0"/>
-          </a:p>
-        </p:txBody>
-      </p:sp>
-      <p:sp>
-        <p:nvSpPr>
-          <p:cNvPr id="7" name="Content Placeholder 6"/>
+              <a:t>Drevo</a:t>
+            </a:r>
+            <a:endParaRPr lang="en-US" dirty="0"/>
+          </a:p>
+        </p:txBody>
+      </p:sp>
+      <p:sp>
+        <p:nvSpPr>
+          <p:cNvPr id="3" name="Ograda vsebine 2"/>
           <p:cNvSpPr>
             <a:spLocks noGrp="1"/>
           </p:cNvSpPr>
@@ -9455,7 +9356,7 @@
           <a:p>
             <a:r>
               <a:rPr lang="sl-SI" dirty="0"/>
-              <a:t>gozd F v G je izmeničen gozd glede na M, </a:t>
+              <a:t>drevo T v G je izmenično drevo glede na M, </a:t>
             </a:r>
             <a:r>
               <a:rPr lang="sl-SI" dirty="0" smtClean="0"/>
@@ -9468,17 +9369,14 @@
               <a:buAutoNum type="alphaLcParenR"/>
             </a:pPr>
             <a:r>
+              <a:rPr lang="sl-SI" dirty="0"/>
+              <a:t>T vsebuje točno eno izpostavljeno </a:t>
+            </a:r>
+            <a:r>
               <a:rPr lang="sl-SI" dirty="0" smtClean="0"/>
-              <a:t>povezane </a:t>
-            </a:r>
-            <a:r>
-              <a:rPr lang="sl-SI" dirty="0"/>
-              <a:t>komponente so izmenično drevesa</a:t>
-            </a:r>
-            <a:r>
-              <a:rPr lang="sl-SI" dirty="0" smtClean="0"/>
-              <a:t>,</a:t>
-            </a:r>
+              <a:t>vozlišče r</a:t>
+            </a:r>
+            <a:endParaRPr lang="sl-SI" dirty="0"/>
           </a:p>
           <a:p>
             <a:pPr marL="514350" indent="-514350">
@@ -9486,24 +9384,36 @@
               <a:buAutoNum type="alphaLcParenR"/>
             </a:pPr>
             <a:r>
+              <a:rPr lang="sl-SI" dirty="0"/>
+              <a:t>vsaka </a:t>
+            </a:r>
+            <a:r>
               <a:rPr lang="sl-SI" dirty="0" smtClean="0"/>
-              <a:t>vsako izpostavljeno </a:t>
+              <a:t>točka </a:t>
             </a:r>
             <a:r>
               <a:rPr lang="sl-SI" dirty="0"/>
-              <a:t>vozlišče v G je koren </a:t>
+              <a:t>na </a:t>
             </a:r>
             <a:r>
               <a:rPr lang="sl-SI" dirty="0" smtClean="0"/>
-              <a:t>izmeničnega </a:t>
+              <a:t>neparni razdalji </a:t>
             </a:r>
             <a:r>
               <a:rPr lang="sl-SI" dirty="0"/>
-              <a:t>drevesa v </a:t>
+              <a:t>od korena ima natanko dva </a:t>
+            </a:r>
+            <a:r>
+              <a:rPr lang="sl-SI" dirty="0" err="1"/>
+              <a:t>incidentna</a:t>
+            </a:r>
+            <a:r>
+              <a:rPr lang="sl-SI" dirty="0"/>
+              <a:t> robova v </a:t>
             </a:r>
             <a:r>
               <a:rPr lang="sl-SI" dirty="0" smtClean="0"/>
-              <a:t>F</a:t>
+              <a:t>T</a:t>
             </a:r>
           </a:p>
           <a:p>
@@ -9511,47 +9421,33 @@
               <a:buFont typeface="+mj-lt"/>
               <a:buAutoNum type="alphaLcParenR"/>
             </a:pPr>
-            <a:endParaRPr lang="sl-SI" dirty="0"/>
-          </a:p>
-          <a:p>
-            <a:pPr marL="0" indent="0">
-              <a:buNone/>
-            </a:pPr>
             <a:r>
               <a:rPr lang="sl-SI" dirty="0"/>
-              <a:t>Gozd F, ki ga </a:t>
+              <a:t>vse poti od r do listov v T imajo </a:t>
             </a:r>
             <a:r>
               <a:rPr lang="sl-SI" dirty="0" smtClean="0"/>
-              <a:t>naredi </a:t>
-            </a:r>
-            <a:r>
-              <a:rPr lang="sl-SI" dirty="0" err="1" smtClean="0"/>
-              <a:t>find</a:t>
+              <a:t>sode dolžine</a:t>
+            </a:r>
+            <a:r>
+              <a:rPr lang="sl-SI" dirty="0"/>
+              <a:t>, njihovi </a:t>
             </a:r>
             <a:r>
               <a:rPr lang="sl-SI" dirty="0" smtClean="0"/>
-              <a:t>_</a:t>
-            </a:r>
-            <a:r>
-              <a:rPr lang="sl-SI" dirty="0" err="1" smtClean="0"/>
-              <a:t>augmenting</a:t>
+              <a:t>lihi </a:t>
+            </a:r>
+            <a:r>
+              <a:rPr lang="sl-SI" dirty="0"/>
+              <a:t>robovi niso v M, njihovi </a:t>
             </a:r>
             <a:r>
               <a:rPr lang="sl-SI" dirty="0" smtClean="0"/>
-              <a:t>_</a:t>
-            </a:r>
-            <a:r>
-              <a:rPr lang="sl-SI" dirty="0" err="1" smtClean="0"/>
-              <a:t>path</a:t>
-            </a:r>
-            <a:r>
-              <a:rPr lang="sl-SI" dirty="0" smtClean="0"/>
-              <a:t>(G,M), </a:t>
+              <a:t>sodi </a:t>
             </a:r>
             <a:r>
               <a:rPr lang="sl-SI" dirty="0"/>
-              <a:t>je izmeničen gozd.</a:t>
+              <a:t>robovi pa so v M.</a:t>
             </a:r>
             <a:endParaRPr lang="sl-SI" dirty="0" smtClean="0"/>
           </a:p>
@@ -9560,7 +9456,7 @@
     </p:spTree>
     <p:extLst>
       <p:ext uri="{BB962C8B-B14F-4D97-AF65-F5344CB8AC3E}">
-        <p14:creationId xmlns:p14="http://schemas.microsoft.com/office/powerpoint/2010/main" val="4285847533"/>
+        <p14:creationId xmlns:p14="http://schemas.microsoft.com/office/powerpoint/2010/main" val="3142657283"/>
       </p:ext>
     </p:extLst>
   </p:cSld>
@@ -9596,6 +9492,185 @@
       </p:grpSpPr>
       <p:sp>
         <p:nvSpPr>
+          <p:cNvPr id="2" name="Title 1"/>
+          <p:cNvSpPr>
+            <a:spLocks noGrp="1"/>
+          </p:cNvSpPr>
+          <p:nvPr>
+            <p:ph type="title"/>
+          </p:nvPr>
+        </p:nvSpPr>
+        <p:spPr/>
+        <p:txBody>
+          <a:bodyPr/>
+          <a:lstStyle/>
+          <a:p>
+            <a:r>
+              <a:rPr lang="sl-SI" dirty="0" smtClean="0"/>
+              <a:t>Gozd</a:t>
+            </a:r>
+            <a:endParaRPr lang="sl-SI" dirty="0"/>
+          </a:p>
+        </p:txBody>
+      </p:sp>
+      <p:sp>
+        <p:nvSpPr>
+          <p:cNvPr id="7" name="Content Placeholder 6"/>
+          <p:cNvSpPr>
+            <a:spLocks noGrp="1"/>
+          </p:cNvSpPr>
+          <p:nvPr>
+            <p:ph idx="1"/>
+          </p:nvPr>
+        </p:nvSpPr>
+        <p:spPr/>
+        <p:txBody>
+          <a:bodyPr/>
+          <a:lstStyle/>
+          <a:p>
+            <a:r>
+              <a:rPr lang="sl-SI" dirty="0"/>
+              <a:t>gozd F v G je izmeničen gozd glede na M, </a:t>
+            </a:r>
+            <a:r>
+              <a:rPr lang="sl-SI" dirty="0" smtClean="0"/>
+              <a:t>če</a:t>
+            </a:r>
+          </a:p>
+          <a:p>
+            <a:pPr marL="514350" indent="-514350">
+              <a:buFont typeface="+mj-lt"/>
+              <a:buAutoNum type="alphaLcParenR"/>
+            </a:pPr>
+            <a:r>
+              <a:rPr lang="sl-SI" dirty="0" smtClean="0"/>
+              <a:t>povezane </a:t>
+            </a:r>
+            <a:r>
+              <a:rPr lang="sl-SI" dirty="0"/>
+              <a:t>komponente so izmenično drevesa</a:t>
+            </a:r>
+            <a:r>
+              <a:rPr lang="sl-SI" dirty="0" smtClean="0"/>
+              <a:t>,</a:t>
+            </a:r>
+          </a:p>
+          <a:p>
+            <a:pPr marL="514350" indent="-514350">
+              <a:buFont typeface="+mj-lt"/>
+              <a:buAutoNum type="alphaLcParenR"/>
+            </a:pPr>
+            <a:r>
+              <a:rPr lang="sl-SI" dirty="0" smtClean="0"/>
+              <a:t>vsako izpostavljeno </a:t>
+            </a:r>
+            <a:r>
+              <a:rPr lang="sl-SI" dirty="0"/>
+              <a:t>vozlišče v G je koren </a:t>
+            </a:r>
+            <a:r>
+              <a:rPr lang="sl-SI" dirty="0" smtClean="0"/>
+              <a:t>izmeničnega </a:t>
+            </a:r>
+            <a:r>
+              <a:rPr lang="sl-SI" dirty="0"/>
+              <a:t>drevesa v </a:t>
+            </a:r>
+            <a:r>
+              <a:rPr lang="sl-SI" dirty="0" smtClean="0"/>
+              <a:t>F</a:t>
+            </a:r>
+          </a:p>
+          <a:p>
+            <a:pPr marL="514350" indent="-514350">
+              <a:buFont typeface="+mj-lt"/>
+              <a:buAutoNum type="alphaLcParenR"/>
+            </a:pPr>
+            <a:endParaRPr lang="sl-SI" dirty="0"/>
+          </a:p>
+          <a:p>
+            <a:pPr marL="0" indent="0">
+              <a:buNone/>
+            </a:pPr>
+            <a:r>
+              <a:rPr lang="sl-SI" dirty="0"/>
+              <a:t>Gozd F, ki ga </a:t>
+            </a:r>
+            <a:r>
+              <a:rPr lang="sl-SI" dirty="0" smtClean="0"/>
+              <a:t>naredi </a:t>
+            </a:r>
+            <a:r>
+              <a:rPr lang="sl-SI" dirty="0" err="1" smtClean="0"/>
+              <a:t>find</a:t>
+            </a:r>
+            <a:r>
+              <a:rPr lang="sl-SI" dirty="0" smtClean="0"/>
+              <a:t>_</a:t>
+            </a:r>
+            <a:r>
+              <a:rPr lang="sl-SI" dirty="0" err="1" smtClean="0"/>
+              <a:t>augmenting</a:t>
+            </a:r>
+            <a:r>
+              <a:rPr lang="sl-SI" dirty="0" smtClean="0"/>
+              <a:t>_</a:t>
+            </a:r>
+            <a:r>
+              <a:rPr lang="sl-SI" dirty="0" err="1" smtClean="0"/>
+              <a:t>path</a:t>
+            </a:r>
+            <a:r>
+              <a:rPr lang="sl-SI" dirty="0" smtClean="0"/>
+              <a:t>(G,M), </a:t>
+            </a:r>
+            <a:r>
+              <a:rPr lang="sl-SI" dirty="0"/>
+              <a:t>je izmeničen gozd.</a:t>
+            </a:r>
+            <a:endParaRPr lang="sl-SI" dirty="0" smtClean="0"/>
+          </a:p>
+        </p:txBody>
+      </p:sp>
+    </p:spTree>
+    <p:extLst>
+      <p:ext uri="{BB962C8B-B14F-4D97-AF65-F5344CB8AC3E}">
+        <p14:creationId xmlns:p14="http://schemas.microsoft.com/office/powerpoint/2010/main" val="4285847533"/>
+      </p:ext>
+    </p:extLst>
+  </p:cSld>
+  <p:clrMapOvr>
+    <a:masterClrMapping/>
+  </p:clrMapOvr>
+  <p:timing>
+    <p:tnLst>
+      <p:par>
+        <p:cTn id="1" dur="indefinite" restart="never" nodeType="tmRoot"/>
+      </p:par>
+    </p:tnLst>
+  </p:timing>
+</p:sld>
+</file>
+
+<file path=ppt/slides/slide28.xml><?xml version="1.0" encoding="utf-8"?>
+<p:sld xmlns:a="http://schemas.openxmlformats.org/drawingml/2006/main" xmlns:r="http://schemas.openxmlformats.org/officeDocument/2006/relationships" xmlns:p="http://schemas.openxmlformats.org/presentationml/2006/main">
+  <p:cSld>
+    <p:spTree>
+      <p:nvGrpSpPr>
+        <p:cNvPr id="1" name=""/>
+        <p:cNvGrpSpPr/>
+        <p:nvPr/>
+      </p:nvGrpSpPr>
+      <p:grpSpPr>
+        <a:xfrm>
+          <a:off x="0" y="0"/>
+          <a:ext cx="0" cy="0"/>
+          <a:chOff x="0" y="0"/>
+          <a:chExt cx="0" cy="0"/>
+        </a:xfrm>
+      </p:grpSpPr>
+      <p:sp>
+        <p:nvSpPr>
           <p:cNvPr id="2" name="Naslov 1"/>
           <p:cNvSpPr>
             <a:spLocks noGrp="1"/>
@@ -9706,7 +9781,7 @@
 </p:sld>
 </file>
 
-<file path=ppt/slides/slide28.xml><?xml version="1.0" encoding="utf-8"?>
+<file path=ppt/slides/slide29.xml><?xml version="1.0" encoding="utf-8"?>
 <p:sld xmlns:a="http://schemas.openxmlformats.org/drawingml/2006/main" xmlns:r="http://schemas.openxmlformats.org/officeDocument/2006/relationships" xmlns:p="http://schemas.openxmlformats.org/presentationml/2006/main">
   <p:cSld>
     <p:spTree>
@@ -9848,7 +9923,7 @@
 </p:sld>
 </file>
 
-<file path=ppt/slides/slide29.xml><?xml version="1.0" encoding="utf-8"?>
+<file path=ppt/slides/slide3.xml><?xml version="1.0" encoding="utf-8"?>
 <p:sld xmlns:a="http://schemas.openxmlformats.org/drawingml/2006/main" xmlns:r="http://schemas.openxmlformats.org/officeDocument/2006/relationships" xmlns:p="http://schemas.openxmlformats.org/presentationml/2006/main">
   <p:cSld>
     <p:spTree>
@@ -9880,6 +9955,123 @@
           <a:bodyPr/>
           <a:lstStyle/>
           <a:p>
+            <a:endParaRPr lang="en-US" dirty="0"/>
+          </a:p>
+        </p:txBody>
+      </p:sp>
+      <p:sp>
+        <p:nvSpPr>
+          <p:cNvPr id="3" name="Ograda vsebine 2"/>
+          <p:cNvSpPr>
+            <a:spLocks noGrp="1"/>
+          </p:cNvSpPr>
+          <p:nvPr>
+            <p:ph idx="1"/>
+          </p:nvPr>
+        </p:nvSpPr>
+        <p:spPr/>
+        <p:txBody>
+          <a:bodyPr/>
+          <a:lstStyle/>
+          <a:p>
+            <a:r>
+              <a:rPr lang="en-US" dirty="0" err="1" smtClean="0"/>
+              <a:t>Algoritem</a:t>
+            </a:r>
+            <a:r>
+              <a:rPr lang="en-US" dirty="0" smtClean="0"/>
+              <a:t> je </a:t>
+            </a:r>
+            <a:r>
+              <a:rPr lang="en-US" dirty="0" err="1" smtClean="0"/>
+              <a:t>razvil</a:t>
+            </a:r>
+            <a:r>
+              <a:rPr lang="en-US" dirty="0" smtClean="0"/>
+              <a:t> Jack Edmonds </a:t>
+            </a:r>
+            <a:r>
+              <a:rPr lang="en-US" dirty="0" err="1" smtClean="0"/>
+              <a:t>leta</a:t>
+            </a:r>
+            <a:r>
+              <a:rPr lang="en-US" dirty="0" smtClean="0"/>
+              <a:t> 1961</a:t>
+            </a:r>
+            <a:r>
+              <a:rPr lang="sl-SI" dirty="0" smtClean="0"/>
+              <a:t>, objavljen je bil 1965.</a:t>
+            </a:r>
+          </a:p>
+          <a:p>
+            <a:r>
+              <a:rPr lang="sl-SI" dirty="0" smtClean="0"/>
+              <a:t>Prvi algoritem, ki išče maksimalno prirejanje v polinomskem času.</a:t>
+            </a:r>
+          </a:p>
+          <a:p>
+            <a:r>
+              <a:rPr lang="sl-SI" dirty="0" smtClean="0"/>
+              <a:t>Algoritem, ki dela na vseh grafih.</a:t>
+            </a:r>
+          </a:p>
+          <a:p>
+            <a:endParaRPr lang="en-US" dirty="0"/>
+          </a:p>
+        </p:txBody>
+      </p:sp>
+    </p:spTree>
+    <p:extLst>
+      <p:ext uri="{BB962C8B-B14F-4D97-AF65-F5344CB8AC3E}">
+        <p14:creationId xmlns:p14="http://schemas.microsoft.com/office/powerpoint/2010/main" val="3706668536"/>
+      </p:ext>
+    </p:extLst>
+  </p:cSld>
+  <p:clrMapOvr>
+    <a:masterClrMapping/>
+  </p:clrMapOvr>
+  <p:timing>
+    <p:tnLst>
+      <p:par>
+        <p:cTn id="1" dur="indefinite" restart="never" nodeType="tmRoot"/>
+      </p:par>
+    </p:tnLst>
+  </p:timing>
+</p:sld>
+</file>
+
+<file path=ppt/slides/slide30.xml><?xml version="1.0" encoding="utf-8"?>
+<p:sld xmlns:a="http://schemas.openxmlformats.org/drawingml/2006/main" xmlns:r="http://schemas.openxmlformats.org/officeDocument/2006/relationships" xmlns:p="http://schemas.openxmlformats.org/presentationml/2006/main">
+  <p:cSld>
+    <p:spTree>
+      <p:nvGrpSpPr>
+        <p:cNvPr id="1" name=""/>
+        <p:cNvGrpSpPr/>
+        <p:nvPr/>
+      </p:nvGrpSpPr>
+      <p:grpSpPr>
+        <a:xfrm>
+          <a:off x="0" y="0"/>
+          <a:ext cx="0" cy="0"/>
+          <a:chOff x="0" y="0"/>
+          <a:chExt cx="0" cy="0"/>
+        </a:xfrm>
+      </p:grpSpPr>
+      <p:sp>
+        <p:nvSpPr>
+          <p:cNvPr id="2" name="Naslov 1"/>
+          <p:cNvSpPr>
+            <a:spLocks noGrp="1"/>
+          </p:cNvSpPr>
+          <p:nvPr>
+            <p:ph type="title"/>
+          </p:nvPr>
+        </p:nvSpPr>
+        <p:spPr/>
+        <p:txBody>
+          <a:bodyPr/>
+          <a:lstStyle/>
+          <a:p>
             <a:r>
               <a:rPr lang="sl-SI" dirty="0" smtClean="0"/>
               <a:t>Časovna zahtevnost</a:t>
@@ -9888,8 +10080,8 @@
           </a:p>
         </p:txBody>
       </p:sp>
-      <mc:AlternateContent xmlns:mc="http://schemas.openxmlformats.org/markup-compatibility/2006">
-        <mc:Choice xmlns:a14="http://schemas.microsoft.com/office/drawing/2010/main" Requires="a14">
+      <mc:AlternateContent xmlns:mc="http://schemas.openxmlformats.org/markup-compatibility/2006" xmlns:a14="http://schemas.microsoft.com/office/drawing/2010/main">
+        <mc:Choice Requires="a14">
           <p:sp>
             <p:nvSpPr>
               <p:cNvPr id="3" name="Ograda vsebine 2"/>
@@ -10018,7 +10210,7 @@
             </p:txBody>
           </p:sp>
         </mc:Choice>
-        <mc:Fallback>
+        <mc:Fallback xmlns="">
           <p:sp>
             <p:nvSpPr>
               <p:cNvPr id="3" name="Ograda vsebine 2"/>
@@ -10065,124 +10257,7 @@
 </p:sld>
 </file>
 
-<file path=ppt/slides/slide3.xml><?xml version="1.0" encoding="utf-8"?>
-<p:sld xmlns:a="http://schemas.openxmlformats.org/drawingml/2006/main" xmlns:r="http://schemas.openxmlformats.org/officeDocument/2006/relationships" xmlns:p="http://schemas.openxmlformats.org/presentationml/2006/main">
-  <p:cSld>
-    <p:spTree>
-      <p:nvGrpSpPr>
-        <p:cNvPr id="1" name=""/>
-        <p:cNvGrpSpPr/>
-        <p:nvPr/>
-      </p:nvGrpSpPr>
-      <p:grpSpPr>
-        <a:xfrm>
-          <a:off x="0" y="0"/>
-          <a:ext cx="0" cy="0"/>
-          <a:chOff x="0" y="0"/>
-          <a:chExt cx="0" cy="0"/>
-        </a:xfrm>
-      </p:grpSpPr>
-      <p:sp>
-        <p:nvSpPr>
-          <p:cNvPr id="2" name="Naslov 1"/>
-          <p:cNvSpPr>
-            <a:spLocks noGrp="1"/>
-          </p:cNvSpPr>
-          <p:nvPr>
-            <p:ph type="title"/>
-          </p:nvPr>
-        </p:nvSpPr>
-        <p:spPr/>
-        <p:txBody>
-          <a:bodyPr/>
-          <a:lstStyle/>
-          <a:p>
-            <a:endParaRPr lang="en-US" dirty="0"/>
-          </a:p>
-        </p:txBody>
-      </p:sp>
-      <p:sp>
-        <p:nvSpPr>
-          <p:cNvPr id="3" name="Ograda vsebine 2"/>
-          <p:cNvSpPr>
-            <a:spLocks noGrp="1"/>
-          </p:cNvSpPr>
-          <p:nvPr>
-            <p:ph idx="1"/>
-          </p:nvPr>
-        </p:nvSpPr>
-        <p:spPr/>
-        <p:txBody>
-          <a:bodyPr/>
-          <a:lstStyle/>
-          <a:p>
-            <a:r>
-              <a:rPr lang="en-US" dirty="0" err="1" smtClean="0"/>
-              <a:t>Algoritem</a:t>
-            </a:r>
-            <a:r>
-              <a:rPr lang="en-US" dirty="0" smtClean="0"/>
-              <a:t> je </a:t>
-            </a:r>
-            <a:r>
-              <a:rPr lang="en-US" dirty="0" err="1" smtClean="0"/>
-              <a:t>razvil</a:t>
-            </a:r>
-            <a:r>
-              <a:rPr lang="en-US" dirty="0" smtClean="0"/>
-              <a:t> Jack Edmonds </a:t>
-            </a:r>
-            <a:r>
-              <a:rPr lang="en-US" dirty="0" err="1" smtClean="0"/>
-              <a:t>leta</a:t>
-            </a:r>
-            <a:r>
-              <a:rPr lang="en-US" dirty="0" smtClean="0"/>
-              <a:t> 1961</a:t>
-            </a:r>
-            <a:r>
-              <a:rPr lang="sl-SI" dirty="0" smtClean="0"/>
-              <a:t>, objavljen je bil 1965.</a:t>
-            </a:r>
-          </a:p>
-          <a:p>
-            <a:r>
-              <a:rPr lang="sl-SI" dirty="0" smtClean="0"/>
-              <a:t>Prvi algoritem, ki išče maksimalno prirejanje v polinomskem času.</a:t>
-            </a:r>
-          </a:p>
-          <a:p>
-            <a:r>
-              <a:rPr lang="sl-SI" dirty="0" smtClean="0"/>
-              <a:t>Algoritem, ki dela na vseh grafih.</a:t>
-            </a:r>
-          </a:p>
-          <a:p>
-            <a:endParaRPr lang="en-US" dirty="0"/>
-          </a:p>
-        </p:txBody>
-      </p:sp>
-    </p:spTree>
-    <p:extLst>
-      <p:ext uri="{BB962C8B-B14F-4D97-AF65-F5344CB8AC3E}">
-        <p14:creationId xmlns:p14="http://schemas.microsoft.com/office/powerpoint/2010/main" val="3706668536"/>
-      </p:ext>
-    </p:extLst>
-  </p:cSld>
-  <p:clrMapOvr>
-    <a:masterClrMapping/>
-  </p:clrMapOvr>
-  <p:timing>
-    <p:tnLst>
-      <p:par>
-        <p:cTn id="1" dur="indefinite" restart="never" nodeType="tmRoot"/>
-      </p:par>
-    </p:tnLst>
-  </p:timing>
-</p:sld>
-</file>
-
-<file path=ppt/slides/slide30.xml><?xml version="1.0" encoding="utf-8"?>
+<file path=ppt/slides/slide31.xml><?xml version="1.0" encoding="utf-8"?>
 <p:sld xmlns:a="http://schemas.openxmlformats.org/drawingml/2006/main" xmlns:r="http://schemas.openxmlformats.org/officeDocument/2006/relationships" xmlns:p="http://schemas.openxmlformats.org/presentationml/2006/main">
   <p:cSld>
     <p:spTree>
@@ -10364,7 +10439,7 @@
 </p:sld>
 </file>
 
-<file path=ppt/slides/slide31.xml><?xml version="1.0" encoding="utf-8"?>
+<file path=ppt/slides/slide32.xml><?xml version="1.0" encoding="utf-8"?>
 <p:sld xmlns:a="http://schemas.openxmlformats.org/drawingml/2006/main" xmlns:r="http://schemas.openxmlformats.org/officeDocument/2006/relationships" xmlns:p="http://schemas.openxmlformats.org/presentationml/2006/main">
   <p:cSld>
     <p:spTree>
@@ -10456,7 +10531,7 @@
 </p:sld>
 </file>
 
-<file path=ppt/slides/slide32.xml><?xml version="1.0" encoding="utf-8"?>
+<file path=ppt/slides/slide33.xml><?xml version="1.0" encoding="utf-8"?>
 <p:sld xmlns:a="http://schemas.openxmlformats.org/drawingml/2006/main" xmlns:r="http://schemas.openxmlformats.org/officeDocument/2006/relationships" xmlns:p="http://schemas.openxmlformats.org/presentationml/2006/main">
   <p:cSld>
     <p:spTree>
@@ -10619,7 +10694,7 @@
 </p:sld>
 </file>
 
-<file path=ppt/slides/slide33.xml><?xml version="1.0" encoding="utf-8"?>
+<file path=ppt/slides/slide34.xml><?xml version="1.0" encoding="utf-8"?>
 <p:sld xmlns:a="http://schemas.openxmlformats.org/drawingml/2006/main" xmlns:r="http://schemas.openxmlformats.org/officeDocument/2006/relationships" xmlns:p="http://schemas.openxmlformats.org/presentationml/2006/main">
   <p:cSld>
     <p:spTree>
@@ -10735,7 +10810,7 @@
 </p:sld>
 </file>
 
-<file path=ppt/slides/slide34.xml><?xml version="1.0" encoding="utf-8"?>
+<file path=ppt/slides/slide35.xml><?xml version="1.0" encoding="utf-8"?>
 <p:sld xmlns:a="http://schemas.openxmlformats.org/drawingml/2006/main" xmlns:r="http://schemas.openxmlformats.org/officeDocument/2006/relationships" xmlns:p="http://schemas.openxmlformats.org/presentationml/2006/main">
   <p:cSld>
     <p:spTree>
@@ -10959,7 +11034,7 @@
 </p:sld>
 </file>
 
-<file path=ppt/slides/slide35.xml><?xml version="1.0" encoding="utf-8"?>
+<file path=ppt/slides/slide36.xml><?xml version="1.0" encoding="utf-8"?>
 <p:sld xmlns:a="http://schemas.openxmlformats.org/drawingml/2006/main" xmlns:r="http://schemas.openxmlformats.org/officeDocument/2006/relationships" xmlns:p="http://schemas.openxmlformats.org/presentationml/2006/main">
   <p:cSld>
     <p:spTree>
@@ -11420,7 +11495,21 @@
             </a:r>
             <a:r>
               <a:rPr lang="en-US" dirty="0" smtClean="0"/>
-              <a:t> |M| &gt;= |M'|.</a:t>
+              <a:t> |M| &gt;= |M</a:t>
+            </a:r>
+            <a:r>
+              <a:rPr lang="en-US" dirty="0" smtClean="0"/>
+              <a:t>'|.</a:t>
+            </a:r>
+            <a:endParaRPr lang="sl-SI" dirty="0" smtClean="0"/>
+          </a:p>
+          <a:p>
+            <a:endParaRPr lang="sl-SI" dirty="0"/>
+          </a:p>
+          <a:p>
+            <a:r>
+              <a:rPr lang="sl-SI" dirty="0" smtClean="0"/>
+              <a:t>Popolno prirejanje, vsako vozlišče je dotaknjeno z prirejanjem</a:t>
             </a:r>
             <a:endParaRPr lang="en-US" dirty="0"/>
           </a:p>
@@ -12410,7 +12499,7 @@
   <a:extraClrSchemeLst/>
   <a:extLst>
     <a:ext uri="{05A4C25C-085E-4340-85A3-A5531E510DB2}">
-      <thm15:themeFamily xmlns:thm15="http://schemas.microsoft.com/office/thememl/2012/main" xmlns="" name="Facet" id="{C0C680CD-088A-49FC-A102-D699147F32B2}" vid="{CFBC31BA-B70F-4F30-BCAA-4F3011E16C4D}"/>
+      <thm15:themeFamily xmlns="" xmlns:thm15="http://schemas.microsoft.com/office/thememl/2012/main" name="Facet" id="{C0C680CD-088A-49FC-A102-D699147F32B2}" vid="{CFBC31BA-B70F-4F30-BCAA-4F3011E16C4D}"/>
     </a:ext>
   </a:extLst>
 </a:theme>

--- a/Blossomov algoritem.pptx
+++ b/Blossomov algoritem.pptx
@@ -5,7 +5,7 @@
     <p:sldMasterId id="2147483660" r:id="rId1"/>
   </p:sldMasterIdLst>
   <p:notesMasterIdLst>
-    <p:notesMasterId r:id="rId38"/>
+    <p:notesMasterId r:id="rId39"/>
   </p:notesMasterIdLst>
   <p:sldIdLst>
     <p:sldId id="256" r:id="rId2"/>
@@ -14,36 +14,37 @@
     <p:sldId id="261" r:id="rId5"/>
     <p:sldId id="264" r:id="rId6"/>
     <p:sldId id="282" r:id="rId7"/>
-    <p:sldId id="259" r:id="rId8"/>
-    <p:sldId id="272" r:id="rId9"/>
-    <p:sldId id="268" r:id="rId10"/>
-    <p:sldId id="279" r:id="rId11"/>
-    <p:sldId id="270" r:id="rId12"/>
-    <p:sldId id="267" r:id="rId13"/>
-    <p:sldId id="290" r:id="rId14"/>
-    <p:sldId id="266" r:id="rId15"/>
-    <p:sldId id="275" r:id="rId16"/>
-    <p:sldId id="281" r:id="rId17"/>
-    <p:sldId id="285" r:id="rId18"/>
-    <p:sldId id="297" r:id="rId19"/>
-    <p:sldId id="292" r:id="rId20"/>
-    <p:sldId id="273" r:id="rId21"/>
-    <p:sldId id="274" r:id="rId22"/>
-    <p:sldId id="289" r:id="rId23"/>
-    <p:sldId id="293" r:id="rId24"/>
-    <p:sldId id="276" r:id="rId25"/>
-    <p:sldId id="277" r:id="rId26"/>
-    <p:sldId id="278" r:id="rId27"/>
-    <p:sldId id="288" r:id="rId28"/>
-    <p:sldId id="269" r:id="rId29"/>
-    <p:sldId id="295" r:id="rId30"/>
-    <p:sldId id="294" r:id="rId31"/>
-    <p:sldId id="265" r:id="rId32"/>
-    <p:sldId id="286" r:id="rId33"/>
-    <p:sldId id="296" r:id="rId34"/>
-    <p:sldId id="258" r:id="rId35"/>
-    <p:sldId id="291" r:id="rId36"/>
-    <p:sldId id="262" r:id="rId37"/>
+    <p:sldId id="298" r:id="rId8"/>
+    <p:sldId id="259" r:id="rId9"/>
+    <p:sldId id="272" r:id="rId10"/>
+    <p:sldId id="268" r:id="rId11"/>
+    <p:sldId id="279" r:id="rId12"/>
+    <p:sldId id="270" r:id="rId13"/>
+    <p:sldId id="267" r:id="rId14"/>
+    <p:sldId id="290" r:id="rId15"/>
+    <p:sldId id="266" r:id="rId16"/>
+    <p:sldId id="275" r:id="rId17"/>
+    <p:sldId id="281" r:id="rId18"/>
+    <p:sldId id="285" r:id="rId19"/>
+    <p:sldId id="297" r:id="rId20"/>
+    <p:sldId id="292" r:id="rId21"/>
+    <p:sldId id="273" r:id="rId22"/>
+    <p:sldId id="274" r:id="rId23"/>
+    <p:sldId id="289" r:id="rId24"/>
+    <p:sldId id="293" r:id="rId25"/>
+    <p:sldId id="276" r:id="rId26"/>
+    <p:sldId id="277" r:id="rId27"/>
+    <p:sldId id="278" r:id="rId28"/>
+    <p:sldId id="288" r:id="rId29"/>
+    <p:sldId id="269" r:id="rId30"/>
+    <p:sldId id="295" r:id="rId31"/>
+    <p:sldId id="294" r:id="rId32"/>
+    <p:sldId id="265" r:id="rId33"/>
+    <p:sldId id="286" r:id="rId34"/>
+    <p:sldId id="296" r:id="rId35"/>
+    <p:sldId id="258" r:id="rId36"/>
+    <p:sldId id="291" r:id="rId37"/>
+    <p:sldId id="262" r:id="rId38"/>
   </p:sldIdLst>
   <p:sldSz cx="9144000" cy="6858000" type="screen4x3"/>
   <p:notesSz cx="6858000" cy="9144000"/>
@@ -144,7 +145,7 @@
   </p:defaultTextStyle>
   <p:extLst>
     <p:ext uri="{EFAFB233-063F-42B5-8137-9DF3F51BA10A}">
-      <p15:sldGuideLst xmlns="" xmlns:p15="http://schemas.microsoft.com/office/powerpoint/2012/main">
+      <p15:sldGuideLst xmlns:p15="http://schemas.microsoft.com/office/powerpoint/2012/main" xmlns="">
         <p15:guide id="1" orient="horz" pos="2160">
           <p15:clr>
             <a:srgbClr val="A4A3A4"/>
@@ -243,7 +244,7 @@
           <a:p>
             <a:fld id="{ED5F83C0-93FC-466A-87FD-4A535B857586}" type="datetimeFigureOut">
               <a:rPr lang="en-US" smtClean="0"/>
-              <a:t>1/23/2018</a:t>
+              <a:t>3/7/2018</a:t>
             </a:fld>
             <a:endParaRPr lang="en-US"/>
           </a:p>
@@ -768,7 +769,7 @@
           <a:p>
             <a:fld id="{2068A809-5CE4-4CE2-B32B-B9BC7DD73B81}" type="slidenum">
               <a:rPr lang="en-US" smtClean="0"/>
-              <a:t>7</a:t>
+              <a:t>8</a:t>
             </a:fld>
             <a:endParaRPr lang="en-US"/>
           </a:p>
@@ -877,7 +878,7 @@
           <a:p>
             <a:fld id="{2068A809-5CE4-4CE2-B32B-B9BC7DD73B81}" type="slidenum">
               <a:rPr lang="en-US" smtClean="0"/>
-              <a:t>9</a:t>
+              <a:t>10</a:t>
             </a:fld>
             <a:endParaRPr lang="en-US"/>
           </a:p>
@@ -1013,7 +1014,7 @@
           <a:p>
             <a:fld id="{2068A809-5CE4-4CE2-B32B-B9BC7DD73B81}" type="slidenum">
               <a:rPr lang="en-US" smtClean="0"/>
-              <a:t>13</a:t>
+              <a:t>14</a:t>
             </a:fld>
             <a:endParaRPr lang="en-US"/>
           </a:p>
@@ -1125,7 +1126,7 @@
           <a:p>
             <a:fld id="{2068A809-5CE4-4CE2-B32B-B9BC7DD73B81}" type="slidenum">
               <a:rPr lang="en-US" smtClean="0"/>
-              <a:t>14</a:t>
+              <a:t>15</a:t>
             </a:fld>
             <a:endParaRPr lang="en-US"/>
           </a:p>
@@ -1213,7 +1214,7 @@
           <a:p>
             <a:fld id="{2068A809-5CE4-4CE2-B32B-B9BC7DD73B81}" type="slidenum">
               <a:rPr lang="en-US" smtClean="0"/>
-              <a:t>34</a:t>
+              <a:t>35</a:t>
             </a:fld>
             <a:endParaRPr lang="en-US"/>
           </a:p>
@@ -2026,7 +2027,7 @@
           <a:p>
             <a:fld id="{BA6EFB0A-BEF4-4384-B5CA-BA492AB9664D}" type="datetimeFigureOut">
               <a:rPr lang="en-US" smtClean="0"/>
-              <a:t>1/23/2018</a:t>
+              <a:t>3/7/2018</a:t>
             </a:fld>
             <a:endParaRPr lang="en-US"/>
           </a:p>
@@ -2277,7 +2278,7 @@
           <a:p>
             <a:fld id="{BA6EFB0A-BEF4-4384-B5CA-BA492AB9664D}" type="datetimeFigureOut">
               <a:rPr lang="en-US" smtClean="0"/>
-              <a:t>1/23/2018</a:t>
+              <a:t>3/7/2018</a:t>
             </a:fld>
             <a:endParaRPr lang="en-US"/>
           </a:p>
@@ -2591,7 +2592,7 @@
           <a:p>
             <a:fld id="{BA6EFB0A-BEF4-4384-B5CA-BA492AB9664D}" type="datetimeFigureOut">
               <a:rPr lang="en-US" smtClean="0"/>
-              <a:t>1/23/2018</a:t>
+              <a:t>3/7/2018</a:t>
             </a:fld>
             <a:endParaRPr lang="en-US"/>
           </a:p>
@@ -2924,7 +2925,7 @@
           <a:p>
             <a:fld id="{BA6EFB0A-BEF4-4384-B5CA-BA492AB9664D}" type="datetimeFigureOut">
               <a:rPr lang="en-US" smtClean="0"/>
-              <a:t>1/23/2018</a:t>
+              <a:t>3/7/2018</a:t>
             </a:fld>
             <a:endParaRPr lang="en-US"/>
           </a:p>
@@ -3238,7 +3239,7 @@
           <a:p>
             <a:fld id="{BA6EFB0A-BEF4-4384-B5CA-BA492AB9664D}" type="datetimeFigureOut">
               <a:rPr lang="en-US" smtClean="0"/>
-              <a:t>1/23/2018</a:t>
+              <a:t>3/7/2018</a:t>
             </a:fld>
             <a:endParaRPr lang="en-US"/>
           </a:p>
@@ -3631,7 +3632,7 @@
           <a:p>
             <a:fld id="{BA6EFB0A-BEF4-4384-B5CA-BA492AB9664D}" type="datetimeFigureOut">
               <a:rPr lang="en-US" smtClean="0"/>
-              <a:t>1/23/2018</a:t>
+              <a:t>3/7/2018</a:t>
             </a:fld>
             <a:endParaRPr lang="en-US"/>
           </a:p>
@@ -3801,7 +3802,7 @@
           <a:p>
             <a:fld id="{BA6EFB0A-BEF4-4384-B5CA-BA492AB9664D}" type="datetimeFigureOut">
               <a:rPr lang="en-US" smtClean="0"/>
-              <a:t>1/23/2018</a:t>
+              <a:t>3/7/2018</a:t>
             </a:fld>
             <a:endParaRPr lang="en-US"/>
           </a:p>
@@ -3981,7 +3982,7 @@
           <a:p>
             <a:fld id="{BA6EFB0A-BEF4-4384-B5CA-BA492AB9664D}" type="datetimeFigureOut">
               <a:rPr lang="en-US" smtClean="0"/>
-              <a:t>1/23/2018</a:t>
+              <a:t>3/7/2018</a:t>
             </a:fld>
             <a:endParaRPr lang="en-US"/>
           </a:p>
@@ -4151,7 +4152,7 @@
           <a:p>
             <a:fld id="{BA6EFB0A-BEF4-4384-B5CA-BA492AB9664D}" type="datetimeFigureOut">
               <a:rPr lang="en-US" smtClean="0"/>
-              <a:t>1/23/2018</a:t>
+              <a:t>3/7/2018</a:t>
             </a:fld>
             <a:endParaRPr lang="en-US"/>
           </a:p>
@@ -4398,7 +4399,7 @@
           <a:p>
             <a:fld id="{BA6EFB0A-BEF4-4384-B5CA-BA492AB9664D}" type="datetimeFigureOut">
               <a:rPr lang="en-US" smtClean="0"/>
-              <a:t>1/23/2018</a:t>
+              <a:t>3/7/2018</a:t>
             </a:fld>
             <a:endParaRPr lang="en-US"/>
           </a:p>
@@ -4695,7 +4696,7 @@
           <a:p>
             <a:fld id="{BA6EFB0A-BEF4-4384-B5CA-BA492AB9664D}" type="datetimeFigureOut">
               <a:rPr lang="en-US" smtClean="0"/>
-              <a:t>1/23/2018</a:t>
+              <a:t>3/7/2018</a:t>
             </a:fld>
             <a:endParaRPr lang="en-US"/>
           </a:p>
@@ -5074,7 +5075,7 @@
           <a:p>
             <a:fld id="{BA6EFB0A-BEF4-4384-B5CA-BA492AB9664D}" type="datetimeFigureOut">
               <a:rPr lang="en-US" smtClean="0"/>
-              <a:t>1/23/2018</a:t>
+              <a:t>3/7/2018</a:t>
             </a:fld>
             <a:endParaRPr lang="en-US"/>
           </a:p>
@@ -5197,7 +5198,7 @@
           <a:p>
             <a:fld id="{BA6EFB0A-BEF4-4384-B5CA-BA492AB9664D}" type="datetimeFigureOut">
               <a:rPr lang="en-US" smtClean="0"/>
-              <a:t>1/23/2018</a:t>
+              <a:t>3/7/2018</a:t>
             </a:fld>
             <a:endParaRPr lang="en-US"/>
           </a:p>
@@ -5292,7 +5293,7 @@
           <a:p>
             <a:fld id="{BA6EFB0A-BEF4-4384-B5CA-BA492AB9664D}" type="datetimeFigureOut">
               <a:rPr lang="en-US" smtClean="0"/>
-              <a:t>1/23/2018</a:t>
+              <a:t>3/7/2018</a:t>
             </a:fld>
             <a:endParaRPr lang="en-US"/>
           </a:p>
@@ -5547,7 +5548,7 @@
           <a:p>
             <a:fld id="{BA6EFB0A-BEF4-4384-B5CA-BA492AB9664D}" type="datetimeFigureOut">
               <a:rPr lang="en-US" smtClean="0"/>
-              <a:t>1/23/2018</a:t>
+              <a:t>3/7/2018</a:t>
             </a:fld>
             <a:endParaRPr lang="en-US"/>
           </a:p>
@@ -5810,7 +5811,7 @@
           <a:p>
             <a:fld id="{BA6EFB0A-BEF4-4384-B5CA-BA492AB9664D}" type="datetimeFigureOut">
               <a:rPr lang="en-US" smtClean="0"/>
-              <a:t>1/23/2018</a:t>
+              <a:t>3/7/2018</a:t>
             </a:fld>
             <a:endParaRPr lang="en-US"/>
           </a:p>
@@ -6624,7 +6625,7 @@
           <a:p>
             <a:fld id="{BA6EFB0A-BEF4-4384-B5CA-BA492AB9664D}" type="datetimeFigureOut">
               <a:rPr lang="en-US" smtClean="0"/>
-              <a:t>1/23/2018</a:t>
+              <a:t>3/7/2018</a:t>
             </a:fld>
             <a:endParaRPr lang="en-US"/>
           </a:p>
@@ -7250,6 +7251,135 @@
           <a:bodyPr/>
           <a:lstStyle/>
           <a:p>
+            <a:r>
+              <a:rPr lang="sl-SI" dirty="0" smtClean="0"/>
+              <a:t>Povečujoča pot</a:t>
+            </a:r>
+            <a:endParaRPr lang="en-US" dirty="0"/>
+          </a:p>
+        </p:txBody>
+      </p:sp>
+      <p:sp>
+        <p:nvSpPr>
+          <p:cNvPr id="3" name="Ograda vsebine 2"/>
+          <p:cNvSpPr>
+            <a:spLocks noGrp="1"/>
+          </p:cNvSpPr>
+          <p:nvPr>
+            <p:ph idx="1"/>
+          </p:nvPr>
+        </p:nvSpPr>
+        <p:spPr/>
+        <p:txBody>
+          <a:bodyPr/>
+          <a:lstStyle/>
+          <a:p>
+            <a:r>
+              <a:rPr lang="sl-SI" dirty="0" smtClean="0"/>
+              <a:t>Pot ki se začne in konča v prostem vozlišču in alternira med povezavami, ki so v prirejanju in niso.</a:t>
+            </a:r>
+          </a:p>
+          <a:p>
+            <a:r>
+              <a:rPr lang="sl-SI" dirty="0" smtClean="0"/>
+              <a:t>Pot lihe dolžine</a:t>
+            </a:r>
+          </a:p>
+        </p:txBody>
+      </p:sp>
+      <p:pic>
+        <p:nvPicPr>
+          <p:cNvPr id="6146" name="Picture 2" descr="C:\Documents and Settings\xxx\Desktop\BlossomAlgoritem\slike\03_Description.png"/>
+          <p:cNvPicPr>
+            <a:picLocks noChangeAspect="1" noChangeArrowheads="1"/>
+          </p:cNvPicPr>
+          <p:nvPr/>
+        </p:nvPicPr>
+        <p:blipFill>
+          <a:blip r:embed="rId3">
+            <a:extLst>
+              <a:ext uri="{28A0092B-C50C-407E-A947-70E740481C1C}">
+                <a14:useLocalDpi xmlns:a14="http://schemas.microsoft.com/office/drawing/2010/main" val="0"/>
+              </a:ext>
+            </a:extLst>
+          </a:blip>
+          <a:srcRect/>
+          <a:stretch>
+            <a:fillRect/>
+          </a:stretch>
+        </p:blipFill>
+        <p:spPr bwMode="auto">
+          <a:xfrm>
+            <a:off x="3131840" y="3670785"/>
+            <a:ext cx="3106266" cy="2609773"/>
+          </a:xfrm>
+          <a:prstGeom prst="rect">
+            <a:avLst/>
+          </a:prstGeom>
+          <a:noFill/>
+          <a:extLst>
+            <a:ext uri="{909E8E84-426E-40DD-AFC4-6F175D3DCCD1}">
+              <a14:hiddenFill xmlns:a14="http://schemas.microsoft.com/office/drawing/2010/main">
+                <a:solidFill>
+                  <a:srgbClr val="FFFFFF"/>
+                </a:solidFill>
+              </a14:hiddenFill>
+            </a:ext>
+          </a:extLst>
+        </p:spPr>
+      </p:pic>
+    </p:spTree>
+    <p:extLst>
+      <p:ext uri="{BB962C8B-B14F-4D97-AF65-F5344CB8AC3E}">
+        <p14:creationId xmlns:p14="http://schemas.microsoft.com/office/powerpoint/2010/main" val="3276005795"/>
+      </p:ext>
+    </p:extLst>
+  </p:cSld>
+  <p:clrMapOvr>
+    <a:masterClrMapping/>
+  </p:clrMapOvr>
+  <p:timing>
+    <p:tnLst>
+      <p:par>
+        <p:cTn id="1" dur="indefinite" restart="never" nodeType="tmRoot"/>
+      </p:par>
+    </p:tnLst>
+  </p:timing>
+</p:sld>
+</file>
+
+<file path=ppt/slides/slide11.xml><?xml version="1.0" encoding="utf-8"?>
+<p:sld xmlns:a="http://schemas.openxmlformats.org/drawingml/2006/main" xmlns:r="http://schemas.openxmlformats.org/officeDocument/2006/relationships" xmlns:p="http://schemas.openxmlformats.org/presentationml/2006/main">
+  <p:cSld>
+    <p:spTree>
+      <p:nvGrpSpPr>
+        <p:cNvPr id="1" name=""/>
+        <p:cNvGrpSpPr/>
+        <p:nvPr/>
+      </p:nvGrpSpPr>
+      <p:grpSpPr>
+        <a:xfrm>
+          <a:off x="0" y="0"/>
+          <a:ext cx="0" cy="0"/>
+          <a:chOff x="0" y="0"/>
+          <a:chExt cx="0" cy="0"/>
+        </a:xfrm>
+      </p:grpSpPr>
+      <p:sp>
+        <p:nvSpPr>
+          <p:cNvPr id="2" name="Naslov 1"/>
+          <p:cNvSpPr>
+            <a:spLocks noGrp="1"/>
+          </p:cNvSpPr>
+          <p:nvPr>
+            <p:ph type="title"/>
+          </p:nvPr>
+        </p:nvSpPr>
+        <p:spPr/>
+        <p:txBody>
+          <a:bodyPr/>
+          <a:lstStyle/>
+          <a:p>
             <a:endParaRPr lang="en-US"/>
           </a:p>
         </p:txBody>
@@ -7334,204 +7464,6 @@
 </p:sld>
 </file>
 
-<file path=ppt/slides/slide11.xml><?xml version="1.0" encoding="utf-8"?>
-<p:sld xmlns:a="http://schemas.openxmlformats.org/drawingml/2006/main" xmlns:r="http://schemas.openxmlformats.org/officeDocument/2006/relationships" xmlns:p="http://schemas.openxmlformats.org/presentationml/2006/main">
-  <p:cSld>
-    <p:spTree>
-      <p:nvGrpSpPr>
-        <p:cNvPr id="1" name=""/>
-        <p:cNvGrpSpPr/>
-        <p:nvPr/>
-      </p:nvGrpSpPr>
-      <p:grpSpPr>
-        <a:xfrm>
-          <a:off x="0" y="0"/>
-          <a:ext cx="0" cy="0"/>
-          <a:chOff x="0" y="0"/>
-          <a:chExt cx="0" cy="0"/>
-        </a:xfrm>
-      </p:grpSpPr>
-      <p:sp>
-        <p:nvSpPr>
-          <p:cNvPr id="2" name="Naslov 1"/>
-          <p:cNvSpPr>
-            <a:spLocks noGrp="1"/>
-          </p:cNvSpPr>
-          <p:nvPr>
-            <p:ph type="title"/>
-          </p:nvPr>
-        </p:nvSpPr>
-        <p:spPr/>
-        <p:txBody>
-          <a:bodyPr/>
-          <a:lstStyle/>
-          <a:p>
-            <a:r>
-              <a:rPr lang="sl-SI" dirty="0" smtClean="0"/>
-              <a:t>Trditev</a:t>
-            </a:r>
-            <a:endParaRPr lang="en-US" dirty="0"/>
-          </a:p>
-        </p:txBody>
-      </p:sp>
-      <p:sp>
-        <p:nvSpPr>
-          <p:cNvPr id="3" name="Ograda vsebine 2"/>
-          <p:cNvSpPr>
-            <a:spLocks noGrp="1"/>
-          </p:cNvSpPr>
-          <p:nvPr>
-            <p:ph idx="1"/>
-          </p:nvPr>
-        </p:nvSpPr>
-        <p:spPr/>
-        <p:txBody>
-          <a:bodyPr/>
-          <a:lstStyle/>
-          <a:p>
-            <a:r>
-              <a:rPr lang="sl-SI" dirty="0" smtClean="0"/>
-              <a:t>S</a:t>
-            </a:r>
-            <a:r>
-              <a:rPr lang="en-US" dirty="0" smtClean="0"/>
-              <a:t> </a:t>
-            </a:r>
-            <a:r>
-              <a:rPr lang="en-US" dirty="0" err="1" smtClean="0"/>
-              <a:t>povečujočo</a:t>
-            </a:r>
-            <a:r>
-              <a:rPr lang="en-US" dirty="0" smtClean="0"/>
-              <a:t> </a:t>
-            </a:r>
-            <a:r>
-              <a:rPr lang="en-US" dirty="0" err="1" smtClean="0"/>
-              <a:t>potjo</a:t>
-            </a:r>
-            <a:r>
-              <a:rPr lang="en-US" dirty="0" smtClean="0"/>
-              <a:t> in </a:t>
-            </a:r>
-            <a:r>
-              <a:rPr lang="en-US" dirty="0" err="1" smtClean="0"/>
-              <a:t>prirejanjem</a:t>
-            </a:r>
-            <a:r>
-              <a:rPr lang="en-US" dirty="0" smtClean="0"/>
-              <a:t> M, z </a:t>
-            </a:r>
-            <a:r>
-              <a:rPr lang="en-US" dirty="0" err="1" smtClean="0"/>
-              <a:t>odstranitvijo</a:t>
-            </a:r>
-            <a:r>
-              <a:rPr lang="en-US" dirty="0" smtClean="0"/>
-              <a:t> </a:t>
-            </a:r>
-            <a:r>
-              <a:rPr lang="en-US" dirty="0" err="1" smtClean="0"/>
-              <a:t>povezav</a:t>
-            </a:r>
-            <a:r>
-              <a:rPr lang="en-US" dirty="0" smtClean="0"/>
-              <a:t> v </a:t>
-            </a:r>
-            <a:r>
-              <a:rPr lang="en-US" dirty="0" err="1" smtClean="0"/>
-              <a:t>prirejanju</a:t>
-            </a:r>
-            <a:r>
-              <a:rPr lang="en-US" dirty="0" smtClean="0"/>
-              <a:t> in z </a:t>
-            </a:r>
-            <a:r>
-              <a:rPr lang="en-US" dirty="0" err="1" smtClean="0"/>
-              <a:t>dodajanjem</a:t>
-            </a:r>
-            <a:r>
-              <a:rPr lang="en-US" dirty="0" smtClean="0"/>
-              <a:t>, </a:t>
-            </a:r>
-            <a:r>
-              <a:rPr lang="en-US" dirty="0" err="1" smtClean="0"/>
-              <a:t>ki</a:t>
-            </a:r>
-            <a:r>
-              <a:rPr lang="en-US" dirty="0" smtClean="0"/>
-              <a:t> </a:t>
-            </a:r>
-            <a:r>
-              <a:rPr lang="en-US" dirty="0" err="1" smtClean="0"/>
-              <a:t>niso</a:t>
-            </a:r>
-            <a:r>
-              <a:rPr lang="en-US" dirty="0" smtClean="0"/>
-              <a:t> v </a:t>
-            </a:r>
-            <a:r>
-              <a:rPr lang="en-US" dirty="0" err="1" smtClean="0"/>
-              <a:t>prirejanju</a:t>
-            </a:r>
-            <a:r>
-              <a:rPr lang="en-US" dirty="0" smtClean="0"/>
-              <a:t> </a:t>
-            </a:r>
-            <a:r>
-              <a:rPr lang="en-US" dirty="0" err="1" smtClean="0"/>
-              <a:t>povečamo</a:t>
-            </a:r>
-            <a:r>
-              <a:rPr lang="en-US" dirty="0" smtClean="0"/>
-              <a:t> </a:t>
-            </a:r>
-            <a:r>
-              <a:rPr lang="en-US" dirty="0" err="1" smtClean="0"/>
-              <a:t>velikost</a:t>
-            </a:r>
-            <a:r>
-              <a:rPr lang="en-US" dirty="0" smtClean="0"/>
-              <a:t> </a:t>
-            </a:r>
-            <a:r>
-              <a:rPr lang="en-US" dirty="0" err="1" smtClean="0"/>
-              <a:t>za</a:t>
-            </a:r>
-            <a:r>
-              <a:rPr lang="en-US" dirty="0" smtClean="0"/>
-              <a:t> 1.</a:t>
-            </a:r>
-            <a:endParaRPr lang="sl-SI" dirty="0" smtClean="0"/>
-          </a:p>
-          <a:p>
-            <a:r>
-              <a:rPr lang="sl-SI" dirty="0" smtClean="0"/>
-              <a:t>Dokaz z indukcijo</a:t>
-            </a:r>
-            <a:endParaRPr lang="en-US" dirty="0"/>
-          </a:p>
-        </p:txBody>
-      </p:sp>
-    </p:spTree>
-    <p:extLst>
-      <p:ext uri="{BB962C8B-B14F-4D97-AF65-F5344CB8AC3E}">
-        <p14:creationId xmlns:p14="http://schemas.microsoft.com/office/powerpoint/2010/main" val="871783126"/>
-      </p:ext>
-    </p:extLst>
-  </p:cSld>
-  <p:clrMapOvr>
-    <a:masterClrMapping/>
-  </p:clrMapOvr>
-  <p:timing>
-    <p:tnLst>
-      <p:par>
-        <p:cTn id="1" dur="indefinite" restart="never" nodeType="tmRoot"/>
-      </p:par>
-    </p:tnLst>
-  </p:timing>
-</p:sld>
-</file>
-
 <file path=ppt/slides/slide12.xml><?xml version="1.0" encoding="utf-8"?>
 <p:sld xmlns:a="http://schemas.openxmlformats.org/drawingml/2006/main" xmlns:r="http://schemas.openxmlformats.org/officeDocument/2006/relationships" xmlns:p="http://schemas.openxmlformats.org/presentationml/2006/main">
   <p:cSld>
@@ -7566,7 +7498,7 @@
           <a:p>
             <a:r>
               <a:rPr lang="sl-SI" dirty="0" smtClean="0"/>
-              <a:t>Algoritem</a:t>
+              <a:t>Trditev</a:t>
             </a:r>
             <a:endParaRPr lang="en-US" dirty="0"/>
           </a:p>
@@ -7589,19 +7521,122 @@
           <a:p>
             <a:r>
               <a:rPr lang="sl-SI" dirty="0" smtClean="0"/>
-              <a:t>Vhod: Graf G, Prirejanje M</a:t>
-            </a:r>
+              <a:t>S</a:t>
+            </a:r>
+            <a:r>
+              <a:rPr lang="en-US" dirty="0" smtClean="0"/>
+              <a:t> </a:t>
+            </a:r>
+            <a:r>
+              <a:rPr lang="en-US" dirty="0" err="1" smtClean="0"/>
+              <a:t>povečujočo</a:t>
+            </a:r>
+            <a:r>
+              <a:rPr lang="en-US" dirty="0" smtClean="0"/>
+              <a:t> </a:t>
+            </a:r>
+            <a:r>
+              <a:rPr lang="en-US" dirty="0" err="1" smtClean="0"/>
+              <a:t>potjo</a:t>
+            </a:r>
+            <a:r>
+              <a:rPr lang="en-US" dirty="0" smtClean="0"/>
+              <a:t> in </a:t>
+            </a:r>
+            <a:r>
+              <a:rPr lang="en-US" dirty="0" err="1" smtClean="0"/>
+              <a:t>prirejanjem</a:t>
+            </a:r>
+            <a:r>
+              <a:rPr lang="en-US" dirty="0" smtClean="0"/>
+              <a:t> M, z </a:t>
+            </a:r>
+            <a:r>
+              <a:rPr lang="en-US" dirty="0" err="1" smtClean="0"/>
+              <a:t>odstranitvijo</a:t>
+            </a:r>
+            <a:r>
+              <a:rPr lang="en-US" dirty="0" smtClean="0"/>
+              <a:t> </a:t>
+            </a:r>
+            <a:r>
+              <a:rPr lang="en-US" dirty="0" err="1" smtClean="0"/>
+              <a:t>povezav</a:t>
+            </a:r>
+            <a:r>
+              <a:rPr lang="en-US" dirty="0" smtClean="0"/>
+              <a:t> v </a:t>
+            </a:r>
+            <a:r>
+              <a:rPr lang="en-US" dirty="0" err="1" smtClean="0"/>
+              <a:t>prirejanju</a:t>
+            </a:r>
+            <a:r>
+              <a:rPr lang="en-US" dirty="0" smtClean="0"/>
+              <a:t> in z </a:t>
+            </a:r>
+            <a:r>
+              <a:rPr lang="en-US" dirty="0" err="1" smtClean="0"/>
+              <a:t>dodajanjem</a:t>
+            </a:r>
+            <a:r>
+              <a:rPr lang="en-US" dirty="0" smtClean="0"/>
+              <a:t>, </a:t>
+            </a:r>
+            <a:r>
+              <a:rPr lang="en-US" dirty="0" err="1" smtClean="0"/>
+              <a:t>ki</a:t>
+            </a:r>
+            <a:r>
+              <a:rPr lang="en-US" dirty="0" smtClean="0"/>
+              <a:t> </a:t>
+            </a:r>
+            <a:r>
+              <a:rPr lang="en-US" dirty="0" err="1" smtClean="0"/>
+              <a:t>niso</a:t>
+            </a:r>
+            <a:r>
+              <a:rPr lang="en-US" dirty="0" smtClean="0"/>
+              <a:t> v </a:t>
+            </a:r>
+            <a:r>
+              <a:rPr lang="en-US" dirty="0" err="1" smtClean="0"/>
+              <a:t>prirejanju</a:t>
+            </a:r>
+            <a:r>
+              <a:rPr lang="en-US" dirty="0" smtClean="0"/>
+              <a:t> </a:t>
+            </a:r>
+            <a:r>
+              <a:rPr lang="en-US" dirty="0" err="1" smtClean="0"/>
+              <a:t>povečamo</a:t>
+            </a:r>
+            <a:r>
+              <a:rPr lang="en-US" dirty="0" smtClean="0"/>
+              <a:t> </a:t>
+            </a:r>
+            <a:r>
+              <a:rPr lang="en-US" dirty="0" err="1" smtClean="0"/>
+              <a:t>velikost</a:t>
+            </a:r>
+            <a:r>
+              <a:rPr lang="en-US" dirty="0" smtClean="0"/>
+              <a:t> </a:t>
+            </a:r>
+            <a:r>
+              <a:rPr lang="en-US" dirty="0" err="1" smtClean="0"/>
+              <a:t>za</a:t>
+            </a:r>
+            <a:r>
+              <a:rPr lang="en-US" dirty="0" smtClean="0"/>
+              <a:t> 1.</a:t>
+            </a:r>
+            <a:endParaRPr lang="sl-SI" dirty="0" smtClean="0"/>
           </a:p>
           <a:p>
             <a:r>
               <a:rPr lang="sl-SI" dirty="0" smtClean="0"/>
-              <a:t>Izhod: Povečujoča pot, če obstaja, sicer prazna pot.</a:t>
-            </a:r>
-          </a:p>
-          <a:p>
-            <a:r>
-              <a:rPr lang="sl-SI" dirty="0" smtClean="0"/>
-              <a:t>Iskanje poti za povečanje uporablja pomožno podatkovno strukturo gozd F, katerega posamezna drevesa ustrezajo določenim delom grafa G.</a:t>
+              <a:t>Dokaz z indukcijo</a:t>
             </a:r>
             <a:endParaRPr lang="en-US" dirty="0"/>
           </a:p>
@@ -7610,7 +7645,7 @@
     </p:spTree>
     <p:extLst>
       <p:ext uri="{BB962C8B-B14F-4D97-AF65-F5344CB8AC3E}">
-        <p14:creationId xmlns:p14="http://schemas.microsoft.com/office/powerpoint/2010/main" val="3768219319"/>
+        <p14:creationId xmlns:p14="http://schemas.microsoft.com/office/powerpoint/2010/main" val="871783126"/>
       </p:ext>
     </p:extLst>
   </p:cSld>
@@ -7646,6 +7681,101 @@
       </p:grpSpPr>
       <p:sp>
         <p:nvSpPr>
+          <p:cNvPr id="2" name="Naslov 1"/>
+          <p:cNvSpPr>
+            <a:spLocks noGrp="1"/>
+          </p:cNvSpPr>
+          <p:nvPr>
+            <p:ph type="title"/>
+          </p:nvPr>
+        </p:nvSpPr>
+        <p:spPr/>
+        <p:txBody>
+          <a:bodyPr/>
+          <a:lstStyle/>
+          <a:p>
+            <a:r>
+              <a:rPr lang="sl-SI" dirty="0" smtClean="0"/>
+              <a:t>Algoritem</a:t>
+            </a:r>
+            <a:endParaRPr lang="en-US" dirty="0"/>
+          </a:p>
+        </p:txBody>
+      </p:sp>
+      <p:sp>
+        <p:nvSpPr>
+          <p:cNvPr id="3" name="Ograda vsebine 2"/>
+          <p:cNvSpPr>
+            <a:spLocks noGrp="1"/>
+          </p:cNvSpPr>
+          <p:nvPr>
+            <p:ph idx="1"/>
+          </p:nvPr>
+        </p:nvSpPr>
+        <p:spPr/>
+        <p:txBody>
+          <a:bodyPr/>
+          <a:lstStyle/>
+          <a:p>
+            <a:r>
+              <a:rPr lang="sl-SI" dirty="0" smtClean="0"/>
+              <a:t>Vhod: Graf G, Prirejanje M</a:t>
+            </a:r>
+          </a:p>
+          <a:p>
+            <a:r>
+              <a:rPr lang="sl-SI" dirty="0" smtClean="0"/>
+              <a:t>Izhod: Povečujoča pot, če obstaja, sicer prazna pot.</a:t>
+            </a:r>
+          </a:p>
+          <a:p>
+            <a:r>
+              <a:rPr lang="sl-SI" dirty="0" smtClean="0"/>
+              <a:t>Iskanje poti za povečanje uporablja pomožno podatkovno strukturo gozd F, katerega posamezna drevesa ustrezajo določenim delom grafa G.</a:t>
+            </a:r>
+            <a:endParaRPr lang="en-US" dirty="0"/>
+          </a:p>
+        </p:txBody>
+      </p:sp>
+    </p:spTree>
+    <p:extLst>
+      <p:ext uri="{BB962C8B-B14F-4D97-AF65-F5344CB8AC3E}">
+        <p14:creationId xmlns:p14="http://schemas.microsoft.com/office/powerpoint/2010/main" val="3768219319"/>
+      </p:ext>
+    </p:extLst>
+  </p:cSld>
+  <p:clrMapOvr>
+    <a:masterClrMapping/>
+  </p:clrMapOvr>
+  <p:timing>
+    <p:tnLst>
+      <p:par>
+        <p:cTn id="1" dur="indefinite" restart="never" nodeType="tmRoot"/>
+      </p:par>
+    </p:tnLst>
+  </p:timing>
+</p:sld>
+</file>
+
+<file path=ppt/slides/slide14.xml><?xml version="1.0" encoding="utf-8"?>
+<p:sld xmlns:a="http://schemas.openxmlformats.org/drawingml/2006/main" xmlns:r="http://schemas.openxmlformats.org/officeDocument/2006/relationships" xmlns:p="http://schemas.openxmlformats.org/presentationml/2006/main">
+  <p:cSld>
+    <p:spTree>
+      <p:nvGrpSpPr>
+        <p:cNvPr id="1" name=""/>
+        <p:cNvGrpSpPr/>
+        <p:nvPr/>
+      </p:nvGrpSpPr>
+      <p:grpSpPr>
+        <a:xfrm>
+          <a:off x="0" y="0"/>
+          <a:ext cx="0" cy="0"/>
+          <a:chOff x="0" y="0"/>
+          <a:chExt cx="0" cy="0"/>
+        </a:xfrm>
+      </p:grpSpPr>
+      <p:sp>
+        <p:nvSpPr>
           <p:cNvPr id="2" name="Title 1"/>
           <p:cNvSpPr>
             <a:spLocks noGrp="1"/>
@@ -7728,7 +7858,7 @@
 </p:sld>
 </file>
 
-<file path=ppt/slides/slide14.xml><?xml version="1.0" encoding="utf-8"?>
+<file path=ppt/slides/slide15.xml><?xml version="1.0" encoding="utf-8"?>
 <p:sld xmlns:a="http://schemas.openxmlformats.org/drawingml/2006/main" xmlns:r="http://schemas.openxmlformats.org/officeDocument/2006/relationships" xmlns:p="http://schemas.openxmlformats.org/presentationml/2006/main">
   <p:cSld>
     <p:spTree>
@@ -7885,7 +8015,7 @@
 </p:sld>
 </file>
 
-<file path=ppt/slides/slide15.xml><?xml version="1.0" encoding="utf-8"?>
+<file path=ppt/slides/slide16.xml><?xml version="1.0" encoding="utf-8"?>
 <p:sld xmlns:a="http://schemas.openxmlformats.org/drawingml/2006/main" xmlns:r="http://schemas.openxmlformats.org/officeDocument/2006/relationships" xmlns:p="http://schemas.openxmlformats.org/presentationml/2006/main">
   <p:cSld>
     <p:spTree>
@@ -7995,7 +8125,7 @@
 </p:sld>
 </file>
 
-<file path=ppt/slides/slide16.xml><?xml version="1.0" encoding="utf-8"?>
+<file path=ppt/slides/slide17.xml><?xml version="1.0" encoding="utf-8"?>
 <p:sld xmlns:a="http://schemas.openxmlformats.org/drawingml/2006/main" xmlns:r="http://schemas.openxmlformats.org/officeDocument/2006/relationships" xmlns:p="http://schemas.openxmlformats.org/presentationml/2006/main">
   <p:cSld>
     <p:spTree>
@@ -8111,7 +8241,7 @@
 </p:sld>
 </file>
 
-<file path=ppt/slides/slide17.xml><?xml version="1.0" encoding="utf-8"?>
+<file path=ppt/slides/slide18.xml><?xml version="1.0" encoding="utf-8"?>
 <p:sld xmlns:a="http://schemas.openxmlformats.org/drawingml/2006/main" xmlns:r="http://schemas.openxmlformats.org/officeDocument/2006/relationships" xmlns:p="http://schemas.openxmlformats.org/presentationml/2006/main">
   <p:cSld>
     <p:spTree>
@@ -8256,7 +8386,7 @@
 </p:sld>
 </file>
 
-<file path=ppt/slides/slide18.xml><?xml version="1.0" encoding="utf-8"?>
+<file path=ppt/slides/slide19.xml><?xml version="1.0" encoding="utf-8"?>
 <p:sld xmlns:a="http://schemas.openxmlformats.org/drawingml/2006/main" xmlns:r="http://schemas.openxmlformats.org/officeDocument/2006/relationships" xmlns:p="http://schemas.openxmlformats.org/presentationml/2006/main">
   <p:cSld>
     <p:spTree>
@@ -8334,7 +8464,90 @@
 </p:sld>
 </file>
 
-<file path=ppt/slides/slide19.xml><?xml version="1.0" encoding="utf-8"?>
+<file path=ppt/slides/slide2.xml><?xml version="1.0" encoding="utf-8"?>
+<p:sld xmlns:a="http://schemas.openxmlformats.org/drawingml/2006/main" xmlns:r="http://schemas.openxmlformats.org/officeDocument/2006/relationships" xmlns:p="http://schemas.openxmlformats.org/presentationml/2006/main">
+  <p:cSld>
+    <p:spTree>
+      <p:nvGrpSpPr>
+        <p:cNvPr id="1" name=""/>
+        <p:cNvGrpSpPr/>
+        <p:nvPr/>
+      </p:nvGrpSpPr>
+      <p:grpSpPr>
+        <a:xfrm>
+          <a:off x="0" y="0"/>
+          <a:ext cx="0" cy="0"/>
+          <a:chOff x="0" y="0"/>
+          <a:chExt cx="0" cy="0"/>
+        </a:xfrm>
+      </p:grpSpPr>
+      <p:sp>
+        <p:nvSpPr>
+          <p:cNvPr id="2" name="Naslov 1"/>
+          <p:cNvSpPr>
+            <a:spLocks noGrp="1"/>
+          </p:cNvSpPr>
+          <p:nvPr>
+            <p:ph type="title"/>
+          </p:nvPr>
+        </p:nvSpPr>
+        <p:spPr/>
+        <p:txBody>
+          <a:bodyPr/>
+          <a:lstStyle/>
+          <a:p>
+            <a:r>
+              <a:rPr lang="sl-SI" dirty="0" smtClean="0"/>
+              <a:t>Problem</a:t>
+            </a:r>
+            <a:endParaRPr lang="en-US" dirty="0"/>
+          </a:p>
+        </p:txBody>
+      </p:sp>
+      <p:sp>
+        <p:nvSpPr>
+          <p:cNvPr id="3" name="Ograda vsebine 2"/>
+          <p:cNvSpPr>
+            <a:spLocks noGrp="1"/>
+          </p:cNvSpPr>
+          <p:nvPr>
+            <p:ph idx="1"/>
+          </p:nvPr>
+        </p:nvSpPr>
+        <p:spPr/>
+        <p:txBody>
+          <a:bodyPr/>
+          <a:lstStyle/>
+          <a:p>
+            <a:r>
+              <a:rPr lang="sl-SI" dirty="0" smtClean="0"/>
+              <a:t>Določi največjo podmnožico povezav v grafu, tako da nobeno vozlišče ne bo dotaknjeno več kot 1x.</a:t>
+            </a:r>
+            <a:endParaRPr lang="en-US" dirty="0"/>
+          </a:p>
+        </p:txBody>
+      </p:sp>
+    </p:spTree>
+    <p:extLst>
+      <p:ext uri="{BB962C8B-B14F-4D97-AF65-F5344CB8AC3E}">
+        <p14:creationId xmlns:p14="http://schemas.microsoft.com/office/powerpoint/2010/main" val="4290144554"/>
+      </p:ext>
+    </p:extLst>
+  </p:cSld>
+  <p:clrMapOvr>
+    <a:masterClrMapping/>
+  </p:clrMapOvr>
+  <p:timing>
+    <p:tnLst>
+      <p:par>
+        <p:cTn id="1" dur="indefinite" restart="never" nodeType="tmRoot"/>
+      </p:par>
+    </p:tnLst>
+  </p:timing>
+</p:sld>
+</file>
+
+<file path=ppt/slides/slide20.xml><?xml version="1.0" encoding="utf-8"?>
 <p:sld xmlns:a="http://schemas.openxmlformats.org/drawingml/2006/main" xmlns:r="http://schemas.openxmlformats.org/officeDocument/2006/relationships" xmlns:p="http://schemas.openxmlformats.org/presentationml/2006/main">
   <p:cSld>
     <p:spTree>
@@ -8426,90 +8639,7 @@
 </p:sld>
 </file>
 
-<file path=ppt/slides/slide2.xml><?xml version="1.0" encoding="utf-8"?>
-<p:sld xmlns:a="http://schemas.openxmlformats.org/drawingml/2006/main" xmlns:r="http://schemas.openxmlformats.org/officeDocument/2006/relationships" xmlns:p="http://schemas.openxmlformats.org/presentationml/2006/main">
-  <p:cSld>
-    <p:spTree>
-      <p:nvGrpSpPr>
-        <p:cNvPr id="1" name=""/>
-        <p:cNvGrpSpPr/>
-        <p:nvPr/>
-      </p:nvGrpSpPr>
-      <p:grpSpPr>
-        <a:xfrm>
-          <a:off x="0" y="0"/>
-          <a:ext cx="0" cy="0"/>
-          <a:chOff x="0" y="0"/>
-          <a:chExt cx="0" cy="0"/>
-        </a:xfrm>
-      </p:grpSpPr>
-      <p:sp>
-        <p:nvSpPr>
-          <p:cNvPr id="2" name="Naslov 1"/>
-          <p:cNvSpPr>
-            <a:spLocks noGrp="1"/>
-          </p:cNvSpPr>
-          <p:nvPr>
-            <p:ph type="title"/>
-          </p:nvPr>
-        </p:nvSpPr>
-        <p:spPr/>
-        <p:txBody>
-          <a:bodyPr/>
-          <a:lstStyle/>
-          <a:p>
-            <a:r>
-              <a:rPr lang="sl-SI" dirty="0" smtClean="0"/>
-              <a:t>Problem</a:t>
-            </a:r>
-            <a:endParaRPr lang="en-US" dirty="0"/>
-          </a:p>
-        </p:txBody>
-      </p:sp>
-      <p:sp>
-        <p:nvSpPr>
-          <p:cNvPr id="3" name="Ograda vsebine 2"/>
-          <p:cNvSpPr>
-            <a:spLocks noGrp="1"/>
-          </p:cNvSpPr>
-          <p:nvPr>
-            <p:ph idx="1"/>
-          </p:nvPr>
-        </p:nvSpPr>
-        <p:spPr/>
-        <p:txBody>
-          <a:bodyPr/>
-          <a:lstStyle/>
-          <a:p>
-            <a:r>
-              <a:rPr lang="sl-SI" dirty="0" smtClean="0"/>
-              <a:t>Določi največjo podmnožico povezav v grafu, tako da nobeno vozlišče ne bo dotaknjeno več kot 1x.</a:t>
-            </a:r>
-            <a:endParaRPr lang="en-US" dirty="0"/>
-          </a:p>
-        </p:txBody>
-      </p:sp>
-    </p:spTree>
-    <p:extLst>
-      <p:ext uri="{BB962C8B-B14F-4D97-AF65-F5344CB8AC3E}">
-        <p14:creationId xmlns:p14="http://schemas.microsoft.com/office/powerpoint/2010/main" val="4290144554"/>
-      </p:ext>
-    </p:extLst>
-  </p:cSld>
-  <p:clrMapOvr>
-    <a:masterClrMapping/>
-  </p:clrMapOvr>
-  <p:timing>
-    <p:tnLst>
-      <p:par>
-        <p:cTn id="1" dur="indefinite" restart="never" nodeType="tmRoot"/>
-      </p:par>
-    </p:tnLst>
-  </p:timing>
-</p:sld>
-</file>
-
-<file path=ppt/slides/slide20.xml><?xml version="1.0" encoding="utf-8"?>
+<file path=ppt/slides/slide21.xml><?xml version="1.0" encoding="utf-8"?>
 <p:sld xmlns:a="http://schemas.openxmlformats.org/drawingml/2006/main" xmlns:r="http://schemas.openxmlformats.org/officeDocument/2006/relationships" xmlns:p="http://schemas.openxmlformats.org/presentationml/2006/main">
   <p:cSld>
     <p:spTree>
@@ -8625,7 +8755,7 @@
 </p:sld>
 </file>
 
-<file path=ppt/slides/slide21.xml><?xml version="1.0" encoding="utf-8"?>
+<file path=ppt/slides/slide22.xml><?xml version="1.0" encoding="utf-8"?>
 <p:sld xmlns:a="http://schemas.openxmlformats.org/drawingml/2006/main" xmlns:r="http://schemas.openxmlformats.org/officeDocument/2006/relationships" xmlns:p="http://schemas.openxmlformats.org/presentationml/2006/main">
   <p:cSld>
     <p:spTree>
@@ -8763,7 +8893,7 @@
 </p:sld>
 </file>
 
-<file path=ppt/slides/slide22.xml><?xml version="1.0" encoding="utf-8"?>
+<file path=ppt/slides/slide23.xml><?xml version="1.0" encoding="utf-8"?>
 <p:sld xmlns:a="http://schemas.openxmlformats.org/drawingml/2006/main" xmlns:r="http://schemas.openxmlformats.org/officeDocument/2006/relationships" xmlns:p="http://schemas.openxmlformats.org/presentationml/2006/main">
   <p:cSld>
     <p:spTree>
@@ -8859,7 +8989,7 @@
 </p:sld>
 </file>
 
-<file path=ppt/slides/slide23.xml><?xml version="1.0" encoding="utf-8"?>
+<file path=ppt/slides/slide24.xml><?xml version="1.0" encoding="utf-8"?>
 <p:sld xmlns:a="http://schemas.openxmlformats.org/drawingml/2006/main" xmlns:r="http://schemas.openxmlformats.org/officeDocument/2006/relationships" xmlns:p="http://schemas.openxmlformats.org/presentationml/2006/main">
   <p:cSld>
     <p:spTree>
@@ -8985,7 +9115,7 @@
 </p:sld>
 </file>
 
-<file path=ppt/slides/slide24.xml><?xml version="1.0" encoding="utf-8"?>
+<file path=ppt/slides/slide25.xml><?xml version="1.0" encoding="utf-8"?>
 <p:sld xmlns:a="http://schemas.openxmlformats.org/drawingml/2006/main" xmlns:r="http://schemas.openxmlformats.org/officeDocument/2006/relationships" xmlns:p="http://schemas.openxmlformats.org/presentationml/2006/main">
   <p:cSld>
     <p:spTree>
@@ -9142,7 +9272,7 @@
 </p:sld>
 </file>
 
-<file path=ppt/slides/slide25.xml><?xml version="1.0" encoding="utf-8"?>
+<file path=ppt/slides/slide26.xml><?xml version="1.0" encoding="utf-8"?>
 <p:sld xmlns:a="http://schemas.openxmlformats.org/drawingml/2006/main" xmlns:r="http://schemas.openxmlformats.org/officeDocument/2006/relationships" xmlns:p="http://schemas.openxmlformats.org/presentationml/2006/main">
   <p:cSld>
     <p:spTree>
@@ -9299,180 +9429,6 @@
 </p:sld>
 </file>
 
-<file path=ppt/slides/slide26.xml><?xml version="1.0" encoding="utf-8"?>
-<p:sld xmlns:a="http://schemas.openxmlformats.org/drawingml/2006/main" xmlns:r="http://schemas.openxmlformats.org/officeDocument/2006/relationships" xmlns:p="http://schemas.openxmlformats.org/presentationml/2006/main">
-  <p:cSld>
-    <p:spTree>
-      <p:nvGrpSpPr>
-        <p:cNvPr id="1" name=""/>
-        <p:cNvGrpSpPr/>
-        <p:nvPr/>
-      </p:nvGrpSpPr>
-      <p:grpSpPr>
-        <a:xfrm>
-          <a:off x="0" y="0"/>
-          <a:ext cx="0" cy="0"/>
-          <a:chOff x="0" y="0"/>
-          <a:chExt cx="0" cy="0"/>
-        </a:xfrm>
-      </p:grpSpPr>
-      <p:sp>
-        <p:nvSpPr>
-          <p:cNvPr id="2" name="Naslov 1"/>
-          <p:cNvSpPr>
-            <a:spLocks noGrp="1"/>
-          </p:cNvSpPr>
-          <p:nvPr>
-            <p:ph type="title"/>
-          </p:nvPr>
-        </p:nvSpPr>
-        <p:spPr/>
-        <p:txBody>
-          <a:bodyPr/>
-          <a:lstStyle/>
-          <a:p>
-            <a:r>
-              <a:rPr lang="sl-SI" dirty="0" smtClean="0"/>
-              <a:t>Drevo</a:t>
-            </a:r>
-            <a:endParaRPr lang="en-US" dirty="0"/>
-          </a:p>
-        </p:txBody>
-      </p:sp>
-      <p:sp>
-        <p:nvSpPr>
-          <p:cNvPr id="3" name="Ograda vsebine 2"/>
-          <p:cNvSpPr>
-            <a:spLocks noGrp="1"/>
-          </p:cNvSpPr>
-          <p:nvPr>
-            <p:ph idx="1"/>
-          </p:nvPr>
-        </p:nvSpPr>
-        <p:spPr/>
-        <p:txBody>
-          <a:bodyPr/>
-          <a:lstStyle/>
-          <a:p>
-            <a:r>
-              <a:rPr lang="sl-SI" dirty="0"/>
-              <a:t>drevo T v G je izmenično drevo glede na M, </a:t>
-            </a:r>
-            <a:r>
-              <a:rPr lang="sl-SI" dirty="0" smtClean="0"/>
-              <a:t>če</a:t>
-            </a:r>
-          </a:p>
-          <a:p>
-            <a:pPr marL="514350" indent="-514350">
-              <a:buFont typeface="+mj-lt"/>
-              <a:buAutoNum type="alphaLcParenR"/>
-            </a:pPr>
-            <a:r>
-              <a:rPr lang="sl-SI" dirty="0"/>
-              <a:t>T vsebuje točno eno izpostavljeno </a:t>
-            </a:r>
-            <a:r>
-              <a:rPr lang="sl-SI" dirty="0" smtClean="0"/>
-              <a:t>vozlišče r</a:t>
-            </a:r>
-            <a:endParaRPr lang="sl-SI" dirty="0"/>
-          </a:p>
-          <a:p>
-            <a:pPr marL="514350" indent="-514350">
-              <a:buFont typeface="+mj-lt"/>
-              <a:buAutoNum type="alphaLcParenR"/>
-            </a:pPr>
-            <a:r>
-              <a:rPr lang="sl-SI" dirty="0"/>
-              <a:t>vsaka </a:t>
-            </a:r>
-            <a:r>
-              <a:rPr lang="sl-SI" dirty="0" smtClean="0"/>
-              <a:t>točka </a:t>
-            </a:r>
-            <a:r>
-              <a:rPr lang="sl-SI" dirty="0"/>
-              <a:t>na </a:t>
-            </a:r>
-            <a:r>
-              <a:rPr lang="sl-SI" dirty="0" smtClean="0"/>
-              <a:t>neparni razdalji </a:t>
-            </a:r>
-            <a:r>
-              <a:rPr lang="sl-SI" dirty="0"/>
-              <a:t>od korena ima natanko dva </a:t>
-            </a:r>
-            <a:r>
-              <a:rPr lang="sl-SI" dirty="0" err="1"/>
-              <a:t>incidentna</a:t>
-            </a:r>
-            <a:r>
-              <a:rPr lang="sl-SI" dirty="0"/>
-              <a:t> robova v </a:t>
-            </a:r>
-            <a:r>
-              <a:rPr lang="sl-SI" dirty="0" smtClean="0"/>
-              <a:t>T</a:t>
-            </a:r>
-          </a:p>
-          <a:p>
-            <a:pPr marL="514350" indent="-514350">
-              <a:buFont typeface="+mj-lt"/>
-              <a:buAutoNum type="alphaLcParenR"/>
-            </a:pPr>
-            <a:r>
-              <a:rPr lang="sl-SI" dirty="0"/>
-              <a:t>vse poti od r do listov v T imajo </a:t>
-            </a:r>
-            <a:r>
-              <a:rPr lang="sl-SI" dirty="0" smtClean="0"/>
-              <a:t>sode dolžine</a:t>
-            </a:r>
-            <a:r>
-              <a:rPr lang="sl-SI" dirty="0"/>
-              <a:t>, njihovi </a:t>
-            </a:r>
-            <a:r>
-              <a:rPr lang="sl-SI" dirty="0" smtClean="0"/>
-              <a:t>lihi </a:t>
-            </a:r>
-            <a:r>
-              <a:rPr lang="sl-SI" dirty="0"/>
-              <a:t>robovi niso v M, njihovi </a:t>
-            </a:r>
-            <a:r>
-              <a:rPr lang="sl-SI" dirty="0" smtClean="0"/>
-              <a:t>sodi </a:t>
-            </a:r>
-            <a:r>
-              <a:rPr lang="sl-SI" dirty="0"/>
-              <a:t>robovi pa so v M.</a:t>
-            </a:r>
-            <a:endParaRPr lang="sl-SI" dirty="0" smtClean="0"/>
-          </a:p>
-        </p:txBody>
-      </p:sp>
-    </p:spTree>
-    <p:extLst>
-      <p:ext uri="{BB962C8B-B14F-4D97-AF65-F5344CB8AC3E}">
-        <p14:creationId xmlns:p14="http://schemas.microsoft.com/office/powerpoint/2010/main" val="3142657283"/>
-      </p:ext>
-    </p:extLst>
-  </p:cSld>
-  <p:clrMapOvr>
-    <a:masterClrMapping/>
-  </p:clrMapOvr>
-  <p:timing>
-    <p:tnLst>
-      <p:par>
-        <p:cTn id="1" dur="indefinite" restart="never" nodeType="tmRoot"/>
-      </p:par>
-    </p:tnLst>
-  </p:timing>
-</p:sld>
-</file>
-
 <file path=ppt/slides/slide27.xml><?xml version="1.0" encoding="utf-8"?>
 <p:sld xmlns:a="http://schemas.openxmlformats.org/drawingml/2006/main" xmlns:r="http://schemas.openxmlformats.org/officeDocument/2006/relationships" xmlns:p="http://schemas.openxmlformats.org/presentationml/2006/main">
   <p:cSld>
@@ -9492,7 +9448,7 @@
       </p:grpSpPr>
       <p:sp>
         <p:nvSpPr>
-          <p:cNvPr id="2" name="Title 1"/>
+          <p:cNvPr id="2" name="Naslov 1"/>
           <p:cNvSpPr>
             <a:spLocks noGrp="1"/>
           </p:cNvSpPr>
@@ -9507,15 +9463,15 @@
           <a:p>
             <a:r>
               <a:rPr lang="sl-SI" dirty="0" smtClean="0"/>
-              <a:t>Gozd</a:t>
-            </a:r>
-            <a:endParaRPr lang="sl-SI" dirty="0"/>
-          </a:p>
-        </p:txBody>
-      </p:sp>
-      <p:sp>
-        <p:nvSpPr>
-          <p:cNvPr id="7" name="Content Placeholder 6"/>
+              <a:t>Drevo</a:t>
+            </a:r>
+            <a:endParaRPr lang="en-US" dirty="0"/>
+          </a:p>
+        </p:txBody>
+      </p:sp>
+      <p:sp>
+        <p:nvSpPr>
+          <p:cNvPr id="3" name="Ograda vsebine 2"/>
           <p:cNvSpPr>
             <a:spLocks noGrp="1"/>
           </p:cNvSpPr>
@@ -9530,7 +9486,7 @@
           <a:p>
             <a:r>
               <a:rPr lang="sl-SI" dirty="0"/>
-              <a:t>gozd F v G je izmeničen gozd glede na M, </a:t>
+              <a:t>drevo T v G je izmenično drevo glede na M, </a:t>
             </a:r>
             <a:r>
               <a:rPr lang="sl-SI" dirty="0" smtClean="0"/>
@@ -9543,17 +9499,14 @@
               <a:buAutoNum type="alphaLcParenR"/>
             </a:pPr>
             <a:r>
+              <a:rPr lang="sl-SI" dirty="0"/>
+              <a:t>T vsebuje točno eno izpostavljeno </a:t>
+            </a:r>
+            <a:r>
               <a:rPr lang="sl-SI" dirty="0" smtClean="0"/>
-              <a:t>povezane </a:t>
-            </a:r>
-            <a:r>
-              <a:rPr lang="sl-SI" dirty="0"/>
-              <a:t>komponente so izmenično drevesa</a:t>
-            </a:r>
-            <a:r>
-              <a:rPr lang="sl-SI" dirty="0" smtClean="0"/>
-              <a:t>,</a:t>
-            </a:r>
+              <a:t>vozlišče r</a:t>
+            </a:r>
+            <a:endParaRPr lang="sl-SI" dirty="0"/>
           </a:p>
           <a:p>
             <a:pPr marL="514350" indent="-514350">
@@ -9561,24 +9514,36 @@
               <a:buAutoNum type="alphaLcParenR"/>
             </a:pPr>
             <a:r>
+              <a:rPr lang="sl-SI" dirty="0"/>
+              <a:t>vsaka </a:t>
+            </a:r>
+            <a:r>
               <a:rPr lang="sl-SI" dirty="0" smtClean="0"/>
-              <a:t>vsako izpostavljeno </a:t>
+              <a:t>točka </a:t>
             </a:r>
             <a:r>
               <a:rPr lang="sl-SI" dirty="0"/>
-              <a:t>vozlišče v G je koren </a:t>
+              <a:t>na </a:t>
             </a:r>
             <a:r>
               <a:rPr lang="sl-SI" dirty="0" smtClean="0"/>
-              <a:t>izmeničnega </a:t>
+              <a:t>neparni razdalji </a:t>
             </a:r>
             <a:r>
               <a:rPr lang="sl-SI" dirty="0"/>
-              <a:t>drevesa v </a:t>
+              <a:t>od korena ima natanko dva </a:t>
+            </a:r>
+            <a:r>
+              <a:rPr lang="sl-SI" dirty="0" err="1"/>
+              <a:t>incidentna</a:t>
+            </a:r>
+            <a:r>
+              <a:rPr lang="sl-SI" dirty="0"/>
+              <a:t> robova v </a:t>
             </a:r>
             <a:r>
               <a:rPr lang="sl-SI" dirty="0" smtClean="0"/>
-              <a:t>F</a:t>
+              <a:t>T</a:t>
             </a:r>
           </a:p>
           <a:p>
@@ -9586,47 +9551,33 @@
               <a:buFont typeface="+mj-lt"/>
               <a:buAutoNum type="alphaLcParenR"/>
             </a:pPr>
-            <a:endParaRPr lang="sl-SI" dirty="0"/>
-          </a:p>
-          <a:p>
-            <a:pPr marL="0" indent="0">
-              <a:buNone/>
-            </a:pPr>
             <a:r>
               <a:rPr lang="sl-SI" dirty="0"/>
-              <a:t>Gozd F, ki ga </a:t>
+              <a:t>vse poti od r do listov v T imajo </a:t>
             </a:r>
             <a:r>
               <a:rPr lang="sl-SI" dirty="0" smtClean="0"/>
-              <a:t>naredi </a:t>
-            </a:r>
-            <a:r>
-              <a:rPr lang="sl-SI" dirty="0" err="1" smtClean="0"/>
-              <a:t>find</a:t>
+              <a:t>sode dolžine</a:t>
+            </a:r>
+            <a:r>
+              <a:rPr lang="sl-SI" dirty="0"/>
+              <a:t>, njihovi </a:t>
             </a:r>
             <a:r>
               <a:rPr lang="sl-SI" dirty="0" smtClean="0"/>
-              <a:t>_</a:t>
-            </a:r>
-            <a:r>
-              <a:rPr lang="sl-SI" dirty="0" err="1" smtClean="0"/>
-              <a:t>augmenting</a:t>
+              <a:t>lihi </a:t>
+            </a:r>
+            <a:r>
+              <a:rPr lang="sl-SI" dirty="0"/>
+              <a:t>robovi niso v M, njihovi </a:t>
             </a:r>
             <a:r>
               <a:rPr lang="sl-SI" dirty="0" smtClean="0"/>
-              <a:t>_</a:t>
-            </a:r>
-            <a:r>
-              <a:rPr lang="sl-SI" dirty="0" err="1" smtClean="0"/>
-              <a:t>path</a:t>
-            </a:r>
-            <a:r>
-              <a:rPr lang="sl-SI" dirty="0" smtClean="0"/>
-              <a:t>(G,M), </a:t>
+              <a:t>sodi </a:t>
             </a:r>
             <a:r>
               <a:rPr lang="sl-SI" dirty="0"/>
-              <a:t>je izmeničen gozd.</a:t>
+              <a:t>robovi pa so v M.</a:t>
             </a:r>
             <a:endParaRPr lang="sl-SI" dirty="0" smtClean="0"/>
           </a:p>
@@ -9635,7 +9586,7 @@
     </p:spTree>
     <p:extLst>
       <p:ext uri="{BB962C8B-B14F-4D97-AF65-F5344CB8AC3E}">
-        <p14:creationId xmlns:p14="http://schemas.microsoft.com/office/powerpoint/2010/main" val="4285847533"/>
+        <p14:creationId xmlns:p14="http://schemas.microsoft.com/office/powerpoint/2010/main" val="3142657283"/>
       </p:ext>
     </p:extLst>
   </p:cSld>
@@ -9671,6 +9622,185 @@
       </p:grpSpPr>
       <p:sp>
         <p:nvSpPr>
+          <p:cNvPr id="2" name="Title 1"/>
+          <p:cNvSpPr>
+            <a:spLocks noGrp="1"/>
+          </p:cNvSpPr>
+          <p:nvPr>
+            <p:ph type="title"/>
+          </p:nvPr>
+        </p:nvSpPr>
+        <p:spPr/>
+        <p:txBody>
+          <a:bodyPr/>
+          <a:lstStyle/>
+          <a:p>
+            <a:r>
+              <a:rPr lang="sl-SI" dirty="0" smtClean="0"/>
+              <a:t>Gozd</a:t>
+            </a:r>
+            <a:endParaRPr lang="sl-SI" dirty="0"/>
+          </a:p>
+        </p:txBody>
+      </p:sp>
+      <p:sp>
+        <p:nvSpPr>
+          <p:cNvPr id="7" name="Content Placeholder 6"/>
+          <p:cNvSpPr>
+            <a:spLocks noGrp="1"/>
+          </p:cNvSpPr>
+          <p:nvPr>
+            <p:ph idx="1"/>
+          </p:nvPr>
+        </p:nvSpPr>
+        <p:spPr/>
+        <p:txBody>
+          <a:bodyPr/>
+          <a:lstStyle/>
+          <a:p>
+            <a:r>
+              <a:rPr lang="sl-SI" dirty="0"/>
+              <a:t>gozd F v G je izmeničen gozd glede na M, </a:t>
+            </a:r>
+            <a:r>
+              <a:rPr lang="sl-SI" dirty="0" smtClean="0"/>
+              <a:t>če</a:t>
+            </a:r>
+          </a:p>
+          <a:p>
+            <a:pPr marL="514350" indent="-514350">
+              <a:buFont typeface="+mj-lt"/>
+              <a:buAutoNum type="alphaLcParenR"/>
+            </a:pPr>
+            <a:r>
+              <a:rPr lang="sl-SI" dirty="0" smtClean="0"/>
+              <a:t>povezane </a:t>
+            </a:r>
+            <a:r>
+              <a:rPr lang="sl-SI" dirty="0"/>
+              <a:t>komponente so izmenično drevesa</a:t>
+            </a:r>
+            <a:r>
+              <a:rPr lang="sl-SI" dirty="0" smtClean="0"/>
+              <a:t>,</a:t>
+            </a:r>
+          </a:p>
+          <a:p>
+            <a:pPr marL="514350" indent="-514350">
+              <a:buFont typeface="+mj-lt"/>
+              <a:buAutoNum type="alphaLcParenR"/>
+            </a:pPr>
+            <a:r>
+              <a:rPr lang="sl-SI" dirty="0" smtClean="0"/>
+              <a:t>vsako izpostavljeno </a:t>
+            </a:r>
+            <a:r>
+              <a:rPr lang="sl-SI" dirty="0"/>
+              <a:t>vozlišče v G je koren </a:t>
+            </a:r>
+            <a:r>
+              <a:rPr lang="sl-SI" dirty="0" smtClean="0"/>
+              <a:t>izmeničnega </a:t>
+            </a:r>
+            <a:r>
+              <a:rPr lang="sl-SI" dirty="0"/>
+              <a:t>drevesa v </a:t>
+            </a:r>
+            <a:r>
+              <a:rPr lang="sl-SI" dirty="0" smtClean="0"/>
+              <a:t>F</a:t>
+            </a:r>
+          </a:p>
+          <a:p>
+            <a:pPr marL="514350" indent="-514350">
+              <a:buFont typeface="+mj-lt"/>
+              <a:buAutoNum type="alphaLcParenR"/>
+            </a:pPr>
+            <a:endParaRPr lang="sl-SI" dirty="0"/>
+          </a:p>
+          <a:p>
+            <a:pPr marL="0" indent="0">
+              <a:buNone/>
+            </a:pPr>
+            <a:r>
+              <a:rPr lang="sl-SI" dirty="0"/>
+              <a:t>Gozd F, ki ga </a:t>
+            </a:r>
+            <a:r>
+              <a:rPr lang="sl-SI" dirty="0" smtClean="0"/>
+              <a:t>naredi </a:t>
+            </a:r>
+            <a:r>
+              <a:rPr lang="sl-SI" dirty="0" err="1" smtClean="0"/>
+              <a:t>find</a:t>
+            </a:r>
+            <a:r>
+              <a:rPr lang="sl-SI" dirty="0" smtClean="0"/>
+              <a:t>_</a:t>
+            </a:r>
+            <a:r>
+              <a:rPr lang="sl-SI" dirty="0" err="1" smtClean="0"/>
+              <a:t>augmenting</a:t>
+            </a:r>
+            <a:r>
+              <a:rPr lang="sl-SI" dirty="0" smtClean="0"/>
+              <a:t>_</a:t>
+            </a:r>
+            <a:r>
+              <a:rPr lang="sl-SI" dirty="0" err="1" smtClean="0"/>
+              <a:t>path</a:t>
+            </a:r>
+            <a:r>
+              <a:rPr lang="sl-SI" dirty="0" smtClean="0"/>
+              <a:t>(G,M), </a:t>
+            </a:r>
+            <a:r>
+              <a:rPr lang="sl-SI" dirty="0"/>
+              <a:t>je izmeničen gozd.</a:t>
+            </a:r>
+            <a:endParaRPr lang="sl-SI" dirty="0" smtClean="0"/>
+          </a:p>
+        </p:txBody>
+      </p:sp>
+    </p:spTree>
+    <p:extLst>
+      <p:ext uri="{BB962C8B-B14F-4D97-AF65-F5344CB8AC3E}">
+        <p14:creationId xmlns:p14="http://schemas.microsoft.com/office/powerpoint/2010/main" val="4285847533"/>
+      </p:ext>
+    </p:extLst>
+  </p:cSld>
+  <p:clrMapOvr>
+    <a:masterClrMapping/>
+  </p:clrMapOvr>
+  <p:timing>
+    <p:tnLst>
+      <p:par>
+        <p:cTn id="1" dur="indefinite" restart="never" nodeType="tmRoot"/>
+      </p:par>
+    </p:tnLst>
+  </p:timing>
+</p:sld>
+</file>
+
+<file path=ppt/slides/slide29.xml><?xml version="1.0" encoding="utf-8"?>
+<p:sld xmlns:a="http://schemas.openxmlformats.org/drawingml/2006/main" xmlns:r="http://schemas.openxmlformats.org/officeDocument/2006/relationships" xmlns:p="http://schemas.openxmlformats.org/presentationml/2006/main">
+  <p:cSld>
+    <p:spTree>
+      <p:nvGrpSpPr>
+        <p:cNvPr id="1" name=""/>
+        <p:cNvGrpSpPr/>
+        <p:nvPr/>
+      </p:nvGrpSpPr>
+      <p:grpSpPr>
+        <a:xfrm>
+          <a:off x="0" y="0"/>
+          <a:ext cx="0" cy="0"/>
+          <a:chOff x="0" y="0"/>
+          <a:chExt cx="0" cy="0"/>
+        </a:xfrm>
+      </p:grpSpPr>
+      <p:sp>
+        <p:nvSpPr>
           <p:cNvPr id="2" name="Naslov 1"/>
           <p:cNvSpPr>
             <a:spLocks noGrp="1"/>
@@ -9781,7 +9911,124 @@
 </p:sld>
 </file>
 
-<file path=ppt/slides/slide29.xml><?xml version="1.0" encoding="utf-8"?>
+<file path=ppt/slides/slide3.xml><?xml version="1.0" encoding="utf-8"?>
+<p:sld xmlns:a="http://schemas.openxmlformats.org/drawingml/2006/main" xmlns:r="http://schemas.openxmlformats.org/officeDocument/2006/relationships" xmlns:p="http://schemas.openxmlformats.org/presentationml/2006/main">
+  <p:cSld>
+    <p:spTree>
+      <p:nvGrpSpPr>
+        <p:cNvPr id="1" name=""/>
+        <p:cNvGrpSpPr/>
+        <p:nvPr/>
+      </p:nvGrpSpPr>
+      <p:grpSpPr>
+        <a:xfrm>
+          <a:off x="0" y="0"/>
+          <a:ext cx="0" cy="0"/>
+          <a:chOff x="0" y="0"/>
+          <a:chExt cx="0" cy="0"/>
+        </a:xfrm>
+      </p:grpSpPr>
+      <p:sp>
+        <p:nvSpPr>
+          <p:cNvPr id="2" name="Naslov 1"/>
+          <p:cNvSpPr>
+            <a:spLocks noGrp="1"/>
+          </p:cNvSpPr>
+          <p:nvPr>
+            <p:ph type="title"/>
+          </p:nvPr>
+        </p:nvSpPr>
+        <p:spPr/>
+        <p:txBody>
+          <a:bodyPr/>
+          <a:lstStyle/>
+          <a:p>
+            <a:endParaRPr lang="en-US" dirty="0"/>
+          </a:p>
+        </p:txBody>
+      </p:sp>
+      <p:sp>
+        <p:nvSpPr>
+          <p:cNvPr id="3" name="Ograda vsebine 2"/>
+          <p:cNvSpPr>
+            <a:spLocks noGrp="1"/>
+          </p:cNvSpPr>
+          <p:nvPr>
+            <p:ph idx="1"/>
+          </p:nvPr>
+        </p:nvSpPr>
+        <p:spPr/>
+        <p:txBody>
+          <a:bodyPr/>
+          <a:lstStyle/>
+          <a:p>
+            <a:r>
+              <a:rPr lang="en-US" dirty="0" err="1" smtClean="0"/>
+              <a:t>Algoritem</a:t>
+            </a:r>
+            <a:r>
+              <a:rPr lang="en-US" dirty="0" smtClean="0"/>
+              <a:t> je </a:t>
+            </a:r>
+            <a:r>
+              <a:rPr lang="en-US" dirty="0" err="1" smtClean="0"/>
+              <a:t>razvil</a:t>
+            </a:r>
+            <a:r>
+              <a:rPr lang="en-US" dirty="0" smtClean="0"/>
+              <a:t> Jack Edmonds </a:t>
+            </a:r>
+            <a:r>
+              <a:rPr lang="en-US" dirty="0" err="1" smtClean="0"/>
+              <a:t>leta</a:t>
+            </a:r>
+            <a:r>
+              <a:rPr lang="en-US" dirty="0" smtClean="0"/>
+              <a:t> 1961</a:t>
+            </a:r>
+            <a:r>
+              <a:rPr lang="sl-SI" dirty="0" smtClean="0"/>
+              <a:t>, objavljen je bil 1965.</a:t>
+            </a:r>
+          </a:p>
+          <a:p>
+            <a:r>
+              <a:rPr lang="sl-SI" dirty="0" smtClean="0"/>
+              <a:t>Prvi algoritem, ki išče maksimalno prirejanje v polinomskem času.</a:t>
+            </a:r>
+          </a:p>
+          <a:p>
+            <a:r>
+              <a:rPr lang="sl-SI" dirty="0" smtClean="0"/>
+              <a:t>Algoritem, ki dela na vseh grafih.</a:t>
+            </a:r>
+          </a:p>
+          <a:p>
+            <a:endParaRPr lang="en-US" dirty="0"/>
+          </a:p>
+        </p:txBody>
+      </p:sp>
+    </p:spTree>
+    <p:extLst>
+      <p:ext uri="{BB962C8B-B14F-4D97-AF65-F5344CB8AC3E}">
+        <p14:creationId xmlns:p14="http://schemas.microsoft.com/office/powerpoint/2010/main" val="3706668536"/>
+      </p:ext>
+    </p:extLst>
+  </p:cSld>
+  <p:clrMapOvr>
+    <a:masterClrMapping/>
+  </p:clrMapOvr>
+  <p:timing>
+    <p:tnLst>
+      <p:par>
+        <p:cTn id="1" dur="indefinite" restart="never" nodeType="tmRoot"/>
+      </p:par>
+    </p:tnLst>
+  </p:timing>
+</p:sld>
+</file>
+
+<file path=ppt/slides/slide30.xml><?xml version="1.0" encoding="utf-8"?>
 <p:sld xmlns:a="http://schemas.openxmlformats.org/drawingml/2006/main" xmlns:r="http://schemas.openxmlformats.org/officeDocument/2006/relationships" xmlns:p="http://schemas.openxmlformats.org/presentationml/2006/main">
   <p:cSld>
     <p:spTree>
@@ -9923,124 +10170,7 @@
 </p:sld>
 </file>
 
-<file path=ppt/slides/slide3.xml><?xml version="1.0" encoding="utf-8"?>
-<p:sld xmlns:a="http://schemas.openxmlformats.org/drawingml/2006/main" xmlns:r="http://schemas.openxmlformats.org/officeDocument/2006/relationships" xmlns:p="http://schemas.openxmlformats.org/presentationml/2006/main">
-  <p:cSld>
-    <p:spTree>
-      <p:nvGrpSpPr>
-        <p:cNvPr id="1" name=""/>
-        <p:cNvGrpSpPr/>
-        <p:nvPr/>
-      </p:nvGrpSpPr>
-      <p:grpSpPr>
-        <a:xfrm>
-          <a:off x="0" y="0"/>
-          <a:ext cx="0" cy="0"/>
-          <a:chOff x="0" y="0"/>
-          <a:chExt cx="0" cy="0"/>
-        </a:xfrm>
-      </p:grpSpPr>
-      <p:sp>
-        <p:nvSpPr>
-          <p:cNvPr id="2" name="Naslov 1"/>
-          <p:cNvSpPr>
-            <a:spLocks noGrp="1"/>
-          </p:cNvSpPr>
-          <p:nvPr>
-            <p:ph type="title"/>
-          </p:nvPr>
-        </p:nvSpPr>
-        <p:spPr/>
-        <p:txBody>
-          <a:bodyPr/>
-          <a:lstStyle/>
-          <a:p>
-            <a:endParaRPr lang="en-US" dirty="0"/>
-          </a:p>
-        </p:txBody>
-      </p:sp>
-      <p:sp>
-        <p:nvSpPr>
-          <p:cNvPr id="3" name="Ograda vsebine 2"/>
-          <p:cNvSpPr>
-            <a:spLocks noGrp="1"/>
-          </p:cNvSpPr>
-          <p:nvPr>
-            <p:ph idx="1"/>
-          </p:nvPr>
-        </p:nvSpPr>
-        <p:spPr/>
-        <p:txBody>
-          <a:bodyPr/>
-          <a:lstStyle/>
-          <a:p>
-            <a:r>
-              <a:rPr lang="en-US" dirty="0" err="1" smtClean="0"/>
-              <a:t>Algoritem</a:t>
-            </a:r>
-            <a:r>
-              <a:rPr lang="en-US" dirty="0" smtClean="0"/>
-              <a:t> je </a:t>
-            </a:r>
-            <a:r>
-              <a:rPr lang="en-US" dirty="0" err="1" smtClean="0"/>
-              <a:t>razvil</a:t>
-            </a:r>
-            <a:r>
-              <a:rPr lang="en-US" dirty="0" smtClean="0"/>
-              <a:t> Jack Edmonds </a:t>
-            </a:r>
-            <a:r>
-              <a:rPr lang="en-US" dirty="0" err="1" smtClean="0"/>
-              <a:t>leta</a:t>
-            </a:r>
-            <a:r>
-              <a:rPr lang="en-US" dirty="0" smtClean="0"/>
-              <a:t> 1961</a:t>
-            </a:r>
-            <a:r>
-              <a:rPr lang="sl-SI" dirty="0" smtClean="0"/>
-              <a:t>, objavljen je bil 1965.</a:t>
-            </a:r>
-          </a:p>
-          <a:p>
-            <a:r>
-              <a:rPr lang="sl-SI" dirty="0" smtClean="0"/>
-              <a:t>Prvi algoritem, ki išče maksimalno prirejanje v polinomskem času.</a:t>
-            </a:r>
-          </a:p>
-          <a:p>
-            <a:r>
-              <a:rPr lang="sl-SI" dirty="0" smtClean="0"/>
-              <a:t>Algoritem, ki dela na vseh grafih.</a:t>
-            </a:r>
-          </a:p>
-          <a:p>
-            <a:endParaRPr lang="en-US" dirty="0"/>
-          </a:p>
-        </p:txBody>
-      </p:sp>
-    </p:spTree>
-    <p:extLst>
-      <p:ext uri="{BB962C8B-B14F-4D97-AF65-F5344CB8AC3E}">
-        <p14:creationId xmlns:p14="http://schemas.microsoft.com/office/powerpoint/2010/main" val="3706668536"/>
-      </p:ext>
-    </p:extLst>
-  </p:cSld>
-  <p:clrMapOvr>
-    <a:masterClrMapping/>
-  </p:clrMapOvr>
-  <p:timing>
-    <p:tnLst>
-      <p:par>
-        <p:cTn id="1" dur="indefinite" restart="never" nodeType="tmRoot"/>
-      </p:par>
-    </p:tnLst>
-  </p:timing>
-</p:sld>
-</file>
-
-<file path=ppt/slides/slide30.xml><?xml version="1.0" encoding="utf-8"?>
+<file path=ppt/slides/slide31.xml><?xml version="1.0" encoding="utf-8"?>
 <p:sld xmlns:a="http://schemas.openxmlformats.org/drawingml/2006/main" xmlns:r="http://schemas.openxmlformats.org/officeDocument/2006/relationships" xmlns:p="http://schemas.openxmlformats.org/presentationml/2006/main">
   <p:cSld>
     <p:spTree>
@@ -10257,7 +10387,7 @@
 </p:sld>
 </file>
 
-<file path=ppt/slides/slide31.xml><?xml version="1.0" encoding="utf-8"?>
+<file path=ppt/slides/slide32.xml><?xml version="1.0" encoding="utf-8"?>
 <p:sld xmlns:a="http://schemas.openxmlformats.org/drawingml/2006/main" xmlns:r="http://schemas.openxmlformats.org/officeDocument/2006/relationships" xmlns:p="http://schemas.openxmlformats.org/presentationml/2006/main">
   <p:cSld>
     <p:spTree>
@@ -10439,7 +10569,7 @@
 </p:sld>
 </file>
 
-<file path=ppt/slides/slide32.xml><?xml version="1.0" encoding="utf-8"?>
+<file path=ppt/slides/slide33.xml><?xml version="1.0" encoding="utf-8"?>
 <p:sld xmlns:a="http://schemas.openxmlformats.org/drawingml/2006/main" xmlns:r="http://schemas.openxmlformats.org/officeDocument/2006/relationships" xmlns:p="http://schemas.openxmlformats.org/presentationml/2006/main">
   <p:cSld>
     <p:spTree>
@@ -10531,7 +10661,7 @@
 </p:sld>
 </file>
 
-<file path=ppt/slides/slide33.xml><?xml version="1.0" encoding="utf-8"?>
+<file path=ppt/slides/slide34.xml><?xml version="1.0" encoding="utf-8"?>
 <p:sld xmlns:a="http://schemas.openxmlformats.org/drawingml/2006/main" xmlns:r="http://schemas.openxmlformats.org/officeDocument/2006/relationships" xmlns:p="http://schemas.openxmlformats.org/presentationml/2006/main">
   <p:cSld>
     <p:spTree>
@@ -10694,7 +10824,7 @@
 </p:sld>
 </file>
 
-<file path=ppt/slides/slide34.xml><?xml version="1.0" encoding="utf-8"?>
+<file path=ppt/slides/slide35.xml><?xml version="1.0" encoding="utf-8"?>
 <p:sld xmlns:a="http://schemas.openxmlformats.org/drawingml/2006/main" xmlns:r="http://schemas.openxmlformats.org/officeDocument/2006/relationships" xmlns:p="http://schemas.openxmlformats.org/presentationml/2006/main">
   <p:cSld>
     <p:spTree>
@@ -10810,7 +10940,7 @@
 </p:sld>
 </file>
 
-<file path=ppt/slides/slide35.xml><?xml version="1.0" encoding="utf-8"?>
+<file path=ppt/slides/slide36.xml><?xml version="1.0" encoding="utf-8"?>
 <p:sld xmlns:a="http://schemas.openxmlformats.org/drawingml/2006/main" xmlns:r="http://schemas.openxmlformats.org/officeDocument/2006/relationships" xmlns:p="http://schemas.openxmlformats.org/presentationml/2006/main">
   <p:cSld>
     <p:spTree>
@@ -11034,7 +11164,7 @@
 </p:sld>
 </file>
 
-<file path=ppt/slides/slide36.xml><?xml version="1.0" encoding="utf-8"?>
+<file path=ppt/slides/slide37.xml><?xml version="1.0" encoding="utf-8"?>
 <p:sld xmlns:a="http://schemas.openxmlformats.org/drawingml/2006/main" xmlns:r="http://schemas.openxmlformats.org/officeDocument/2006/relationships" xmlns:p="http://schemas.openxmlformats.org/presentationml/2006/main">
   <p:cSld>
     <p:spTree>
@@ -11068,7 +11198,7 @@
           <a:p>
             <a:r>
               <a:rPr lang="sl-SI" dirty="0" smtClean="0"/>
-              <a:t>Viri</a:t>
+              <a:t>Viri gradiv, slik</a:t>
             </a:r>
             <a:endParaRPr lang="en-US" dirty="0"/>
           </a:p>
@@ -11175,9 +11305,26 @@
             <a:endParaRPr lang="sl-SI" dirty="0" smtClean="0"/>
           </a:p>
           <a:p>
-            <a:endParaRPr lang="sl-SI" dirty="0" smtClean="0"/>
-          </a:p>
-          <a:p>
+            <a:r>
+              <a:rPr lang="sl-SI" dirty="0">
+                <a:hlinkClick r:id="rId10"/>
+              </a:rPr>
+              <a:t>http://slideplayer.com/slide/10831654</a:t>
+            </a:r>
+            <a:r>
+              <a:rPr lang="sl-SI" dirty="0" smtClean="0">
+                <a:hlinkClick r:id="rId10"/>
+              </a:rPr>
+              <a:t>/</a:t>
+            </a:r>
+            <a:r>
+              <a:rPr lang="sl-SI" dirty="0"/>
+              <a:t> </a:t>
+            </a:r>
+            <a:r>
+              <a:rPr lang="sl-SI" dirty="0" smtClean="0"/>
+              <a:t>(stran 77-84)</a:t>
+            </a:r>
             <a:r>
               <a:rPr lang="sl-SI" dirty="0" smtClean="0"/>
               <a:t/>
@@ -11190,7 +11337,7 @@
           <a:p>
             <a:r>
               <a:rPr lang="en-US" dirty="0" smtClean="0">
-                <a:hlinkClick r:id="rId10"/>
+                <a:hlinkClick r:id="rId11"/>
               </a:rPr>
               <a:t>http://demonstrations.wolfram.com/TheBlossomAlgorithmForMaximumMatching/</a:t>
             </a:r>
@@ -11199,13 +11346,13 @@
           <a:p>
             <a:r>
               <a:rPr lang="en-US" dirty="0">
-                <a:hlinkClick r:id="rId11"/>
+                <a:hlinkClick r:id="rId12"/>
               </a:rPr>
               <a:t>https://</a:t>
             </a:r>
             <a:r>
               <a:rPr lang="en-US" dirty="0" smtClean="0">
-                <a:hlinkClick r:id="rId11"/>
+                <a:hlinkClick r:id="rId12"/>
               </a:rPr>
               <a:t>github.com/amyshoe/CME323-Project</a:t>
             </a:r>
@@ -11495,11 +11642,7 @@
             </a:r>
             <a:r>
               <a:rPr lang="en-US" dirty="0" smtClean="0"/>
-              <a:t> |M| &gt;= |M</a:t>
-            </a:r>
-            <a:r>
-              <a:rPr lang="en-US" dirty="0" smtClean="0"/>
-              <a:t>'|.</a:t>
+              <a:t> |M| &gt;= |M'|.</a:t>
             </a:r>
             <a:endParaRPr lang="sl-SI" dirty="0" smtClean="0"/>
           </a:p>
@@ -11749,10 +11892,63 @@
         </p:nvSpPr>
         <p:spPr/>
         <p:txBody>
-          <a:bodyPr/>
-          <a:lstStyle/>
-          <a:p>
-            <a:endParaRPr lang="en-US"/>
+          <a:bodyPr>
+            <a:normAutofit fontScale="92500" lnSpcReduction="10000"/>
+          </a:bodyPr>
+          <a:lstStyle/>
+          <a:p>
+            <a:r>
+              <a:rPr lang="en-US" dirty="0">
+                <a:hlinkClick r:id="rId2"/>
+              </a:rPr>
+              <a:t>http://</a:t>
+            </a:r>
+            <a:r>
+              <a:rPr lang="en-US" dirty="0" smtClean="0">
+                <a:hlinkClick r:id="rId2"/>
+              </a:rPr>
+              <a:t>images.slideplayer.com/38/10831654/slides/slid</a:t>
+            </a:r>
+            <a:endParaRPr lang="sl-SI" dirty="0" smtClean="0"/>
+          </a:p>
+          <a:p>
+            <a:endParaRPr lang="sl-SI" dirty="0"/>
+          </a:p>
+          <a:p>
+            <a:endParaRPr lang="sl-SI" dirty="0" smtClean="0"/>
+          </a:p>
+          <a:p>
+            <a:endParaRPr lang="sl-SI" dirty="0"/>
+          </a:p>
+          <a:p>
+            <a:endParaRPr lang="sl-SI" dirty="0" smtClean="0"/>
+          </a:p>
+          <a:p>
+            <a:endParaRPr lang="sl-SI" dirty="0"/>
+          </a:p>
+          <a:p>
+            <a:endParaRPr lang="sl-SI" dirty="0" smtClean="0"/>
+          </a:p>
+          <a:p>
+            <a:endParaRPr lang="sl-SI" dirty="0"/>
+          </a:p>
+          <a:p>
+            <a:endParaRPr lang="sl-SI" dirty="0" smtClean="0"/>
+          </a:p>
+          <a:p>
+            <a:r>
+              <a:rPr lang="en-US" dirty="0">
+                <a:hlinkClick r:id="rId3"/>
+              </a:rPr>
+              <a:t>http://</a:t>
+            </a:r>
+            <a:r>
+              <a:rPr lang="en-US" dirty="0" smtClean="0">
+                <a:hlinkClick r:id="rId3"/>
+              </a:rPr>
+              <a:t>images.slideplayer.com/38/10831654/slides/slide_79.jpg</a:t>
+            </a:r>
+            <a:endParaRPr lang="sl-SI" dirty="0" smtClean="0"/>
           </a:p>
         </p:txBody>
       </p:sp>
@@ -11765,7 +11961,7 @@
           <p:nvPr/>
         </p:nvPicPr>
         <p:blipFill>
-          <a:blip r:embed="rId2">
+          <a:blip r:embed="rId4">
             <a:extLst>
               <a:ext uri="{28A0092B-C50C-407E-A947-70E740481C1C}">
                 <a14:useLocalDpi xmlns:a14="http://schemas.microsoft.com/office/drawing/2010/main" val="0"/>
@@ -11779,7 +11975,7 @@
         </p:blipFill>
         <p:spPr bwMode="auto">
           <a:xfrm>
-            <a:off x="793679" y="1574304"/>
+            <a:off x="556253" y="1085393"/>
             <a:ext cx="7629525" cy="4010025"/>
           </a:xfrm>
           <a:prstGeom prst="rect">
@@ -11831,6 +12027,167 @@
 </file>
 
 <file path=ppt/slides/slide7.xml><?xml version="1.0" encoding="utf-8"?>
+<p:sld xmlns:a="http://schemas.openxmlformats.org/drawingml/2006/main" xmlns:r="http://schemas.openxmlformats.org/officeDocument/2006/relationships" xmlns:p="http://schemas.openxmlformats.org/presentationml/2006/main">
+  <p:cSld>
+    <p:spTree>
+      <p:nvGrpSpPr>
+        <p:cNvPr id="1" name=""/>
+        <p:cNvGrpSpPr/>
+        <p:nvPr/>
+      </p:nvGrpSpPr>
+      <p:grpSpPr>
+        <a:xfrm>
+          <a:off x="0" y="0"/>
+          <a:ext cx="0" cy="0"/>
+          <a:chOff x="0" y="0"/>
+          <a:chExt cx="0" cy="0"/>
+        </a:xfrm>
+      </p:grpSpPr>
+      <p:sp>
+        <p:nvSpPr>
+          <p:cNvPr id="2" name="Naslov 1"/>
+          <p:cNvSpPr>
+            <a:spLocks noGrp="1"/>
+          </p:cNvSpPr>
+          <p:nvPr>
+            <p:ph type="title"/>
+          </p:nvPr>
+        </p:nvSpPr>
+        <p:spPr/>
+        <p:txBody>
+          <a:bodyPr/>
+          <a:lstStyle/>
+          <a:p>
+            <a:endParaRPr lang="sl-SI"/>
+          </a:p>
+        </p:txBody>
+      </p:sp>
+      <p:sp>
+        <p:nvSpPr>
+          <p:cNvPr id="3" name="Ograda vsebine 2"/>
+          <p:cNvSpPr>
+            <a:spLocks noGrp="1"/>
+          </p:cNvSpPr>
+          <p:nvPr>
+            <p:ph idx="1"/>
+          </p:nvPr>
+        </p:nvSpPr>
+        <p:spPr/>
+        <p:txBody>
+          <a:bodyPr/>
+          <a:lstStyle/>
+          <a:p>
+            <a:endParaRPr lang="sl-SI" dirty="0" smtClean="0"/>
+          </a:p>
+          <a:p>
+            <a:endParaRPr lang="sl-SI" dirty="0"/>
+          </a:p>
+          <a:p>
+            <a:endParaRPr lang="sl-SI" dirty="0" smtClean="0"/>
+          </a:p>
+          <a:p>
+            <a:endParaRPr lang="sl-SI" dirty="0"/>
+          </a:p>
+          <a:p>
+            <a:endParaRPr lang="sl-SI" dirty="0" smtClean="0"/>
+          </a:p>
+          <a:p>
+            <a:endParaRPr lang="sl-SI" dirty="0"/>
+          </a:p>
+          <a:p>
+            <a:endParaRPr lang="sl-SI" dirty="0" smtClean="0"/>
+          </a:p>
+          <a:p>
+            <a:endParaRPr lang="sl-SI" dirty="0"/>
+          </a:p>
+          <a:p>
+            <a:r>
+              <a:rPr lang="sl-SI" dirty="0">
+                <a:hlinkClick r:id="rId2"/>
+              </a:rPr>
+              <a:t>http://</a:t>
+            </a:r>
+            <a:r>
+              <a:rPr lang="sl-SI" dirty="0" smtClean="0">
+                <a:hlinkClick r:id="rId2"/>
+              </a:rPr>
+              <a:t>images.slideplayer.com/38/10831654/slides/slide_80.jpg</a:t>
+            </a:r>
+            <a:endParaRPr lang="sl-SI" dirty="0" smtClean="0"/>
+          </a:p>
+          <a:p>
+            <a:endParaRPr lang="sl-SI" dirty="0"/>
+          </a:p>
+        </p:txBody>
+      </p:sp>
+      <p:pic>
+        <p:nvPicPr>
+          <p:cNvPr id="1026" name="Picture 2"/>
+          <p:cNvPicPr>
+            <a:picLocks noChangeAspect="1" noChangeArrowheads="1"/>
+          </p:cNvPicPr>
+          <p:nvPr/>
+        </p:nvPicPr>
+        <p:blipFill>
+          <a:blip r:embed="rId3">
+            <a:extLst>
+              <a:ext uri="{28A0092B-C50C-407E-A947-70E740481C1C}">
+                <a14:useLocalDpi xmlns:a14="http://schemas.microsoft.com/office/drawing/2010/main" val="0"/>
+              </a:ext>
+            </a:extLst>
+          </a:blip>
+          <a:srcRect/>
+          <a:stretch>
+            <a:fillRect/>
+          </a:stretch>
+        </p:blipFill>
+        <p:spPr bwMode="auto">
+          <a:xfrm>
+            <a:off x="1259632" y="332656"/>
+            <a:ext cx="6228184" cy="4671138"/>
+          </a:xfrm>
+          <a:prstGeom prst="rect">
+            <a:avLst/>
+          </a:prstGeom>
+          <a:noFill/>
+          <a:ln>
+            <a:noFill/>
+          </a:ln>
+          <a:extLst>
+            <a:ext uri="{909E8E84-426E-40DD-AFC4-6F175D3DCCD1}">
+              <a14:hiddenFill xmlns:a14="http://schemas.microsoft.com/office/drawing/2010/main">
+                <a:solidFill>
+                  <a:schemeClr val="accent1"/>
+                </a:solidFill>
+              </a14:hiddenFill>
+            </a:ext>
+            <a:ext uri="{91240B29-F687-4F45-9708-019B960494DF}">
+              <a14:hiddenLine xmlns:a14="http://schemas.microsoft.com/office/drawing/2010/main" w="9525">
+                <a:solidFill>
+                  <a:schemeClr val="tx1"/>
+                </a:solidFill>
+                <a:miter lim="800000"/>
+                <a:headEnd/>
+                <a:tailEnd/>
+              </a14:hiddenLine>
+            </a:ext>
+          </a:extLst>
+        </p:spPr>
+      </p:pic>
+    </p:spTree>
+    <p:extLst>
+      <p:ext uri="{BB962C8B-B14F-4D97-AF65-F5344CB8AC3E}">
+        <p14:creationId xmlns:p14="http://schemas.microsoft.com/office/powerpoint/2010/main" val="3463234146"/>
+      </p:ext>
+    </p:extLst>
+  </p:cSld>
+  <p:clrMapOvr>
+    <a:masterClrMapping/>
+  </p:clrMapOvr>
+</p:sld>
+</file>
+
+<file path=ppt/slides/slide8.xml><?xml version="1.0" encoding="utf-8"?>
 <p:sld xmlns:a="http://schemas.openxmlformats.org/drawingml/2006/main" xmlns:r="http://schemas.openxmlformats.org/officeDocument/2006/relationships" xmlns:p="http://schemas.openxmlformats.org/presentationml/2006/main">
   <p:cSld>
     <p:spTree>
@@ -11982,143 +12339,6 @@
 </p:sld>
 </file>
 
-<file path=ppt/slides/slide8.xml><?xml version="1.0" encoding="utf-8"?>
-<p:sld xmlns:a="http://schemas.openxmlformats.org/drawingml/2006/main" xmlns:r="http://schemas.openxmlformats.org/officeDocument/2006/relationships" xmlns:p="http://schemas.openxmlformats.org/presentationml/2006/main">
-  <p:cSld>
-    <p:spTree>
-      <p:nvGrpSpPr>
-        <p:cNvPr id="1" name=""/>
-        <p:cNvGrpSpPr/>
-        <p:nvPr/>
-      </p:nvGrpSpPr>
-      <p:grpSpPr>
-        <a:xfrm>
-          <a:off x="0" y="0"/>
-          <a:ext cx="0" cy="0"/>
-          <a:chOff x="0" y="0"/>
-          <a:chExt cx="0" cy="0"/>
-        </a:xfrm>
-      </p:grpSpPr>
-      <p:sp>
-        <p:nvSpPr>
-          <p:cNvPr id="2" name="Naslov 1"/>
-          <p:cNvSpPr>
-            <a:spLocks noGrp="1"/>
-          </p:cNvSpPr>
-          <p:nvPr>
-            <p:ph type="title"/>
-          </p:nvPr>
-        </p:nvSpPr>
-        <p:spPr/>
-        <p:txBody>
-          <a:bodyPr>
-            <a:normAutofit/>
-          </a:bodyPr>
-          <a:lstStyle/>
-          <a:p>
-            <a:r>
-              <a:rPr lang="sl-SI" dirty="0" smtClean="0"/>
-              <a:t>Iskanje </a:t>
-            </a:r>
-            <a:r>
-              <a:rPr lang="sl-SI" dirty="0" err="1" smtClean="0"/>
-              <a:t>blossomov</a:t>
-            </a:r>
-            <a:endParaRPr lang="en-US" dirty="0"/>
-          </a:p>
-        </p:txBody>
-      </p:sp>
-      <p:sp>
-        <p:nvSpPr>
-          <p:cNvPr id="3" name="Ograda vsebine 2"/>
-          <p:cNvSpPr>
-            <a:spLocks noGrp="1"/>
-          </p:cNvSpPr>
-          <p:nvPr>
-            <p:ph idx="1"/>
-          </p:nvPr>
-        </p:nvSpPr>
-        <p:spPr/>
-        <p:txBody>
-          <a:bodyPr/>
-          <a:lstStyle/>
-          <a:p>
-            <a:pPr marL="514350" indent="-514350">
-              <a:buFont typeface="+mj-lt"/>
-              <a:buAutoNum type="arabicPeriod"/>
-            </a:pPr>
-            <a:r>
-              <a:rPr lang="sl-SI" dirty="0" smtClean="0"/>
-              <a:t>Preglej graf, začni v izpostavljenem vozlišču</a:t>
-            </a:r>
-          </a:p>
-          <a:p>
-            <a:pPr marL="514350" indent="-514350">
-              <a:buFont typeface="+mj-lt"/>
-              <a:buAutoNum type="arabicPeriod"/>
-            </a:pPr>
-            <a:r>
-              <a:rPr lang="sl-SI" dirty="0" smtClean="0"/>
-              <a:t>Začetnega označi z „o“</a:t>
-            </a:r>
-          </a:p>
-          <a:p>
-            <a:pPr marL="514350" indent="-514350">
-              <a:buFont typeface="+mj-lt"/>
-              <a:buAutoNum type="arabicPeriod"/>
-            </a:pPr>
-            <a:r>
-              <a:rPr lang="sl-SI" dirty="0" err="1" smtClean="0"/>
-              <a:t>Alternirajoče</a:t>
-            </a:r>
-            <a:r>
-              <a:rPr lang="sl-SI" dirty="0" smtClean="0"/>
-              <a:t> označi z „i“ in „o“</a:t>
-            </a:r>
-          </a:p>
-          <a:p>
-            <a:pPr marL="514350" indent="-514350">
-              <a:buFont typeface="+mj-lt"/>
-              <a:buAutoNum type="arabicPeriod"/>
-            </a:pPr>
-            <a:r>
-              <a:rPr lang="sl-SI" dirty="0" smtClean="0"/>
-              <a:t>Če sta končna 2 označena z „o“ je </a:t>
-            </a:r>
-            <a:r>
-              <a:rPr lang="sl-SI" dirty="0" err="1" smtClean="0"/>
-              <a:t>blossom</a:t>
-            </a:r>
-            <a:r>
-              <a:rPr lang="sl-SI" dirty="0" smtClean="0"/>
-              <a:t>.</a:t>
-            </a:r>
-          </a:p>
-          <a:p>
-            <a:endParaRPr lang="en-US" dirty="0"/>
-          </a:p>
-        </p:txBody>
-      </p:sp>
-    </p:spTree>
-    <p:extLst>
-      <p:ext uri="{BB962C8B-B14F-4D97-AF65-F5344CB8AC3E}">
-        <p14:creationId xmlns:p14="http://schemas.microsoft.com/office/powerpoint/2010/main" val="4118538121"/>
-      </p:ext>
-    </p:extLst>
-  </p:cSld>
-  <p:clrMapOvr>
-    <a:masterClrMapping/>
-  </p:clrMapOvr>
-  <p:timing>
-    <p:tnLst>
-      <p:par>
-        <p:cTn id="1" dur="indefinite" restart="never" nodeType="tmRoot"/>
-      </p:par>
-    </p:tnLst>
-  </p:timing>
-</p:sld>
-</file>
-
 <file path=ppt/slides/slide9.xml><?xml version="1.0" encoding="utf-8"?>
 <p:sld xmlns:a="http://schemas.openxmlformats.org/drawingml/2006/main" xmlns:r="http://schemas.openxmlformats.org/officeDocument/2006/relationships" xmlns:p="http://schemas.openxmlformats.org/presentationml/2006/main">
   <p:cSld>
@@ -12148,90 +12368,98 @@
         </p:nvSpPr>
         <p:spPr/>
         <p:txBody>
+          <a:bodyPr>
+            <a:normAutofit/>
+          </a:bodyPr>
+          <a:lstStyle/>
+          <a:p>
+            <a:r>
+              <a:rPr lang="sl-SI" dirty="0" smtClean="0"/>
+              <a:t>Iskanje </a:t>
+            </a:r>
+            <a:r>
+              <a:rPr lang="sl-SI" dirty="0" err="1" smtClean="0"/>
+              <a:t>blossomov</a:t>
+            </a:r>
+            <a:endParaRPr lang="en-US" dirty="0"/>
+          </a:p>
+        </p:txBody>
+      </p:sp>
+      <p:sp>
+        <p:nvSpPr>
+          <p:cNvPr id="3" name="Ograda vsebine 2"/>
+          <p:cNvSpPr>
+            <a:spLocks noGrp="1"/>
+          </p:cNvSpPr>
+          <p:nvPr>
+            <p:ph idx="1"/>
+          </p:nvPr>
+        </p:nvSpPr>
+        <p:spPr/>
+        <p:txBody>
           <a:bodyPr/>
           <a:lstStyle/>
           <a:p>
+            <a:pPr marL="514350" indent="-514350">
+              <a:buFont typeface="+mj-lt"/>
+              <a:buAutoNum type="arabicPeriod"/>
+            </a:pPr>
             <a:r>
               <a:rPr lang="sl-SI" dirty="0" smtClean="0"/>
-              <a:t>Povečujoča pot</a:t>
-            </a:r>
+              <a:t>Preglej graf, začni v izpostavljenem vozlišču</a:t>
+            </a:r>
+          </a:p>
+          <a:p>
+            <a:pPr marL="514350" indent="-514350">
+              <a:buFont typeface="+mj-lt"/>
+              <a:buAutoNum type="arabicPeriod"/>
+            </a:pPr>
+            <a:r>
+              <a:rPr lang="sl-SI" dirty="0" smtClean="0"/>
+              <a:t>Začetnega označi z „o“</a:t>
+            </a:r>
+          </a:p>
+          <a:p>
+            <a:pPr marL="514350" indent="-514350">
+              <a:buFont typeface="+mj-lt"/>
+              <a:buAutoNum type="arabicPeriod"/>
+            </a:pPr>
+            <a:r>
+              <a:rPr lang="sl-SI" dirty="0" err="1" smtClean="0"/>
+              <a:t>Alternirajoče</a:t>
+            </a:r>
+            <a:r>
+              <a:rPr lang="sl-SI" dirty="0" smtClean="0"/>
+              <a:t> označi z „i“ in „o“</a:t>
+            </a:r>
+          </a:p>
+          <a:p>
+            <a:pPr marL="514350" indent="-514350">
+              <a:buFont typeface="+mj-lt"/>
+              <a:buAutoNum type="arabicPeriod"/>
+            </a:pPr>
+            <a:r>
+              <a:rPr lang="sl-SI" dirty="0" smtClean="0"/>
+              <a:t>Če sta končna 2 označena z „o“ je </a:t>
+            </a:r>
+            <a:r>
+              <a:rPr lang="sl-SI" dirty="0" err="1" smtClean="0"/>
+              <a:t>blossom</a:t>
+            </a:r>
+            <a:r>
+              <a:rPr lang="sl-SI" dirty="0" smtClean="0"/>
+              <a:t>.</a:t>
+            </a:r>
+          </a:p>
+          <a:p>
             <a:endParaRPr lang="en-US" dirty="0"/>
           </a:p>
         </p:txBody>
       </p:sp>
-      <p:sp>
-        <p:nvSpPr>
-          <p:cNvPr id="3" name="Ograda vsebine 2"/>
-          <p:cNvSpPr>
-            <a:spLocks noGrp="1"/>
-          </p:cNvSpPr>
-          <p:nvPr>
-            <p:ph idx="1"/>
-          </p:nvPr>
-        </p:nvSpPr>
-        <p:spPr/>
-        <p:txBody>
-          <a:bodyPr/>
-          <a:lstStyle/>
-          <a:p>
-            <a:r>
-              <a:rPr lang="sl-SI" dirty="0" smtClean="0"/>
-              <a:t>Pot ki se začne in konča v prostem vozlišču in alternira med povezavami, ki so v prirejanju in niso.</a:t>
-            </a:r>
-          </a:p>
-          <a:p>
-            <a:r>
-              <a:rPr lang="sl-SI" dirty="0" smtClean="0"/>
-              <a:t>Pot lihe dolžine</a:t>
-            </a:r>
-          </a:p>
-        </p:txBody>
-      </p:sp>
-      <p:pic>
-        <p:nvPicPr>
-          <p:cNvPr id="6146" name="Picture 2" descr="C:\Documents and Settings\xxx\Desktop\BlossomAlgoritem\slike\03_Description.png"/>
-          <p:cNvPicPr>
-            <a:picLocks noChangeAspect="1" noChangeArrowheads="1"/>
-          </p:cNvPicPr>
-          <p:nvPr/>
-        </p:nvPicPr>
-        <p:blipFill>
-          <a:blip r:embed="rId3">
-            <a:extLst>
-              <a:ext uri="{28A0092B-C50C-407E-A947-70E740481C1C}">
-                <a14:useLocalDpi xmlns:a14="http://schemas.microsoft.com/office/drawing/2010/main" val="0"/>
-              </a:ext>
-            </a:extLst>
-          </a:blip>
-          <a:srcRect/>
-          <a:stretch>
-            <a:fillRect/>
-          </a:stretch>
-        </p:blipFill>
-        <p:spPr bwMode="auto">
-          <a:xfrm>
-            <a:off x="3131840" y="3670785"/>
-            <a:ext cx="3106266" cy="2609773"/>
-          </a:xfrm>
-          <a:prstGeom prst="rect">
-            <a:avLst/>
-          </a:prstGeom>
-          <a:noFill/>
-          <a:extLst>
-            <a:ext uri="{909E8E84-426E-40DD-AFC4-6F175D3DCCD1}">
-              <a14:hiddenFill xmlns:a14="http://schemas.microsoft.com/office/drawing/2010/main">
-                <a:solidFill>
-                  <a:srgbClr val="FFFFFF"/>
-                </a:solidFill>
-              </a14:hiddenFill>
-            </a:ext>
-          </a:extLst>
-        </p:spPr>
-      </p:pic>
     </p:spTree>
     <p:extLst>
       <p:ext uri="{BB962C8B-B14F-4D97-AF65-F5344CB8AC3E}">
-        <p14:creationId xmlns:p14="http://schemas.microsoft.com/office/powerpoint/2010/main" val="3276005795"/>
+        <p14:creationId xmlns:p14="http://schemas.microsoft.com/office/powerpoint/2010/main" val="4118538121"/>
       </p:ext>
     </p:extLst>
   </p:cSld>
@@ -12499,7 +12727,7 @@
   <a:extraClrSchemeLst/>
   <a:extLst>
     <a:ext uri="{05A4C25C-085E-4340-85A3-A5531E510DB2}">
-      <thm15:themeFamily xmlns="" xmlns:thm15="http://schemas.microsoft.com/office/thememl/2012/main" name="Facet" id="{C0C680CD-088A-49FC-A102-D699147F32B2}" vid="{CFBC31BA-B70F-4F30-BCAA-4F3011E16C4D}"/>
+      <thm15:themeFamily xmlns:thm15="http://schemas.microsoft.com/office/thememl/2012/main" xmlns="" name="Facet" id="{C0C680CD-088A-49FC-A102-D699147F32B2}" vid="{CFBC31BA-B70F-4F30-BCAA-4F3011E16C4D}"/>
     </a:ext>
   </a:extLst>
 </a:theme>

--- a/Blossomov algoritem.pptx
+++ b/Blossomov algoritem.pptx
@@ -145,7 +145,7 @@
   </p:defaultTextStyle>
   <p:extLst>
     <p:ext uri="{EFAFB233-063F-42B5-8137-9DF3F51BA10A}">
-      <p15:sldGuideLst xmlns:p15="http://schemas.microsoft.com/office/powerpoint/2012/main" xmlns="">
+      <p15:sldGuideLst xmlns="" xmlns:p15="http://schemas.microsoft.com/office/powerpoint/2012/main">
         <p15:guide id="1" orient="horz" pos="2160">
           <p15:clr>
             <a:srgbClr val="A4A3A4"/>
@@ -244,7 +244,7 @@
           <a:p>
             <a:fld id="{ED5F83C0-93FC-466A-87FD-4A535B857586}" type="datetimeFigureOut">
               <a:rPr lang="en-US" smtClean="0"/>
-              <a:t>3/7/2018</a:t>
+              <a:t>4/10/2018</a:t>
             </a:fld>
             <a:endParaRPr lang="en-US"/>
           </a:p>
@@ -2027,7 +2027,7 @@
           <a:p>
             <a:fld id="{BA6EFB0A-BEF4-4384-B5CA-BA492AB9664D}" type="datetimeFigureOut">
               <a:rPr lang="en-US" smtClean="0"/>
-              <a:t>3/7/2018</a:t>
+              <a:t>4/10/2018</a:t>
             </a:fld>
             <a:endParaRPr lang="en-US"/>
           </a:p>
@@ -2278,7 +2278,7 @@
           <a:p>
             <a:fld id="{BA6EFB0A-BEF4-4384-B5CA-BA492AB9664D}" type="datetimeFigureOut">
               <a:rPr lang="en-US" smtClean="0"/>
-              <a:t>3/7/2018</a:t>
+              <a:t>4/10/2018</a:t>
             </a:fld>
             <a:endParaRPr lang="en-US"/>
           </a:p>
@@ -2592,7 +2592,7 @@
           <a:p>
             <a:fld id="{BA6EFB0A-BEF4-4384-B5CA-BA492AB9664D}" type="datetimeFigureOut">
               <a:rPr lang="en-US" smtClean="0"/>
-              <a:t>3/7/2018</a:t>
+              <a:t>4/10/2018</a:t>
             </a:fld>
             <a:endParaRPr lang="en-US"/>
           </a:p>
@@ -2925,7 +2925,7 @@
           <a:p>
             <a:fld id="{BA6EFB0A-BEF4-4384-B5CA-BA492AB9664D}" type="datetimeFigureOut">
               <a:rPr lang="en-US" smtClean="0"/>
-              <a:t>3/7/2018</a:t>
+              <a:t>4/10/2018</a:t>
             </a:fld>
             <a:endParaRPr lang="en-US"/>
           </a:p>
@@ -3239,7 +3239,7 @@
           <a:p>
             <a:fld id="{BA6EFB0A-BEF4-4384-B5CA-BA492AB9664D}" type="datetimeFigureOut">
               <a:rPr lang="en-US" smtClean="0"/>
-              <a:t>3/7/2018</a:t>
+              <a:t>4/10/2018</a:t>
             </a:fld>
             <a:endParaRPr lang="en-US"/>
           </a:p>
@@ -3632,7 +3632,7 @@
           <a:p>
             <a:fld id="{BA6EFB0A-BEF4-4384-B5CA-BA492AB9664D}" type="datetimeFigureOut">
               <a:rPr lang="en-US" smtClean="0"/>
-              <a:t>3/7/2018</a:t>
+              <a:t>4/10/2018</a:t>
             </a:fld>
             <a:endParaRPr lang="en-US"/>
           </a:p>
@@ -3802,7 +3802,7 @@
           <a:p>
             <a:fld id="{BA6EFB0A-BEF4-4384-B5CA-BA492AB9664D}" type="datetimeFigureOut">
               <a:rPr lang="en-US" smtClean="0"/>
-              <a:t>3/7/2018</a:t>
+              <a:t>4/10/2018</a:t>
             </a:fld>
             <a:endParaRPr lang="en-US"/>
           </a:p>
@@ -3982,7 +3982,7 @@
           <a:p>
             <a:fld id="{BA6EFB0A-BEF4-4384-B5CA-BA492AB9664D}" type="datetimeFigureOut">
               <a:rPr lang="en-US" smtClean="0"/>
-              <a:t>3/7/2018</a:t>
+              <a:t>4/10/2018</a:t>
             </a:fld>
             <a:endParaRPr lang="en-US"/>
           </a:p>
@@ -4152,7 +4152,7 @@
           <a:p>
             <a:fld id="{BA6EFB0A-BEF4-4384-B5CA-BA492AB9664D}" type="datetimeFigureOut">
               <a:rPr lang="en-US" smtClean="0"/>
-              <a:t>3/7/2018</a:t>
+              <a:t>4/10/2018</a:t>
             </a:fld>
             <a:endParaRPr lang="en-US"/>
           </a:p>
@@ -4399,7 +4399,7 @@
           <a:p>
             <a:fld id="{BA6EFB0A-BEF4-4384-B5CA-BA492AB9664D}" type="datetimeFigureOut">
               <a:rPr lang="en-US" smtClean="0"/>
-              <a:t>3/7/2018</a:t>
+              <a:t>4/10/2018</a:t>
             </a:fld>
             <a:endParaRPr lang="en-US"/>
           </a:p>
@@ -4696,7 +4696,7 @@
           <a:p>
             <a:fld id="{BA6EFB0A-BEF4-4384-B5CA-BA492AB9664D}" type="datetimeFigureOut">
               <a:rPr lang="en-US" smtClean="0"/>
-              <a:t>3/7/2018</a:t>
+              <a:t>4/10/2018</a:t>
             </a:fld>
             <a:endParaRPr lang="en-US"/>
           </a:p>
@@ -5075,7 +5075,7 @@
           <a:p>
             <a:fld id="{BA6EFB0A-BEF4-4384-B5CA-BA492AB9664D}" type="datetimeFigureOut">
               <a:rPr lang="en-US" smtClean="0"/>
-              <a:t>3/7/2018</a:t>
+              <a:t>4/10/2018</a:t>
             </a:fld>
             <a:endParaRPr lang="en-US"/>
           </a:p>
@@ -5198,7 +5198,7 @@
           <a:p>
             <a:fld id="{BA6EFB0A-BEF4-4384-B5CA-BA492AB9664D}" type="datetimeFigureOut">
               <a:rPr lang="en-US" smtClean="0"/>
-              <a:t>3/7/2018</a:t>
+              <a:t>4/10/2018</a:t>
             </a:fld>
             <a:endParaRPr lang="en-US"/>
           </a:p>
@@ -5293,7 +5293,7 @@
           <a:p>
             <a:fld id="{BA6EFB0A-BEF4-4384-B5CA-BA492AB9664D}" type="datetimeFigureOut">
               <a:rPr lang="en-US" smtClean="0"/>
-              <a:t>3/7/2018</a:t>
+              <a:t>4/10/2018</a:t>
             </a:fld>
             <a:endParaRPr lang="en-US"/>
           </a:p>
@@ -5548,7 +5548,7 @@
           <a:p>
             <a:fld id="{BA6EFB0A-BEF4-4384-B5CA-BA492AB9664D}" type="datetimeFigureOut">
               <a:rPr lang="en-US" smtClean="0"/>
-              <a:t>3/7/2018</a:t>
+              <a:t>4/10/2018</a:t>
             </a:fld>
             <a:endParaRPr lang="en-US"/>
           </a:p>
@@ -5811,7 +5811,7 @@
           <a:p>
             <a:fld id="{BA6EFB0A-BEF4-4384-B5CA-BA492AB9664D}" type="datetimeFigureOut">
               <a:rPr lang="en-US" smtClean="0"/>
-              <a:t>3/7/2018</a:t>
+              <a:t>4/10/2018</a:t>
             </a:fld>
             <a:endParaRPr lang="en-US"/>
           </a:p>
@@ -6625,7 +6625,7 @@
           <a:p>
             <a:fld id="{BA6EFB0A-BEF4-4384-B5CA-BA492AB9664D}" type="datetimeFigureOut">
               <a:rPr lang="en-US" smtClean="0"/>
-              <a:t>3/7/2018</a:t>
+              <a:t>4/10/2018</a:t>
             </a:fld>
             <a:endParaRPr lang="en-US"/>
           </a:p>
@@ -8520,10 +8520,9 @@
           <a:lstStyle/>
           <a:p>
             <a:r>
-              <a:rPr lang="sl-SI" dirty="0" smtClean="0"/>
-              <a:t>Določi največjo podmnožico povezav v grafu, tako da nobeno vozlišče ne bo dotaknjeno več kot 1x.</a:t>
-            </a:r>
-            <a:endParaRPr lang="en-US" dirty="0"/>
+              <a:rPr lang="sl-SI" dirty="0"/>
+              <a:t>Določi največje prirejanje v splošnem grafu.</a:t>
+            </a:r>
           </a:p>
         </p:txBody>
       </p:sp>
@@ -11324,10 +11323,6 @@
             <a:r>
               <a:rPr lang="sl-SI" dirty="0" smtClean="0"/>
               <a:t>(stran 77-84)</a:t>
-            </a:r>
-            <a:r>
-              <a:rPr lang="sl-SI" dirty="0" smtClean="0"/>
-              <a:t/>
             </a:r>
             <a:br>
               <a:rPr lang="sl-SI" dirty="0" smtClean="0"/>
@@ -12727,7 +12722,7 @@
   <a:extraClrSchemeLst/>
   <a:extLst>
     <a:ext uri="{05A4C25C-085E-4340-85A3-A5531E510DB2}">
-      <thm15:themeFamily xmlns:thm15="http://schemas.microsoft.com/office/thememl/2012/main" xmlns="" name="Facet" id="{C0C680CD-088A-49FC-A102-D699147F32B2}" vid="{CFBC31BA-B70F-4F30-BCAA-4F3011E16C4D}"/>
+      <thm15:themeFamily xmlns="" xmlns:thm15="http://schemas.microsoft.com/office/thememl/2012/main" name="Facet" id="{C0C680CD-088A-49FC-A102-D699147F32B2}" vid="{CFBC31BA-B70F-4F30-BCAA-4F3011E16C4D}"/>
     </a:ext>
   </a:extLst>
 </a:theme>
